--- a/0 발표용 파워포인트/0424 4차발표/0424 project05 - 파워포인트 - 형준.pptx
+++ b/0 발표용 파워포인트/0424 4차발표/0424 project05 - 파워포인트 - 형준.pptx
@@ -5,10 +5,12 @@
     <p:sldMasterId id="2147483648" r:id="rId1"/>
   </p:sldMasterIdLst>
   <p:notesMasterIdLst>
-    <p:notesMasterId r:id="rId3"/>
+    <p:notesMasterId r:id="rId5"/>
   </p:notesMasterIdLst>
   <p:sldIdLst>
     <p:sldId id="256" r:id="rId2"/>
+    <p:sldId id="258" r:id="rId3"/>
+    <p:sldId id="257" r:id="rId4"/>
   </p:sldIdLst>
   <p:sldSz cx="12192000" cy="6858000"/>
   <p:notesSz cx="6858000" cy="9144000"/>
@@ -209,7 +211,7 @@
             <a:fld id="{EFE7F2A0-C7D9-4DBD-AE3B-C1A712DCE501}" type="datetimeFigureOut">
               <a:rPr lang="ko-KR" altLang="en-US" smtClean="0"/>
               <a:pPr/>
-              <a:t>2020-03-28</a:t>
+              <a:t>2020-04-20</a:t>
             </a:fld>
             <a:endParaRPr lang="ko-KR" altLang="en-US"/>
           </a:p>
@@ -478,6 +480,133 @@
 </p:notesMaster>
 </file>
 
+<file path=ppt/notesSlides/notesSlide1.xml><?xml version="1.0" encoding="utf-8"?>
+<p:notes xmlns:a="http://schemas.openxmlformats.org/drawingml/2006/main" xmlns:r="http://schemas.openxmlformats.org/officeDocument/2006/relationships" xmlns:p="http://schemas.openxmlformats.org/presentationml/2006/main" showMasterSp="0" showMasterPhAnim="0">
+  <p:cSld>
+    <p:spTree>
+      <p:nvGrpSpPr>
+        <p:cNvPr id="1" name="Shape 87"/>
+        <p:cNvGrpSpPr/>
+        <p:nvPr/>
+      </p:nvGrpSpPr>
+      <p:grpSpPr>
+        <a:xfrm>
+          <a:off x="0" y="0"/>
+          <a:ext cx="0" cy="0"/>
+          <a:chOff x="0" y="0"/>
+          <a:chExt cx="0" cy="0"/>
+        </a:xfrm>
+      </p:grpSpPr>
+      <p:sp>
+        <p:nvSpPr>
+          <p:cNvPr id="88" name="Google Shape;88;g7c553259d1_0_3:notes"/>
+          <p:cNvSpPr txBox="1">
+            <a:spLocks noGrp="1"/>
+          </p:cNvSpPr>
+          <p:nvPr>
+            <p:ph type="body" idx="1"/>
+          </p:nvPr>
+        </p:nvSpPr>
+        <p:spPr>
+          <a:xfrm>
+            <a:off x="685800" y="4343400"/>
+            <a:ext cx="5486400" cy="4114800"/>
+          </a:xfrm>
+          <a:prstGeom prst="rect">
+            <a:avLst/>
+          </a:prstGeom>
+          <a:noFill/>
+          <a:ln>
+            <a:noFill/>
+          </a:ln>
+        </p:spPr>
+        <p:txBody>
+          <a:bodyPr spcFirstLastPara="1" wrap="square" lIns="91425" tIns="91425" rIns="91425" bIns="91425" anchor="t" anchorCtr="0">
+            <a:noAutofit/>
+          </a:bodyPr>
+          <a:lstStyle/>
+          <a:p>
+            <a:pPr marL="0" lvl="0" indent="0" algn="l" rtl="0">
+              <a:lnSpc>
+                <a:spcPct val="100000"/>
+              </a:lnSpc>
+              <a:spcBef>
+                <a:spcPts val="0"/>
+              </a:spcBef>
+              <a:spcAft>
+                <a:spcPts val="0"/>
+              </a:spcAft>
+              <a:buSzPts val="1100"/>
+              <a:buNone/>
+            </a:pPr>
+            <a:endParaRPr/>
+          </a:p>
+        </p:txBody>
+      </p:sp>
+      <p:sp>
+        <p:nvSpPr>
+          <p:cNvPr id="89" name="Google Shape;89;g7c553259d1_0_3:notes"/>
+          <p:cNvSpPr>
+            <a:spLocks noGrp="1" noRot="1" noChangeAspect="1"/>
+          </p:cNvSpPr>
+          <p:nvPr>
+            <p:ph type="sldImg" idx="2"/>
+          </p:nvPr>
+        </p:nvSpPr>
+        <p:spPr>
+          <a:xfrm>
+            <a:off x="382588" y="685800"/>
+            <a:ext cx="6094412" cy="3429000"/>
+          </a:xfrm>
+          <a:custGeom>
+            <a:avLst/>
+            <a:gdLst/>
+            <a:ahLst/>
+            <a:cxnLst/>
+            <a:rect l="l" t="t" r="r" b="b"/>
+            <a:pathLst>
+              <a:path w="120000" h="120000" extrusionOk="0">
+                <a:moveTo>
+                  <a:pt x="0" y="0"/>
+                </a:moveTo>
+                <a:lnTo>
+                  <a:pt x="120000" y="0"/>
+                </a:lnTo>
+                <a:lnTo>
+                  <a:pt x="120000" y="120000"/>
+                </a:lnTo>
+                <a:lnTo>
+                  <a:pt x="0" y="120000"/>
+                </a:lnTo>
+                <a:close/>
+              </a:path>
+            </a:pathLst>
+          </a:custGeom>
+          <a:noFill/>
+          <a:ln w="9525" cap="flat" cmpd="sng">
+            <a:solidFill>
+              <a:srgbClr val="000000"/>
+            </a:solidFill>
+            <a:prstDash val="solid"/>
+            <a:round/>
+            <a:headEnd type="none" w="sm" len="sm"/>
+            <a:tailEnd type="none" w="sm" len="sm"/>
+          </a:ln>
+        </p:spPr>
+      </p:sp>
+    </p:spTree>
+    <p:extLst>
+      <p:ext uri="{BB962C8B-B14F-4D97-AF65-F5344CB8AC3E}">
+        <p14:creationId xmlns:p14="http://schemas.microsoft.com/office/powerpoint/2010/main" val="1583684764"/>
+      </p:ext>
+    </p:extLst>
+  </p:cSld>
+  <p:clrMapOvr>
+    <a:masterClrMapping/>
+  </p:clrMapOvr>
+</p:notes>
+</file>
+
 <file path=ppt/slideLayouts/slideLayout1.xml><?xml version="1.0" encoding="utf-8"?>
 <p:sldLayout xmlns:a="http://schemas.openxmlformats.org/drawingml/2006/main" xmlns:r="http://schemas.openxmlformats.org/officeDocument/2006/relationships" xmlns:p="http://schemas.openxmlformats.org/presentationml/2006/main" type="title" preserve="1">
   <p:cSld name="제목 슬라이드">
@@ -610,7 +739,7 @@
             <a:fld id="{272C3D53-FEDF-49EC-8F65-FFFC138B637E}" type="datetimeFigureOut">
               <a:rPr lang="ko-KR" altLang="en-US" smtClean="0"/>
               <a:pPr/>
-              <a:t>2020-03-28</a:t>
+              <a:t>2020-04-20</a:t>
             </a:fld>
             <a:endParaRPr lang="ko-KR" altLang="en-US"/>
           </a:p>
@@ -782,7 +911,7 @@
             <a:fld id="{272C3D53-FEDF-49EC-8F65-FFFC138B637E}" type="datetimeFigureOut">
               <a:rPr lang="ko-KR" altLang="en-US" smtClean="0"/>
               <a:pPr/>
-              <a:t>2020-03-28</a:t>
+              <a:t>2020-04-20</a:t>
             </a:fld>
             <a:endParaRPr lang="ko-KR" altLang="en-US"/>
           </a:p>
@@ -964,7 +1093,7 @@
             <a:fld id="{272C3D53-FEDF-49EC-8F65-FFFC138B637E}" type="datetimeFigureOut">
               <a:rPr lang="ko-KR" altLang="en-US" smtClean="0"/>
               <a:pPr/>
-              <a:t>2020-03-28</a:t>
+              <a:t>2020-04-20</a:t>
             </a:fld>
             <a:endParaRPr lang="ko-KR" altLang="en-US"/>
           </a:p>
@@ -1136,7 +1265,7 @@
             <a:fld id="{272C3D53-FEDF-49EC-8F65-FFFC138B637E}" type="datetimeFigureOut">
               <a:rPr lang="ko-KR" altLang="en-US" smtClean="0"/>
               <a:pPr/>
-              <a:t>2020-03-28</a:t>
+              <a:t>2020-04-20</a:t>
             </a:fld>
             <a:endParaRPr lang="ko-KR" altLang="en-US"/>
           </a:p>
@@ -1384,7 +1513,7 @@
             <a:fld id="{272C3D53-FEDF-49EC-8F65-FFFC138B637E}" type="datetimeFigureOut">
               <a:rPr lang="ko-KR" altLang="en-US" smtClean="0"/>
               <a:pPr/>
-              <a:t>2020-03-28</a:t>
+              <a:t>2020-04-20</a:t>
             </a:fld>
             <a:endParaRPr lang="ko-KR" altLang="en-US"/>
           </a:p>
@@ -1618,7 +1747,7 @@
             <a:fld id="{272C3D53-FEDF-49EC-8F65-FFFC138B637E}" type="datetimeFigureOut">
               <a:rPr lang="ko-KR" altLang="en-US" smtClean="0"/>
               <a:pPr/>
-              <a:t>2020-03-28</a:t>
+              <a:t>2020-04-20</a:t>
             </a:fld>
             <a:endParaRPr lang="ko-KR" altLang="en-US"/>
           </a:p>
@@ -1987,7 +2116,7 @@
             <a:fld id="{272C3D53-FEDF-49EC-8F65-FFFC138B637E}" type="datetimeFigureOut">
               <a:rPr lang="ko-KR" altLang="en-US" smtClean="0"/>
               <a:pPr/>
-              <a:t>2020-03-28</a:t>
+              <a:t>2020-04-20</a:t>
             </a:fld>
             <a:endParaRPr lang="ko-KR" altLang="en-US"/>
           </a:p>
@@ -2107,7 +2236,7 @@
             <a:fld id="{272C3D53-FEDF-49EC-8F65-FFFC138B637E}" type="datetimeFigureOut">
               <a:rPr lang="ko-KR" altLang="en-US" smtClean="0"/>
               <a:pPr/>
-              <a:t>2020-03-28</a:t>
+              <a:t>2020-04-20</a:t>
             </a:fld>
             <a:endParaRPr lang="ko-KR" altLang="en-US"/>
           </a:p>
@@ -2204,7 +2333,7 @@
             <a:fld id="{272C3D53-FEDF-49EC-8F65-FFFC138B637E}" type="datetimeFigureOut">
               <a:rPr lang="ko-KR" altLang="en-US" smtClean="0"/>
               <a:pPr/>
-              <a:t>2020-03-28</a:t>
+              <a:t>2020-04-20</a:t>
             </a:fld>
             <a:endParaRPr lang="ko-KR" altLang="en-US"/>
           </a:p>
@@ -2483,7 +2612,7 @@
             <a:fld id="{272C3D53-FEDF-49EC-8F65-FFFC138B637E}" type="datetimeFigureOut">
               <a:rPr lang="ko-KR" altLang="en-US" smtClean="0"/>
               <a:pPr/>
-              <a:t>2020-03-28</a:t>
+              <a:t>2020-04-20</a:t>
             </a:fld>
             <a:endParaRPr lang="ko-KR" altLang="en-US"/>
           </a:p>
@@ -2738,7 +2867,7 @@
             <a:fld id="{272C3D53-FEDF-49EC-8F65-FFFC138B637E}" type="datetimeFigureOut">
               <a:rPr lang="ko-KR" altLang="en-US" smtClean="0"/>
               <a:pPr/>
-              <a:t>2020-03-28</a:t>
+              <a:t>2020-04-20</a:t>
             </a:fld>
             <a:endParaRPr lang="ko-KR" altLang="en-US"/>
           </a:p>
@@ -2953,7 +3082,7 @@
             <a:fld id="{272C3D53-FEDF-49EC-8F65-FFFC138B637E}" type="datetimeFigureOut">
               <a:rPr lang="ko-KR" altLang="en-US" smtClean="0"/>
               <a:pPr/>
-              <a:t>2020-03-28</a:t>
+              <a:t>2020-04-20</a:t>
             </a:fld>
             <a:endParaRPr lang="ko-KR" altLang="en-US"/>
           </a:p>
@@ -3441,6 +3570,663 @@
   <p:clrMapOvr>
     <a:masterClrMapping/>
   </p:clrMapOvr>
+</p:sld>
+</file>
+
+<file path=ppt/slides/slide2.xml><?xml version="1.0" encoding="utf-8"?>
+<p:sld xmlns:a="http://schemas.openxmlformats.org/drawingml/2006/main" xmlns:r="http://schemas.openxmlformats.org/officeDocument/2006/relationships" xmlns:p="http://schemas.openxmlformats.org/presentationml/2006/main">
+  <p:cSld>
+    <p:spTree>
+      <p:nvGrpSpPr>
+        <p:cNvPr id="1" name=""/>
+        <p:cNvGrpSpPr/>
+        <p:nvPr/>
+      </p:nvGrpSpPr>
+      <p:grpSpPr>
+        <a:xfrm>
+          <a:off x="0" y="0"/>
+          <a:ext cx="0" cy="0"/>
+          <a:chOff x="0" y="0"/>
+          <a:chExt cx="0" cy="0"/>
+        </a:xfrm>
+      </p:grpSpPr>
+      <p:sp>
+        <p:nvSpPr>
+          <p:cNvPr id="4" name="TextBox 3"/>
+          <p:cNvSpPr txBox="1"/>
+          <p:nvPr/>
+        </p:nvSpPr>
+        <p:spPr>
+          <a:xfrm>
+            <a:off x="380466" y="160866"/>
+            <a:ext cx="10744734" cy="477054"/>
+          </a:xfrm>
+          <a:prstGeom prst="rect">
+            <a:avLst/>
+          </a:prstGeom>
+          <a:noFill/>
+        </p:spPr>
+        <p:txBody>
+          <a:bodyPr wrap="square" rtlCol="0">
+            <a:spAutoFit/>
+          </a:bodyPr>
+          <a:lstStyle/>
+          <a:p>
+            <a:pPr lvl="0" algn="ctr">
+              <a:buClr>
+                <a:srgbClr val="000000"/>
+              </a:buClr>
+              <a:buSzPts val="1500"/>
+              <a:defRPr/>
+            </a:pPr>
+            <a:r>
+              <a:rPr lang="en-US" altLang="ko-KR" sz="2500" b="1" dirty="0" smtClean="0">
+                <a:solidFill>
+                  <a:schemeClr val="bg1"/>
+                </a:solidFill>
+                <a:latin typeface="+mj-lt"/>
+              </a:rPr>
+              <a:t>[</a:t>
+            </a:r>
+            <a:r>
+              <a:rPr lang="ko-KR" altLang="en-US" sz="2500" b="1" dirty="0" smtClean="0">
+                <a:solidFill>
+                  <a:schemeClr val="bg1"/>
+                </a:solidFill>
+                <a:latin typeface="+mj-lt"/>
+              </a:rPr>
+              <a:t>화면 구현</a:t>
+            </a:r>
+            <a:r>
+              <a:rPr lang="en-US" altLang="ko-KR" sz="2500" b="1" dirty="0" smtClean="0">
+                <a:solidFill>
+                  <a:schemeClr val="bg1"/>
+                </a:solidFill>
+                <a:latin typeface="+mj-lt"/>
+              </a:rPr>
+              <a:t>] </a:t>
+            </a:r>
+            <a:r>
+              <a:rPr lang="ko-KR" altLang="en-US" sz="2500" b="1" dirty="0" smtClean="0">
+                <a:solidFill>
+                  <a:schemeClr val="bg1"/>
+                </a:solidFill>
+                <a:latin typeface="+mj-lt"/>
+              </a:rPr>
+              <a:t>사용자 </a:t>
+            </a:r>
+            <a:r>
+              <a:rPr lang="en-US" altLang="ko-KR" sz="2500" b="1" dirty="0" smtClean="0">
+                <a:solidFill>
+                  <a:schemeClr val="bg1"/>
+                </a:solidFill>
+                <a:latin typeface="+mj-lt"/>
+              </a:rPr>
+              <a:t>- </a:t>
+            </a:r>
+            <a:r>
+              <a:rPr lang="ko-KR" altLang="en-US" sz="2500" b="1" dirty="0" smtClean="0">
+                <a:solidFill>
+                  <a:schemeClr val="bg1"/>
+                </a:solidFill>
+                <a:latin typeface="+mj-lt"/>
+              </a:rPr>
+              <a:t>웹 </a:t>
+            </a:r>
+            <a:r>
+              <a:rPr lang="en-US" altLang="ko-KR" sz="2500" b="1" dirty="0" smtClean="0">
+                <a:solidFill>
+                  <a:schemeClr val="bg1"/>
+                </a:solidFill>
+                <a:latin typeface="+mj-lt"/>
+              </a:rPr>
+              <a:t>– </a:t>
+            </a:r>
+            <a:r>
+              <a:rPr lang="ko-KR" altLang="en-US" sz="2500" b="1" dirty="0" smtClean="0">
+                <a:solidFill>
+                  <a:schemeClr val="bg1"/>
+                </a:solidFill>
+                <a:latin typeface="+mj-lt"/>
+              </a:rPr>
+              <a:t>회원가입 </a:t>
+            </a:r>
+            <a:r>
+              <a:rPr lang="en-US" altLang="ko-KR" sz="2500" b="1" dirty="0" smtClean="0">
+                <a:solidFill>
+                  <a:schemeClr val="bg1"/>
+                </a:solidFill>
+                <a:latin typeface="+mj-lt"/>
+              </a:rPr>
+              <a:t>– </a:t>
+            </a:r>
+            <a:r>
+              <a:rPr lang="ko-KR" altLang="en-US" sz="2500" b="1" dirty="0" smtClean="0">
+                <a:solidFill>
+                  <a:schemeClr val="bg1"/>
+                </a:solidFill>
+                <a:latin typeface="+mj-lt"/>
+              </a:rPr>
+              <a:t>회원가입 </a:t>
+            </a:r>
+            <a:r>
+              <a:rPr lang="ko-KR" altLang="en-US" sz="2500" b="1" dirty="0" smtClean="0">
+                <a:solidFill>
+                  <a:schemeClr val="bg1"/>
+                </a:solidFill>
+                <a:latin typeface="+mj-lt"/>
+              </a:rPr>
+              <a:t>폼</a:t>
+            </a:r>
+            <a:r>
+              <a:rPr lang="en-US" altLang="ko-KR" sz="2500" b="1" dirty="0" smtClean="0">
+                <a:solidFill>
+                  <a:schemeClr val="bg1"/>
+                </a:solidFill>
+                <a:latin typeface="+mj-lt"/>
+              </a:rPr>
+              <a:t>(</a:t>
+            </a:r>
+            <a:r>
+              <a:rPr lang="ko-KR" altLang="en-US" sz="2500" b="1" dirty="0" smtClean="0">
+                <a:solidFill>
+                  <a:schemeClr val="bg1"/>
+                </a:solidFill>
+                <a:latin typeface="+mj-lt"/>
+              </a:rPr>
+              <a:t>수정</a:t>
+            </a:r>
+            <a:r>
+              <a:rPr lang="en-US" altLang="ko-KR" sz="2500" b="1" dirty="0" smtClean="0">
+                <a:solidFill>
+                  <a:schemeClr val="bg1"/>
+                </a:solidFill>
+                <a:latin typeface="+mj-lt"/>
+              </a:rPr>
+              <a:t>)</a:t>
+            </a:r>
+            <a:endParaRPr lang="ko-KR" altLang="en-US" sz="2500" b="1" dirty="0">
+              <a:solidFill>
+                <a:schemeClr val="bg1"/>
+              </a:solidFill>
+              <a:latin typeface="+mj-lt"/>
+            </a:endParaRPr>
+          </a:p>
+        </p:txBody>
+      </p:sp>
+      <p:sp>
+        <p:nvSpPr>
+          <p:cNvPr id="5" name="TextBox 4"/>
+          <p:cNvSpPr txBox="1"/>
+          <p:nvPr/>
+        </p:nvSpPr>
+        <p:spPr>
+          <a:xfrm>
+            <a:off x="7531100" y="1854200"/>
+            <a:ext cx="4089400" cy="1754326"/>
+          </a:xfrm>
+          <a:prstGeom prst="rect">
+            <a:avLst/>
+          </a:prstGeom>
+          <a:noFill/>
+        </p:spPr>
+        <p:txBody>
+          <a:bodyPr wrap="square" rtlCol="0">
+            <a:spAutoFit/>
+          </a:bodyPr>
+          <a:lstStyle/>
+          <a:p>
+            <a:r>
+              <a:rPr lang="ko-KR" altLang="en-US" dirty="0" smtClean="0"/>
+              <a:t>아이디</a:t>
+            </a:r>
+            <a:r>
+              <a:rPr lang="en-US" altLang="ko-KR" dirty="0" smtClean="0"/>
+              <a:t>, </a:t>
+            </a:r>
+            <a:r>
+              <a:rPr lang="ko-KR" altLang="en-US" dirty="0" smtClean="0"/>
+              <a:t>비밀번호</a:t>
+            </a:r>
+            <a:r>
+              <a:rPr lang="en-US" altLang="ko-KR" dirty="0" smtClean="0"/>
+              <a:t>, </a:t>
+            </a:r>
+            <a:r>
+              <a:rPr lang="ko-KR" altLang="en-US" dirty="0" err="1" smtClean="0"/>
+              <a:t>이메일</a:t>
+            </a:r>
+            <a:r>
+              <a:rPr lang="en-US" altLang="ko-KR" dirty="0" smtClean="0"/>
+              <a:t>, </a:t>
+            </a:r>
+            <a:r>
+              <a:rPr lang="ko-KR" altLang="en-US" dirty="0" smtClean="0"/>
+              <a:t>이름</a:t>
+            </a:r>
+            <a:r>
+              <a:rPr lang="en-US" altLang="ko-KR" dirty="0" smtClean="0"/>
+              <a:t>, </a:t>
+            </a:r>
+            <a:r>
+              <a:rPr lang="ko-KR" altLang="en-US" dirty="0" smtClean="0"/>
+              <a:t>주소</a:t>
+            </a:r>
+            <a:r>
+              <a:rPr lang="en-US" altLang="ko-KR" dirty="0" smtClean="0"/>
+              <a:t>, </a:t>
+            </a:r>
+            <a:r>
+              <a:rPr lang="ko-KR" altLang="en-US" dirty="0" smtClean="0"/>
+              <a:t>프로필이미지</a:t>
+            </a:r>
+            <a:r>
+              <a:rPr lang="en-US" altLang="ko-KR" dirty="0" smtClean="0"/>
+              <a:t>, </a:t>
+            </a:r>
+            <a:r>
+              <a:rPr lang="ko-KR" altLang="en-US" dirty="0" smtClean="0"/>
+              <a:t>관심카테고리를 받을 수 있도록 </a:t>
+            </a:r>
+            <a:r>
+              <a:rPr lang="en-US" altLang="ko-KR" dirty="0" smtClean="0"/>
+              <a:t>input</a:t>
+            </a:r>
+            <a:r>
+              <a:rPr lang="ko-KR" altLang="en-US" dirty="0" smtClean="0"/>
+              <a:t>을 이용해 </a:t>
+            </a:r>
+            <a:r>
+              <a:rPr lang="en-US" altLang="ko-KR" dirty="0" smtClean="0"/>
+              <a:t>form </a:t>
+            </a:r>
+            <a:r>
+              <a:rPr lang="ko-KR" altLang="en-US" dirty="0" smtClean="0"/>
+              <a:t>작성</a:t>
+            </a:r>
+            <a:endParaRPr lang="en-US" altLang="ko-KR" dirty="0" smtClean="0"/>
+          </a:p>
+          <a:p>
+            <a:endParaRPr lang="en-US" altLang="ko-KR" dirty="0"/>
+          </a:p>
+          <a:p>
+            <a:r>
+              <a:rPr lang="ko-KR" altLang="en-US" dirty="0" smtClean="0"/>
+              <a:t>필수사항 </a:t>
+            </a:r>
+            <a:r>
+              <a:rPr lang="en-US" altLang="ko-KR" dirty="0" smtClean="0"/>
+              <a:t>*</a:t>
+            </a:r>
+            <a:r>
+              <a:rPr lang="ko-KR" altLang="en-US" dirty="0" smtClean="0"/>
+              <a:t>표시</a:t>
+            </a:r>
+            <a:endParaRPr lang="en-US" altLang="ko-KR" dirty="0" smtClean="0"/>
+          </a:p>
+          <a:p>
+            <a:endParaRPr lang="en-US" altLang="ko-KR" dirty="0"/>
+          </a:p>
+        </p:txBody>
+      </p:sp>
+      <p:pic>
+        <p:nvPicPr>
+          <p:cNvPr id="2" name="그림 1"/>
+          <p:cNvPicPr>
+            <a:picLocks noChangeAspect="1"/>
+          </p:cNvPicPr>
+          <p:nvPr/>
+        </p:nvPicPr>
+        <p:blipFill>
+          <a:blip r:embed="rId2">
+            <a:extLst>
+              <a:ext uri="{28A0092B-C50C-407E-A947-70E740481C1C}">
+                <a14:useLocalDpi xmlns:a14="http://schemas.microsoft.com/office/drawing/2010/main" val="0"/>
+              </a:ext>
+            </a:extLst>
+          </a:blip>
+          <a:stretch>
+            <a:fillRect/>
+          </a:stretch>
+        </p:blipFill>
+        <p:spPr>
+          <a:xfrm>
+            <a:off x="836694" y="1313645"/>
+            <a:ext cx="5525470" cy="5293217"/>
+          </a:xfrm>
+          <a:prstGeom prst="rect">
+            <a:avLst/>
+          </a:prstGeom>
+        </p:spPr>
+      </p:pic>
+    </p:spTree>
+    <p:extLst>
+      <p:ext uri="{BB962C8B-B14F-4D97-AF65-F5344CB8AC3E}">
+        <p14:creationId xmlns:p14="http://schemas.microsoft.com/office/powerpoint/2010/main" val="2289283806"/>
+      </p:ext>
+    </p:extLst>
+  </p:cSld>
+  <p:clrMapOvr>
+    <a:masterClrMapping/>
+  </p:clrMapOvr>
+</p:sld>
+</file>
+
+<file path=ppt/slides/slide3.xml><?xml version="1.0" encoding="utf-8"?>
+<p:sld xmlns:a="http://schemas.openxmlformats.org/drawingml/2006/main" xmlns:r="http://schemas.openxmlformats.org/officeDocument/2006/relationships" xmlns:p="http://schemas.openxmlformats.org/presentationml/2006/main">
+  <p:cSld>
+    <p:spTree>
+      <p:nvGrpSpPr>
+        <p:cNvPr id="1" name="Shape 90"/>
+        <p:cNvGrpSpPr/>
+        <p:nvPr/>
+      </p:nvGrpSpPr>
+      <p:grpSpPr>
+        <a:xfrm>
+          <a:off x="0" y="0"/>
+          <a:ext cx="0" cy="0"/>
+          <a:chOff x="0" y="0"/>
+          <a:chExt cx="0" cy="0"/>
+        </a:xfrm>
+      </p:grpSpPr>
+      <p:sp>
+        <p:nvSpPr>
+          <p:cNvPr id="18" name="TextBox 17"/>
+          <p:cNvSpPr txBox="1"/>
+          <p:nvPr/>
+        </p:nvSpPr>
+        <p:spPr>
+          <a:xfrm>
+            <a:off x="470648" y="195307"/>
+            <a:ext cx="10933952" cy="477054"/>
+          </a:xfrm>
+          <a:prstGeom prst="rect">
+            <a:avLst/>
+          </a:prstGeom>
+          <a:noFill/>
+        </p:spPr>
+        <p:txBody>
+          <a:bodyPr wrap="square" rtlCol="0">
+            <a:spAutoFit/>
+          </a:bodyPr>
+          <a:lstStyle/>
+          <a:p>
+            <a:pPr lvl="0" algn="ctr">
+              <a:buClr>
+                <a:srgbClr val="000000"/>
+              </a:buClr>
+              <a:buSzPts val="1500"/>
+              <a:defRPr/>
+            </a:pPr>
+            <a:r>
+              <a:rPr lang="en-US" altLang="ko-KR" sz="2500" b="1" dirty="0" smtClean="0">
+                <a:solidFill>
+                  <a:schemeClr val="bg1"/>
+                </a:solidFill>
+                <a:latin typeface="+mj-lt"/>
+              </a:rPr>
+              <a:t>[</a:t>
+            </a:r>
+            <a:r>
+              <a:rPr lang="ko-KR" altLang="en-US" sz="2500" b="1" dirty="0" smtClean="0">
+                <a:solidFill>
+                  <a:schemeClr val="bg1"/>
+                </a:solidFill>
+                <a:latin typeface="+mj-lt"/>
+              </a:rPr>
+              <a:t>화면 구</a:t>
+            </a:r>
+            <a:r>
+              <a:rPr lang="ko-KR" altLang="en-US" sz="2500" b="1" dirty="0">
+                <a:solidFill>
+                  <a:schemeClr val="bg1"/>
+                </a:solidFill>
+                <a:latin typeface="+mj-lt"/>
+              </a:rPr>
+              <a:t>현</a:t>
+            </a:r>
+            <a:r>
+              <a:rPr lang="en-US" altLang="ko-KR" sz="2500" b="1" dirty="0" smtClean="0">
+                <a:solidFill>
+                  <a:schemeClr val="bg1"/>
+                </a:solidFill>
+                <a:latin typeface="+mj-lt"/>
+              </a:rPr>
+              <a:t>] </a:t>
+            </a:r>
+            <a:r>
+              <a:rPr lang="ko-KR" altLang="en-US" sz="2500" b="1" dirty="0" smtClean="0">
+                <a:solidFill>
+                  <a:schemeClr val="bg1"/>
+                </a:solidFill>
+                <a:latin typeface="+mj-lt"/>
+              </a:rPr>
+              <a:t>사용자 </a:t>
+            </a:r>
+            <a:r>
+              <a:rPr lang="en-US" altLang="ko-KR" sz="2500" b="1" dirty="0" smtClean="0">
+                <a:solidFill>
+                  <a:schemeClr val="bg1"/>
+                </a:solidFill>
+                <a:latin typeface="+mj-lt"/>
+              </a:rPr>
+              <a:t>– </a:t>
+            </a:r>
+            <a:r>
+              <a:rPr lang="ko-KR" altLang="en-US" sz="2500" b="1" dirty="0" smtClean="0">
+                <a:solidFill>
+                  <a:schemeClr val="bg1"/>
+                </a:solidFill>
+                <a:latin typeface="+mj-lt"/>
+              </a:rPr>
+              <a:t>웹</a:t>
+            </a:r>
+            <a:r>
+              <a:rPr lang="en-US" altLang="ko-KR" sz="2500" b="1" dirty="0" smtClean="0">
+                <a:solidFill>
+                  <a:schemeClr val="bg1"/>
+                </a:solidFill>
+                <a:latin typeface="+mj-lt"/>
+              </a:rPr>
+              <a:t> – </a:t>
+            </a:r>
+            <a:r>
+              <a:rPr lang="ko-KR" altLang="en-US" sz="2500" b="1" dirty="0" err="1" smtClean="0">
+                <a:solidFill>
+                  <a:schemeClr val="bg1"/>
+                </a:solidFill>
+                <a:latin typeface="+mj-lt"/>
+              </a:rPr>
+              <a:t>마이페이지</a:t>
+            </a:r>
+            <a:r>
+              <a:rPr lang="ko-KR" altLang="en-US" sz="2500" b="1" dirty="0" smtClean="0">
+                <a:solidFill>
+                  <a:schemeClr val="bg1"/>
+                </a:solidFill>
+                <a:latin typeface="+mj-lt"/>
+              </a:rPr>
+              <a:t> </a:t>
+            </a:r>
+            <a:r>
+              <a:rPr lang="en-US" altLang="ko-KR" sz="2500" b="1" dirty="0" smtClean="0">
+                <a:solidFill>
+                  <a:schemeClr val="bg1"/>
+                </a:solidFill>
+                <a:latin typeface="+mj-lt"/>
+              </a:rPr>
+              <a:t>– </a:t>
+            </a:r>
+            <a:r>
+              <a:rPr lang="ko-KR" altLang="en-US" sz="2500" b="1" dirty="0" smtClean="0">
+                <a:solidFill>
+                  <a:schemeClr val="bg1"/>
+                </a:solidFill>
+                <a:latin typeface="+mj-lt"/>
+              </a:rPr>
+              <a:t>세미나 예약 </a:t>
+            </a:r>
+            <a:r>
+              <a:rPr lang="ko-KR" altLang="en-US" sz="2500" b="1" dirty="0" smtClean="0">
+                <a:solidFill>
+                  <a:schemeClr val="bg1"/>
+                </a:solidFill>
+                <a:latin typeface="+mj-lt"/>
+              </a:rPr>
+              <a:t>리스트</a:t>
+            </a:r>
+            <a:r>
+              <a:rPr lang="en-US" altLang="ko-KR" sz="2500" b="1" dirty="0" smtClean="0">
+                <a:solidFill>
+                  <a:schemeClr val="bg1"/>
+                </a:solidFill>
+                <a:latin typeface="+mj-lt"/>
+              </a:rPr>
+              <a:t>(</a:t>
+            </a:r>
+            <a:r>
+              <a:rPr lang="ko-KR" altLang="en-US" sz="2500" b="1" dirty="0" smtClean="0">
+                <a:solidFill>
+                  <a:schemeClr val="bg1"/>
+                </a:solidFill>
+                <a:latin typeface="+mj-lt"/>
+              </a:rPr>
+              <a:t>수정</a:t>
+            </a:r>
+            <a:r>
+              <a:rPr lang="en-US" altLang="ko-KR" sz="2500" b="1" dirty="0" smtClean="0">
+                <a:solidFill>
+                  <a:schemeClr val="bg1"/>
+                </a:solidFill>
+                <a:latin typeface="+mj-lt"/>
+              </a:rPr>
+              <a:t>)</a:t>
+            </a:r>
+            <a:endParaRPr lang="ko-KR" altLang="en-US" sz="2500" b="1" dirty="0">
+              <a:solidFill>
+                <a:schemeClr val="bg1"/>
+              </a:solidFill>
+              <a:latin typeface="+mj-lt"/>
+            </a:endParaRPr>
+          </a:p>
+        </p:txBody>
+      </p:sp>
+      <p:sp>
+        <p:nvSpPr>
+          <p:cNvPr id="2" name="TextBox 1"/>
+          <p:cNvSpPr txBox="1"/>
+          <p:nvPr/>
+        </p:nvSpPr>
+        <p:spPr>
+          <a:xfrm>
+            <a:off x="9042400" y="1981200"/>
+            <a:ext cx="2768600" cy="1477328"/>
+          </a:xfrm>
+          <a:prstGeom prst="rect">
+            <a:avLst/>
+          </a:prstGeom>
+          <a:noFill/>
+        </p:spPr>
+        <p:txBody>
+          <a:bodyPr wrap="square" rtlCol="0">
+            <a:spAutoFit/>
+          </a:bodyPr>
+          <a:lstStyle/>
+          <a:p>
+            <a:r>
+              <a:rPr lang="en-US" altLang="ko-KR" dirty="0" smtClean="0"/>
+              <a:t>DOM</a:t>
+            </a:r>
+            <a:r>
+              <a:rPr lang="ko-KR" altLang="en-US" dirty="0" smtClean="0"/>
+              <a:t>이 모두 로딩 된 후</a:t>
+            </a:r>
+            <a:r>
+              <a:rPr lang="en-US" altLang="ko-KR" dirty="0" smtClean="0"/>
+              <a:t>, AJAX</a:t>
+            </a:r>
+            <a:r>
+              <a:rPr lang="ko-KR" altLang="en-US" dirty="0" smtClean="0"/>
+              <a:t>를 통해 받은 데이터를 이용해서 </a:t>
+            </a:r>
+            <a:r>
+              <a:rPr lang="en-US" altLang="ko-KR" dirty="0" smtClean="0"/>
+              <a:t>list </a:t>
+            </a:r>
+            <a:r>
+              <a:rPr lang="ko-KR" altLang="en-US" dirty="0" smtClean="0"/>
+              <a:t>로드</a:t>
+            </a:r>
+            <a:endParaRPr lang="en-US" altLang="ko-KR" dirty="0" smtClean="0"/>
+          </a:p>
+          <a:p>
+            <a:endParaRPr lang="en-US" altLang="ko-KR" dirty="0"/>
+          </a:p>
+          <a:p>
+            <a:r>
+              <a:rPr lang="ko-KR" altLang="en-US" dirty="0" err="1" smtClean="0"/>
+              <a:t>페이징</a:t>
+            </a:r>
+            <a:r>
+              <a:rPr lang="ko-KR" altLang="en-US" dirty="0" smtClean="0"/>
+              <a:t> 추가</a:t>
+            </a:r>
+            <a:endParaRPr lang="en-US" altLang="ko-KR" dirty="0" smtClean="0"/>
+          </a:p>
+        </p:txBody>
+      </p:sp>
+      <p:pic>
+        <p:nvPicPr>
+          <p:cNvPr id="3" name="그림 2"/>
+          <p:cNvPicPr>
+            <a:picLocks noChangeAspect="1"/>
+          </p:cNvPicPr>
+          <p:nvPr/>
+        </p:nvPicPr>
+        <p:blipFill>
+          <a:blip r:embed="rId3">
+            <a:extLst>
+              <a:ext uri="{28A0092B-C50C-407E-A947-70E740481C1C}">
+                <a14:useLocalDpi xmlns:a14="http://schemas.microsoft.com/office/drawing/2010/main" val="0"/>
+              </a:ext>
+            </a:extLst>
+          </a:blip>
+          <a:stretch>
+            <a:fillRect/>
+          </a:stretch>
+        </p:blipFill>
+        <p:spPr>
+          <a:xfrm>
+            <a:off x="470648" y="1571223"/>
+            <a:ext cx="8106682" cy="4983277"/>
+          </a:xfrm>
+          <a:prstGeom prst="rect">
+            <a:avLst/>
+          </a:prstGeom>
+          <a:ln>
+            <a:solidFill>
+              <a:schemeClr val="tx1"/>
+            </a:solidFill>
+          </a:ln>
+        </p:spPr>
+      </p:pic>
+    </p:spTree>
+    <p:extLst>
+      <p:ext uri="{BB962C8B-B14F-4D97-AF65-F5344CB8AC3E}">
+        <p14:creationId xmlns:p14="http://schemas.microsoft.com/office/powerpoint/2010/main" val="2761351440"/>
+      </p:ext>
+    </p:extLst>
+  </p:cSld>
+  <p:clrMapOvr>
+    <a:masterClrMapping/>
+  </p:clrMapOvr>
+  <p:timing>
+    <p:tnLst>
+      <p:par>
+        <p:cTn id="1" dur="indefinite" restart="never" nodeType="tmRoot"/>
+      </p:par>
+    </p:tnLst>
+  </p:timing>
 </p:sld>
 </file>
 

--- a/0 발표용 파워포인트/0424 4차발표/0424 project05 - 파워포인트 - 형준.pptx
+++ b/0 발표용 파워포인트/0424 4차발표/0424 project05 - 파워포인트 - 형준.pptx
@@ -5,7 +5,7 @@
     <p:sldMasterId id="2147483648" r:id="rId1"/>
   </p:sldMasterIdLst>
   <p:notesMasterIdLst>
-    <p:notesMasterId r:id="rId15"/>
+    <p:notesMasterId r:id="rId24"/>
   </p:notesMasterIdLst>
   <p:sldIdLst>
     <p:sldId id="256" r:id="rId2"/>
@@ -21,6 +21,15 @@
     <p:sldId id="266" r:id="rId12"/>
     <p:sldId id="267" r:id="rId13"/>
     <p:sldId id="268" r:id="rId14"/>
+    <p:sldId id="269" r:id="rId15"/>
+    <p:sldId id="270" r:id="rId16"/>
+    <p:sldId id="277" r:id="rId17"/>
+    <p:sldId id="271" r:id="rId18"/>
+    <p:sldId id="272" r:id="rId19"/>
+    <p:sldId id="273" r:id="rId20"/>
+    <p:sldId id="274" r:id="rId21"/>
+    <p:sldId id="275" r:id="rId22"/>
+    <p:sldId id="276" r:id="rId23"/>
   </p:sldIdLst>
   <p:sldSz cx="12192000" cy="6858000"/>
   <p:notesSz cx="6858000" cy="9144000"/>
@@ -121,7 +130,7 @@
   </p:defaultTextStyle>
   <p:extLst>
     <p:ext uri="{EFAFB233-063F-42B5-8137-9DF3F51BA10A}">
-      <p15:sldGuideLst xmlns:p15="http://schemas.microsoft.com/office/powerpoint/2012/main" xmlns="">
+      <p15:sldGuideLst xmlns="" xmlns:p15="http://schemas.microsoft.com/office/powerpoint/2012/main">
         <p15:guide id="1" orient="horz" pos="2160">
           <p15:clr>
             <a:srgbClr val="A4A3A4"/>
@@ -871,7 +880,1150 @@
 </p:notes>
 </file>
 
+<file path=ppt/notesSlides/notesSlide12.xml><?xml version="1.0" encoding="utf-8"?>
+<p:notes xmlns:a="http://schemas.openxmlformats.org/drawingml/2006/main" xmlns:r="http://schemas.openxmlformats.org/officeDocument/2006/relationships" xmlns:p="http://schemas.openxmlformats.org/presentationml/2006/main" showMasterSp="0" showMasterPhAnim="0">
+  <p:cSld>
+    <p:spTree>
+      <p:nvGrpSpPr>
+        <p:cNvPr id="1" name="Shape 87"/>
+        <p:cNvGrpSpPr/>
+        <p:nvPr/>
+      </p:nvGrpSpPr>
+      <p:grpSpPr>
+        <a:xfrm>
+          <a:off x="0" y="0"/>
+          <a:ext cx="0" cy="0"/>
+          <a:chOff x="0" y="0"/>
+          <a:chExt cx="0" cy="0"/>
+        </a:xfrm>
+      </p:grpSpPr>
+      <p:sp>
+        <p:nvSpPr>
+          <p:cNvPr id="88" name="Google Shape;88;g7c553259d1_0_3:notes"/>
+          <p:cNvSpPr txBox="1">
+            <a:spLocks noGrp="1"/>
+          </p:cNvSpPr>
+          <p:nvPr>
+            <p:ph type="body" idx="1"/>
+          </p:nvPr>
+        </p:nvSpPr>
+        <p:spPr>
+          <a:xfrm>
+            <a:off x="685800" y="4343400"/>
+            <a:ext cx="5486400" cy="4114800"/>
+          </a:xfrm>
+          <a:prstGeom prst="rect">
+            <a:avLst/>
+          </a:prstGeom>
+          <a:noFill/>
+          <a:ln>
+            <a:noFill/>
+          </a:ln>
+        </p:spPr>
+        <p:txBody>
+          <a:bodyPr spcFirstLastPara="1" wrap="square" lIns="91425" tIns="91425" rIns="91425" bIns="91425" anchor="t" anchorCtr="0">
+            <a:noAutofit/>
+          </a:bodyPr>
+          <a:lstStyle/>
+          <a:p>
+            <a:pPr marL="0" lvl="0" indent="0" algn="l" rtl="0">
+              <a:lnSpc>
+                <a:spcPct val="100000"/>
+              </a:lnSpc>
+              <a:spcBef>
+                <a:spcPts val="0"/>
+              </a:spcBef>
+              <a:spcAft>
+                <a:spcPts val="0"/>
+              </a:spcAft>
+              <a:buSzPts val="1100"/>
+              <a:buNone/>
+            </a:pPr>
+            <a:endParaRPr/>
+          </a:p>
+        </p:txBody>
+      </p:sp>
+      <p:sp>
+        <p:nvSpPr>
+          <p:cNvPr id="89" name="Google Shape;89;g7c553259d1_0_3:notes"/>
+          <p:cNvSpPr>
+            <a:spLocks noGrp="1" noRot="1" noChangeAspect="1"/>
+          </p:cNvSpPr>
+          <p:nvPr>
+            <p:ph type="sldImg" idx="2"/>
+          </p:nvPr>
+        </p:nvSpPr>
+        <p:spPr>
+          <a:xfrm>
+            <a:off x="382588" y="685800"/>
+            <a:ext cx="6094412" cy="3429000"/>
+          </a:xfrm>
+          <a:custGeom>
+            <a:avLst/>
+            <a:gdLst/>
+            <a:ahLst/>
+            <a:cxnLst/>
+            <a:rect l="l" t="t" r="r" b="b"/>
+            <a:pathLst>
+              <a:path w="120000" h="120000" extrusionOk="0">
+                <a:moveTo>
+                  <a:pt x="0" y="0"/>
+                </a:moveTo>
+                <a:lnTo>
+                  <a:pt x="120000" y="0"/>
+                </a:lnTo>
+                <a:lnTo>
+                  <a:pt x="120000" y="120000"/>
+                </a:lnTo>
+                <a:lnTo>
+                  <a:pt x="0" y="120000"/>
+                </a:lnTo>
+                <a:close/>
+              </a:path>
+            </a:pathLst>
+          </a:custGeom>
+          <a:noFill/>
+          <a:ln w="9525" cap="flat" cmpd="sng">
+            <a:solidFill>
+              <a:srgbClr val="000000"/>
+            </a:solidFill>
+            <a:prstDash val="solid"/>
+            <a:round/>
+            <a:headEnd type="none" w="sm" len="sm"/>
+            <a:tailEnd type="none" w="sm" len="sm"/>
+          </a:ln>
+        </p:spPr>
+      </p:sp>
+    </p:spTree>
+    <p:extLst>
+      <p:ext uri="{BB962C8B-B14F-4D97-AF65-F5344CB8AC3E}">
+        <p14:creationId xmlns:p14="http://schemas.microsoft.com/office/powerpoint/2010/main" val="904104145"/>
+      </p:ext>
+    </p:extLst>
+  </p:cSld>
+  <p:clrMapOvr>
+    <a:masterClrMapping/>
+  </p:clrMapOvr>
+</p:notes>
+</file>
+
+<file path=ppt/notesSlides/notesSlide13.xml><?xml version="1.0" encoding="utf-8"?>
+<p:notes xmlns:a="http://schemas.openxmlformats.org/drawingml/2006/main" xmlns:r="http://schemas.openxmlformats.org/officeDocument/2006/relationships" xmlns:p="http://schemas.openxmlformats.org/presentationml/2006/main" showMasterSp="0" showMasterPhAnim="0">
+  <p:cSld>
+    <p:spTree>
+      <p:nvGrpSpPr>
+        <p:cNvPr id="1" name="Shape 87"/>
+        <p:cNvGrpSpPr/>
+        <p:nvPr/>
+      </p:nvGrpSpPr>
+      <p:grpSpPr>
+        <a:xfrm>
+          <a:off x="0" y="0"/>
+          <a:ext cx="0" cy="0"/>
+          <a:chOff x="0" y="0"/>
+          <a:chExt cx="0" cy="0"/>
+        </a:xfrm>
+      </p:grpSpPr>
+      <p:sp>
+        <p:nvSpPr>
+          <p:cNvPr id="88" name="Google Shape;88;g7c553259d1_0_3:notes"/>
+          <p:cNvSpPr txBox="1">
+            <a:spLocks noGrp="1"/>
+          </p:cNvSpPr>
+          <p:nvPr>
+            <p:ph type="body" idx="1"/>
+          </p:nvPr>
+        </p:nvSpPr>
+        <p:spPr>
+          <a:xfrm>
+            <a:off x="685800" y="4343400"/>
+            <a:ext cx="5486400" cy="4114800"/>
+          </a:xfrm>
+          <a:prstGeom prst="rect">
+            <a:avLst/>
+          </a:prstGeom>
+          <a:noFill/>
+          <a:ln>
+            <a:noFill/>
+          </a:ln>
+        </p:spPr>
+        <p:txBody>
+          <a:bodyPr spcFirstLastPara="1" wrap="square" lIns="91425" tIns="91425" rIns="91425" bIns="91425" anchor="t" anchorCtr="0">
+            <a:noAutofit/>
+          </a:bodyPr>
+          <a:lstStyle/>
+          <a:p>
+            <a:pPr marL="0" lvl="0" indent="0" algn="l" rtl="0">
+              <a:lnSpc>
+                <a:spcPct val="100000"/>
+              </a:lnSpc>
+              <a:spcBef>
+                <a:spcPts val="0"/>
+              </a:spcBef>
+              <a:spcAft>
+                <a:spcPts val="0"/>
+              </a:spcAft>
+              <a:buSzPts val="1100"/>
+              <a:buNone/>
+            </a:pPr>
+            <a:endParaRPr/>
+          </a:p>
+        </p:txBody>
+      </p:sp>
+      <p:sp>
+        <p:nvSpPr>
+          <p:cNvPr id="89" name="Google Shape;89;g7c553259d1_0_3:notes"/>
+          <p:cNvSpPr>
+            <a:spLocks noGrp="1" noRot="1" noChangeAspect="1"/>
+          </p:cNvSpPr>
+          <p:nvPr>
+            <p:ph type="sldImg" idx="2"/>
+          </p:nvPr>
+        </p:nvSpPr>
+        <p:spPr>
+          <a:xfrm>
+            <a:off x="382588" y="685800"/>
+            <a:ext cx="6094412" cy="3429000"/>
+          </a:xfrm>
+          <a:custGeom>
+            <a:avLst/>
+            <a:gdLst/>
+            <a:ahLst/>
+            <a:cxnLst/>
+            <a:rect l="l" t="t" r="r" b="b"/>
+            <a:pathLst>
+              <a:path w="120000" h="120000" extrusionOk="0">
+                <a:moveTo>
+                  <a:pt x="0" y="0"/>
+                </a:moveTo>
+                <a:lnTo>
+                  <a:pt x="120000" y="0"/>
+                </a:lnTo>
+                <a:lnTo>
+                  <a:pt x="120000" y="120000"/>
+                </a:lnTo>
+                <a:lnTo>
+                  <a:pt x="0" y="120000"/>
+                </a:lnTo>
+                <a:close/>
+              </a:path>
+            </a:pathLst>
+          </a:custGeom>
+          <a:noFill/>
+          <a:ln w="9525" cap="flat" cmpd="sng">
+            <a:solidFill>
+              <a:srgbClr val="000000"/>
+            </a:solidFill>
+            <a:prstDash val="solid"/>
+            <a:round/>
+            <a:headEnd type="none" w="sm" len="sm"/>
+            <a:tailEnd type="none" w="sm" len="sm"/>
+          </a:ln>
+        </p:spPr>
+      </p:sp>
+    </p:spTree>
+    <p:extLst>
+      <p:ext uri="{BB962C8B-B14F-4D97-AF65-F5344CB8AC3E}">
+        <p14:creationId xmlns:p14="http://schemas.microsoft.com/office/powerpoint/2010/main" val="904104145"/>
+      </p:ext>
+    </p:extLst>
+  </p:cSld>
+  <p:clrMapOvr>
+    <a:masterClrMapping/>
+  </p:clrMapOvr>
+</p:notes>
+</file>
+
+<file path=ppt/notesSlides/notesSlide14.xml><?xml version="1.0" encoding="utf-8"?>
+<p:notes xmlns:a="http://schemas.openxmlformats.org/drawingml/2006/main" xmlns:r="http://schemas.openxmlformats.org/officeDocument/2006/relationships" xmlns:p="http://schemas.openxmlformats.org/presentationml/2006/main" showMasterSp="0" showMasterPhAnim="0">
+  <p:cSld>
+    <p:spTree>
+      <p:nvGrpSpPr>
+        <p:cNvPr id="1" name="Shape 87"/>
+        <p:cNvGrpSpPr/>
+        <p:nvPr/>
+      </p:nvGrpSpPr>
+      <p:grpSpPr>
+        <a:xfrm>
+          <a:off x="0" y="0"/>
+          <a:ext cx="0" cy="0"/>
+          <a:chOff x="0" y="0"/>
+          <a:chExt cx="0" cy="0"/>
+        </a:xfrm>
+      </p:grpSpPr>
+      <p:sp>
+        <p:nvSpPr>
+          <p:cNvPr id="88" name="Google Shape;88;g7c553259d1_0_3:notes"/>
+          <p:cNvSpPr txBox="1">
+            <a:spLocks noGrp="1"/>
+          </p:cNvSpPr>
+          <p:nvPr>
+            <p:ph type="body" idx="1"/>
+          </p:nvPr>
+        </p:nvSpPr>
+        <p:spPr>
+          <a:xfrm>
+            <a:off x="685800" y="4343400"/>
+            <a:ext cx="5486400" cy="4114800"/>
+          </a:xfrm>
+          <a:prstGeom prst="rect">
+            <a:avLst/>
+          </a:prstGeom>
+          <a:noFill/>
+          <a:ln>
+            <a:noFill/>
+          </a:ln>
+        </p:spPr>
+        <p:txBody>
+          <a:bodyPr spcFirstLastPara="1" wrap="square" lIns="91425" tIns="91425" rIns="91425" bIns="91425" anchor="t" anchorCtr="0">
+            <a:noAutofit/>
+          </a:bodyPr>
+          <a:lstStyle/>
+          <a:p>
+            <a:pPr marL="0" lvl="0" indent="0" algn="l" rtl="0">
+              <a:lnSpc>
+                <a:spcPct val="100000"/>
+              </a:lnSpc>
+              <a:spcBef>
+                <a:spcPts val="0"/>
+              </a:spcBef>
+              <a:spcAft>
+                <a:spcPts val="0"/>
+              </a:spcAft>
+              <a:buSzPts val="1100"/>
+              <a:buNone/>
+            </a:pPr>
+            <a:endParaRPr/>
+          </a:p>
+        </p:txBody>
+      </p:sp>
+      <p:sp>
+        <p:nvSpPr>
+          <p:cNvPr id="89" name="Google Shape;89;g7c553259d1_0_3:notes"/>
+          <p:cNvSpPr>
+            <a:spLocks noGrp="1" noRot="1" noChangeAspect="1"/>
+          </p:cNvSpPr>
+          <p:nvPr>
+            <p:ph type="sldImg" idx="2"/>
+          </p:nvPr>
+        </p:nvSpPr>
+        <p:spPr>
+          <a:xfrm>
+            <a:off x="382588" y="685800"/>
+            <a:ext cx="6094412" cy="3429000"/>
+          </a:xfrm>
+          <a:custGeom>
+            <a:avLst/>
+            <a:gdLst/>
+            <a:ahLst/>
+            <a:cxnLst/>
+            <a:rect l="l" t="t" r="r" b="b"/>
+            <a:pathLst>
+              <a:path w="120000" h="120000" extrusionOk="0">
+                <a:moveTo>
+                  <a:pt x="0" y="0"/>
+                </a:moveTo>
+                <a:lnTo>
+                  <a:pt x="120000" y="0"/>
+                </a:lnTo>
+                <a:lnTo>
+                  <a:pt x="120000" y="120000"/>
+                </a:lnTo>
+                <a:lnTo>
+                  <a:pt x="0" y="120000"/>
+                </a:lnTo>
+                <a:close/>
+              </a:path>
+            </a:pathLst>
+          </a:custGeom>
+          <a:noFill/>
+          <a:ln w="9525" cap="flat" cmpd="sng">
+            <a:solidFill>
+              <a:srgbClr val="000000"/>
+            </a:solidFill>
+            <a:prstDash val="solid"/>
+            <a:round/>
+            <a:headEnd type="none" w="sm" len="sm"/>
+            <a:tailEnd type="none" w="sm" len="sm"/>
+          </a:ln>
+        </p:spPr>
+      </p:sp>
+    </p:spTree>
+    <p:extLst>
+      <p:ext uri="{BB962C8B-B14F-4D97-AF65-F5344CB8AC3E}">
+        <p14:creationId xmlns:p14="http://schemas.microsoft.com/office/powerpoint/2010/main" val="904104145"/>
+      </p:ext>
+    </p:extLst>
+  </p:cSld>
+  <p:clrMapOvr>
+    <a:masterClrMapping/>
+  </p:clrMapOvr>
+</p:notes>
+</file>
+
+<file path=ppt/notesSlides/notesSlide15.xml><?xml version="1.0" encoding="utf-8"?>
+<p:notes xmlns:a="http://schemas.openxmlformats.org/drawingml/2006/main" xmlns:r="http://schemas.openxmlformats.org/officeDocument/2006/relationships" xmlns:p="http://schemas.openxmlformats.org/presentationml/2006/main" showMasterSp="0" showMasterPhAnim="0">
+  <p:cSld>
+    <p:spTree>
+      <p:nvGrpSpPr>
+        <p:cNvPr id="1" name="Shape 87"/>
+        <p:cNvGrpSpPr/>
+        <p:nvPr/>
+      </p:nvGrpSpPr>
+      <p:grpSpPr>
+        <a:xfrm>
+          <a:off x="0" y="0"/>
+          <a:ext cx="0" cy="0"/>
+          <a:chOff x="0" y="0"/>
+          <a:chExt cx="0" cy="0"/>
+        </a:xfrm>
+      </p:grpSpPr>
+      <p:sp>
+        <p:nvSpPr>
+          <p:cNvPr id="88" name="Google Shape;88;g7c553259d1_0_3:notes"/>
+          <p:cNvSpPr txBox="1">
+            <a:spLocks noGrp="1"/>
+          </p:cNvSpPr>
+          <p:nvPr>
+            <p:ph type="body" idx="1"/>
+          </p:nvPr>
+        </p:nvSpPr>
+        <p:spPr>
+          <a:xfrm>
+            <a:off x="685800" y="4343400"/>
+            <a:ext cx="5486400" cy="4114800"/>
+          </a:xfrm>
+          <a:prstGeom prst="rect">
+            <a:avLst/>
+          </a:prstGeom>
+          <a:noFill/>
+          <a:ln>
+            <a:noFill/>
+          </a:ln>
+        </p:spPr>
+        <p:txBody>
+          <a:bodyPr spcFirstLastPara="1" wrap="square" lIns="91425" tIns="91425" rIns="91425" bIns="91425" anchor="t" anchorCtr="0">
+            <a:noAutofit/>
+          </a:bodyPr>
+          <a:lstStyle/>
+          <a:p>
+            <a:pPr marL="0" lvl="0" indent="0" algn="l" rtl="0">
+              <a:lnSpc>
+                <a:spcPct val="100000"/>
+              </a:lnSpc>
+              <a:spcBef>
+                <a:spcPts val="0"/>
+              </a:spcBef>
+              <a:spcAft>
+                <a:spcPts val="0"/>
+              </a:spcAft>
+              <a:buSzPts val="1100"/>
+              <a:buNone/>
+            </a:pPr>
+            <a:endParaRPr/>
+          </a:p>
+        </p:txBody>
+      </p:sp>
+      <p:sp>
+        <p:nvSpPr>
+          <p:cNvPr id="89" name="Google Shape;89;g7c553259d1_0_3:notes"/>
+          <p:cNvSpPr>
+            <a:spLocks noGrp="1" noRot="1" noChangeAspect="1"/>
+          </p:cNvSpPr>
+          <p:nvPr>
+            <p:ph type="sldImg" idx="2"/>
+          </p:nvPr>
+        </p:nvSpPr>
+        <p:spPr>
+          <a:xfrm>
+            <a:off x="382588" y="685800"/>
+            <a:ext cx="6094412" cy="3429000"/>
+          </a:xfrm>
+          <a:custGeom>
+            <a:avLst/>
+            <a:gdLst/>
+            <a:ahLst/>
+            <a:cxnLst/>
+            <a:rect l="l" t="t" r="r" b="b"/>
+            <a:pathLst>
+              <a:path w="120000" h="120000" extrusionOk="0">
+                <a:moveTo>
+                  <a:pt x="0" y="0"/>
+                </a:moveTo>
+                <a:lnTo>
+                  <a:pt x="120000" y="0"/>
+                </a:lnTo>
+                <a:lnTo>
+                  <a:pt x="120000" y="120000"/>
+                </a:lnTo>
+                <a:lnTo>
+                  <a:pt x="0" y="120000"/>
+                </a:lnTo>
+                <a:close/>
+              </a:path>
+            </a:pathLst>
+          </a:custGeom>
+          <a:noFill/>
+          <a:ln w="9525" cap="flat" cmpd="sng">
+            <a:solidFill>
+              <a:srgbClr val="000000"/>
+            </a:solidFill>
+            <a:prstDash val="solid"/>
+            <a:round/>
+            <a:headEnd type="none" w="sm" len="sm"/>
+            <a:tailEnd type="none" w="sm" len="sm"/>
+          </a:ln>
+        </p:spPr>
+      </p:sp>
+    </p:spTree>
+    <p:extLst>
+      <p:ext uri="{BB962C8B-B14F-4D97-AF65-F5344CB8AC3E}">
+        <p14:creationId xmlns:p14="http://schemas.microsoft.com/office/powerpoint/2010/main" val="904104145"/>
+      </p:ext>
+    </p:extLst>
+  </p:cSld>
+  <p:clrMapOvr>
+    <a:masterClrMapping/>
+  </p:clrMapOvr>
+</p:notes>
+</file>
+
+<file path=ppt/notesSlides/notesSlide16.xml><?xml version="1.0" encoding="utf-8"?>
+<p:notes xmlns:a="http://schemas.openxmlformats.org/drawingml/2006/main" xmlns:r="http://schemas.openxmlformats.org/officeDocument/2006/relationships" xmlns:p="http://schemas.openxmlformats.org/presentationml/2006/main" showMasterSp="0" showMasterPhAnim="0">
+  <p:cSld>
+    <p:spTree>
+      <p:nvGrpSpPr>
+        <p:cNvPr id="1" name="Shape 87"/>
+        <p:cNvGrpSpPr/>
+        <p:nvPr/>
+      </p:nvGrpSpPr>
+      <p:grpSpPr>
+        <a:xfrm>
+          <a:off x="0" y="0"/>
+          <a:ext cx="0" cy="0"/>
+          <a:chOff x="0" y="0"/>
+          <a:chExt cx="0" cy="0"/>
+        </a:xfrm>
+      </p:grpSpPr>
+      <p:sp>
+        <p:nvSpPr>
+          <p:cNvPr id="88" name="Google Shape;88;g7c553259d1_0_3:notes"/>
+          <p:cNvSpPr txBox="1">
+            <a:spLocks noGrp="1"/>
+          </p:cNvSpPr>
+          <p:nvPr>
+            <p:ph type="body" idx="1"/>
+          </p:nvPr>
+        </p:nvSpPr>
+        <p:spPr>
+          <a:xfrm>
+            <a:off x="685800" y="4343400"/>
+            <a:ext cx="5486400" cy="4114800"/>
+          </a:xfrm>
+          <a:prstGeom prst="rect">
+            <a:avLst/>
+          </a:prstGeom>
+          <a:noFill/>
+          <a:ln>
+            <a:noFill/>
+          </a:ln>
+        </p:spPr>
+        <p:txBody>
+          <a:bodyPr spcFirstLastPara="1" wrap="square" lIns="91425" tIns="91425" rIns="91425" bIns="91425" anchor="t" anchorCtr="0">
+            <a:noAutofit/>
+          </a:bodyPr>
+          <a:lstStyle/>
+          <a:p>
+            <a:pPr marL="0" lvl="0" indent="0" algn="l" rtl="0">
+              <a:lnSpc>
+                <a:spcPct val="100000"/>
+              </a:lnSpc>
+              <a:spcBef>
+                <a:spcPts val="0"/>
+              </a:spcBef>
+              <a:spcAft>
+                <a:spcPts val="0"/>
+              </a:spcAft>
+              <a:buSzPts val="1100"/>
+              <a:buNone/>
+            </a:pPr>
+            <a:endParaRPr/>
+          </a:p>
+        </p:txBody>
+      </p:sp>
+      <p:sp>
+        <p:nvSpPr>
+          <p:cNvPr id="89" name="Google Shape;89;g7c553259d1_0_3:notes"/>
+          <p:cNvSpPr>
+            <a:spLocks noGrp="1" noRot="1" noChangeAspect="1"/>
+          </p:cNvSpPr>
+          <p:nvPr>
+            <p:ph type="sldImg" idx="2"/>
+          </p:nvPr>
+        </p:nvSpPr>
+        <p:spPr>
+          <a:xfrm>
+            <a:off x="382588" y="685800"/>
+            <a:ext cx="6094412" cy="3429000"/>
+          </a:xfrm>
+          <a:custGeom>
+            <a:avLst/>
+            <a:gdLst/>
+            <a:ahLst/>
+            <a:cxnLst/>
+            <a:rect l="l" t="t" r="r" b="b"/>
+            <a:pathLst>
+              <a:path w="120000" h="120000" extrusionOk="0">
+                <a:moveTo>
+                  <a:pt x="0" y="0"/>
+                </a:moveTo>
+                <a:lnTo>
+                  <a:pt x="120000" y="0"/>
+                </a:lnTo>
+                <a:lnTo>
+                  <a:pt x="120000" y="120000"/>
+                </a:lnTo>
+                <a:lnTo>
+                  <a:pt x="0" y="120000"/>
+                </a:lnTo>
+                <a:close/>
+              </a:path>
+            </a:pathLst>
+          </a:custGeom>
+          <a:noFill/>
+          <a:ln w="9525" cap="flat" cmpd="sng">
+            <a:solidFill>
+              <a:srgbClr val="000000"/>
+            </a:solidFill>
+            <a:prstDash val="solid"/>
+            <a:round/>
+            <a:headEnd type="none" w="sm" len="sm"/>
+            <a:tailEnd type="none" w="sm" len="sm"/>
+          </a:ln>
+        </p:spPr>
+      </p:sp>
+    </p:spTree>
+    <p:extLst>
+      <p:ext uri="{BB962C8B-B14F-4D97-AF65-F5344CB8AC3E}">
+        <p14:creationId xmlns:p14="http://schemas.microsoft.com/office/powerpoint/2010/main" val="904104145"/>
+      </p:ext>
+    </p:extLst>
+  </p:cSld>
+  <p:clrMapOvr>
+    <a:masterClrMapping/>
+  </p:clrMapOvr>
+</p:notes>
+</file>
+
+<file path=ppt/notesSlides/notesSlide17.xml><?xml version="1.0" encoding="utf-8"?>
+<p:notes xmlns:a="http://schemas.openxmlformats.org/drawingml/2006/main" xmlns:r="http://schemas.openxmlformats.org/officeDocument/2006/relationships" xmlns:p="http://schemas.openxmlformats.org/presentationml/2006/main" showMasterSp="0" showMasterPhAnim="0">
+  <p:cSld>
+    <p:spTree>
+      <p:nvGrpSpPr>
+        <p:cNvPr id="1" name="Shape 87"/>
+        <p:cNvGrpSpPr/>
+        <p:nvPr/>
+      </p:nvGrpSpPr>
+      <p:grpSpPr>
+        <a:xfrm>
+          <a:off x="0" y="0"/>
+          <a:ext cx="0" cy="0"/>
+          <a:chOff x="0" y="0"/>
+          <a:chExt cx="0" cy="0"/>
+        </a:xfrm>
+      </p:grpSpPr>
+      <p:sp>
+        <p:nvSpPr>
+          <p:cNvPr id="88" name="Google Shape;88;g7c553259d1_0_3:notes"/>
+          <p:cNvSpPr txBox="1">
+            <a:spLocks noGrp="1"/>
+          </p:cNvSpPr>
+          <p:nvPr>
+            <p:ph type="body" idx="1"/>
+          </p:nvPr>
+        </p:nvSpPr>
+        <p:spPr>
+          <a:xfrm>
+            <a:off x="685800" y="4343400"/>
+            <a:ext cx="5486400" cy="4114800"/>
+          </a:xfrm>
+          <a:prstGeom prst="rect">
+            <a:avLst/>
+          </a:prstGeom>
+          <a:noFill/>
+          <a:ln>
+            <a:noFill/>
+          </a:ln>
+        </p:spPr>
+        <p:txBody>
+          <a:bodyPr spcFirstLastPara="1" wrap="square" lIns="91425" tIns="91425" rIns="91425" bIns="91425" anchor="t" anchorCtr="0">
+            <a:noAutofit/>
+          </a:bodyPr>
+          <a:lstStyle/>
+          <a:p>
+            <a:pPr marL="0" lvl="0" indent="0" algn="l" rtl="0">
+              <a:lnSpc>
+                <a:spcPct val="100000"/>
+              </a:lnSpc>
+              <a:spcBef>
+                <a:spcPts val="0"/>
+              </a:spcBef>
+              <a:spcAft>
+                <a:spcPts val="0"/>
+              </a:spcAft>
+              <a:buSzPts val="1100"/>
+              <a:buNone/>
+            </a:pPr>
+            <a:endParaRPr/>
+          </a:p>
+        </p:txBody>
+      </p:sp>
+      <p:sp>
+        <p:nvSpPr>
+          <p:cNvPr id="89" name="Google Shape;89;g7c553259d1_0_3:notes"/>
+          <p:cNvSpPr>
+            <a:spLocks noGrp="1" noRot="1" noChangeAspect="1"/>
+          </p:cNvSpPr>
+          <p:nvPr>
+            <p:ph type="sldImg" idx="2"/>
+          </p:nvPr>
+        </p:nvSpPr>
+        <p:spPr>
+          <a:xfrm>
+            <a:off x="382588" y="685800"/>
+            <a:ext cx="6094412" cy="3429000"/>
+          </a:xfrm>
+          <a:custGeom>
+            <a:avLst/>
+            <a:gdLst/>
+            <a:ahLst/>
+            <a:cxnLst/>
+            <a:rect l="l" t="t" r="r" b="b"/>
+            <a:pathLst>
+              <a:path w="120000" h="120000" extrusionOk="0">
+                <a:moveTo>
+                  <a:pt x="0" y="0"/>
+                </a:moveTo>
+                <a:lnTo>
+                  <a:pt x="120000" y="0"/>
+                </a:lnTo>
+                <a:lnTo>
+                  <a:pt x="120000" y="120000"/>
+                </a:lnTo>
+                <a:lnTo>
+                  <a:pt x="0" y="120000"/>
+                </a:lnTo>
+                <a:close/>
+              </a:path>
+            </a:pathLst>
+          </a:custGeom>
+          <a:noFill/>
+          <a:ln w="9525" cap="flat" cmpd="sng">
+            <a:solidFill>
+              <a:srgbClr val="000000"/>
+            </a:solidFill>
+            <a:prstDash val="solid"/>
+            <a:round/>
+            <a:headEnd type="none" w="sm" len="sm"/>
+            <a:tailEnd type="none" w="sm" len="sm"/>
+          </a:ln>
+        </p:spPr>
+      </p:sp>
+    </p:spTree>
+    <p:extLst>
+      <p:ext uri="{BB962C8B-B14F-4D97-AF65-F5344CB8AC3E}">
+        <p14:creationId xmlns:p14="http://schemas.microsoft.com/office/powerpoint/2010/main" val="904104145"/>
+      </p:ext>
+    </p:extLst>
+  </p:cSld>
+  <p:clrMapOvr>
+    <a:masterClrMapping/>
+  </p:clrMapOvr>
+</p:notes>
+</file>
+
+<file path=ppt/notesSlides/notesSlide18.xml><?xml version="1.0" encoding="utf-8"?>
+<p:notes xmlns:a="http://schemas.openxmlformats.org/drawingml/2006/main" xmlns:r="http://schemas.openxmlformats.org/officeDocument/2006/relationships" xmlns:p="http://schemas.openxmlformats.org/presentationml/2006/main" showMasterSp="0" showMasterPhAnim="0">
+  <p:cSld>
+    <p:spTree>
+      <p:nvGrpSpPr>
+        <p:cNvPr id="1" name="Shape 87"/>
+        <p:cNvGrpSpPr/>
+        <p:nvPr/>
+      </p:nvGrpSpPr>
+      <p:grpSpPr>
+        <a:xfrm>
+          <a:off x="0" y="0"/>
+          <a:ext cx="0" cy="0"/>
+          <a:chOff x="0" y="0"/>
+          <a:chExt cx="0" cy="0"/>
+        </a:xfrm>
+      </p:grpSpPr>
+      <p:sp>
+        <p:nvSpPr>
+          <p:cNvPr id="88" name="Google Shape;88;g7c553259d1_0_3:notes"/>
+          <p:cNvSpPr txBox="1">
+            <a:spLocks noGrp="1"/>
+          </p:cNvSpPr>
+          <p:nvPr>
+            <p:ph type="body" idx="1"/>
+          </p:nvPr>
+        </p:nvSpPr>
+        <p:spPr>
+          <a:xfrm>
+            <a:off x="685800" y="4343400"/>
+            <a:ext cx="5486400" cy="4114800"/>
+          </a:xfrm>
+          <a:prstGeom prst="rect">
+            <a:avLst/>
+          </a:prstGeom>
+          <a:noFill/>
+          <a:ln>
+            <a:noFill/>
+          </a:ln>
+        </p:spPr>
+        <p:txBody>
+          <a:bodyPr spcFirstLastPara="1" wrap="square" lIns="91425" tIns="91425" rIns="91425" bIns="91425" anchor="t" anchorCtr="0">
+            <a:noAutofit/>
+          </a:bodyPr>
+          <a:lstStyle/>
+          <a:p>
+            <a:pPr marL="0" lvl="0" indent="0" algn="l" rtl="0">
+              <a:lnSpc>
+                <a:spcPct val="100000"/>
+              </a:lnSpc>
+              <a:spcBef>
+                <a:spcPts val="0"/>
+              </a:spcBef>
+              <a:spcAft>
+                <a:spcPts val="0"/>
+              </a:spcAft>
+              <a:buSzPts val="1100"/>
+              <a:buNone/>
+            </a:pPr>
+            <a:endParaRPr/>
+          </a:p>
+        </p:txBody>
+      </p:sp>
+      <p:sp>
+        <p:nvSpPr>
+          <p:cNvPr id="89" name="Google Shape;89;g7c553259d1_0_3:notes"/>
+          <p:cNvSpPr>
+            <a:spLocks noGrp="1" noRot="1" noChangeAspect="1"/>
+          </p:cNvSpPr>
+          <p:nvPr>
+            <p:ph type="sldImg" idx="2"/>
+          </p:nvPr>
+        </p:nvSpPr>
+        <p:spPr>
+          <a:xfrm>
+            <a:off x="382588" y="685800"/>
+            <a:ext cx="6094412" cy="3429000"/>
+          </a:xfrm>
+          <a:custGeom>
+            <a:avLst/>
+            <a:gdLst/>
+            <a:ahLst/>
+            <a:cxnLst/>
+            <a:rect l="l" t="t" r="r" b="b"/>
+            <a:pathLst>
+              <a:path w="120000" h="120000" extrusionOk="0">
+                <a:moveTo>
+                  <a:pt x="0" y="0"/>
+                </a:moveTo>
+                <a:lnTo>
+                  <a:pt x="120000" y="0"/>
+                </a:lnTo>
+                <a:lnTo>
+                  <a:pt x="120000" y="120000"/>
+                </a:lnTo>
+                <a:lnTo>
+                  <a:pt x="0" y="120000"/>
+                </a:lnTo>
+                <a:close/>
+              </a:path>
+            </a:pathLst>
+          </a:custGeom>
+          <a:noFill/>
+          <a:ln w="9525" cap="flat" cmpd="sng">
+            <a:solidFill>
+              <a:srgbClr val="000000"/>
+            </a:solidFill>
+            <a:prstDash val="solid"/>
+            <a:round/>
+            <a:headEnd type="none" w="sm" len="sm"/>
+            <a:tailEnd type="none" w="sm" len="sm"/>
+          </a:ln>
+        </p:spPr>
+      </p:sp>
+    </p:spTree>
+    <p:extLst>
+      <p:ext uri="{BB962C8B-B14F-4D97-AF65-F5344CB8AC3E}">
+        <p14:creationId xmlns:p14="http://schemas.microsoft.com/office/powerpoint/2010/main" val="904104145"/>
+      </p:ext>
+    </p:extLst>
+  </p:cSld>
+  <p:clrMapOvr>
+    <a:masterClrMapping/>
+  </p:clrMapOvr>
+</p:notes>
+</file>
+
+<file path=ppt/notesSlides/notesSlide19.xml><?xml version="1.0" encoding="utf-8"?>
+<p:notes xmlns:a="http://schemas.openxmlformats.org/drawingml/2006/main" xmlns:r="http://schemas.openxmlformats.org/officeDocument/2006/relationships" xmlns:p="http://schemas.openxmlformats.org/presentationml/2006/main" showMasterSp="0" showMasterPhAnim="0">
+  <p:cSld>
+    <p:spTree>
+      <p:nvGrpSpPr>
+        <p:cNvPr id="1" name="Shape 87"/>
+        <p:cNvGrpSpPr/>
+        <p:nvPr/>
+      </p:nvGrpSpPr>
+      <p:grpSpPr>
+        <a:xfrm>
+          <a:off x="0" y="0"/>
+          <a:ext cx="0" cy="0"/>
+          <a:chOff x="0" y="0"/>
+          <a:chExt cx="0" cy="0"/>
+        </a:xfrm>
+      </p:grpSpPr>
+      <p:sp>
+        <p:nvSpPr>
+          <p:cNvPr id="88" name="Google Shape;88;g7c553259d1_0_3:notes"/>
+          <p:cNvSpPr txBox="1">
+            <a:spLocks noGrp="1"/>
+          </p:cNvSpPr>
+          <p:nvPr>
+            <p:ph type="body" idx="1"/>
+          </p:nvPr>
+        </p:nvSpPr>
+        <p:spPr>
+          <a:xfrm>
+            <a:off x="685800" y="4343400"/>
+            <a:ext cx="5486400" cy="4114800"/>
+          </a:xfrm>
+          <a:prstGeom prst="rect">
+            <a:avLst/>
+          </a:prstGeom>
+          <a:noFill/>
+          <a:ln>
+            <a:noFill/>
+          </a:ln>
+        </p:spPr>
+        <p:txBody>
+          <a:bodyPr spcFirstLastPara="1" wrap="square" lIns="91425" tIns="91425" rIns="91425" bIns="91425" anchor="t" anchorCtr="0">
+            <a:noAutofit/>
+          </a:bodyPr>
+          <a:lstStyle/>
+          <a:p>
+            <a:pPr marL="0" lvl="0" indent="0" algn="l" rtl="0">
+              <a:lnSpc>
+                <a:spcPct val="100000"/>
+              </a:lnSpc>
+              <a:spcBef>
+                <a:spcPts val="0"/>
+              </a:spcBef>
+              <a:spcAft>
+                <a:spcPts val="0"/>
+              </a:spcAft>
+              <a:buSzPts val="1100"/>
+              <a:buNone/>
+            </a:pPr>
+            <a:endParaRPr/>
+          </a:p>
+        </p:txBody>
+      </p:sp>
+      <p:sp>
+        <p:nvSpPr>
+          <p:cNvPr id="89" name="Google Shape;89;g7c553259d1_0_3:notes"/>
+          <p:cNvSpPr>
+            <a:spLocks noGrp="1" noRot="1" noChangeAspect="1"/>
+          </p:cNvSpPr>
+          <p:nvPr>
+            <p:ph type="sldImg" idx="2"/>
+          </p:nvPr>
+        </p:nvSpPr>
+        <p:spPr>
+          <a:xfrm>
+            <a:off x="382588" y="685800"/>
+            <a:ext cx="6094412" cy="3429000"/>
+          </a:xfrm>
+          <a:custGeom>
+            <a:avLst/>
+            <a:gdLst/>
+            <a:ahLst/>
+            <a:cxnLst/>
+            <a:rect l="l" t="t" r="r" b="b"/>
+            <a:pathLst>
+              <a:path w="120000" h="120000" extrusionOk="0">
+                <a:moveTo>
+                  <a:pt x="0" y="0"/>
+                </a:moveTo>
+                <a:lnTo>
+                  <a:pt x="120000" y="0"/>
+                </a:lnTo>
+                <a:lnTo>
+                  <a:pt x="120000" y="120000"/>
+                </a:lnTo>
+                <a:lnTo>
+                  <a:pt x="0" y="120000"/>
+                </a:lnTo>
+                <a:close/>
+              </a:path>
+            </a:pathLst>
+          </a:custGeom>
+          <a:noFill/>
+          <a:ln w="9525" cap="flat" cmpd="sng">
+            <a:solidFill>
+              <a:srgbClr val="000000"/>
+            </a:solidFill>
+            <a:prstDash val="solid"/>
+            <a:round/>
+            <a:headEnd type="none" w="sm" len="sm"/>
+            <a:tailEnd type="none" w="sm" len="sm"/>
+          </a:ln>
+        </p:spPr>
+      </p:sp>
+    </p:spTree>
+    <p:extLst>
+      <p:ext uri="{BB962C8B-B14F-4D97-AF65-F5344CB8AC3E}">
+        <p14:creationId xmlns:p14="http://schemas.microsoft.com/office/powerpoint/2010/main" val="904104145"/>
+      </p:ext>
+    </p:extLst>
+  </p:cSld>
+  <p:clrMapOvr>
+    <a:masterClrMapping/>
+  </p:clrMapOvr>
+</p:notes>
+</file>
+
 <file path=ppt/notesSlides/notesSlide2.xml><?xml version="1.0" encoding="utf-8"?>
+<p:notes xmlns:a="http://schemas.openxmlformats.org/drawingml/2006/main" xmlns:r="http://schemas.openxmlformats.org/officeDocument/2006/relationships" xmlns:p="http://schemas.openxmlformats.org/presentationml/2006/main" showMasterSp="0" showMasterPhAnim="0">
+  <p:cSld>
+    <p:spTree>
+      <p:nvGrpSpPr>
+        <p:cNvPr id="1" name="Shape 87"/>
+        <p:cNvGrpSpPr/>
+        <p:nvPr/>
+      </p:nvGrpSpPr>
+      <p:grpSpPr>
+        <a:xfrm>
+          <a:off x="0" y="0"/>
+          <a:ext cx="0" cy="0"/>
+          <a:chOff x="0" y="0"/>
+          <a:chExt cx="0" cy="0"/>
+        </a:xfrm>
+      </p:grpSpPr>
+      <p:sp>
+        <p:nvSpPr>
+          <p:cNvPr id="88" name="Google Shape;88;g7c553259d1_0_3:notes"/>
+          <p:cNvSpPr txBox="1">
+            <a:spLocks noGrp="1"/>
+          </p:cNvSpPr>
+          <p:nvPr>
+            <p:ph type="body" idx="1"/>
+          </p:nvPr>
+        </p:nvSpPr>
+        <p:spPr>
+          <a:xfrm>
+            <a:off x="685800" y="4343400"/>
+            <a:ext cx="5486400" cy="4114800"/>
+          </a:xfrm>
+          <a:prstGeom prst="rect">
+            <a:avLst/>
+          </a:prstGeom>
+          <a:noFill/>
+          <a:ln>
+            <a:noFill/>
+          </a:ln>
+        </p:spPr>
+        <p:txBody>
+          <a:bodyPr spcFirstLastPara="1" wrap="square" lIns="91425" tIns="91425" rIns="91425" bIns="91425" anchor="t" anchorCtr="0">
+            <a:noAutofit/>
+          </a:bodyPr>
+          <a:lstStyle/>
+          <a:p>
+            <a:pPr marL="0" lvl="0" indent="0" algn="l" rtl="0">
+              <a:lnSpc>
+                <a:spcPct val="100000"/>
+              </a:lnSpc>
+              <a:spcBef>
+                <a:spcPts val="0"/>
+              </a:spcBef>
+              <a:spcAft>
+                <a:spcPts val="0"/>
+              </a:spcAft>
+              <a:buSzPts val="1100"/>
+              <a:buNone/>
+            </a:pPr>
+            <a:endParaRPr/>
+          </a:p>
+        </p:txBody>
+      </p:sp>
+      <p:sp>
+        <p:nvSpPr>
+          <p:cNvPr id="89" name="Google Shape;89;g7c553259d1_0_3:notes"/>
+          <p:cNvSpPr>
+            <a:spLocks noGrp="1" noRot="1" noChangeAspect="1"/>
+          </p:cNvSpPr>
+          <p:nvPr>
+            <p:ph type="sldImg" idx="2"/>
+          </p:nvPr>
+        </p:nvSpPr>
+        <p:spPr>
+          <a:xfrm>
+            <a:off x="382588" y="685800"/>
+            <a:ext cx="6094412" cy="3429000"/>
+          </a:xfrm>
+          <a:custGeom>
+            <a:avLst/>
+            <a:gdLst/>
+            <a:ahLst/>
+            <a:cxnLst/>
+            <a:rect l="l" t="t" r="r" b="b"/>
+            <a:pathLst>
+              <a:path w="120000" h="120000" extrusionOk="0">
+                <a:moveTo>
+                  <a:pt x="0" y="0"/>
+                </a:moveTo>
+                <a:lnTo>
+                  <a:pt x="120000" y="0"/>
+                </a:lnTo>
+                <a:lnTo>
+                  <a:pt x="120000" y="120000"/>
+                </a:lnTo>
+                <a:lnTo>
+                  <a:pt x="0" y="120000"/>
+                </a:lnTo>
+                <a:close/>
+              </a:path>
+            </a:pathLst>
+          </a:custGeom>
+          <a:noFill/>
+          <a:ln w="9525" cap="flat" cmpd="sng">
+            <a:solidFill>
+              <a:srgbClr val="000000"/>
+            </a:solidFill>
+            <a:prstDash val="solid"/>
+            <a:round/>
+            <a:headEnd type="none" w="sm" len="sm"/>
+            <a:tailEnd type="none" w="sm" len="sm"/>
+          </a:ln>
+        </p:spPr>
+      </p:sp>
+    </p:spTree>
+    <p:extLst>
+      <p:ext uri="{BB962C8B-B14F-4D97-AF65-F5344CB8AC3E}">
+        <p14:creationId xmlns:p14="http://schemas.microsoft.com/office/powerpoint/2010/main" val="904104145"/>
+      </p:ext>
+    </p:extLst>
+  </p:cSld>
+  <p:clrMapOvr>
+    <a:masterClrMapping/>
+  </p:clrMapOvr>
+</p:notes>
+</file>
+
+<file path=ppt/notesSlides/notesSlide20.xml><?xml version="1.0" encoding="utf-8"?>
 <p:notes xmlns:a="http://schemas.openxmlformats.org/drawingml/2006/main" xmlns:r="http://schemas.openxmlformats.org/officeDocument/2006/relationships" xmlns:p="http://schemas.openxmlformats.org/presentationml/2006/main" showMasterSp="0" showMasterPhAnim="0">
   <p:cSld>
     <p:spTree>
@@ -5730,6 +6882,6482 @@
                 <a:gridCol w="289755">
                   <a:extLst>
                     <a:ext uri="{9D8B030D-6E8A-4147-A177-3AD203B41FA5}">
+                      <a16:colId xmlns="" xmlns:a16="http://schemas.microsoft.com/office/drawing/2014/main" val="20000"/>
+                    </a:ext>
+                  </a:extLst>
+                </a:gridCol>
+                <a:gridCol w="2662575">
+                  <a:extLst>
+                    <a:ext uri="{9D8B030D-6E8A-4147-A177-3AD203B41FA5}">
+                      <a16:colId xmlns="" xmlns:a16="http://schemas.microsoft.com/office/drawing/2014/main" val="20001"/>
+                    </a:ext>
+                  </a:extLst>
+                </a:gridCol>
+              </a:tblGrid>
+              <a:tr h="286673">
+                <a:tc>
+                  <a:txBody>
+                    <a:bodyPr/>
+                    <a:lstStyle/>
+                    <a:p>
+                      <a:pPr marL="0" marR="0" lvl="0" indent="0" algn="ctr" rtl="0">
+                        <a:lnSpc>
+                          <a:spcPct val="100000"/>
+                        </a:lnSpc>
+                        <a:spcBef>
+                          <a:spcPts val="0"/>
+                        </a:spcBef>
+                        <a:spcAft>
+                          <a:spcPts val="0"/>
+                        </a:spcAft>
+                        <a:buClr>
+                          <a:srgbClr val="000000"/>
+                        </a:buClr>
+                        <a:buSzPts val="1500"/>
+                        <a:buFont typeface="Arial"/>
+                        <a:buNone/>
+                      </a:pPr>
+                      <a:r>
+                        <a:rPr lang="ko-KR" sz="1500" u="none" strike="noStrike" cap="none" dirty="0">
+                          <a:solidFill>
+                            <a:schemeClr val="dk1"/>
+                          </a:solidFill>
+                        </a:rPr>
+                        <a:t>#</a:t>
+                      </a:r>
+                      <a:endParaRPr sz="1500" u="none" strike="noStrike" cap="none" dirty="0">
+                        <a:solidFill>
+                          <a:schemeClr val="dk1"/>
+                        </a:solidFill>
+                      </a:endParaRPr>
+                    </a:p>
+                  </a:txBody>
+                  <a:tcPr marL="91451" marR="91451" marT="45725" marB="45725" anchor="ctr">
+                    <a:lnL w="12700" cap="flat" cmpd="sng">
+                      <a:solidFill>
+                        <a:schemeClr val="dk1"/>
+                      </a:solidFill>
+                      <a:prstDash val="solid"/>
+                      <a:round/>
+                      <a:headEnd type="none" w="sm" len="sm"/>
+                      <a:tailEnd type="none" w="sm" len="sm"/>
+                    </a:lnL>
+                    <a:lnR w="12700" cap="flat" cmpd="sng">
+                      <a:solidFill>
+                        <a:schemeClr val="dk1"/>
+                      </a:solidFill>
+                      <a:prstDash val="solid"/>
+                      <a:round/>
+                      <a:headEnd type="none" w="sm" len="sm"/>
+                      <a:tailEnd type="none" w="sm" len="sm"/>
+                    </a:lnR>
+                    <a:lnT w="12700" cap="flat" cmpd="sng">
+                      <a:solidFill>
+                        <a:schemeClr val="dk1"/>
+                      </a:solidFill>
+                      <a:prstDash val="solid"/>
+                      <a:round/>
+                      <a:headEnd type="none" w="sm" len="sm"/>
+                      <a:tailEnd type="none" w="sm" len="sm"/>
+                    </a:lnT>
+                    <a:lnB w="12700" cap="flat" cmpd="sng">
+                      <a:solidFill>
+                        <a:schemeClr val="dk1"/>
+                      </a:solidFill>
+                      <a:prstDash val="solid"/>
+                      <a:round/>
+                      <a:headEnd type="none" w="sm" len="sm"/>
+                      <a:tailEnd type="none" w="sm" len="sm"/>
+                    </a:lnB>
+                    <a:solidFill>
+                      <a:srgbClr val="D8D8D8"/>
+                    </a:solidFill>
+                  </a:tcPr>
+                </a:tc>
+                <a:tc>
+                  <a:txBody>
+                    <a:bodyPr/>
+                    <a:lstStyle/>
+                    <a:p>
+                      <a:pPr marL="0" marR="0" lvl="0" indent="0" algn="ctr" rtl="0">
+                        <a:lnSpc>
+                          <a:spcPct val="100000"/>
+                        </a:lnSpc>
+                        <a:spcBef>
+                          <a:spcPts val="0"/>
+                        </a:spcBef>
+                        <a:spcAft>
+                          <a:spcPts val="0"/>
+                        </a:spcAft>
+                        <a:buClr>
+                          <a:srgbClr val="000000"/>
+                        </a:buClr>
+                        <a:buSzPts val="1500"/>
+                        <a:buFont typeface="Arial"/>
+                        <a:buNone/>
+                      </a:pPr>
+                      <a:endParaRPr sz="1500" u="none" strike="noStrike" cap="none" dirty="0">
+                        <a:solidFill>
+                          <a:schemeClr val="dk1"/>
+                        </a:solidFill>
+                      </a:endParaRPr>
+                    </a:p>
+                  </a:txBody>
+                  <a:tcPr marL="91451" marR="91451" marT="45725" marB="45725" anchor="ctr">
+                    <a:lnL w="12700" cap="flat" cmpd="sng">
+                      <a:solidFill>
+                        <a:schemeClr val="dk1"/>
+                      </a:solidFill>
+                      <a:prstDash val="solid"/>
+                      <a:round/>
+                      <a:headEnd type="none" w="sm" len="sm"/>
+                      <a:tailEnd type="none" w="sm" len="sm"/>
+                    </a:lnL>
+                    <a:lnR w="12700" cap="flat" cmpd="sng">
+                      <a:solidFill>
+                        <a:schemeClr val="dk1"/>
+                      </a:solidFill>
+                      <a:prstDash val="solid"/>
+                      <a:round/>
+                      <a:headEnd type="none" w="sm" len="sm"/>
+                      <a:tailEnd type="none" w="sm" len="sm"/>
+                    </a:lnR>
+                    <a:lnT w="12700" cap="flat" cmpd="sng">
+                      <a:solidFill>
+                        <a:schemeClr val="dk1"/>
+                      </a:solidFill>
+                      <a:prstDash val="solid"/>
+                      <a:round/>
+                      <a:headEnd type="none" w="sm" len="sm"/>
+                      <a:tailEnd type="none" w="sm" len="sm"/>
+                    </a:lnT>
+                    <a:lnB w="12700" cap="flat" cmpd="sng">
+                      <a:solidFill>
+                        <a:schemeClr val="dk1"/>
+                      </a:solidFill>
+                      <a:prstDash val="solid"/>
+                      <a:round/>
+                      <a:headEnd type="none" w="sm" len="sm"/>
+                      <a:tailEnd type="none" w="sm" len="sm"/>
+                    </a:lnB>
+                    <a:solidFill>
+                      <a:srgbClr val="D8D8D8"/>
+                    </a:solidFill>
+                  </a:tcPr>
+                </a:tc>
+                <a:extLst>
+                  <a:ext uri="{0D108BD9-81ED-4DB2-BD59-A6C34878D82A}">
+                    <a16:rowId xmlns="" xmlns:a16="http://schemas.microsoft.com/office/drawing/2014/main" val="10000"/>
+                  </a:ext>
+                </a:extLst>
+              </a:tr>
+              <a:tr h="328022">
+                <a:tc>
+                  <a:txBody>
+                    <a:bodyPr/>
+                    <a:lstStyle/>
+                    <a:p>
+                      <a:pPr marL="0" marR="0" lvl="0" indent="0" algn="ctr" rtl="0">
+                        <a:lnSpc>
+                          <a:spcPct val="100000"/>
+                        </a:lnSpc>
+                        <a:spcBef>
+                          <a:spcPts val="0"/>
+                        </a:spcBef>
+                        <a:spcAft>
+                          <a:spcPts val="0"/>
+                        </a:spcAft>
+                        <a:buClr>
+                          <a:srgbClr val="000000"/>
+                        </a:buClr>
+                        <a:buSzPts val="1500"/>
+                        <a:buFont typeface="Arial"/>
+                        <a:buNone/>
+                      </a:pPr>
+                      <a:r>
+                        <a:rPr lang="en-US" sz="1500" u="none" strike="noStrike" cap="none" dirty="0" smtClean="0">
+                          <a:solidFill>
+                            <a:schemeClr val="dk1"/>
+                          </a:solidFill>
+                        </a:rPr>
+                        <a:t>4</a:t>
+                      </a:r>
+                      <a:endParaRPr sz="1500" u="none" strike="noStrike" cap="none" dirty="0">
+                        <a:solidFill>
+                          <a:schemeClr val="dk1"/>
+                        </a:solidFill>
+                      </a:endParaRPr>
+                    </a:p>
+                  </a:txBody>
+                  <a:tcPr marL="91451" marR="91451" marT="45725" marB="45725" anchor="ctr">
+                    <a:lnL w="12700" cap="flat" cmpd="sng">
+                      <a:solidFill>
+                        <a:schemeClr val="dk1"/>
+                      </a:solidFill>
+                      <a:prstDash val="solid"/>
+                      <a:round/>
+                      <a:headEnd type="none" w="sm" len="sm"/>
+                      <a:tailEnd type="none" w="sm" len="sm"/>
+                    </a:lnL>
+                    <a:lnR w="12700" cap="flat" cmpd="sng">
+                      <a:solidFill>
+                        <a:schemeClr val="dk1"/>
+                      </a:solidFill>
+                      <a:prstDash val="solid"/>
+                      <a:round/>
+                      <a:headEnd type="none" w="sm" len="sm"/>
+                      <a:tailEnd type="none" w="sm" len="sm"/>
+                    </a:lnR>
+                    <a:lnT w="12700" cap="flat" cmpd="sng">
+                      <a:solidFill>
+                        <a:schemeClr val="dk1"/>
+                      </a:solidFill>
+                      <a:prstDash val="solid"/>
+                      <a:round/>
+                      <a:headEnd type="none" w="sm" len="sm"/>
+                      <a:tailEnd type="none" w="sm" len="sm"/>
+                    </a:lnT>
+                    <a:lnB w="12700" cap="flat" cmpd="sng">
+                      <a:solidFill>
+                        <a:schemeClr val="dk1"/>
+                      </a:solidFill>
+                      <a:prstDash val="solid"/>
+                      <a:round/>
+                      <a:headEnd type="none" w="sm" len="sm"/>
+                      <a:tailEnd type="none" w="sm" len="sm"/>
+                    </a:lnB>
+                    <a:solidFill>
+                      <a:schemeClr val="lt1"/>
+                    </a:solidFill>
+                  </a:tcPr>
+                </a:tc>
+                <a:tc>
+                  <a:txBody>
+                    <a:bodyPr/>
+                    <a:lstStyle/>
+                    <a:p>
+                      <a:pPr marL="133350" marR="0" lvl="0" indent="0" algn="l" rtl="0">
+                        <a:lnSpc>
+                          <a:spcPct val="100000"/>
+                        </a:lnSpc>
+                        <a:spcBef>
+                          <a:spcPts val="0"/>
+                        </a:spcBef>
+                        <a:spcAft>
+                          <a:spcPts val="0"/>
+                        </a:spcAft>
+                        <a:buClr>
+                          <a:srgbClr val="000000"/>
+                        </a:buClr>
+                        <a:buSzPts val="1500"/>
+                        <a:buFont typeface="Arial"/>
+                        <a:buNone/>
+                        <a:tabLst/>
+                      </a:pPr>
+                      <a:r>
+                        <a:rPr lang="ko-KR" altLang="en-US" sz="1300" b="0" u="none" strike="noStrike" cap="none" dirty="0" smtClean="0"/>
+                        <a:t>등록완료</a:t>
+                      </a:r>
+                      <a:r>
+                        <a:rPr lang="en-US" altLang="ko-KR" sz="1300" b="0" u="none" strike="noStrike" cap="none" dirty="0" smtClean="0"/>
+                        <a:t>, </a:t>
+                      </a:r>
+                      <a:r>
+                        <a:rPr lang="ko-KR" altLang="en-US" sz="1300" b="0" u="none" strike="noStrike" cap="none" dirty="0" smtClean="0"/>
+                        <a:t>예약을 위한 계좌번호 발급 확인</a:t>
+                      </a:r>
+                      <a:endParaRPr lang="en-US" altLang="ko-KR" sz="1300" b="0" u="none" strike="noStrike" cap="none" dirty="0" smtClean="0"/>
+                    </a:p>
+                  </a:txBody>
+                  <a:tcPr marL="91451" marR="91451" marT="45725" marB="45725">
+                    <a:lnL w="12700" cap="flat" cmpd="sng">
+                      <a:solidFill>
+                        <a:schemeClr val="dk1"/>
+                      </a:solidFill>
+                      <a:prstDash val="solid"/>
+                      <a:round/>
+                      <a:headEnd type="none" w="sm" len="sm"/>
+                      <a:tailEnd type="none" w="sm" len="sm"/>
+                    </a:lnL>
+                    <a:lnR w="12700" cap="flat" cmpd="sng">
+                      <a:solidFill>
+                        <a:schemeClr val="dk1"/>
+                      </a:solidFill>
+                      <a:prstDash val="solid"/>
+                      <a:round/>
+                      <a:headEnd type="none" w="sm" len="sm"/>
+                      <a:tailEnd type="none" w="sm" len="sm"/>
+                    </a:lnR>
+                    <a:lnT w="12700" cap="flat" cmpd="sng">
+                      <a:solidFill>
+                        <a:schemeClr val="dk1"/>
+                      </a:solidFill>
+                      <a:prstDash val="solid"/>
+                      <a:round/>
+                      <a:headEnd type="none" w="sm" len="sm"/>
+                      <a:tailEnd type="none" w="sm" len="sm"/>
+                    </a:lnT>
+                    <a:lnB w="12700" cap="flat" cmpd="sng">
+                      <a:solidFill>
+                        <a:schemeClr val="dk1"/>
+                      </a:solidFill>
+                      <a:prstDash val="solid"/>
+                      <a:round/>
+                      <a:headEnd type="none" w="sm" len="sm"/>
+                      <a:tailEnd type="none" w="sm" len="sm"/>
+                    </a:lnB>
+                    <a:solidFill>
+                      <a:schemeClr val="lt1"/>
+                    </a:solidFill>
+                  </a:tcPr>
+                </a:tc>
+                <a:extLst>
+                  <a:ext uri="{0D108BD9-81ED-4DB2-BD59-A6C34878D82A}">
+                    <a16:rowId xmlns="" xmlns:a16="http://schemas.microsoft.com/office/drawing/2014/main" val="10001"/>
+                  </a:ext>
+                </a:extLst>
+              </a:tr>
+            </a:tbl>
+          </a:graphicData>
+        </a:graphic>
+      </p:graphicFrame>
+      <p:sp>
+        <p:nvSpPr>
+          <p:cNvPr id="5" name="직사각형 4"/>
+          <p:cNvSpPr/>
+          <p:nvPr/>
+        </p:nvSpPr>
+        <p:spPr>
+          <a:xfrm>
+            <a:off x="467832" y="1237124"/>
+            <a:ext cx="8059479" cy="5387794"/>
+          </a:xfrm>
+          <a:prstGeom prst="rect">
+            <a:avLst/>
+          </a:prstGeom>
+          <a:noFill/>
+          <a:ln>
+            <a:solidFill>
+              <a:schemeClr val="tx1"/>
+            </a:solidFill>
+          </a:ln>
+        </p:spPr>
+        <p:style>
+          <a:lnRef idx="2">
+            <a:schemeClr val="accent1">
+              <a:shade val="50000"/>
+            </a:schemeClr>
+          </a:lnRef>
+          <a:fillRef idx="1">
+            <a:schemeClr val="accent1"/>
+          </a:fillRef>
+          <a:effectRef idx="0">
+            <a:schemeClr val="accent1"/>
+          </a:effectRef>
+          <a:fontRef idx="minor">
+            <a:schemeClr val="lt1"/>
+          </a:fontRef>
+        </p:style>
+        <p:txBody>
+          <a:bodyPr rtlCol="0" anchor="ctr"/>
+          <a:lstStyle/>
+          <a:p>
+            <a:pPr algn="ctr"/>
+            <a:endParaRPr lang="ko-KR" altLang="en-US"/>
+          </a:p>
+        </p:txBody>
+      </p:sp>
+      <p:sp>
+        <p:nvSpPr>
+          <p:cNvPr id="81" name="TextBox 80"/>
+          <p:cNvSpPr txBox="1"/>
+          <p:nvPr/>
+        </p:nvSpPr>
+        <p:spPr>
+          <a:xfrm>
+            <a:off x="1497880" y="2375789"/>
+            <a:ext cx="5999381" cy="1015663"/>
+          </a:xfrm>
+          <a:prstGeom prst="rect">
+            <a:avLst/>
+          </a:prstGeom>
+          <a:noFill/>
+        </p:spPr>
+        <p:txBody>
+          <a:bodyPr wrap="square" rtlCol="0">
+            <a:spAutoFit/>
+          </a:bodyPr>
+          <a:lstStyle/>
+          <a:p>
+            <a:pPr algn="ctr"/>
+            <a:r>
+              <a:rPr lang="ko-KR" altLang="en-US" sz="2000" dirty="0" smtClean="0"/>
+              <a:t>세미나 등록이 완료되었습니다</a:t>
+            </a:r>
+            <a:r>
+              <a:rPr lang="en-US" altLang="ko-KR" sz="2000" dirty="0" smtClean="0"/>
+              <a:t>!</a:t>
+            </a:r>
+          </a:p>
+          <a:p>
+            <a:pPr algn="ctr"/>
+            <a:r>
+              <a:rPr lang="ko-KR" altLang="en-US" sz="2000" dirty="0" smtClean="0"/>
+              <a:t>등록된 내용으로 예약을 진행하기 위해서 아래의 계좌번호로 입금이 필요합니다</a:t>
+            </a:r>
+            <a:r>
+              <a:rPr lang="en-US" altLang="ko-KR" sz="2000" dirty="0" smtClean="0"/>
+              <a:t>.</a:t>
+            </a:r>
+          </a:p>
+        </p:txBody>
+      </p:sp>
+      <p:sp>
+        <p:nvSpPr>
+          <p:cNvPr id="4" name="직사각형 3"/>
+          <p:cNvSpPr/>
+          <p:nvPr/>
+        </p:nvSpPr>
+        <p:spPr>
+          <a:xfrm>
+            <a:off x="4601000" y="5142156"/>
+            <a:ext cx="2022437" cy="623944"/>
+          </a:xfrm>
+          <a:prstGeom prst="rect">
+            <a:avLst/>
+          </a:prstGeom>
+        </p:spPr>
+        <p:style>
+          <a:lnRef idx="2">
+            <a:schemeClr val="accent1">
+              <a:shade val="50000"/>
+            </a:schemeClr>
+          </a:lnRef>
+          <a:fillRef idx="1">
+            <a:schemeClr val="accent1"/>
+          </a:fillRef>
+          <a:effectRef idx="0">
+            <a:schemeClr val="accent1"/>
+          </a:effectRef>
+          <a:fontRef idx="minor">
+            <a:schemeClr val="lt1"/>
+          </a:fontRef>
+        </p:style>
+        <p:txBody>
+          <a:bodyPr rtlCol="0" anchor="ctr"/>
+          <a:lstStyle/>
+          <a:p>
+            <a:pPr algn="ctr"/>
+            <a:r>
+              <a:rPr lang="ko-KR" altLang="en-US" smtClean="0"/>
+              <a:t>마이페이지</a:t>
+            </a:r>
+            <a:endParaRPr lang="ko-KR" altLang="en-US" dirty="0"/>
+          </a:p>
+        </p:txBody>
+      </p:sp>
+      <p:sp>
+        <p:nvSpPr>
+          <p:cNvPr id="46" name="직사각형 45"/>
+          <p:cNvSpPr/>
+          <p:nvPr/>
+        </p:nvSpPr>
+        <p:spPr>
+          <a:xfrm>
+            <a:off x="2199582" y="5142156"/>
+            <a:ext cx="2022437" cy="623944"/>
+          </a:xfrm>
+          <a:prstGeom prst="rect">
+            <a:avLst/>
+          </a:prstGeom>
+        </p:spPr>
+        <p:style>
+          <a:lnRef idx="2">
+            <a:schemeClr val="accent1">
+              <a:shade val="50000"/>
+            </a:schemeClr>
+          </a:lnRef>
+          <a:fillRef idx="1">
+            <a:schemeClr val="accent1"/>
+          </a:fillRef>
+          <a:effectRef idx="0">
+            <a:schemeClr val="accent1"/>
+          </a:effectRef>
+          <a:fontRef idx="minor">
+            <a:schemeClr val="lt1"/>
+          </a:fontRef>
+        </p:style>
+        <p:txBody>
+          <a:bodyPr rtlCol="0" anchor="ctr"/>
+          <a:lstStyle/>
+          <a:p>
+            <a:pPr algn="ctr"/>
+            <a:r>
+              <a:rPr lang="ko-KR" altLang="en-US" smtClean="0"/>
+              <a:t>메인화</a:t>
+            </a:r>
+            <a:r>
+              <a:rPr lang="ko-KR" altLang="en-US"/>
+              <a:t>면</a:t>
+            </a:r>
+            <a:endParaRPr lang="ko-KR" altLang="en-US" dirty="0"/>
+          </a:p>
+        </p:txBody>
+      </p:sp>
+      <p:sp>
+        <p:nvSpPr>
+          <p:cNvPr id="6" name="직사각형 5"/>
+          <p:cNvSpPr/>
+          <p:nvPr/>
+        </p:nvSpPr>
+        <p:spPr>
+          <a:xfrm>
+            <a:off x="1344706" y="3539266"/>
+            <a:ext cx="1866094" cy="849854"/>
+          </a:xfrm>
+          <a:prstGeom prst="rect">
+            <a:avLst/>
+          </a:prstGeom>
+          <a:solidFill>
+            <a:schemeClr val="bg2"/>
+          </a:solidFill>
+          <a:ln>
+            <a:solidFill>
+              <a:schemeClr val="tx1"/>
+            </a:solidFill>
+          </a:ln>
+        </p:spPr>
+        <p:style>
+          <a:lnRef idx="2">
+            <a:schemeClr val="accent1">
+              <a:shade val="50000"/>
+            </a:schemeClr>
+          </a:lnRef>
+          <a:fillRef idx="1">
+            <a:schemeClr val="accent1"/>
+          </a:fillRef>
+          <a:effectRef idx="0">
+            <a:schemeClr val="accent1"/>
+          </a:effectRef>
+          <a:fontRef idx="minor">
+            <a:schemeClr val="lt1"/>
+          </a:fontRef>
+        </p:style>
+        <p:txBody>
+          <a:bodyPr rtlCol="0" anchor="ctr"/>
+          <a:lstStyle/>
+          <a:p>
+            <a:pPr algn="ctr"/>
+            <a:r>
+              <a:rPr lang="ko-KR" altLang="en-US" dirty="0" smtClean="0">
+                <a:solidFill>
+                  <a:schemeClr val="tx1"/>
+                </a:solidFill>
+              </a:rPr>
+              <a:t>우리은행</a:t>
+            </a:r>
+            <a:endParaRPr lang="ko-KR" altLang="en-US" dirty="0">
+              <a:solidFill>
+                <a:schemeClr val="tx1"/>
+              </a:solidFill>
+            </a:endParaRPr>
+          </a:p>
+        </p:txBody>
+      </p:sp>
+      <p:sp>
+        <p:nvSpPr>
+          <p:cNvPr id="54" name="직사각형 53"/>
+          <p:cNvSpPr/>
+          <p:nvPr/>
+        </p:nvSpPr>
+        <p:spPr>
+          <a:xfrm>
+            <a:off x="3207527" y="3539266"/>
+            <a:ext cx="4451918" cy="849854"/>
+          </a:xfrm>
+          <a:prstGeom prst="rect">
+            <a:avLst/>
+          </a:prstGeom>
+          <a:noFill/>
+          <a:ln>
+            <a:solidFill>
+              <a:schemeClr val="tx1"/>
+            </a:solidFill>
+          </a:ln>
+        </p:spPr>
+        <p:style>
+          <a:lnRef idx="2">
+            <a:schemeClr val="accent1">
+              <a:shade val="50000"/>
+            </a:schemeClr>
+          </a:lnRef>
+          <a:fillRef idx="1">
+            <a:schemeClr val="accent1"/>
+          </a:fillRef>
+          <a:effectRef idx="0">
+            <a:schemeClr val="accent1"/>
+          </a:effectRef>
+          <a:fontRef idx="minor">
+            <a:schemeClr val="lt1"/>
+          </a:fontRef>
+        </p:style>
+        <p:txBody>
+          <a:bodyPr rtlCol="0" anchor="ctr"/>
+          <a:lstStyle/>
+          <a:p>
+            <a:pPr algn="ctr"/>
+            <a:r>
+              <a:rPr lang="en-US" altLang="ko-KR" dirty="0" smtClean="0">
+                <a:solidFill>
+                  <a:schemeClr val="tx1"/>
+                </a:solidFill>
+              </a:rPr>
+              <a:t>123456789-1235</a:t>
+            </a:r>
+            <a:endParaRPr lang="ko-KR" altLang="en-US" dirty="0">
+              <a:solidFill>
+                <a:schemeClr val="tx1"/>
+              </a:solidFill>
+            </a:endParaRPr>
+          </a:p>
+        </p:txBody>
+      </p:sp>
+      <p:graphicFrame>
+        <p:nvGraphicFramePr>
+          <p:cNvPr id="13" name="표 12"/>
+          <p:cNvGraphicFramePr>
+            <a:graphicFrameLocks noGrp="1"/>
+          </p:cNvGraphicFramePr>
+          <p:nvPr>
+            <p:extLst>
+              <p:ext uri="{D42A27DB-BD31-4B8C-83A1-F6EECF244321}">
+                <p14:modId xmlns:p14="http://schemas.microsoft.com/office/powerpoint/2010/main" val="226774401"/>
+              </p:ext>
+            </p:extLst>
+          </p:nvPr>
+        </p:nvGraphicFramePr>
+        <p:xfrm>
+          <a:off x="9138826" y="1761039"/>
+          <a:ext cx="2536708" cy="655340"/>
+        </p:xfrm>
+        <a:graphic>
+          <a:graphicData uri="http://schemas.openxmlformats.org/drawingml/2006/table">
+            <a:tbl>
+              <a:tblPr firstRow="1" bandRow="1">
+                <a:noFill/>
+              </a:tblPr>
+              <a:tblGrid>
+                <a:gridCol w="2536708"/>
+              </a:tblGrid>
+              <a:tr h="168164">
+                <a:tc>
+                  <a:txBody>
+                    <a:bodyPr/>
+                    <a:lstStyle/>
+                    <a:p>
+                      <a:pPr marL="0" marR="0" lvl="0" indent="0" algn="ctr" rtl="0">
+                        <a:lnSpc>
+                          <a:spcPct val="100000"/>
+                        </a:lnSpc>
+                        <a:spcBef>
+                          <a:spcPts val="0"/>
+                        </a:spcBef>
+                        <a:spcAft>
+                          <a:spcPts val="0"/>
+                        </a:spcAft>
+                        <a:buClr>
+                          <a:srgbClr val="000000"/>
+                        </a:buClr>
+                        <a:buSzPts val="1500"/>
+                        <a:buFont typeface="Arial"/>
+                        <a:buNone/>
+                      </a:pPr>
+                      <a:r>
+                        <a:rPr lang="ko-KR" altLang="en-US" sz="1500" b="0" u="none" strike="noStrike" cap="none" dirty="0" smtClean="0">
+                          <a:solidFill>
+                            <a:schemeClr val="dk1"/>
+                          </a:solidFill>
+                        </a:rPr>
+                        <a:t>화면코드</a:t>
+                      </a:r>
+                      <a:endParaRPr sz="1500" b="0" u="none" strike="noStrike" cap="none" dirty="0">
+                        <a:solidFill>
+                          <a:schemeClr val="dk1"/>
+                        </a:solidFill>
+                      </a:endParaRPr>
+                    </a:p>
+                  </a:txBody>
+                  <a:tcPr marL="74304" marR="74304" marT="45725" marB="45725" anchor="ctr">
+                    <a:lnL w="12700" cap="flat" cmpd="sng">
+                      <a:solidFill>
+                        <a:schemeClr val="dk1"/>
+                      </a:solidFill>
+                      <a:prstDash val="solid"/>
+                      <a:round/>
+                      <a:headEnd type="none" w="sm" len="sm"/>
+                      <a:tailEnd type="none" w="sm" len="sm"/>
+                    </a:lnL>
+                    <a:lnR w="12700" cap="flat" cmpd="sng">
+                      <a:solidFill>
+                        <a:schemeClr val="dk1"/>
+                      </a:solidFill>
+                      <a:prstDash val="solid"/>
+                      <a:round/>
+                      <a:headEnd type="none" w="sm" len="sm"/>
+                      <a:tailEnd type="none" w="sm" len="sm"/>
+                    </a:lnR>
+                    <a:lnT w="12700" cap="flat" cmpd="sng">
+                      <a:solidFill>
+                        <a:schemeClr val="dk1"/>
+                      </a:solidFill>
+                      <a:prstDash val="solid"/>
+                      <a:round/>
+                      <a:headEnd type="none" w="sm" len="sm"/>
+                      <a:tailEnd type="none" w="sm" len="sm"/>
+                    </a:lnT>
+                    <a:lnB w="12700" cap="flat" cmpd="sng" algn="ctr">
+                      <a:solidFill>
+                        <a:schemeClr val="dk1"/>
+                      </a:solidFill>
+                      <a:prstDash val="solid"/>
+                      <a:round/>
+                      <a:headEnd type="none" w="sm" len="sm"/>
+                      <a:tailEnd type="none" w="sm" len="sm"/>
+                    </a:lnB>
+                    <a:solidFill>
+                      <a:srgbClr val="D8D8D8"/>
+                    </a:solidFill>
+                  </a:tcPr>
+                </a:tc>
+              </a:tr>
+              <a:tr h="168164">
+                <a:tc>
+                  <a:txBody>
+                    <a:bodyPr/>
+                    <a:lstStyle/>
+                    <a:p>
+                      <a:pPr marL="0" marR="0" lvl="0" indent="0" algn="ctr" rtl="0">
+                        <a:lnSpc>
+                          <a:spcPct val="100000"/>
+                        </a:lnSpc>
+                        <a:spcBef>
+                          <a:spcPts val="0"/>
+                        </a:spcBef>
+                        <a:spcAft>
+                          <a:spcPts val="0"/>
+                        </a:spcAft>
+                        <a:buClr>
+                          <a:srgbClr val="000000"/>
+                        </a:buClr>
+                        <a:buSzPts val="1500"/>
+                        <a:buFont typeface="Arial"/>
+                        <a:buNone/>
+                      </a:pPr>
+                      <a:r>
+                        <a:rPr lang="en-US" altLang="ko-KR" sz="1600" b="0" u="none" strike="noStrike" cap="none" dirty="0" err="1" smtClean="0">
+                          <a:solidFill>
+                            <a:schemeClr val="dk1"/>
+                          </a:solidFill>
+                        </a:rPr>
+                        <a:t>hj_user_w_semiReg_Done</a:t>
+                      </a:r>
+                      <a:endParaRPr lang="en-US" altLang="ko-KR" sz="1600" b="0" u="none" strike="noStrike" cap="none" dirty="0">
+                        <a:solidFill>
+                          <a:schemeClr val="dk1"/>
+                        </a:solidFill>
+                      </a:endParaRPr>
+                    </a:p>
+                  </a:txBody>
+                  <a:tcPr marL="74304" marR="74304" marT="45725" marB="45725" anchor="ctr">
+                    <a:lnL w="12700" cap="flat" cmpd="sng" algn="ctr">
+                      <a:solidFill>
+                        <a:schemeClr val="dk1"/>
+                      </a:solidFill>
+                      <a:prstDash val="solid"/>
+                      <a:round/>
+                      <a:headEnd type="none" w="sm" len="sm"/>
+                      <a:tailEnd type="none" w="sm" len="sm"/>
+                    </a:lnL>
+                    <a:lnR w="12700" cap="flat" cmpd="sng" algn="ctr">
+                      <a:solidFill>
+                        <a:schemeClr val="dk1"/>
+                      </a:solidFill>
+                      <a:prstDash val="solid"/>
+                      <a:round/>
+                      <a:headEnd type="none" w="sm" len="sm"/>
+                      <a:tailEnd type="none" w="sm" len="sm"/>
+                    </a:lnR>
+                    <a:lnT w="12700" cap="flat" cmpd="sng" algn="ctr">
+                      <a:solidFill>
+                        <a:schemeClr val="dk1"/>
+                      </a:solidFill>
+                      <a:prstDash val="solid"/>
+                      <a:round/>
+                      <a:headEnd type="none" w="sm" len="sm"/>
+                      <a:tailEnd type="none" w="sm" len="sm"/>
+                    </a:lnT>
+                    <a:lnB w="12700" cap="flat" cmpd="sng">
+                      <a:solidFill>
+                        <a:schemeClr val="dk1"/>
+                      </a:solidFill>
+                      <a:prstDash val="solid"/>
+                      <a:round/>
+                      <a:headEnd type="none" w="sm" len="sm"/>
+                      <a:tailEnd type="none" w="sm" len="sm"/>
+                    </a:lnB>
+                    <a:solidFill>
+                      <a:schemeClr val="bg1"/>
+                    </a:solidFill>
+                  </a:tcPr>
+                </a:tc>
+              </a:tr>
+            </a:tbl>
+          </a:graphicData>
+        </a:graphic>
+      </p:graphicFrame>
+      <p:sp>
+        <p:nvSpPr>
+          <p:cNvPr id="11" name="직사각형 10"/>
+          <p:cNvSpPr/>
+          <p:nvPr/>
+        </p:nvSpPr>
+        <p:spPr>
+          <a:xfrm>
+            <a:off x="3561483" y="6145300"/>
+            <a:ext cx="217967" cy="254903"/>
+          </a:xfrm>
+          <a:prstGeom prst="rect">
+            <a:avLst/>
+          </a:prstGeom>
+          <a:solidFill>
+            <a:srgbClr val="FF0000"/>
+          </a:solidFill>
+        </p:spPr>
+        <p:style>
+          <a:lnRef idx="2">
+            <a:schemeClr val="accent1">
+              <a:shade val="50000"/>
+            </a:schemeClr>
+          </a:lnRef>
+          <a:fillRef idx="1">
+            <a:schemeClr val="accent1"/>
+          </a:fillRef>
+          <a:effectRef idx="0">
+            <a:schemeClr val="accent1"/>
+          </a:effectRef>
+          <a:fontRef idx="minor">
+            <a:schemeClr val="lt1"/>
+          </a:fontRef>
+        </p:style>
+        <p:txBody>
+          <a:bodyPr rtlCol="0" anchor="ctr"/>
+          <a:lstStyle/>
+          <a:p>
+            <a:pPr algn="ctr"/>
+            <a:r>
+              <a:rPr lang="en-US" altLang="ko-KR" dirty="0" smtClean="0"/>
+              <a:t>4</a:t>
+            </a:r>
+            <a:endParaRPr lang="ko-KR" altLang="en-US" dirty="0"/>
+          </a:p>
+        </p:txBody>
+      </p:sp>
+      <p:sp>
+        <p:nvSpPr>
+          <p:cNvPr id="15" name="TextBox 14"/>
+          <p:cNvSpPr txBox="1"/>
+          <p:nvPr/>
+        </p:nvSpPr>
+        <p:spPr>
+          <a:xfrm>
+            <a:off x="470648" y="195307"/>
+            <a:ext cx="10796066" cy="477054"/>
+          </a:xfrm>
+          <a:prstGeom prst="rect">
+            <a:avLst/>
+          </a:prstGeom>
+          <a:noFill/>
+        </p:spPr>
+        <p:txBody>
+          <a:bodyPr wrap="square" rtlCol="0">
+            <a:spAutoFit/>
+          </a:bodyPr>
+          <a:lstStyle/>
+          <a:p>
+            <a:pPr lvl="0" algn="ctr">
+              <a:buClr>
+                <a:srgbClr val="000000"/>
+              </a:buClr>
+              <a:buSzPts val="1500"/>
+              <a:defRPr/>
+            </a:pPr>
+            <a:r>
+              <a:rPr lang="en-US" altLang="ko-KR" sz="2500" b="1" dirty="0" smtClean="0">
+                <a:solidFill>
+                  <a:schemeClr val="bg1"/>
+                </a:solidFill>
+                <a:latin typeface="+mj-lt"/>
+              </a:rPr>
+              <a:t>[</a:t>
+            </a:r>
+            <a:r>
+              <a:rPr lang="ko-KR" altLang="en-US" sz="2500" b="1" dirty="0" smtClean="0">
+                <a:solidFill>
+                  <a:schemeClr val="bg1"/>
+                </a:solidFill>
+                <a:latin typeface="+mj-lt"/>
+              </a:rPr>
+              <a:t>화면 설계</a:t>
+            </a:r>
+            <a:r>
+              <a:rPr lang="en-US" altLang="ko-KR" sz="2500" b="1" dirty="0" smtClean="0">
+                <a:solidFill>
+                  <a:schemeClr val="bg1"/>
+                </a:solidFill>
+                <a:latin typeface="+mj-lt"/>
+              </a:rPr>
+              <a:t>] </a:t>
+            </a:r>
+            <a:r>
+              <a:rPr lang="ko-KR" altLang="en-US" sz="2500" b="1" dirty="0" smtClean="0">
+                <a:solidFill>
+                  <a:schemeClr val="bg1"/>
+                </a:solidFill>
+                <a:latin typeface="+mj-lt"/>
+              </a:rPr>
+              <a:t>사용자 </a:t>
+            </a:r>
+            <a:r>
+              <a:rPr lang="en-US" altLang="ko-KR" sz="2500" b="1" dirty="0" smtClean="0">
+                <a:solidFill>
+                  <a:schemeClr val="bg1"/>
+                </a:solidFill>
+                <a:latin typeface="+mj-lt"/>
+              </a:rPr>
+              <a:t>– </a:t>
+            </a:r>
+            <a:r>
+              <a:rPr lang="ko-KR" altLang="en-US" sz="2500" b="1" dirty="0" smtClean="0">
+                <a:solidFill>
+                  <a:schemeClr val="bg1"/>
+                </a:solidFill>
+                <a:latin typeface="+mj-lt"/>
+              </a:rPr>
+              <a:t>웹</a:t>
+            </a:r>
+            <a:r>
+              <a:rPr lang="en-US" altLang="ko-KR" sz="2500" b="1" dirty="0" smtClean="0">
+                <a:solidFill>
+                  <a:schemeClr val="bg1"/>
+                </a:solidFill>
+                <a:latin typeface="+mj-lt"/>
+              </a:rPr>
+              <a:t> – </a:t>
+            </a:r>
+            <a:r>
+              <a:rPr lang="ko-KR" altLang="en-US" sz="2500" b="1" dirty="0" smtClean="0">
+                <a:solidFill>
+                  <a:schemeClr val="bg1"/>
+                </a:solidFill>
+                <a:latin typeface="+mj-lt"/>
+              </a:rPr>
+              <a:t>세미나등</a:t>
+            </a:r>
+            <a:r>
+              <a:rPr lang="ko-KR" altLang="en-US" sz="2500" b="1" dirty="0">
+                <a:solidFill>
+                  <a:schemeClr val="bg1"/>
+                </a:solidFill>
+                <a:latin typeface="+mj-lt"/>
+              </a:rPr>
+              <a:t>록</a:t>
+            </a:r>
+            <a:r>
+              <a:rPr lang="ko-KR" altLang="en-US" sz="2500" b="1" dirty="0" smtClean="0">
+                <a:solidFill>
+                  <a:schemeClr val="bg1"/>
+                </a:solidFill>
+                <a:latin typeface="+mj-lt"/>
+              </a:rPr>
+              <a:t> </a:t>
+            </a:r>
+            <a:r>
+              <a:rPr lang="en-US" altLang="ko-KR" sz="2500" b="1" dirty="0" smtClean="0">
+                <a:solidFill>
+                  <a:schemeClr val="bg1"/>
+                </a:solidFill>
+                <a:latin typeface="+mj-lt"/>
+              </a:rPr>
+              <a:t>– </a:t>
+            </a:r>
+            <a:r>
+              <a:rPr lang="ko-KR" altLang="en-US" sz="2500" b="1" dirty="0" smtClean="0">
+                <a:solidFill>
+                  <a:schemeClr val="bg1"/>
+                </a:solidFill>
+                <a:latin typeface="+mj-lt"/>
+              </a:rPr>
+              <a:t>완료 페이지</a:t>
+            </a:r>
+            <a:endParaRPr lang="ko-KR" altLang="en-US" sz="2500" b="1" dirty="0">
+              <a:solidFill>
+                <a:schemeClr val="bg1"/>
+              </a:solidFill>
+              <a:latin typeface="+mj-lt"/>
+            </a:endParaRPr>
+          </a:p>
+        </p:txBody>
+      </p:sp>
+    </p:spTree>
+    <p:extLst>
+      <p:ext uri="{BB962C8B-B14F-4D97-AF65-F5344CB8AC3E}">
+        <p14:creationId xmlns:p14="http://schemas.microsoft.com/office/powerpoint/2010/main" val="2337003134"/>
+      </p:ext>
+    </p:extLst>
+  </p:cSld>
+  <p:clrMapOvr>
+    <a:masterClrMapping/>
+  </p:clrMapOvr>
+  <p:timing>
+    <p:tnLst>
+      <p:par>
+        <p:cTn id="1" dur="indefinite" restart="never" nodeType="tmRoot"/>
+      </p:par>
+    </p:tnLst>
+  </p:timing>
+</p:sld>
+</file>
+
+<file path=ppt/slides/slide13.xml><?xml version="1.0" encoding="utf-8"?>
+<p:sld xmlns:a="http://schemas.openxmlformats.org/drawingml/2006/main" xmlns:r="http://schemas.openxmlformats.org/officeDocument/2006/relationships" xmlns:p="http://schemas.openxmlformats.org/presentationml/2006/main">
+  <p:cSld>
+    <p:spTree>
+      <p:nvGrpSpPr>
+        <p:cNvPr id="1" name="Shape 90"/>
+        <p:cNvGrpSpPr/>
+        <p:nvPr/>
+      </p:nvGrpSpPr>
+      <p:grpSpPr>
+        <a:xfrm>
+          <a:off x="0" y="0"/>
+          <a:ext cx="0" cy="0"/>
+          <a:chOff x="0" y="0"/>
+          <a:chExt cx="0" cy="0"/>
+        </a:xfrm>
+      </p:grpSpPr>
+      <p:sp>
+        <p:nvSpPr>
+          <p:cNvPr id="62" name="TextBox 61"/>
+          <p:cNvSpPr txBox="1"/>
+          <p:nvPr/>
+        </p:nvSpPr>
+        <p:spPr>
+          <a:xfrm>
+            <a:off x="470648" y="195307"/>
+            <a:ext cx="10796066" cy="477054"/>
+          </a:xfrm>
+          <a:prstGeom prst="rect">
+            <a:avLst/>
+          </a:prstGeom>
+          <a:noFill/>
+        </p:spPr>
+        <p:txBody>
+          <a:bodyPr wrap="square" rtlCol="0">
+            <a:spAutoFit/>
+          </a:bodyPr>
+          <a:lstStyle/>
+          <a:p>
+            <a:pPr lvl="0" algn="ctr">
+              <a:buClr>
+                <a:srgbClr val="000000"/>
+              </a:buClr>
+              <a:buSzPts val="1500"/>
+              <a:defRPr/>
+            </a:pPr>
+            <a:r>
+              <a:rPr lang="en-US" altLang="ko-KR" sz="2500" b="1" dirty="0" smtClean="0">
+                <a:solidFill>
+                  <a:schemeClr val="bg1"/>
+                </a:solidFill>
+                <a:latin typeface="+mj-lt"/>
+              </a:rPr>
+              <a:t>[</a:t>
+            </a:r>
+            <a:r>
+              <a:rPr lang="ko-KR" altLang="en-US" sz="2500" b="1" dirty="0" smtClean="0">
+                <a:solidFill>
+                  <a:schemeClr val="bg1"/>
+                </a:solidFill>
+                <a:latin typeface="+mj-lt"/>
+              </a:rPr>
+              <a:t>화면 구</a:t>
+            </a:r>
+            <a:r>
+              <a:rPr lang="ko-KR" altLang="en-US" sz="2500" b="1" dirty="0">
+                <a:solidFill>
+                  <a:schemeClr val="bg1"/>
+                </a:solidFill>
+                <a:latin typeface="+mj-lt"/>
+              </a:rPr>
+              <a:t>현</a:t>
+            </a:r>
+            <a:r>
+              <a:rPr lang="en-US" altLang="ko-KR" sz="2500" b="1" dirty="0" smtClean="0">
+                <a:solidFill>
+                  <a:schemeClr val="bg1"/>
+                </a:solidFill>
+                <a:latin typeface="+mj-lt"/>
+              </a:rPr>
+              <a:t>] </a:t>
+            </a:r>
+            <a:r>
+              <a:rPr lang="ko-KR" altLang="en-US" sz="2500" b="1" dirty="0" smtClean="0">
+                <a:solidFill>
+                  <a:schemeClr val="bg1"/>
+                </a:solidFill>
+                <a:latin typeface="+mj-lt"/>
+              </a:rPr>
+              <a:t>사용자 </a:t>
+            </a:r>
+            <a:r>
+              <a:rPr lang="en-US" altLang="ko-KR" sz="2500" b="1" dirty="0" smtClean="0">
+                <a:solidFill>
+                  <a:schemeClr val="bg1"/>
+                </a:solidFill>
+                <a:latin typeface="+mj-lt"/>
+              </a:rPr>
+              <a:t>– </a:t>
+            </a:r>
+            <a:r>
+              <a:rPr lang="ko-KR" altLang="en-US" sz="2500" b="1" dirty="0" smtClean="0">
+                <a:solidFill>
+                  <a:schemeClr val="bg1"/>
+                </a:solidFill>
+                <a:latin typeface="+mj-lt"/>
+              </a:rPr>
+              <a:t>웹</a:t>
+            </a:r>
+            <a:r>
+              <a:rPr lang="en-US" altLang="ko-KR" sz="2500" b="1" dirty="0" smtClean="0">
+                <a:solidFill>
+                  <a:schemeClr val="bg1"/>
+                </a:solidFill>
+                <a:latin typeface="+mj-lt"/>
+              </a:rPr>
+              <a:t> – </a:t>
+            </a:r>
+            <a:r>
+              <a:rPr lang="ko-KR" altLang="en-US" sz="2500" b="1" dirty="0" smtClean="0">
+                <a:solidFill>
+                  <a:schemeClr val="bg1"/>
+                </a:solidFill>
+                <a:latin typeface="+mj-lt"/>
+              </a:rPr>
+              <a:t>세미나등</a:t>
+            </a:r>
+            <a:r>
+              <a:rPr lang="ko-KR" altLang="en-US" sz="2500" b="1" dirty="0">
+                <a:solidFill>
+                  <a:schemeClr val="bg1"/>
+                </a:solidFill>
+                <a:latin typeface="+mj-lt"/>
+              </a:rPr>
+              <a:t>록</a:t>
+            </a:r>
+            <a:r>
+              <a:rPr lang="ko-KR" altLang="en-US" sz="2500" b="1" dirty="0" smtClean="0">
+                <a:solidFill>
+                  <a:schemeClr val="bg1"/>
+                </a:solidFill>
+                <a:latin typeface="+mj-lt"/>
+              </a:rPr>
+              <a:t> </a:t>
+            </a:r>
+            <a:r>
+              <a:rPr lang="en-US" altLang="ko-KR" sz="2500" b="1" dirty="0" smtClean="0">
+                <a:solidFill>
+                  <a:schemeClr val="bg1"/>
+                </a:solidFill>
+                <a:latin typeface="+mj-lt"/>
+              </a:rPr>
+              <a:t>– </a:t>
+            </a:r>
+            <a:r>
+              <a:rPr lang="ko-KR" altLang="en-US" sz="2500" b="1" dirty="0" smtClean="0">
+                <a:solidFill>
+                  <a:schemeClr val="bg1"/>
+                </a:solidFill>
+                <a:latin typeface="+mj-lt"/>
+              </a:rPr>
+              <a:t>등록 완료</a:t>
+            </a:r>
+            <a:endParaRPr lang="ko-KR" altLang="en-US" sz="2500" b="1" dirty="0">
+              <a:solidFill>
+                <a:schemeClr val="bg1"/>
+              </a:solidFill>
+              <a:latin typeface="+mj-lt"/>
+            </a:endParaRPr>
+          </a:p>
+        </p:txBody>
+      </p:sp>
+      <p:sp>
+        <p:nvSpPr>
+          <p:cNvPr id="4" name="TextBox 3"/>
+          <p:cNvSpPr txBox="1"/>
+          <p:nvPr/>
+        </p:nvSpPr>
+        <p:spPr>
+          <a:xfrm>
+            <a:off x="7685314" y="2544295"/>
+            <a:ext cx="3416300" cy="646331"/>
+          </a:xfrm>
+          <a:prstGeom prst="rect">
+            <a:avLst/>
+          </a:prstGeom>
+          <a:noFill/>
+        </p:spPr>
+        <p:txBody>
+          <a:bodyPr wrap="square" rtlCol="0">
+            <a:spAutoFit/>
+          </a:bodyPr>
+          <a:lstStyle/>
+          <a:p>
+            <a:r>
+              <a:rPr lang="ko-KR" altLang="en-US" dirty="0" smtClean="0"/>
+              <a:t>세미나가 정상적으로 등록되었을 경우 이동하는 페이지</a:t>
+            </a:r>
+            <a:r>
+              <a:rPr lang="en-US" altLang="ko-KR" dirty="0" smtClean="0"/>
+              <a:t>.</a:t>
+            </a:r>
+            <a:endParaRPr lang="ko-KR" altLang="en-US" dirty="0"/>
+          </a:p>
+        </p:txBody>
+      </p:sp>
+      <p:pic>
+        <p:nvPicPr>
+          <p:cNvPr id="6146" name="Picture 2" descr="C:\Users\ezen-033\Desktop\세미나등록완료.PNG"/>
+          <p:cNvPicPr>
+            <a:picLocks noChangeAspect="1" noChangeArrowheads="1"/>
+          </p:cNvPicPr>
+          <p:nvPr/>
+        </p:nvPicPr>
+        <p:blipFill>
+          <a:blip r:embed="rId3">
+            <a:extLst>
+              <a:ext uri="{28A0092B-C50C-407E-A947-70E740481C1C}">
+                <a14:useLocalDpi xmlns:a14="http://schemas.microsoft.com/office/drawing/2010/main" val="0"/>
+              </a:ext>
+            </a:extLst>
+          </a:blip>
+          <a:srcRect/>
+          <a:stretch>
+            <a:fillRect/>
+          </a:stretch>
+        </p:blipFill>
+        <p:spPr bwMode="auto">
+          <a:xfrm>
+            <a:off x="312388" y="1883280"/>
+            <a:ext cx="7106226" cy="3722687"/>
+          </a:xfrm>
+          <a:prstGeom prst="rect">
+            <a:avLst/>
+          </a:prstGeom>
+          <a:noFill/>
+          <a:ln>
+            <a:solidFill>
+              <a:schemeClr val="tx1"/>
+            </a:solidFill>
+          </a:ln>
+          <a:extLst>
+            <a:ext uri="{909E8E84-426E-40DD-AFC4-6F175D3DCCD1}">
+              <a14:hiddenFill xmlns:a14="http://schemas.microsoft.com/office/drawing/2010/main">
+                <a:solidFill>
+                  <a:srgbClr val="FFFFFF"/>
+                </a:solidFill>
+              </a14:hiddenFill>
+            </a:ext>
+          </a:extLst>
+        </p:spPr>
+      </p:pic>
+    </p:spTree>
+    <p:extLst>
+      <p:ext uri="{BB962C8B-B14F-4D97-AF65-F5344CB8AC3E}">
+        <p14:creationId xmlns:p14="http://schemas.microsoft.com/office/powerpoint/2010/main" val="3544152892"/>
+      </p:ext>
+    </p:extLst>
+  </p:cSld>
+  <p:clrMapOvr>
+    <a:masterClrMapping/>
+  </p:clrMapOvr>
+  <p:timing>
+    <p:tnLst>
+      <p:par>
+        <p:cTn id="1" dur="indefinite" restart="never" nodeType="tmRoot"/>
+      </p:par>
+    </p:tnLst>
+  </p:timing>
+</p:sld>
+</file>
+
+<file path=ppt/slides/slide14.xml><?xml version="1.0" encoding="utf-8"?>
+<p:sld xmlns:a="http://schemas.openxmlformats.org/drawingml/2006/main" xmlns:r="http://schemas.openxmlformats.org/officeDocument/2006/relationships" xmlns:p="http://schemas.openxmlformats.org/presentationml/2006/main">
+  <p:cSld>
+    <p:spTree>
+      <p:nvGrpSpPr>
+        <p:cNvPr id="1" name="Shape 90"/>
+        <p:cNvGrpSpPr/>
+        <p:nvPr/>
+      </p:nvGrpSpPr>
+      <p:grpSpPr>
+        <a:xfrm>
+          <a:off x="0" y="0"/>
+          <a:ext cx="0" cy="0"/>
+          <a:chOff x="0" y="0"/>
+          <a:chExt cx="0" cy="0"/>
+        </a:xfrm>
+      </p:grpSpPr>
+      <p:graphicFrame>
+        <p:nvGraphicFramePr>
+          <p:cNvPr id="96" name="Google Shape;96;g7c553259d1_0_3"/>
+          <p:cNvGraphicFramePr/>
+          <p:nvPr>
+            <p:extLst>
+              <p:ext uri="{D42A27DB-BD31-4B8C-83A1-F6EECF244321}">
+                <p14:modId xmlns:p14="http://schemas.microsoft.com/office/powerpoint/2010/main" val="1417500286"/>
+              </p:ext>
+            </p:extLst>
+          </p:nvPr>
+        </p:nvGraphicFramePr>
+        <p:xfrm>
+          <a:off x="8826450" y="2476065"/>
+          <a:ext cx="2952330" cy="4133574"/>
+        </p:xfrm>
+        <a:graphic>
+          <a:graphicData uri="http://schemas.openxmlformats.org/drawingml/2006/table">
+            <a:tbl>
+              <a:tblPr firstRow="1" bandRow="1">
+                <a:noFill/>
+              </a:tblPr>
+              <a:tblGrid>
+                <a:gridCol w="289755">
+                  <a:extLst>
+                    <a:ext uri="{9D8B030D-6E8A-4147-A177-3AD203B41FA5}">
+                      <a16:colId xmlns:a16="http://schemas.microsoft.com/office/drawing/2014/main" xmlns="" val="20000"/>
+                    </a:ext>
+                  </a:extLst>
+                </a:gridCol>
+                <a:gridCol w="2662575">
+                  <a:extLst>
+                    <a:ext uri="{9D8B030D-6E8A-4147-A177-3AD203B41FA5}">
+                      <a16:colId xmlns:a16="http://schemas.microsoft.com/office/drawing/2014/main" xmlns="" val="20001"/>
+                    </a:ext>
+                  </a:extLst>
+                </a:gridCol>
+              </a:tblGrid>
+              <a:tr h="286673">
+                <a:tc>
+                  <a:txBody>
+                    <a:bodyPr/>
+                    <a:lstStyle/>
+                    <a:p>
+                      <a:pPr marL="0" marR="0" lvl="0" indent="0" algn="ctr" rtl="0">
+                        <a:lnSpc>
+                          <a:spcPct val="100000"/>
+                        </a:lnSpc>
+                        <a:spcBef>
+                          <a:spcPts val="0"/>
+                        </a:spcBef>
+                        <a:spcAft>
+                          <a:spcPts val="0"/>
+                        </a:spcAft>
+                        <a:buClr>
+                          <a:srgbClr val="000000"/>
+                        </a:buClr>
+                        <a:buSzPts val="1500"/>
+                        <a:buFont typeface="Arial"/>
+                        <a:buNone/>
+                      </a:pPr>
+                      <a:r>
+                        <a:rPr lang="ko-KR" sz="1500" u="none" strike="noStrike" cap="none" dirty="0">
+                          <a:solidFill>
+                            <a:schemeClr val="dk1"/>
+                          </a:solidFill>
+                        </a:rPr>
+                        <a:t>#</a:t>
+                      </a:r>
+                      <a:endParaRPr sz="1500" u="none" strike="noStrike" cap="none" dirty="0">
+                        <a:solidFill>
+                          <a:schemeClr val="dk1"/>
+                        </a:solidFill>
+                      </a:endParaRPr>
+                    </a:p>
+                  </a:txBody>
+                  <a:tcPr marL="91451" marR="91451" marT="45725" marB="45725" anchor="ctr">
+                    <a:lnL w="12700" cap="flat" cmpd="sng">
+                      <a:solidFill>
+                        <a:schemeClr val="dk1"/>
+                      </a:solidFill>
+                      <a:prstDash val="solid"/>
+                      <a:round/>
+                      <a:headEnd type="none" w="sm" len="sm"/>
+                      <a:tailEnd type="none" w="sm" len="sm"/>
+                    </a:lnL>
+                    <a:lnR w="12700" cap="flat" cmpd="sng">
+                      <a:solidFill>
+                        <a:schemeClr val="dk1"/>
+                      </a:solidFill>
+                      <a:prstDash val="solid"/>
+                      <a:round/>
+                      <a:headEnd type="none" w="sm" len="sm"/>
+                      <a:tailEnd type="none" w="sm" len="sm"/>
+                    </a:lnR>
+                    <a:lnT w="12700" cap="flat" cmpd="sng">
+                      <a:solidFill>
+                        <a:schemeClr val="dk1"/>
+                      </a:solidFill>
+                      <a:prstDash val="solid"/>
+                      <a:round/>
+                      <a:headEnd type="none" w="sm" len="sm"/>
+                      <a:tailEnd type="none" w="sm" len="sm"/>
+                    </a:lnT>
+                    <a:lnB w="12700" cap="flat" cmpd="sng">
+                      <a:solidFill>
+                        <a:schemeClr val="dk1"/>
+                      </a:solidFill>
+                      <a:prstDash val="solid"/>
+                      <a:round/>
+                      <a:headEnd type="none" w="sm" len="sm"/>
+                      <a:tailEnd type="none" w="sm" len="sm"/>
+                    </a:lnB>
+                    <a:solidFill>
+                      <a:srgbClr val="D8D8D8"/>
+                    </a:solidFill>
+                  </a:tcPr>
+                </a:tc>
+                <a:tc>
+                  <a:txBody>
+                    <a:bodyPr/>
+                    <a:lstStyle/>
+                    <a:p>
+                      <a:pPr marL="0" marR="0" lvl="0" indent="0" algn="ctr" rtl="0">
+                        <a:lnSpc>
+                          <a:spcPct val="100000"/>
+                        </a:lnSpc>
+                        <a:spcBef>
+                          <a:spcPts val="0"/>
+                        </a:spcBef>
+                        <a:spcAft>
+                          <a:spcPts val="0"/>
+                        </a:spcAft>
+                        <a:buClr>
+                          <a:srgbClr val="000000"/>
+                        </a:buClr>
+                        <a:buSzPts val="1500"/>
+                        <a:buFont typeface="Arial"/>
+                        <a:buNone/>
+                      </a:pPr>
+                      <a:r>
+                        <a:rPr lang="ko-KR" sz="1500" u="none" strike="noStrike" cap="none" dirty="0" err="1">
+                          <a:solidFill>
+                            <a:schemeClr val="dk1"/>
+                          </a:solidFill>
+                        </a:rPr>
+                        <a:t>기능명</a:t>
+                      </a:r>
+                      <a:endParaRPr sz="1500" u="none" strike="noStrike" cap="none" dirty="0">
+                        <a:solidFill>
+                          <a:schemeClr val="dk1"/>
+                        </a:solidFill>
+                      </a:endParaRPr>
+                    </a:p>
+                  </a:txBody>
+                  <a:tcPr marL="91451" marR="91451" marT="45725" marB="45725" anchor="ctr">
+                    <a:lnL w="12700" cap="flat" cmpd="sng">
+                      <a:solidFill>
+                        <a:schemeClr val="dk1"/>
+                      </a:solidFill>
+                      <a:prstDash val="solid"/>
+                      <a:round/>
+                      <a:headEnd type="none" w="sm" len="sm"/>
+                      <a:tailEnd type="none" w="sm" len="sm"/>
+                    </a:lnL>
+                    <a:lnR w="12700" cap="flat" cmpd="sng">
+                      <a:solidFill>
+                        <a:schemeClr val="dk1"/>
+                      </a:solidFill>
+                      <a:prstDash val="solid"/>
+                      <a:round/>
+                      <a:headEnd type="none" w="sm" len="sm"/>
+                      <a:tailEnd type="none" w="sm" len="sm"/>
+                    </a:lnR>
+                    <a:lnT w="12700" cap="flat" cmpd="sng">
+                      <a:solidFill>
+                        <a:schemeClr val="dk1"/>
+                      </a:solidFill>
+                      <a:prstDash val="solid"/>
+                      <a:round/>
+                      <a:headEnd type="none" w="sm" len="sm"/>
+                      <a:tailEnd type="none" w="sm" len="sm"/>
+                    </a:lnT>
+                    <a:lnB w="12700" cap="flat" cmpd="sng">
+                      <a:solidFill>
+                        <a:schemeClr val="dk1"/>
+                      </a:solidFill>
+                      <a:prstDash val="solid"/>
+                      <a:round/>
+                      <a:headEnd type="none" w="sm" len="sm"/>
+                      <a:tailEnd type="none" w="sm" len="sm"/>
+                    </a:lnB>
+                    <a:solidFill>
+                      <a:srgbClr val="D8D8D8"/>
+                    </a:solidFill>
+                  </a:tcPr>
+                </a:tc>
+                <a:extLst>
+                  <a:ext uri="{0D108BD9-81ED-4DB2-BD59-A6C34878D82A}">
+                    <a16:rowId xmlns:a16="http://schemas.microsoft.com/office/drawing/2014/main" xmlns="" val="10000"/>
+                  </a:ext>
+                </a:extLst>
+              </a:tr>
+              <a:tr h="328022">
+                <a:tc rowSpan="5">
+                  <a:txBody>
+                    <a:bodyPr/>
+                    <a:lstStyle/>
+                    <a:p>
+                      <a:pPr marL="0" marR="0" lvl="0" indent="0" algn="ctr" rtl="0">
+                        <a:lnSpc>
+                          <a:spcPct val="100000"/>
+                        </a:lnSpc>
+                        <a:spcBef>
+                          <a:spcPts val="0"/>
+                        </a:spcBef>
+                        <a:spcAft>
+                          <a:spcPts val="0"/>
+                        </a:spcAft>
+                        <a:buClr>
+                          <a:srgbClr val="000000"/>
+                        </a:buClr>
+                        <a:buSzPts val="1500"/>
+                        <a:buFont typeface="Arial"/>
+                        <a:buNone/>
+                      </a:pPr>
+                      <a:r>
+                        <a:rPr lang="en-US" altLang="ko-KR" sz="1500" u="none" strike="noStrike" cap="none" dirty="0" smtClean="0">
+                          <a:solidFill>
+                            <a:schemeClr val="dk1"/>
+                          </a:solidFill>
+                        </a:rPr>
+                        <a:t>1</a:t>
+                      </a:r>
+                      <a:endParaRPr sz="1500" u="none" strike="noStrike" cap="none" dirty="0">
+                        <a:solidFill>
+                          <a:schemeClr val="dk1"/>
+                        </a:solidFill>
+                      </a:endParaRPr>
+                    </a:p>
+                  </a:txBody>
+                  <a:tcPr marL="91451" marR="91451" marT="45725" marB="45725" anchor="ctr">
+                    <a:lnL w="12700" cap="flat" cmpd="sng">
+                      <a:solidFill>
+                        <a:schemeClr val="dk1"/>
+                      </a:solidFill>
+                      <a:prstDash val="solid"/>
+                      <a:round/>
+                      <a:headEnd type="none" w="sm" len="sm"/>
+                      <a:tailEnd type="none" w="sm" len="sm"/>
+                    </a:lnL>
+                    <a:lnR w="12700" cap="flat" cmpd="sng" algn="ctr">
+                      <a:solidFill>
+                        <a:schemeClr val="dk1"/>
+                      </a:solidFill>
+                      <a:prstDash val="solid"/>
+                      <a:round/>
+                      <a:headEnd type="none" w="sm" len="sm"/>
+                      <a:tailEnd type="none" w="sm" len="sm"/>
+                    </a:lnR>
+                    <a:lnT w="12700" cap="flat" cmpd="sng">
+                      <a:solidFill>
+                        <a:schemeClr val="dk1"/>
+                      </a:solidFill>
+                      <a:prstDash val="solid"/>
+                      <a:round/>
+                      <a:headEnd type="none" w="sm" len="sm"/>
+                      <a:tailEnd type="none" w="sm" len="sm"/>
+                    </a:lnT>
+                    <a:lnB w="12700" cap="flat" cmpd="sng" algn="ctr">
+                      <a:solidFill>
+                        <a:schemeClr val="dk1"/>
+                      </a:solidFill>
+                      <a:prstDash val="solid"/>
+                      <a:round/>
+                      <a:headEnd type="none" w="sm" len="sm"/>
+                      <a:tailEnd type="none" w="sm" len="sm"/>
+                    </a:lnB>
+                    <a:solidFill>
+                      <a:schemeClr val="lt1"/>
+                    </a:solidFill>
+                  </a:tcPr>
+                </a:tc>
+                <a:tc>
+                  <a:txBody>
+                    <a:bodyPr/>
+                    <a:lstStyle/>
+                    <a:p>
+                      <a:pPr marL="133350" marR="0" lvl="0" indent="0" algn="l" rtl="0">
+                        <a:lnSpc>
+                          <a:spcPct val="100000"/>
+                        </a:lnSpc>
+                        <a:spcBef>
+                          <a:spcPts val="0"/>
+                        </a:spcBef>
+                        <a:spcAft>
+                          <a:spcPts val="0"/>
+                        </a:spcAft>
+                        <a:buClr>
+                          <a:srgbClr val="000000"/>
+                        </a:buClr>
+                        <a:buSzPts val="1500"/>
+                        <a:buFont typeface="Arial"/>
+                        <a:buNone/>
+                        <a:tabLst/>
+                      </a:pPr>
+                      <a:r>
+                        <a:rPr lang="ko-KR" altLang="en-US" sz="1100" b="0" u="none" strike="noStrike" cap="none" dirty="0" smtClean="0"/>
+                        <a:t>프로필 관리를 위한 메뉴로 클릭 시 </a:t>
+                      </a:r>
+                      <a:r>
+                        <a:rPr lang="ko-KR" altLang="en-US" sz="1100" b="0" u="none" strike="noStrike" cap="none" dirty="0" err="1" smtClean="0"/>
+                        <a:t>팝업창</a:t>
+                      </a:r>
+                      <a:r>
+                        <a:rPr lang="ko-KR" altLang="en-US" sz="1100" b="0" u="none" strike="noStrike" cap="none" dirty="0" smtClean="0"/>
+                        <a:t> 생성</a:t>
+                      </a:r>
+                      <a:endParaRPr lang="en-US" altLang="ko-KR" sz="1100" b="0" u="none" strike="noStrike" cap="none" dirty="0" smtClean="0"/>
+                    </a:p>
+                  </a:txBody>
+                  <a:tcPr marL="91451" marR="91451" marT="45725" marB="45725">
+                    <a:lnL w="12700" cap="flat" cmpd="sng">
+                      <a:solidFill>
+                        <a:schemeClr val="dk1"/>
+                      </a:solidFill>
+                      <a:prstDash val="solid"/>
+                      <a:round/>
+                      <a:headEnd type="none" w="sm" len="sm"/>
+                      <a:tailEnd type="none" w="sm" len="sm"/>
+                    </a:lnL>
+                    <a:lnR w="12700" cap="flat" cmpd="sng">
+                      <a:solidFill>
+                        <a:schemeClr val="dk1"/>
+                      </a:solidFill>
+                      <a:prstDash val="solid"/>
+                      <a:round/>
+                      <a:headEnd type="none" w="sm" len="sm"/>
+                      <a:tailEnd type="none" w="sm" len="sm"/>
+                    </a:lnR>
+                    <a:lnT w="12700" cap="flat" cmpd="sng">
+                      <a:solidFill>
+                        <a:schemeClr val="dk1"/>
+                      </a:solidFill>
+                      <a:prstDash val="solid"/>
+                      <a:round/>
+                      <a:headEnd type="none" w="sm" len="sm"/>
+                      <a:tailEnd type="none" w="sm" len="sm"/>
+                    </a:lnT>
+                    <a:lnB w="12700" cap="flat" cmpd="sng">
+                      <a:solidFill>
+                        <a:schemeClr val="dk1"/>
+                      </a:solidFill>
+                      <a:prstDash val="solid"/>
+                      <a:round/>
+                      <a:headEnd type="none" w="sm" len="sm"/>
+                      <a:tailEnd type="none" w="sm" len="sm"/>
+                    </a:lnB>
+                    <a:solidFill>
+                      <a:schemeClr val="lt1"/>
+                    </a:solidFill>
+                  </a:tcPr>
+                </a:tc>
+                <a:extLst>
+                  <a:ext uri="{0D108BD9-81ED-4DB2-BD59-A6C34878D82A}">
+                    <a16:rowId xmlns:a16="http://schemas.microsoft.com/office/drawing/2014/main" xmlns="" val="10001"/>
+                  </a:ext>
+                </a:extLst>
+              </a:tr>
+              <a:tr h="819048">
+                <a:tc vMerge="1">
+                  <a:txBody>
+                    <a:bodyPr/>
+                    <a:lstStyle/>
+                    <a:p>
+                      <a:pPr marL="0" marR="0" lvl="0" indent="0" algn="ctr" rtl="0">
+                        <a:lnSpc>
+                          <a:spcPct val="100000"/>
+                        </a:lnSpc>
+                        <a:spcBef>
+                          <a:spcPts val="0"/>
+                        </a:spcBef>
+                        <a:spcAft>
+                          <a:spcPts val="0"/>
+                        </a:spcAft>
+                        <a:buClr>
+                          <a:srgbClr val="000000"/>
+                        </a:buClr>
+                        <a:buSzPts val="1500"/>
+                        <a:buFont typeface="Arial"/>
+                        <a:buNone/>
+                      </a:pPr>
+                      <a:endParaRPr sz="1500" u="none" strike="noStrike" cap="none" dirty="0">
+                        <a:solidFill>
+                          <a:schemeClr val="dk1"/>
+                        </a:solidFill>
+                      </a:endParaRPr>
+                    </a:p>
+                  </a:txBody>
+                  <a:tcPr marL="91451" marR="91451" marT="45725" marB="45725" anchor="ctr">
+                    <a:lnL w="12700" cap="flat" cmpd="sng">
+                      <a:solidFill>
+                        <a:schemeClr val="dk1"/>
+                      </a:solidFill>
+                      <a:prstDash val="solid"/>
+                      <a:round/>
+                      <a:headEnd type="none" w="sm" len="sm"/>
+                      <a:tailEnd type="none" w="sm" len="sm"/>
+                    </a:lnL>
+                    <a:lnR w="12700" cap="flat" cmpd="sng">
+                      <a:solidFill>
+                        <a:schemeClr val="dk1"/>
+                      </a:solidFill>
+                      <a:prstDash val="solid"/>
+                      <a:round/>
+                      <a:headEnd type="none" w="sm" len="sm"/>
+                      <a:tailEnd type="none" w="sm" len="sm"/>
+                    </a:lnR>
+                    <a:lnT w="12700" cap="flat" cmpd="sng">
+                      <a:solidFill>
+                        <a:schemeClr val="dk1"/>
+                      </a:solidFill>
+                      <a:prstDash val="solid"/>
+                      <a:round/>
+                      <a:headEnd type="none" w="sm" len="sm"/>
+                      <a:tailEnd type="none" w="sm" len="sm"/>
+                    </a:lnT>
+                    <a:lnB w="12700" cap="flat" cmpd="sng" algn="ctr">
+                      <a:solidFill>
+                        <a:schemeClr val="dk1"/>
+                      </a:solidFill>
+                      <a:prstDash val="solid"/>
+                      <a:round/>
+                      <a:headEnd type="none" w="sm" len="sm"/>
+                      <a:tailEnd type="none" w="sm" len="sm"/>
+                    </a:lnB>
+                    <a:solidFill>
+                      <a:schemeClr val="lt1"/>
+                    </a:solidFill>
+                  </a:tcPr>
+                </a:tc>
+                <a:tc>
+                  <a:txBody>
+                    <a:bodyPr/>
+                    <a:lstStyle/>
+                    <a:p>
+                      <a:pPr marL="133350" marR="0" lvl="0" indent="0" algn="l" rtl="0">
+                        <a:lnSpc>
+                          <a:spcPct val="100000"/>
+                        </a:lnSpc>
+                        <a:spcBef>
+                          <a:spcPts val="0"/>
+                        </a:spcBef>
+                        <a:spcAft>
+                          <a:spcPts val="0"/>
+                        </a:spcAft>
+                        <a:buClr>
+                          <a:srgbClr val="000000"/>
+                        </a:buClr>
+                        <a:buSzPts val="1500"/>
+                        <a:buFont typeface="Arial"/>
+                        <a:buNone/>
+                      </a:pPr>
+                      <a:r>
+                        <a:rPr lang="ko-KR" altLang="en-US" sz="1100" b="0" u="none" strike="noStrike" cap="none" dirty="0" smtClean="0"/>
+                        <a:t>세미나 예약 리스트를 확인할 수 있는 페이지로 이동하며</a:t>
+                      </a:r>
+                      <a:r>
+                        <a:rPr lang="en-US" altLang="ko-KR" sz="1100" b="0" u="none" strike="noStrike" cap="none" dirty="0" smtClean="0"/>
+                        <a:t>, </a:t>
+                      </a:r>
+                      <a:r>
+                        <a:rPr lang="ko-KR" altLang="en-US" sz="1100" b="0" u="none" strike="noStrike" cap="none" dirty="0" smtClean="0"/>
+                        <a:t>호스트를 위한 장소선택</a:t>
+                      </a:r>
+                      <a:r>
+                        <a:rPr lang="en-US" altLang="ko-KR" sz="1100" b="0" u="none" strike="noStrike" cap="none" dirty="0" smtClean="0"/>
+                        <a:t>, </a:t>
+                      </a:r>
+                      <a:r>
+                        <a:rPr lang="ko-KR" altLang="en-US" sz="1100" b="0" u="none" strike="noStrike" cap="none" dirty="0" smtClean="0"/>
+                        <a:t>시간</a:t>
+                      </a:r>
+                      <a:r>
+                        <a:rPr lang="en-US" altLang="ko-KR" sz="1100" b="0" u="none" strike="noStrike" cap="none" dirty="0" smtClean="0"/>
+                        <a:t>, </a:t>
+                      </a:r>
+                      <a:r>
+                        <a:rPr lang="ko-KR" altLang="en-US" sz="1100" b="0" u="none" strike="noStrike" cap="none" dirty="0" smtClean="0"/>
+                        <a:t>세미나 이름을 확인할 수 있다</a:t>
+                      </a:r>
+                      <a:r>
+                        <a:rPr lang="en-US" altLang="ko-KR" sz="1100" b="0" u="none" strike="noStrike" cap="none" dirty="0" smtClean="0"/>
+                        <a:t>.</a:t>
+                      </a:r>
+                      <a:endParaRPr lang="en-US" altLang="ko-KR" sz="1100" b="0" u="none" strike="noStrike" cap="none" dirty="0"/>
+                    </a:p>
+                  </a:txBody>
+                  <a:tcPr marL="91451" marR="91451" marT="45725" marB="45725">
+                    <a:lnL w="12700" cap="flat" cmpd="sng">
+                      <a:solidFill>
+                        <a:schemeClr val="dk1"/>
+                      </a:solidFill>
+                      <a:prstDash val="solid"/>
+                      <a:round/>
+                      <a:headEnd type="none" w="sm" len="sm"/>
+                      <a:tailEnd type="none" w="sm" len="sm"/>
+                    </a:lnL>
+                    <a:lnR w="12700" cap="flat" cmpd="sng">
+                      <a:solidFill>
+                        <a:schemeClr val="dk1"/>
+                      </a:solidFill>
+                      <a:prstDash val="solid"/>
+                      <a:round/>
+                      <a:headEnd type="none" w="sm" len="sm"/>
+                      <a:tailEnd type="none" w="sm" len="sm"/>
+                    </a:lnR>
+                    <a:lnT w="12700" cap="flat" cmpd="sng">
+                      <a:solidFill>
+                        <a:schemeClr val="dk1"/>
+                      </a:solidFill>
+                      <a:prstDash val="solid"/>
+                      <a:round/>
+                      <a:headEnd type="none" w="sm" len="sm"/>
+                      <a:tailEnd type="none" w="sm" len="sm"/>
+                    </a:lnT>
+                    <a:lnB w="12700" cap="flat" cmpd="sng" algn="ctr">
+                      <a:solidFill>
+                        <a:schemeClr val="dk1"/>
+                      </a:solidFill>
+                      <a:prstDash val="solid"/>
+                      <a:round/>
+                      <a:headEnd type="none" w="sm" len="sm"/>
+                      <a:tailEnd type="none" w="sm" len="sm"/>
+                    </a:lnB>
+                    <a:solidFill>
+                      <a:schemeClr val="lt1"/>
+                    </a:solidFill>
+                  </a:tcPr>
+                </a:tc>
+                <a:extLst>
+                  <a:ext uri="{0D108BD9-81ED-4DB2-BD59-A6C34878D82A}">
+                    <a16:rowId xmlns:a16="http://schemas.microsoft.com/office/drawing/2014/main" xmlns="" val="10002"/>
+                  </a:ext>
+                </a:extLst>
+              </a:tr>
+              <a:tr h="819048">
+                <a:tc vMerge="1">
+                  <a:txBody>
+                    <a:bodyPr/>
+                    <a:lstStyle/>
+                    <a:p>
+                      <a:pPr marL="0" marR="0" lvl="0" indent="0" algn="ctr" rtl="0">
+                        <a:lnSpc>
+                          <a:spcPct val="100000"/>
+                        </a:lnSpc>
+                        <a:spcBef>
+                          <a:spcPts val="0"/>
+                        </a:spcBef>
+                        <a:spcAft>
+                          <a:spcPts val="0"/>
+                        </a:spcAft>
+                        <a:buClr>
+                          <a:srgbClr val="000000"/>
+                        </a:buClr>
+                        <a:buSzPts val="1500"/>
+                        <a:buFont typeface="Arial"/>
+                        <a:buNone/>
+                      </a:pPr>
+                      <a:endParaRPr sz="1500" u="none" strike="noStrike" cap="none" dirty="0">
+                        <a:solidFill>
+                          <a:schemeClr val="dk1"/>
+                        </a:solidFill>
+                      </a:endParaRPr>
+                    </a:p>
+                  </a:txBody>
+                  <a:tcPr marL="91451" marR="91451" marT="45725" marB="45725" anchor="ctr">
+                    <a:lnL w="12700" cap="flat" cmpd="sng">
+                      <a:solidFill>
+                        <a:schemeClr val="dk1"/>
+                      </a:solidFill>
+                      <a:prstDash val="solid"/>
+                      <a:round/>
+                      <a:headEnd type="none" w="sm" len="sm"/>
+                      <a:tailEnd type="none" w="sm" len="sm"/>
+                    </a:lnL>
+                    <a:lnR w="12700" cap="flat" cmpd="sng" algn="ctr">
+                      <a:solidFill>
+                        <a:schemeClr val="dk1"/>
+                      </a:solidFill>
+                      <a:prstDash val="solid"/>
+                      <a:round/>
+                      <a:headEnd type="none" w="sm" len="sm"/>
+                      <a:tailEnd type="none" w="sm" len="sm"/>
+                    </a:lnR>
+                    <a:lnT w="12700" cap="flat" cmpd="sng">
+                      <a:solidFill>
+                        <a:schemeClr val="dk1"/>
+                      </a:solidFill>
+                      <a:prstDash val="solid"/>
+                      <a:round/>
+                      <a:headEnd type="none" w="sm" len="sm"/>
+                      <a:tailEnd type="none" w="sm" len="sm"/>
+                    </a:lnT>
+                    <a:lnB w="12700" cap="flat" cmpd="sng" algn="ctr">
+                      <a:solidFill>
+                        <a:schemeClr val="dk1"/>
+                      </a:solidFill>
+                      <a:prstDash val="solid"/>
+                      <a:round/>
+                      <a:headEnd type="none" w="sm" len="sm"/>
+                      <a:tailEnd type="none" w="sm" len="sm"/>
+                    </a:lnB>
+                    <a:solidFill>
+                      <a:schemeClr val="lt1"/>
+                    </a:solidFill>
+                  </a:tcPr>
+                </a:tc>
+                <a:tc>
+                  <a:txBody>
+                    <a:bodyPr/>
+                    <a:lstStyle/>
+                    <a:p>
+                      <a:pPr marL="133350" marR="0" lvl="0" indent="0" algn="l" rtl="0">
+                        <a:lnSpc>
+                          <a:spcPct val="100000"/>
+                        </a:lnSpc>
+                        <a:spcBef>
+                          <a:spcPts val="0"/>
+                        </a:spcBef>
+                        <a:spcAft>
+                          <a:spcPts val="0"/>
+                        </a:spcAft>
+                        <a:buClr>
+                          <a:srgbClr val="000000"/>
+                        </a:buClr>
+                        <a:buSzPts val="1500"/>
+                        <a:buFont typeface="Arial"/>
+                        <a:buNone/>
+                      </a:pPr>
+                      <a:r>
+                        <a:rPr lang="ko-KR" altLang="en-US" sz="1100" b="0" u="none" strike="noStrike" cap="none" dirty="0" err="1" smtClean="0"/>
+                        <a:t>밋업</a:t>
+                      </a:r>
+                      <a:r>
+                        <a:rPr lang="ko-KR" altLang="en-US" sz="1100" b="0" u="none" strike="noStrike" cap="none" dirty="0" smtClean="0"/>
+                        <a:t> 예약 리스트를 확인할 수 있는 페이지로 이동하며</a:t>
+                      </a:r>
+                      <a:r>
+                        <a:rPr lang="en-US" altLang="ko-KR" sz="1100" b="0" u="none" strike="noStrike" cap="none" dirty="0" smtClean="0"/>
+                        <a:t>, </a:t>
+                      </a:r>
+                      <a:r>
+                        <a:rPr lang="ko-KR" altLang="en-US" sz="1100" b="0" u="none" strike="noStrike" cap="none" dirty="0" err="1" smtClean="0"/>
+                        <a:t>밋업에</a:t>
+                      </a:r>
+                      <a:r>
+                        <a:rPr lang="ko-KR" altLang="en-US" sz="1100" b="0" u="none" strike="noStrike" cap="none" dirty="0" smtClean="0"/>
+                        <a:t> 대한 장소</a:t>
+                      </a:r>
+                      <a:r>
+                        <a:rPr lang="en-US" altLang="ko-KR" sz="1100" b="0" u="none" strike="noStrike" cap="none" dirty="0" smtClean="0"/>
+                        <a:t>, </a:t>
+                      </a:r>
+                      <a:r>
+                        <a:rPr lang="ko-KR" altLang="en-US" sz="1100" b="0" u="none" strike="noStrike" cap="none" dirty="0" smtClean="0"/>
+                        <a:t>시간</a:t>
+                      </a:r>
+                      <a:r>
+                        <a:rPr lang="en-US" altLang="ko-KR" sz="1100" b="0" u="none" strike="noStrike" cap="none" dirty="0" smtClean="0"/>
+                        <a:t>,</a:t>
+                      </a:r>
+                      <a:r>
+                        <a:rPr lang="en-US" altLang="ko-KR" sz="1100" b="0" u="none" strike="noStrike" cap="none" baseline="0" dirty="0" smtClean="0"/>
+                        <a:t> </a:t>
+                      </a:r>
+                      <a:r>
+                        <a:rPr lang="ko-KR" altLang="en-US" sz="1100" b="0" u="none" strike="noStrike" cap="none" baseline="0" dirty="0" smtClean="0"/>
+                        <a:t>이름 등을 확인할 </a:t>
+                      </a:r>
+                      <a:r>
+                        <a:rPr lang="ko-KR" altLang="en-US" sz="1100" b="0" u="none" strike="noStrike" cap="none" baseline="0" dirty="0" err="1" smtClean="0"/>
+                        <a:t>수있다</a:t>
+                      </a:r>
+                      <a:r>
+                        <a:rPr lang="en-US" altLang="ko-KR" sz="1100" b="0" u="none" strike="noStrike" cap="none" baseline="0" dirty="0" smtClean="0"/>
+                        <a:t>.</a:t>
+                      </a:r>
+                      <a:endParaRPr lang="en-US" altLang="ko-KR" sz="1100" b="0" u="none" strike="noStrike" cap="none" dirty="0"/>
+                    </a:p>
+                  </a:txBody>
+                  <a:tcPr marL="91451" marR="91451" marT="45725" marB="45725">
+                    <a:lnL w="12700" cap="flat" cmpd="sng" algn="ctr">
+                      <a:solidFill>
+                        <a:schemeClr val="dk1"/>
+                      </a:solidFill>
+                      <a:prstDash val="solid"/>
+                      <a:round/>
+                      <a:headEnd type="none" w="sm" len="sm"/>
+                      <a:tailEnd type="none" w="sm" len="sm"/>
+                    </a:lnL>
+                    <a:lnR w="12700" cap="flat" cmpd="sng">
+                      <a:solidFill>
+                        <a:schemeClr val="dk1"/>
+                      </a:solidFill>
+                      <a:prstDash val="solid"/>
+                      <a:round/>
+                      <a:headEnd type="none" w="sm" len="sm"/>
+                      <a:tailEnd type="none" w="sm" len="sm"/>
+                    </a:lnR>
+                    <a:lnT w="12700" cap="flat" cmpd="sng">
+                      <a:solidFill>
+                        <a:schemeClr val="dk1"/>
+                      </a:solidFill>
+                      <a:prstDash val="solid"/>
+                      <a:round/>
+                      <a:headEnd type="none" w="sm" len="sm"/>
+                      <a:tailEnd type="none" w="sm" len="sm"/>
+                    </a:lnT>
+                    <a:lnB w="12700" cap="flat" cmpd="sng" algn="ctr">
+                      <a:solidFill>
+                        <a:schemeClr val="dk1"/>
+                      </a:solidFill>
+                      <a:prstDash val="solid"/>
+                      <a:round/>
+                      <a:headEnd type="none" w="sm" len="sm"/>
+                      <a:tailEnd type="none" w="sm" len="sm"/>
+                    </a:lnB>
+                    <a:solidFill>
+                      <a:schemeClr val="lt1"/>
+                    </a:solidFill>
+                  </a:tcPr>
+                </a:tc>
+                <a:extLst>
+                  <a:ext uri="{0D108BD9-81ED-4DB2-BD59-A6C34878D82A}">
+                    <a16:rowId xmlns:a16="http://schemas.microsoft.com/office/drawing/2014/main" xmlns="" val="10003"/>
+                  </a:ext>
+                </a:extLst>
+              </a:tr>
+              <a:tr h="819048">
+                <a:tc vMerge="1">
+                  <a:txBody>
+                    <a:bodyPr/>
+                    <a:lstStyle/>
+                    <a:p>
+                      <a:pPr marL="0" marR="0" lvl="0" indent="0" algn="ctr" rtl="0">
+                        <a:lnSpc>
+                          <a:spcPct val="100000"/>
+                        </a:lnSpc>
+                        <a:spcBef>
+                          <a:spcPts val="0"/>
+                        </a:spcBef>
+                        <a:spcAft>
+                          <a:spcPts val="0"/>
+                        </a:spcAft>
+                        <a:buClr>
+                          <a:srgbClr val="000000"/>
+                        </a:buClr>
+                        <a:buSzPts val="1500"/>
+                        <a:buFont typeface="Arial"/>
+                        <a:buNone/>
+                      </a:pPr>
+                      <a:endParaRPr sz="1500" u="none" strike="noStrike" cap="none" dirty="0">
+                        <a:solidFill>
+                          <a:schemeClr val="dk1"/>
+                        </a:solidFill>
+                      </a:endParaRPr>
+                    </a:p>
+                  </a:txBody>
+                  <a:tcPr marL="91451" marR="91451" marT="45725" marB="45725" anchor="ctr">
+                    <a:lnL w="12700" cap="flat" cmpd="sng">
+                      <a:solidFill>
+                        <a:schemeClr val="dk1"/>
+                      </a:solidFill>
+                      <a:prstDash val="solid"/>
+                      <a:round/>
+                      <a:headEnd type="none" w="sm" len="sm"/>
+                      <a:tailEnd type="none" w="sm" len="sm"/>
+                    </a:lnL>
+                    <a:lnR w="12700" cap="flat" cmpd="sng" algn="ctr">
+                      <a:solidFill>
+                        <a:schemeClr val="dk1"/>
+                      </a:solidFill>
+                      <a:prstDash val="solid"/>
+                      <a:round/>
+                      <a:headEnd type="none" w="sm" len="sm"/>
+                      <a:tailEnd type="none" w="sm" len="sm"/>
+                    </a:lnR>
+                    <a:lnT w="12700" cap="flat" cmpd="sng">
+                      <a:solidFill>
+                        <a:schemeClr val="dk1"/>
+                      </a:solidFill>
+                      <a:prstDash val="solid"/>
+                      <a:round/>
+                      <a:headEnd type="none" w="sm" len="sm"/>
+                      <a:tailEnd type="none" w="sm" len="sm"/>
+                    </a:lnT>
+                    <a:lnB w="12700" cap="flat" cmpd="sng" algn="ctr">
+                      <a:solidFill>
+                        <a:schemeClr val="dk1"/>
+                      </a:solidFill>
+                      <a:prstDash val="solid"/>
+                      <a:round/>
+                      <a:headEnd type="none" w="sm" len="sm"/>
+                      <a:tailEnd type="none" w="sm" len="sm"/>
+                    </a:lnB>
+                    <a:solidFill>
+                      <a:schemeClr val="lt1"/>
+                    </a:solidFill>
+                  </a:tcPr>
+                </a:tc>
+                <a:tc>
+                  <a:txBody>
+                    <a:bodyPr/>
+                    <a:lstStyle/>
+                    <a:p>
+                      <a:pPr marL="133350" marR="0" lvl="0" indent="0" algn="l" rtl="0">
+                        <a:lnSpc>
+                          <a:spcPct val="100000"/>
+                        </a:lnSpc>
+                        <a:spcBef>
+                          <a:spcPts val="0"/>
+                        </a:spcBef>
+                        <a:spcAft>
+                          <a:spcPts val="0"/>
+                        </a:spcAft>
+                        <a:buClr>
+                          <a:srgbClr val="000000"/>
+                        </a:buClr>
+                        <a:buSzPts val="1500"/>
+                        <a:buFont typeface="Arial"/>
+                        <a:buNone/>
+                      </a:pPr>
+                      <a:r>
+                        <a:rPr lang="ko-KR" altLang="en-US" sz="1100" b="0" u="none" strike="noStrike" cap="none" dirty="0" smtClean="0"/>
+                        <a:t>문의</a:t>
+                      </a:r>
+                      <a:r>
+                        <a:rPr lang="ko-KR" altLang="en-US" sz="1100" b="0" u="none" strike="noStrike" cap="none" baseline="0" dirty="0" smtClean="0"/>
+                        <a:t> 사항 리스트를 확인할 수 있는 페이지로 이동하며</a:t>
+                      </a:r>
+                      <a:r>
+                        <a:rPr lang="en-US" altLang="ko-KR" sz="1100" b="0" u="none" strike="noStrike" cap="none" baseline="0" dirty="0" smtClean="0"/>
+                        <a:t>, </a:t>
+                      </a:r>
+                      <a:r>
+                        <a:rPr lang="ko-KR" altLang="en-US" sz="1100" b="0" u="none" strike="noStrike" cap="none" baseline="0" dirty="0" smtClean="0"/>
+                        <a:t>문의 사항은 서비스에 대한 </a:t>
+                      </a:r>
+                      <a:r>
+                        <a:rPr lang="en-US" altLang="ko-KR" sz="1100" b="0" u="none" strike="noStrike" cap="none" baseline="0" dirty="0" err="1" smtClean="0"/>
+                        <a:t>QnA</a:t>
+                      </a:r>
+                      <a:r>
+                        <a:rPr lang="en-US" altLang="ko-KR" sz="1100" b="0" u="none" strike="noStrike" cap="none" baseline="0" dirty="0" smtClean="0"/>
+                        <a:t>, </a:t>
+                      </a:r>
+                      <a:r>
+                        <a:rPr lang="ko-KR" altLang="en-US" sz="1100" b="0" u="none" strike="noStrike" cap="none" baseline="0" dirty="0" smtClean="0"/>
+                        <a:t>장소에 대한 </a:t>
+                      </a:r>
+                      <a:r>
+                        <a:rPr lang="en-US" altLang="ko-KR" sz="1100" b="0" u="none" strike="noStrike" cap="none" baseline="0" dirty="0" err="1" smtClean="0"/>
+                        <a:t>QnA</a:t>
+                      </a:r>
+                      <a:r>
+                        <a:rPr lang="en-US" altLang="ko-KR" sz="1100" b="0" u="none" strike="noStrike" cap="none" baseline="0" dirty="0" smtClean="0"/>
+                        <a:t>, </a:t>
+                      </a:r>
+                      <a:r>
+                        <a:rPr lang="ko-KR" altLang="en-US" sz="1100" b="0" u="none" strike="noStrike" cap="none" baseline="0" dirty="0" smtClean="0"/>
+                        <a:t>세미나에 관한 </a:t>
+                      </a:r>
+                      <a:r>
+                        <a:rPr lang="en-US" altLang="ko-KR" sz="1100" b="0" u="none" strike="noStrike" cap="none" baseline="0" dirty="0" err="1" smtClean="0"/>
+                        <a:t>QnA</a:t>
+                      </a:r>
+                      <a:r>
+                        <a:rPr lang="en-US" altLang="ko-KR" sz="1100" b="0" u="none" strike="noStrike" cap="none" baseline="0" dirty="0" smtClean="0"/>
+                        <a:t>, </a:t>
+                      </a:r>
+                      <a:r>
+                        <a:rPr lang="ko-KR" altLang="en-US" sz="1100" b="0" u="none" strike="noStrike" cap="none" baseline="0" dirty="0" err="1" smtClean="0"/>
+                        <a:t>밋업에</a:t>
+                      </a:r>
+                      <a:r>
+                        <a:rPr lang="ko-KR" altLang="en-US" sz="1100" b="0" u="none" strike="noStrike" cap="none" baseline="0" dirty="0" smtClean="0"/>
+                        <a:t> 관한 </a:t>
+                      </a:r>
+                      <a:r>
+                        <a:rPr lang="en-US" altLang="ko-KR" sz="1100" b="0" u="none" strike="noStrike" cap="none" baseline="0" dirty="0" err="1" smtClean="0"/>
+                        <a:t>QnA</a:t>
+                      </a:r>
+                      <a:r>
+                        <a:rPr lang="ko-KR" altLang="en-US" sz="1100" b="0" u="none" strike="noStrike" cap="none" baseline="0" dirty="0" smtClean="0"/>
+                        <a:t>로 이루어져 있다</a:t>
+                      </a:r>
+                      <a:r>
+                        <a:rPr lang="en-US" altLang="ko-KR" sz="1100" b="0" u="none" strike="noStrike" cap="none" baseline="0" dirty="0" smtClean="0"/>
+                        <a:t>.</a:t>
+                      </a:r>
+                      <a:endParaRPr lang="en-US" altLang="ko-KR" sz="1100" b="0" u="none" strike="noStrike" cap="none" dirty="0"/>
+                    </a:p>
+                  </a:txBody>
+                  <a:tcPr marL="91451" marR="91451" marT="45725" marB="45725">
+                    <a:lnL w="12700" cap="flat" cmpd="sng" algn="ctr">
+                      <a:solidFill>
+                        <a:schemeClr val="dk1"/>
+                      </a:solidFill>
+                      <a:prstDash val="solid"/>
+                      <a:round/>
+                      <a:headEnd type="none" w="sm" len="sm"/>
+                      <a:tailEnd type="none" w="sm" len="sm"/>
+                    </a:lnL>
+                    <a:lnR w="12700" cap="flat" cmpd="sng">
+                      <a:solidFill>
+                        <a:schemeClr val="dk1"/>
+                      </a:solidFill>
+                      <a:prstDash val="solid"/>
+                      <a:round/>
+                      <a:headEnd type="none" w="sm" len="sm"/>
+                      <a:tailEnd type="none" w="sm" len="sm"/>
+                    </a:lnR>
+                    <a:lnT w="12700" cap="flat" cmpd="sng">
+                      <a:solidFill>
+                        <a:schemeClr val="dk1"/>
+                      </a:solidFill>
+                      <a:prstDash val="solid"/>
+                      <a:round/>
+                      <a:headEnd type="none" w="sm" len="sm"/>
+                      <a:tailEnd type="none" w="sm" len="sm"/>
+                    </a:lnT>
+                    <a:lnB w="12700" cap="flat" cmpd="sng" algn="ctr">
+                      <a:solidFill>
+                        <a:schemeClr val="dk1"/>
+                      </a:solidFill>
+                      <a:prstDash val="solid"/>
+                      <a:round/>
+                      <a:headEnd type="none" w="sm" len="sm"/>
+                      <a:tailEnd type="none" w="sm" len="sm"/>
+                    </a:lnB>
+                    <a:solidFill>
+                      <a:schemeClr val="lt1"/>
+                    </a:solidFill>
+                  </a:tcPr>
+                </a:tc>
+                <a:extLst>
+                  <a:ext uri="{0D108BD9-81ED-4DB2-BD59-A6C34878D82A}">
+                    <a16:rowId xmlns:a16="http://schemas.microsoft.com/office/drawing/2014/main" xmlns="" val="10004"/>
+                  </a:ext>
+                </a:extLst>
+              </a:tr>
+              <a:tr h="819048">
+                <a:tc vMerge="1">
+                  <a:txBody>
+                    <a:bodyPr/>
+                    <a:lstStyle/>
+                    <a:p>
+                      <a:pPr marL="0" marR="0" lvl="0" indent="0" algn="ctr" rtl="0">
+                        <a:lnSpc>
+                          <a:spcPct val="100000"/>
+                        </a:lnSpc>
+                        <a:spcBef>
+                          <a:spcPts val="0"/>
+                        </a:spcBef>
+                        <a:spcAft>
+                          <a:spcPts val="0"/>
+                        </a:spcAft>
+                        <a:buClr>
+                          <a:srgbClr val="000000"/>
+                        </a:buClr>
+                        <a:buSzPts val="1500"/>
+                        <a:buFont typeface="Arial"/>
+                        <a:buNone/>
+                      </a:pPr>
+                      <a:endParaRPr sz="1500" u="none" strike="noStrike" cap="none" dirty="0">
+                        <a:solidFill>
+                          <a:schemeClr val="dk1"/>
+                        </a:solidFill>
+                      </a:endParaRPr>
+                    </a:p>
+                  </a:txBody>
+                  <a:tcPr marL="91451" marR="91451" marT="45725" marB="45725" anchor="ctr">
+                    <a:lnL w="12700" cap="flat" cmpd="sng">
+                      <a:solidFill>
+                        <a:schemeClr val="dk1"/>
+                      </a:solidFill>
+                      <a:prstDash val="solid"/>
+                      <a:round/>
+                      <a:headEnd type="none" w="sm" len="sm"/>
+                      <a:tailEnd type="none" w="sm" len="sm"/>
+                    </a:lnL>
+                    <a:lnR w="12700" cap="flat" cmpd="sng" algn="ctr">
+                      <a:solidFill>
+                        <a:schemeClr val="dk1"/>
+                      </a:solidFill>
+                      <a:prstDash val="solid"/>
+                      <a:round/>
+                      <a:headEnd type="none" w="sm" len="sm"/>
+                      <a:tailEnd type="none" w="sm" len="sm"/>
+                    </a:lnR>
+                    <a:lnT w="12700" cap="flat" cmpd="sng">
+                      <a:solidFill>
+                        <a:schemeClr val="dk1"/>
+                      </a:solidFill>
+                      <a:prstDash val="solid"/>
+                      <a:round/>
+                      <a:headEnd type="none" w="sm" len="sm"/>
+                      <a:tailEnd type="none" w="sm" len="sm"/>
+                    </a:lnT>
+                    <a:lnB w="12700" cap="flat" cmpd="sng">
+                      <a:solidFill>
+                        <a:schemeClr val="dk1"/>
+                      </a:solidFill>
+                      <a:prstDash val="solid"/>
+                      <a:round/>
+                      <a:headEnd type="none" w="sm" len="sm"/>
+                      <a:tailEnd type="none" w="sm" len="sm"/>
+                    </a:lnB>
+                    <a:solidFill>
+                      <a:schemeClr val="lt1"/>
+                    </a:solidFill>
+                  </a:tcPr>
+                </a:tc>
+                <a:tc>
+                  <a:txBody>
+                    <a:bodyPr/>
+                    <a:lstStyle/>
+                    <a:p>
+                      <a:pPr marL="133350" marR="0" lvl="0" indent="0" algn="l" rtl="0">
+                        <a:lnSpc>
+                          <a:spcPct val="100000"/>
+                        </a:lnSpc>
+                        <a:spcBef>
+                          <a:spcPts val="0"/>
+                        </a:spcBef>
+                        <a:spcAft>
+                          <a:spcPts val="0"/>
+                        </a:spcAft>
+                        <a:buClr>
+                          <a:srgbClr val="000000"/>
+                        </a:buClr>
+                        <a:buSzPts val="1500"/>
+                        <a:buFont typeface="Arial"/>
+                        <a:buNone/>
+                      </a:pPr>
+                      <a:r>
+                        <a:rPr lang="ko-KR" altLang="en-US" sz="1100" b="0" u="none" strike="noStrike" cap="none" dirty="0" smtClean="0"/>
+                        <a:t>이용후기를 관리하는 페이지로 이동하며</a:t>
+                      </a:r>
+                      <a:r>
+                        <a:rPr lang="en-US" altLang="ko-KR" sz="1100" b="0" u="none" strike="noStrike" cap="none" dirty="0" smtClean="0"/>
+                        <a:t>, </a:t>
+                      </a:r>
+                      <a:r>
+                        <a:rPr lang="ko-KR" altLang="en-US" sz="1100" b="0" u="none" strike="noStrike" cap="none" dirty="0" smtClean="0"/>
+                        <a:t>이용후기는 </a:t>
+                      </a:r>
+                      <a:r>
+                        <a:rPr lang="ko-KR" altLang="en-US" sz="1100" b="0" u="none" strike="noStrike" cap="none" dirty="0" err="1" smtClean="0"/>
+                        <a:t>세미나존</a:t>
+                      </a:r>
+                      <a:r>
+                        <a:rPr lang="en-US" altLang="ko-KR" sz="1100" b="0" u="none" strike="noStrike" cap="none" dirty="0" smtClean="0"/>
+                        <a:t>,</a:t>
+                      </a:r>
+                      <a:r>
+                        <a:rPr lang="en-US" altLang="ko-KR" sz="1100" b="0" u="none" strike="noStrike" cap="none" baseline="0" dirty="0" smtClean="0"/>
+                        <a:t> </a:t>
+                      </a:r>
+                      <a:r>
+                        <a:rPr lang="ko-KR" altLang="en-US" sz="1100" b="0" u="none" strike="noStrike" cap="none" baseline="0" dirty="0" smtClean="0"/>
+                        <a:t>세미나</a:t>
+                      </a:r>
+                      <a:r>
+                        <a:rPr lang="en-US" altLang="ko-KR" sz="1100" b="0" u="none" strike="noStrike" cap="none" baseline="0" dirty="0" smtClean="0"/>
+                        <a:t>, </a:t>
+                      </a:r>
+                      <a:r>
+                        <a:rPr lang="ko-KR" altLang="en-US" sz="1100" b="0" u="none" strike="noStrike" cap="none" baseline="0" dirty="0" err="1" smtClean="0"/>
+                        <a:t>밋업에</a:t>
+                      </a:r>
+                      <a:r>
+                        <a:rPr lang="ko-KR" altLang="en-US" sz="1100" b="0" u="none" strike="noStrike" cap="none" baseline="0" dirty="0" smtClean="0"/>
+                        <a:t> 관한 후기로 총 </a:t>
+                      </a:r>
+                      <a:r>
+                        <a:rPr lang="en-US" altLang="ko-KR" sz="1100" b="0" u="none" strike="noStrike" cap="none" baseline="0" dirty="0" smtClean="0"/>
+                        <a:t>3</a:t>
+                      </a:r>
+                      <a:r>
+                        <a:rPr lang="ko-KR" altLang="en-US" sz="1100" b="0" u="none" strike="noStrike" cap="none" baseline="0" dirty="0" smtClean="0"/>
+                        <a:t>가지 종류가 </a:t>
+                      </a:r>
+                      <a:r>
+                        <a:rPr lang="ko-KR" altLang="en-US" sz="1100" b="0" u="none" strike="noStrike" cap="none" baseline="0" dirty="0" err="1" smtClean="0"/>
+                        <a:t>존재하낟</a:t>
+                      </a:r>
+                      <a:r>
+                        <a:rPr lang="en-US" altLang="ko-KR" sz="1100" b="0" u="none" strike="noStrike" cap="none" baseline="0" dirty="0" smtClean="0"/>
+                        <a:t>.</a:t>
+                      </a:r>
+                      <a:endParaRPr lang="en-US" altLang="ko-KR" sz="1100" b="0" u="none" strike="noStrike" cap="none" dirty="0"/>
+                    </a:p>
+                  </a:txBody>
+                  <a:tcPr marL="91451" marR="91451" marT="45725" marB="45725">
+                    <a:lnL w="12700" cap="flat" cmpd="sng" algn="ctr">
+                      <a:solidFill>
+                        <a:schemeClr val="dk1"/>
+                      </a:solidFill>
+                      <a:prstDash val="solid"/>
+                      <a:round/>
+                      <a:headEnd type="none" w="sm" len="sm"/>
+                      <a:tailEnd type="none" w="sm" len="sm"/>
+                    </a:lnL>
+                    <a:lnR w="12700" cap="flat" cmpd="sng">
+                      <a:solidFill>
+                        <a:schemeClr val="dk1"/>
+                      </a:solidFill>
+                      <a:prstDash val="solid"/>
+                      <a:round/>
+                      <a:headEnd type="none" w="sm" len="sm"/>
+                      <a:tailEnd type="none" w="sm" len="sm"/>
+                    </a:lnR>
+                    <a:lnT w="12700" cap="flat" cmpd="sng">
+                      <a:solidFill>
+                        <a:schemeClr val="dk1"/>
+                      </a:solidFill>
+                      <a:prstDash val="solid"/>
+                      <a:round/>
+                      <a:headEnd type="none" w="sm" len="sm"/>
+                      <a:tailEnd type="none" w="sm" len="sm"/>
+                    </a:lnT>
+                    <a:lnB w="12700" cap="flat" cmpd="sng">
+                      <a:solidFill>
+                        <a:schemeClr val="dk1"/>
+                      </a:solidFill>
+                      <a:prstDash val="solid"/>
+                      <a:round/>
+                      <a:headEnd type="none" w="sm" len="sm"/>
+                      <a:tailEnd type="none" w="sm" len="sm"/>
+                    </a:lnB>
+                    <a:solidFill>
+                      <a:schemeClr val="lt1"/>
+                    </a:solidFill>
+                  </a:tcPr>
+                </a:tc>
+                <a:extLst>
+                  <a:ext uri="{0D108BD9-81ED-4DB2-BD59-A6C34878D82A}">
+                    <a16:rowId xmlns:a16="http://schemas.microsoft.com/office/drawing/2014/main" xmlns="" val="10005"/>
+                  </a:ext>
+                </a:extLst>
+              </a:tr>
+            </a:tbl>
+          </a:graphicData>
+        </a:graphic>
+      </p:graphicFrame>
+      <p:sp>
+        <p:nvSpPr>
+          <p:cNvPr id="2" name="직사각형 1"/>
+          <p:cNvSpPr/>
+          <p:nvPr/>
+        </p:nvSpPr>
+        <p:spPr>
+          <a:xfrm>
+            <a:off x="2635623" y="1224578"/>
+            <a:ext cx="3560781" cy="5534810"/>
+          </a:xfrm>
+          <a:prstGeom prst="rect">
+            <a:avLst/>
+          </a:prstGeom>
+          <a:noFill/>
+          <a:ln>
+            <a:solidFill>
+              <a:schemeClr val="tx1"/>
+            </a:solidFill>
+          </a:ln>
+        </p:spPr>
+        <p:style>
+          <a:lnRef idx="2">
+            <a:schemeClr val="accent1">
+              <a:shade val="50000"/>
+            </a:schemeClr>
+          </a:lnRef>
+          <a:fillRef idx="1">
+            <a:schemeClr val="accent1"/>
+          </a:fillRef>
+          <a:effectRef idx="0">
+            <a:schemeClr val="accent1"/>
+          </a:effectRef>
+          <a:fontRef idx="minor">
+            <a:schemeClr val="lt1"/>
+          </a:fontRef>
+        </p:style>
+        <p:txBody>
+          <a:bodyPr rtlCol="0" anchor="ctr"/>
+          <a:lstStyle/>
+          <a:p>
+            <a:pPr algn="ctr"/>
+            <a:endParaRPr lang="ko-KR" altLang="en-US"/>
+          </a:p>
+        </p:txBody>
+      </p:sp>
+      <p:sp>
+        <p:nvSpPr>
+          <p:cNvPr id="3" name="타원 2"/>
+          <p:cNvSpPr/>
+          <p:nvPr/>
+        </p:nvSpPr>
+        <p:spPr>
+          <a:xfrm>
+            <a:off x="3065930" y="1889773"/>
+            <a:ext cx="1032734" cy="1011219"/>
+          </a:xfrm>
+          <a:prstGeom prst="ellipse">
+            <a:avLst/>
+          </a:prstGeom>
+          <a:noFill/>
+          <a:ln>
+            <a:solidFill>
+              <a:schemeClr val="tx1"/>
+            </a:solidFill>
+          </a:ln>
+        </p:spPr>
+        <p:style>
+          <a:lnRef idx="2">
+            <a:schemeClr val="accent1">
+              <a:shade val="50000"/>
+            </a:schemeClr>
+          </a:lnRef>
+          <a:fillRef idx="1">
+            <a:schemeClr val="accent1"/>
+          </a:fillRef>
+          <a:effectRef idx="0">
+            <a:schemeClr val="accent1"/>
+          </a:effectRef>
+          <a:fontRef idx="minor">
+            <a:schemeClr val="lt1"/>
+          </a:fontRef>
+        </p:style>
+        <p:txBody>
+          <a:bodyPr rtlCol="0" anchor="ctr"/>
+          <a:lstStyle/>
+          <a:p>
+            <a:pPr algn="ctr"/>
+            <a:r>
+              <a:rPr lang="ko-KR" altLang="en-US" sz="1200" dirty="0" smtClean="0">
+                <a:solidFill>
+                  <a:schemeClr val="tx1"/>
+                </a:solidFill>
+              </a:rPr>
+              <a:t>프로필이미</a:t>
+            </a:r>
+            <a:r>
+              <a:rPr lang="ko-KR" altLang="en-US" sz="1200" dirty="0">
+                <a:solidFill>
+                  <a:schemeClr val="tx1"/>
+                </a:solidFill>
+              </a:rPr>
+              <a:t>지</a:t>
+            </a:r>
+          </a:p>
+        </p:txBody>
+      </p:sp>
+      <p:sp>
+        <p:nvSpPr>
+          <p:cNvPr id="6" name="TextBox 5"/>
+          <p:cNvSpPr txBox="1"/>
+          <p:nvPr/>
+        </p:nvSpPr>
+        <p:spPr>
+          <a:xfrm>
+            <a:off x="4292301" y="2026050"/>
+            <a:ext cx="1420009" cy="738664"/>
+          </a:xfrm>
+          <a:prstGeom prst="rect">
+            <a:avLst/>
+          </a:prstGeom>
+          <a:noFill/>
+        </p:spPr>
+        <p:txBody>
+          <a:bodyPr wrap="square" rtlCol="0">
+            <a:spAutoFit/>
+          </a:bodyPr>
+          <a:lstStyle/>
+          <a:p>
+            <a:r>
+              <a:rPr lang="ko-KR" altLang="en-US" sz="1400" dirty="0" smtClean="0"/>
+              <a:t>아이디</a:t>
+            </a:r>
+            <a:endParaRPr lang="en-US" altLang="ko-KR" sz="1400" dirty="0" smtClean="0"/>
+          </a:p>
+          <a:p>
+            <a:endParaRPr lang="en-US" altLang="ko-KR" sz="1400" dirty="0" smtClean="0"/>
+          </a:p>
+          <a:p>
+            <a:r>
+              <a:rPr lang="ko-KR" altLang="en-US" sz="1400" u="sng" dirty="0" smtClean="0"/>
+              <a:t>프로필 관리</a:t>
+            </a:r>
+            <a:endParaRPr lang="en-US" altLang="ko-KR" sz="1400" u="sng" dirty="0" smtClean="0"/>
+          </a:p>
+        </p:txBody>
+      </p:sp>
+      <p:sp>
+        <p:nvSpPr>
+          <p:cNvPr id="10" name="직사각형 9"/>
+          <p:cNvSpPr/>
+          <p:nvPr/>
+        </p:nvSpPr>
+        <p:spPr>
+          <a:xfrm>
+            <a:off x="3367142" y="3738281"/>
+            <a:ext cx="957431" cy="763793"/>
+          </a:xfrm>
+          <a:prstGeom prst="rect">
+            <a:avLst/>
+          </a:prstGeom>
+          <a:noFill/>
+          <a:ln>
+            <a:solidFill>
+              <a:schemeClr val="tx1"/>
+            </a:solidFill>
+          </a:ln>
+        </p:spPr>
+        <p:style>
+          <a:lnRef idx="2">
+            <a:schemeClr val="accent1">
+              <a:shade val="50000"/>
+            </a:schemeClr>
+          </a:lnRef>
+          <a:fillRef idx="1">
+            <a:schemeClr val="accent1"/>
+          </a:fillRef>
+          <a:effectRef idx="0">
+            <a:schemeClr val="accent1"/>
+          </a:effectRef>
+          <a:fontRef idx="minor">
+            <a:schemeClr val="lt1"/>
+          </a:fontRef>
+        </p:style>
+        <p:txBody>
+          <a:bodyPr rtlCol="0" anchor="ctr"/>
+          <a:lstStyle/>
+          <a:p>
+            <a:pPr algn="ctr"/>
+            <a:r>
+              <a:rPr lang="ko-KR" altLang="en-US" sz="1100" dirty="0" smtClean="0">
+                <a:solidFill>
+                  <a:schemeClr val="tx1"/>
+                </a:solidFill>
+              </a:rPr>
+              <a:t>세미나</a:t>
+            </a:r>
+            <a:r>
+              <a:rPr lang="en-US" altLang="ko-KR" sz="1100" dirty="0">
+                <a:solidFill>
+                  <a:schemeClr val="tx1"/>
+                </a:solidFill>
+              </a:rPr>
+              <a:t> </a:t>
+            </a:r>
+            <a:r>
+              <a:rPr lang="ko-KR" altLang="en-US" sz="1100" dirty="0" smtClean="0">
+                <a:solidFill>
+                  <a:schemeClr val="tx1"/>
+                </a:solidFill>
+              </a:rPr>
+              <a:t>예약 리스트</a:t>
+            </a:r>
+            <a:endParaRPr lang="ko-KR" altLang="en-US" sz="1100" dirty="0">
+              <a:solidFill>
+                <a:schemeClr val="tx1"/>
+              </a:solidFill>
+            </a:endParaRPr>
+          </a:p>
+        </p:txBody>
+      </p:sp>
+      <p:sp>
+        <p:nvSpPr>
+          <p:cNvPr id="28" name="직사각형 27"/>
+          <p:cNvSpPr/>
+          <p:nvPr/>
+        </p:nvSpPr>
+        <p:spPr>
+          <a:xfrm>
+            <a:off x="4604272" y="3738281"/>
+            <a:ext cx="957431" cy="763793"/>
+          </a:xfrm>
+          <a:prstGeom prst="rect">
+            <a:avLst/>
+          </a:prstGeom>
+          <a:noFill/>
+          <a:ln>
+            <a:solidFill>
+              <a:schemeClr val="tx1"/>
+            </a:solidFill>
+          </a:ln>
+        </p:spPr>
+        <p:style>
+          <a:lnRef idx="2">
+            <a:schemeClr val="accent1">
+              <a:shade val="50000"/>
+            </a:schemeClr>
+          </a:lnRef>
+          <a:fillRef idx="1">
+            <a:schemeClr val="accent1"/>
+          </a:fillRef>
+          <a:effectRef idx="0">
+            <a:schemeClr val="accent1"/>
+          </a:effectRef>
+          <a:fontRef idx="minor">
+            <a:schemeClr val="lt1"/>
+          </a:fontRef>
+        </p:style>
+        <p:txBody>
+          <a:bodyPr rtlCol="0" anchor="ctr"/>
+          <a:lstStyle/>
+          <a:p>
+            <a:pPr algn="ctr"/>
+            <a:r>
+              <a:rPr lang="ko-KR" altLang="en-US" sz="1200" dirty="0" err="1" smtClean="0">
+                <a:solidFill>
+                  <a:schemeClr val="tx1"/>
+                </a:solidFill>
+              </a:rPr>
+              <a:t>밋업</a:t>
+            </a:r>
+            <a:r>
+              <a:rPr lang="ko-KR" altLang="en-US" sz="1200" dirty="0" smtClean="0">
+                <a:solidFill>
+                  <a:schemeClr val="tx1"/>
+                </a:solidFill>
+              </a:rPr>
+              <a:t> 예약</a:t>
+            </a:r>
+            <a:endParaRPr lang="en-US" altLang="ko-KR" sz="1200" dirty="0">
+              <a:solidFill>
+                <a:schemeClr val="tx1"/>
+              </a:solidFill>
+            </a:endParaRPr>
+          </a:p>
+          <a:p>
+            <a:pPr algn="ctr"/>
+            <a:r>
+              <a:rPr lang="ko-KR" altLang="en-US" sz="1200" dirty="0" smtClean="0">
+                <a:solidFill>
+                  <a:schemeClr val="tx1"/>
+                </a:solidFill>
+              </a:rPr>
+              <a:t>리스트</a:t>
+            </a:r>
+            <a:endParaRPr lang="ko-KR" altLang="en-US" sz="1200" dirty="0">
+              <a:solidFill>
+                <a:schemeClr val="tx1"/>
+              </a:solidFill>
+            </a:endParaRPr>
+          </a:p>
+        </p:txBody>
+      </p:sp>
+      <p:sp>
+        <p:nvSpPr>
+          <p:cNvPr id="29" name="직사각형 28"/>
+          <p:cNvSpPr/>
+          <p:nvPr/>
+        </p:nvSpPr>
+        <p:spPr>
+          <a:xfrm>
+            <a:off x="3367141" y="5113465"/>
+            <a:ext cx="957431" cy="763793"/>
+          </a:xfrm>
+          <a:prstGeom prst="rect">
+            <a:avLst/>
+          </a:prstGeom>
+          <a:noFill/>
+          <a:ln>
+            <a:solidFill>
+              <a:schemeClr val="tx1"/>
+            </a:solidFill>
+          </a:ln>
+        </p:spPr>
+        <p:style>
+          <a:lnRef idx="2">
+            <a:schemeClr val="accent1">
+              <a:shade val="50000"/>
+            </a:schemeClr>
+          </a:lnRef>
+          <a:fillRef idx="1">
+            <a:schemeClr val="accent1"/>
+          </a:fillRef>
+          <a:effectRef idx="0">
+            <a:schemeClr val="accent1"/>
+          </a:effectRef>
+          <a:fontRef idx="minor">
+            <a:schemeClr val="lt1"/>
+          </a:fontRef>
+        </p:style>
+        <p:txBody>
+          <a:bodyPr rtlCol="0" anchor="ctr"/>
+          <a:lstStyle/>
+          <a:p>
+            <a:pPr algn="ctr"/>
+            <a:r>
+              <a:rPr lang="ko-KR" altLang="en-US" sz="1200" dirty="0" smtClean="0">
+                <a:solidFill>
+                  <a:schemeClr val="tx1"/>
+                </a:solidFill>
+              </a:rPr>
+              <a:t>문의 사항</a:t>
+            </a:r>
+            <a:endParaRPr lang="en-US" altLang="ko-KR" sz="1200" dirty="0" smtClean="0">
+              <a:solidFill>
+                <a:schemeClr val="tx1"/>
+              </a:solidFill>
+            </a:endParaRPr>
+          </a:p>
+          <a:p>
+            <a:pPr algn="ctr"/>
+            <a:r>
+              <a:rPr lang="ko-KR" altLang="en-US" sz="1200" dirty="0" smtClean="0">
+                <a:solidFill>
+                  <a:schemeClr val="tx1"/>
+                </a:solidFill>
+              </a:rPr>
+              <a:t>관</a:t>
+            </a:r>
+            <a:r>
+              <a:rPr lang="ko-KR" altLang="en-US" sz="1200" dirty="0">
+                <a:solidFill>
+                  <a:schemeClr val="tx1"/>
+                </a:solidFill>
+              </a:rPr>
+              <a:t>리</a:t>
+            </a:r>
+          </a:p>
+        </p:txBody>
+      </p:sp>
+      <p:sp>
+        <p:nvSpPr>
+          <p:cNvPr id="35" name="직사각형 34"/>
+          <p:cNvSpPr/>
+          <p:nvPr/>
+        </p:nvSpPr>
+        <p:spPr>
+          <a:xfrm>
+            <a:off x="4727983" y="5113466"/>
+            <a:ext cx="957431" cy="763793"/>
+          </a:xfrm>
+          <a:prstGeom prst="rect">
+            <a:avLst/>
+          </a:prstGeom>
+          <a:noFill/>
+          <a:ln>
+            <a:solidFill>
+              <a:schemeClr val="tx1"/>
+            </a:solidFill>
+          </a:ln>
+        </p:spPr>
+        <p:style>
+          <a:lnRef idx="2">
+            <a:schemeClr val="accent1">
+              <a:shade val="50000"/>
+            </a:schemeClr>
+          </a:lnRef>
+          <a:fillRef idx="1">
+            <a:schemeClr val="accent1"/>
+          </a:fillRef>
+          <a:effectRef idx="0">
+            <a:schemeClr val="accent1"/>
+          </a:effectRef>
+          <a:fontRef idx="minor">
+            <a:schemeClr val="lt1"/>
+          </a:fontRef>
+        </p:style>
+        <p:txBody>
+          <a:bodyPr rtlCol="0" anchor="ctr"/>
+          <a:lstStyle/>
+          <a:p>
+            <a:pPr algn="ctr"/>
+            <a:r>
+              <a:rPr lang="ko-KR" altLang="en-US" sz="1200" dirty="0" smtClean="0">
+                <a:solidFill>
+                  <a:schemeClr val="tx1"/>
+                </a:solidFill>
+              </a:rPr>
+              <a:t>이용후기 관리</a:t>
+            </a:r>
+            <a:endParaRPr lang="ko-KR" altLang="en-US" sz="1200" dirty="0">
+              <a:solidFill>
+                <a:schemeClr val="tx1"/>
+              </a:solidFill>
+            </a:endParaRPr>
+          </a:p>
+        </p:txBody>
+      </p:sp>
+      <p:sp>
+        <p:nvSpPr>
+          <p:cNvPr id="11" name="직사각형 10"/>
+          <p:cNvSpPr/>
+          <p:nvPr/>
+        </p:nvSpPr>
+        <p:spPr>
+          <a:xfrm>
+            <a:off x="5411096" y="2309322"/>
+            <a:ext cx="301214" cy="333487"/>
+          </a:xfrm>
+          <a:prstGeom prst="rect">
+            <a:avLst/>
+          </a:prstGeom>
+          <a:solidFill>
+            <a:srgbClr val="FF0000"/>
+          </a:solidFill>
+        </p:spPr>
+        <p:style>
+          <a:lnRef idx="2">
+            <a:schemeClr val="accent1">
+              <a:shade val="50000"/>
+            </a:schemeClr>
+          </a:lnRef>
+          <a:fillRef idx="1">
+            <a:schemeClr val="accent1"/>
+          </a:fillRef>
+          <a:effectRef idx="0">
+            <a:schemeClr val="accent1"/>
+          </a:effectRef>
+          <a:fontRef idx="minor">
+            <a:schemeClr val="lt1"/>
+          </a:fontRef>
+        </p:style>
+        <p:txBody>
+          <a:bodyPr rtlCol="0" anchor="ctr"/>
+          <a:lstStyle/>
+          <a:p>
+            <a:pPr algn="ctr"/>
+            <a:r>
+              <a:rPr lang="en-US" altLang="ko-KR" dirty="0" smtClean="0"/>
+              <a:t>1</a:t>
+            </a:r>
+            <a:endParaRPr lang="ko-KR" altLang="en-US" dirty="0"/>
+          </a:p>
+        </p:txBody>
+      </p:sp>
+      <p:graphicFrame>
+        <p:nvGraphicFramePr>
+          <p:cNvPr id="19" name="표 18"/>
+          <p:cNvGraphicFramePr>
+            <a:graphicFrameLocks noGrp="1"/>
+          </p:cNvGraphicFramePr>
+          <p:nvPr>
+            <p:extLst>
+              <p:ext uri="{D42A27DB-BD31-4B8C-83A1-F6EECF244321}">
+                <p14:modId xmlns:p14="http://schemas.microsoft.com/office/powerpoint/2010/main" val="290687177"/>
+              </p:ext>
+            </p:extLst>
+          </p:nvPr>
+        </p:nvGraphicFramePr>
+        <p:xfrm>
+          <a:off x="9088025" y="1402546"/>
+          <a:ext cx="2739907" cy="655340"/>
+        </p:xfrm>
+        <a:graphic>
+          <a:graphicData uri="http://schemas.openxmlformats.org/drawingml/2006/table">
+            <a:tbl>
+              <a:tblPr firstRow="1" bandRow="1">
+                <a:noFill/>
+              </a:tblPr>
+              <a:tblGrid>
+                <a:gridCol w="2739907"/>
+              </a:tblGrid>
+              <a:tr h="168164">
+                <a:tc>
+                  <a:txBody>
+                    <a:bodyPr/>
+                    <a:lstStyle/>
+                    <a:p>
+                      <a:pPr marL="0" marR="0" lvl="0" indent="0" algn="ctr" rtl="0">
+                        <a:lnSpc>
+                          <a:spcPct val="100000"/>
+                        </a:lnSpc>
+                        <a:spcBef>
+                          <a:spcPts val="0"/>
+                        </a:spcBef>
+                        <a:spcAft>
+                          <a:spcPts val="0"/>
+                        </a:spcAft>
+                        <a:buClr>
+                          <a:srgbClr val="000000"/>
+                        </a:buClr>
+                        <a:buSzPts val="1500"/>
+                        <a:buFont typeface="Arial"/>
+                        <a:buNone/>
+                      </a:pPr>
+                      <a:r>
+                        <a:rPr lang="ko-KR" altLang="en-US" sz="1500" b="0" u="none" strike="noStrike" cap="none" dirty="0" smtClean="0">
+                          <a:solidFill>
+                            <a:schemeClr val="dk1"/>
+                          </a:solidFill>
+                        </a:rPr>
+                        <a:t>화면코드</a:t>
+                      </a:r>
+                      <a:endParaRPr sz="1500" b="0" u="none" strike="noStrike" cap="none" dirty="0">
+                        <a:solidFill>
+                          <a:schemeClr val="dk1"/>
+                        </a:solidFill>
+                      </a:endParaRPr>
+                    </a:p>
+                  </a:txBody>
+                  <a:tcPr marL="74304" marR="74304" marT="45725" marB="45725" anchor="ctr">
+                    <a:lnL w="12700" cap="flat" cmpd="sng">
+                      <a:solidFill>
+                        <a:schemeClr val="dk1"/>
+                      </a:solidFill>
+                      <a:prstDash val="solid"/>
+                      <a:round/>
+                      <a:headEnd type="none" w="sm" len="sm"/>
+                      <a:tailEnd type="none" w="sm" len="sm"/>
+                    </a:lnL>
+                    <a:lnR w="12700" cap="flat" cmpd="sng">
+                      <a:solidFill>
+                        <a:schemeClr val="dk1"/>
+                      </a:solidFill>
+                      <a:prstDash val="solid"/>
+                      <a:round/>
+                      <a:headEnd type="none" w="sm" len="sm"/>
+                      <a:tailEnd type="none" w="sm" len="sm"/>
+                    </a:lnR>
+                    <a:lnT w="12700" cap="flat" cmpd="sng">
+                      <a:solidFill>
+                        <a:schemeClr val="dk1"/>
+                      </a:solidFill>
+                      <a:prstDash val="solid"/>
+                      <a:round/>
+                      <a:headEnd type="none" w="sm" len="sm"/>
+                      <a:tailEnd type="none" w="sm" len="sm"/>
+                    </a:lnT>
+                    <a:lnB w="12700" cap="flat" cmpd="sng" algn="ctr">
+                      <a:solidFill>
+                        <a:schemeClr val="dk1"/>
+                      </a:solidFill>
+                      <a:prstDash val="solid"/>
+                      <a:round/>
+                      <a:headEnd type="none" w="sm" len="sm"/>
+                      <a:tailEnd type="none" w="sm" len="sm"/>
+                    </a:lnB>
+                    <a:solidFill>
+                      <a:srgbClr val="D8D8D8"/>
+                    </a:solidFill>
+                  </a:tcPr>
+                </a:tc>
+              </a:tr>
+              <a:tr h="168164">
+                <a:tc>
+                  <a:txBody>
+                    <a:bodyPr/>
+                    <a:lstStyle/>
+                    <a:p>
+                      <a:pPr marL="0" marR="0" lvl="0" indent="0" algn="ctr" rtl="0">
+                        <a:lnSpc>
+                          <a:spcPct val="100000"/>
+                        </a:lnSpc>
+                        <a:spcBef>
+                          <a:spcPts val="0"/>
+                        </a:spcBef>
+                        <a:spcAft>
+                          <a:spcPts val="0"/>
+                        </a:spcAft>
+                        <a:buClr>
+                          <a:srgbClr val="000000"/>
+                        </a:buClr>
+                        <a:buSzPts val="1500"/>
+                        <a:buFont typeface="Arial"/>
+                        <a:buNone/>
+                      </a:pPr>
+                      <a:r>
+                        <a:rPr lang="en-US" altLang="ko-KR" sz="1600" b="0" u="none" strike="noStrike" cap="none" dirty="0" err="1" smtClean="0">
+                          <a:solidFill>
+                            <a:schemeClr val="dk1"/>
+                          </a:solidFill>
+                        </a:rPr>
+                        <a:t>hj_user_m_myPage</a:t>
+                      </a:r>
+                      <a:endParaRPr lang="en-US" altLang="ko-KR" sz="1600" b="0" u="none" strike="noStrike" cap="none" dirty="0">
+                        <a:solidFill>
+                          <a:schemeClr val="dk1"/>
+                        </a:solidFill>
+                      </a:endParaRPr>
+                    </a:p>
+                  </a:txBody>
+                  <a:tcPr marL="74304" marR="74304" marT="45725" marB="45725" anchor="ctr">
+                    <a:lnL w="12700" cap="flat" cmpd="sng" algn="ctr">
+                      <a:solidFill>
+                        <a:schemeClr val="dk1"/>
+                      </a:solidFill>
+                      <a:prstDash val="solid"/>
+                      <a:round/>
+                      <a:headEnd type="none" w="sm" len="sm"/>
+                      <a:tailEnd type="none" w="sm" len="sm"/>
+                    </a:lnL>
+                    <a:lnR w="12700" cap="flat" cmpd="sng" algn="ctr">
+                      <a:solidFill>
+                        <a:schemeClr val="dk1"/>
+                      </a:solidFill>
+                      <a:prstDash val="solid"/>
+                      <a:round/>
+                      <a:headEnd type="none" w="sm" len="sm"/>
+                      <a:tailEnd type="none" w="sm" len="sm"/>
+                    </a:lnR>
+                    <a:lnT w="12700" cap="flat" cmpd="sng" algn="ctr">
+                      <a:solidFill>
+                        <a:schemeClr val="dk1"/>
+                      </a:solidFill>
+                      <a:prstDash val="solid"/>
+                      <a:round/>
+                      <a:headEnd type="none" w="sm" len="sm"/>
+                      <a:tailEnd type="none" w="sm" len="sm"/>
+                    </a:lnT>
+                    <a:lnB w="12700" cap="flat" cmpd="sng">
+                      <a:solidFill>
+                        <a:schemeClr val="dk1"/>
+                      </a:solidFill>
+                      <a:prstDash val="solid"/>
+                      <a:round/>
+                      <a:headEnd type="none" w="sm" len="sm"/>
+                      <a:tailEnd type="none" w="sm" len="sm"/>
+                    </a:lnB>
+                    <a:solidFill>
+                      <a:schemeClr val="bg1"/>
+                    </a:solidFill>
+                  </a:tcPr>
+                </a:tc>
+              </a:tr>
+            </a:tbl>
+          </a:graphicData>
+        </a:graphic>
+      </p:graphicFrame>
+      <p:sp>
+        <p:nvSpPr>
+          <p:cNvPr id="14" name="TextBox 13"/>
+          <p:cNvSpPr txBox="1"/>
+          <p:nvPr/>
+        </p:nvSpPr>
+        <p:spPr>
+          <a:xfrm>
+            <a:off x="470648" y="195307"/>
+            <a:ext cx="10796066" cy="477054"/>
+          </a:xfrm>
+          <a:prstGeom prst="rect">
+            <a:avLst/>
+          </a:prstGeom>
+          <a:noFill/>
+        </p:spPr>
+        <p:txBody>
+          <a:bodyPr wrap="square" rtlCol="0">
+            <a:spAutoFit/>
+          </a:bodyPr>
+          <a:lstStyle/>
+          <a:p>
+            <a:pPr lvl="0" algn="ctr">
+              <a:buClr>
+                <a:srgbClr val="000000"/>
+              </a:buClr>
+              <a:buSzPts val="1500"/>
+              <a:defRPr/>
+            </a:pPr>
+            <a:r>
+              <a:rPr lang="en-US" altLang="ko-KR" sz="2500" b="1" dirty="0" smtClean="0">
+                <a:solidFill>
+                  <a:schemeClr val="bg1"/>
+                </a:solidFill>
+                <a:latin typeface="+mj-lt"/>
+              </a:rPr>
+              <a:t>[</a:t>
+            </a:r>
+            <a:r>
+              <a:rPr lang="ko-KR" altLang="en-US" sz="2500" b="1" dirty="0" smtClean="0">
+                <a:solidFill>
+                  <a:schemeClr val="bg1"/>
+                </a:solidFill>
+                <a:latin typeface="+mj-lt"/>
+              </a:rPr>
+              <a:t>화면 설계</a:t>
+            </a:r>
+            <a:r>
+              <a:rPr lang="en-US" altLang="ko-KR" sz="2500" b="1" dirty="0" smtClean="0">
+                <a:solidFill>
+                  <a:schemeClr val="bg1"/>
+                </a:solidFill>
+                <a:latin typeface="+mj-lt"/>
+              </a:rPr>
+              <a:t>] </a:t>
+            </a:r>
+            <a:r>
+              <a:rPr lang="ko-KR" altLang="en-US" sz="2500" b="1" dirty="0" smtClean="0">
+                <a:solidFill>
+                  <a:schemeClr val="bg1"/>
+                </a:solidFill>
+                <a:latin typeface="+mj-lt"/>
+              </a:rPr>
+              <a:t>사용자 </a:t>
+            </a:r>
+            <a:r>
+              <a:rPr lang="en-US" altLang="ko-KR" sz="2500" b="1" dirty="0" smtClean="0">
+                <a:solidFill>
+                  <a:schemeClr val="bg1"/>
+                </a:solidFill>
+                <a:latin typeface="+mj-lt"/>
+              </a:rPr>
+              <a:t>– </a:t>
+            </a:r>
+            <a:r>
+              <a:rPr lang="ko-KR" altLang="en-US" sz="2500" b="1" dirty="0" err="1" smtClean="0">
+                <a:solidFill>
+                  <a:schemeClr val="bg1"/>
+                </a:solidFill>
+                <a:latin typeface="+mj-lt"/>
+              </a:rPr>
+              <a:t>앱</a:t>
+            </a:r>
+            <a:r>
+              <a:rPr lang="en-US" altLang="ko-KR" sz="2500" b="1" dirty="0" smtClean="0">
+                <a:solidFill>
+                  <a:schemeClr val="bg1"/>
+                </a:solidFill>
+                <a:latin typeface="+mj-lt"/>
+              </a:rPr>
+              <a:t> – </a:t>
+            </a:r>
+            <a:r>
+              <a:rPr lang="ko-KR" altLang="en-US" sz="2500" b="1" dirty="0" err="1" smtClean="0">
+                <a:solidFill>
+                  <a:schemeClr val="bg1"/>
+                </a:solidFill>
+                <a:latin typeface="+mj-lt"/>
+              </a:rPr>
+              <a:t>마이페이지</a:t>
+            </a:r>
+            <a:r>
+              <a:rPr lang="ko-KR" altLang="en-US" sz="2500" b="1" dirty="0" smtClean="0">
+                <a:solidFill>
+                  <a:schemeClr val="bg1"/>
+                </a:solidFill>
+                <a:latin typeface="+mj-lt"/>
+              </a:rPr>
+              <a:t> </a:t>
+            </a:r>
+            <a:r>
+              <a:rPr lang="en-US" altLang="ko-KR" sz="2500" b="1" dirty="0" smtClean="0">
+                <a:solidFill>
+                  <a:schemeClr val="bg1"/>
+                </a:solidFill>
+                <a:latin typeface="+mj-lt"/>
+              </a:rPr>
+              <a:t>– </a:t>
+            </a:r>
+            <a:r>
+              <a:rPr lang="ko-KR" altLang="en-US" sz="2500" b="1" dirty="0" err="1" smtClean="0">
+                <a:solidFill>
+                  <a:schemeClr val="bg1"/>
+                </a:solidFill>
+                <a:latin typeface="+mj-lt"/>
+              </a:rPr>
+              <a:t>메인화면</a:t>
+            </a:r>
+            <a:endParaRPr lang="ko-KR" altLang="en-US" sz="2500" b="1" dirty="0">
+              <a:solidFill>
+                <a:schemeClr val="bg1"/>
+              </a:solidFill>
+              <a:latin typeface="+mj-lt"/>
+            </a:endParaRPr>
+          </a:p>
+        </p:txBody>
+      </p:sp>
+    </p:spTree>
+    <p:extLst>
+      <p:ext uri="{BB962C8B-B14F-4D97-AF65-F5344CB8AC3E}">
+        <p14:creationId xmlns:p14="http://schemas.microsoft.com/office/powerpoint/2010/main" val="2123426796"/>
+      </p:ext>
+    </p:extLst>
+  </p:cSld>
+  <p:clrMapOvr>
+    <a:masterClrMapping/>
+  </p:clrMapOvr>
+  <p:timing>
+    <p:tnLst>
+      <p:par>
+        <p:cTn id="1" dur="indefinite" restart="never" nodeType="tmRoot"/>
+      </p:par>
+    </p:tnLst>
+  </p:timing>
+</p:sld>
+</file>
+
+<file path=ppt/slides/slide15.xml><?xml version="1.0" encoding="utf-8"?>
+<p:sld xmlns:a="http://schemas.openxmlformats.org/drawingml/2006/main" xmlns:r="http://schemas.openxmlformats.org/officeDocument/2006/relationships" xmlns:p="http://schemas.openxmlformats.org/presentationml/2006/main">
+  <p:cSld>
+    <p:spTree>
+      <p:nvGrpSpPr>
+        <p:cNvPr id="1" name="Shape 90"/>
+        <p:cNvGrpSpPr/>
+        <p:nvPr/>
+      </p:nvGrpSpPr>
+      <p:grpSpPr>
+        <a:xfrm>
+          <a:off x="0" y="0"/>
+          <a:ext cx="0" cy="0"/>
+          <a:chOff x="0" y="0"/>
+          <a:chExt cx="0" cy="0"/>
+        </a:xfrm>
+      </p:grpSpPr>
+      <p:sp>
+        <p:nvSpPr>
+          <p:cNvPr id="14" name="TextBox 13"/>
+          <p:cNvSpPr txBox="1"/>
+          <p:nvPr/>
+        </p:nvSpPr>
+        <p:spPr>
+          <a:xfrm>
+            <a:off x="470648" y="195307"/>
+            <a:ext cx="10796066" cy="477054"/>
+          </a:xfrm>
+          <a:prstGeom prst="rect">
+            <a:avLst/>
+          </a:prstGeom>
+          <a:noFill/>
+        </p:spPr>
+        <p:txBody>
+          <a:bodyPr wrap="square" rtlCol="0">
+            <a:spAutoFit/>
+          </a:bodyPr>
+          <a:lstStyle/>
+          <a:p>
+            <a:pPr lvl="0" algn="ctr">
+              <a:buClr>
+                <a:srgbClr val="000000"/>
+              </a:buClr>
+              <a:buSzPts val="1500"/>
+              <a:defRPr/>
+            </a:pPr>
+            <a:r>
+              <a:rPr lang="en-US" altLang="ko-KR" sz="2500" b="1" dirty="0" smtClean="0">
+                <a:solidFill>
+                  <a:schemeClr val="bg1"/>
+                </a:solidFill>
+                <a:latin typeface="+mj-lt"/>
+              </a:rPr>
+              <a:t>[</a:t>
+            </a:r>
+            <a:r>
+              <a:rPr lang="ko-KR" altLang="en-US" sz="2500" b="1" dirty="0" smtClean="0">
+                <a:solidFill>
+                  <a:schemeClr val="bg1"/>
+                </a:solidFill>
+                <a:latin typeface="+mj-lt"/>
+              </a:rPr>
+              <a:t>화면 </a:t>
+            </a:r>
+            <a:r>
+              <a:rPr lang="ko-KR" altLang="en-US" sz="2500" b="1" dirty="0" smtClean="0">
+                <a:solidFill>
+                  <a:schemeClr val="bg1"/>
+                </a:solidFill>
+                <a:latin typeface="+mj-lt"/>
+              </a:rPr>
+              <a:t>구</a:t>
+            </a:r>
+            <a:r>
+              <a:rPr lang="ko-KR" altLang="en-US" sz="2500" b="1" dirty="0">
+                <a:solidFill>
+                  <a:schemeClr val="bg1"/>
+                </a:solidFill>
+                <a:latin typeface="+mj-lt"/>
+              </a:rPr>
+              <a:t>현</a:t>
+            </a:r>
+            <a:r>
+              <a:rPr lang="en-US" altLang="ko-KR" sz="2500" b="1" dirty="0" smtClean="0">
+                <a:solidFill>
+                  <a:schemeClr val="bg1"/>
+                </a:solidFill>
+                <a:latin typeface="+mj-lt"/>
+              </a:rPr>
+              <a:t>] </a:t>
+            </a:r>
+            <a:r>
+              <a:rPr lang="ko-KR" altLang="en-US" sz="2500" b="1" dirty="0" smtClean="0">
+                <a:solidFill>
+                  <a:schemeClr val="bg1"/>
+                </a:solidFill>
+                <a:latin typeface="+mj-lt"/>
+              </a:rPr>
+              <a:t>사용자 </a:t>
+            </a:r>
+            <a:r>
+              <a:rPr lang="en-US" altLang="ko-KR" sz="2500" b="1" dirty="0" smtClean="0">
+                <a:solidFill>
+                  <a:schemeClr val="bg1"/>
+                </a:solidFill>
+                <a:latin typeface="+mj-lt"/>
+              </a:rPr>
+              <a:t>– </a:t>
+            </a:r>
+            <a:r>
+              <a:rPr lang="ko-KR" altLang="en-US" sz="2500" b="1" dirty="0" err="1" smtClean="0">
+                <a:solidFill>
+                  <a:schemeClr val="bg1"/>
+                </a:solidFill>
+                <a:latin typeface="+mj-lt"/>
+              </a:rPr>
+              <a:t>앱</a:t>
+            </a:r>
+            <a:r>
+              <a:rPr lang="en-US" altLang="ko-KR" sz="2500" b="1" dirty="0" smtClean="0">
+                <a:solidFill>
+                  <a:schemeClr val="bg1"/>
+                </a:solidFill>
+                <a:latin typeface="+mj-lt"/>
+              </a:rPr>
+              <a:t> – </a:t>
+            </a:r>
+            <a:r>
+              <a:rPr lang="ko-KR" altLang="en-US" sz="2500" b="1" dirty="0" err="1" smtClean="0">
+                <a:solidFill>
+                  <a:schemeClr val="bg1"/>
+                </a:solidFill>
+                <a:latin typeface="+mj-lt"/>
+              </a:rPr>
+              <a:t>마이페이지</a:t>
+            </a:r>
+            <a:r>
+              <a:rPr lang="ko-KR" altLang="en-US" sz="2500" b="1" dirty="0" smtClean="0">
+                <a:solidFill>
+                  <a:schemeClr val="bg1"/>
+                </a:solidFill>
+                <a:latin typeface="+mj-lt"/>
+              </a:rPr>
+              <a:t> </a:t>
+            </a:r>
+            <a:r>
+              <a:rPr lang="en-US" altLang="ko-KR" sz="2500" b="1" dirty="0" smtClean="0">
+                <a:solidFill>
+                  <a:schemeClr val="bg1"/>
+                </a:solidFill>
+                <a:latin typeface="+mj-lt"/>
+              </a:rPr>
+              <a:t>– </a:t>
+            </a:r>
+            <a:r>
+              <a:rPr lang="ko-KR" altLang="en-US" sz="2500" b="1" dirty="0" err="1" smtClean="0">
+                <a:solidFill>
+                  <a:schemeClr val="bg1"/>
+                </a:solidFill>
+                <a:latin typeface="+mj-lt"/>
+              </a:rPr>
+              <a:t>메인화면</a:t>
+            </a:r>
+            <a:endParaRPr lang="ko-KR" altLang="en-US" sz="2500" b="1" dirty="0">
+              <a:solidFill>
+                <a:schemeClr val="bg1"/>
+              </a:solidFill>
+              <a:latin typeface="+mj-lt"/>
+            </a:endParaRPr>
+          </a:p>
+        </p:txBody>
+      </p:sp>
+      <p:pic>
+        <p:nvPicPr>
+          <p:cNvPr id="7170" name="Picture 2" descr="C:\Users\ezen-033\Desktop\마이페이지앱.PNG"/>
+          <p:cNvPicPr>
+            <a:picLocks noChangeAspect="1" noChangeArrowheads="1"/>
+          </p:cNvPicPr>
+          <p:nvPr/>
+        </p:nvPicPr>
+        <p:blipFill>
+          <a:blip r:embed="rId3">
+            <a:extLst>
+              <a:ext uri="{28A0092B-C50C-407E-A947-70E740481C1C}">
+                <a14:useLocalDpi xmlns:a14="http://schemas.microsoft.com/office/drawing/2010/main" val="0"/>
+              </a:ext>
+            </a:extLst>
+          </a:blip>
+          <a:srcRect/>
+          <a:stretch>
+            <a:fillRect/>
+          </a:stretch>
+        </p:blipFill>
+        <p:spPr bwMode="auto">
+          <a:xfrm>
+            <a:off x="2341257" y="1498600"/>
+            <a:ext cx="2801004" cy="4955161"/>
+          </a:xfrm>
+          <a:prstGeom prst="rect">
+            <a:avLst/>
+          </a:prstGeom>
+          <a:noFill/>
+          <a:extLst>
+            <a:ext uri="{909E8E84-426E-40DD-AFC4-6F175D3DCCD1}">
+              <a14:hiddenFill xmlns:a14="http://schemas.microsoft.com/office/drawing/2010/main">
+                <a:solidFill>
+                  <a:srgbClr val="FFFFFF"/>
+                </a:solidFill>
+              </a14:hiddenFill>
+            </a:ext>
+          </a:extLst>
+        </p:spPr>
+      </p:pic>
+      <p:sp>
+        <p:nvSpPr>
+          <p:cNvPr id="4" name="TextBox 3"/>
+          <p:cNvSpPr txBox="1"/>
+          <p:nvPr/>
+        </p:nvSpPr>
+        <p:spPr>
+          <a:xfrm>
+            <a:off x="6705600" y="1896533"/>
+            <a:ext cx="3327400" cy="646331"/>
+          </a:xfrm>
+          <a:prstGeom prst="rect">
+            <a:avLst/>
+          </a:prstGeom>
+          <a:noFill/>
+        </p:spPr>
+        <p:txBody>
+          <a:bodyPr wrap="square" rtlCol="0">
+            <a:spAutoFit/>
+          </a:bodyPr>
+          <a:lstStyle/>
+          <a:p>
+            <a:r>
+              <a:rPr lang="en-US" altLang="ko-KR" dirty="0" smtClean="0"/>
+              <a:t>Linear </a:t>
+            </a:r>
+            <a:r>
+              <a:rPr lang="ko-KR" altLang="en-US" dirty="0" smtClean="0"/>
+              <a:t>레이아웃을 통해</a:t>
+            </a:r>
+            <a:endParaRPr lang="en-US" altLang="ko-KR" dirty="0" smtClean="0"/>
+          </a:p>
+          <a:p>
+            <a:r>
+              <a:rPr lang="ko-KR" altLang="en-US" dirty="0" err="1" smtClean="0"/>
+              <a:t>마이페이지</a:t>
+            </a:r>
+            <a:r>
+              <a:rPr lang="ko-KR" altLang="en-US" dirty="0" smtClean="0"/>
+              <a:t> </a:t>
+            </a:r>
+            <a:r>
+              <a:rPr lang="ko-KR" altLang="en-US" dirty="0" err="1" smtClean="0"/>
+              <a:t>앱</a:t>
+            </a:r>
+            <a:r>
+              <a:rPr lang="ko-KR" altLang="en-US" dirty="0" smtClean="0"/>
+              <a:t> 화면 작성</a:t>
+            </a:r>
+            <a:endParaRPr lang="ko-KR" altLang="en-US" dirty="0"/>
+          </a:p>
+        </p:txBody>
+      </p:sp>
+    </p:spTree>
+    <p:extLst>
+      <p:ext uri="{BB962C8B-B14F-4D97-AF65-F5344CB8AC3E}">
+        <p14:creationId xmlns:p14="http://schemas.microsoft.com/office/powerpoint/2010/main" val="1340805603"/>
+      </p:ext>
+    </p:extLst>
+  </p:cSld>
+  <p:clrMapOvr>
+    <a:masterClrMapping/>
+  </p:clrMapOvr>
+  <p:timing>
+    <p:tnLst>
+      <p:par>
+        <p:cTn id="1" dur="indefinite" restart="never" nodeType="tmRoot"/>
+      </p:par>
+    </p:tnLst>
+  </p:timing>
+</p:sld>
+</file>
+
+<file path=ppt/slides/slide16.xml><?xml version="1.0" encoding="utf-8"?>
+<p:sld xmlns:a="http://schemas.openxmlformats.org/drawingml/2006/main" xmlns:r="http://schemas.openxmlformats.org/officeDocument/2006/relationships" xmlns:p="http://schemas.openxmlformats.org/presentationml/2006/main">
+  <p:cSld>
+    <p:spTree>
+      <p:nvGrpSpPr>
+        <p:cNvPr id="1" name="Shape 90"/>
+        <p:cNvGrpSpPr/>
+        <p:nvPr/>
+      </p:nvGrpSpPr>
+      <p:grpSpPr>
+        <a:xfrm>
+          <a:off x="0" y="0"/>
+          <a:ext cx="0" cy="0"/>
+          <a:chOff x="0" y="0"/>
+          <a:chExt cx="0" cy="0"/>
+        </a:xfrm>
+      </p:grpSpPr>
+      <p:sp>
+        <p:nvSpPr>
+          <p:cNvPr id="14" name="TextBox 13"/>
+          <p:cNvSpPr txBox="1"/>
+          <p:nvPr/>
+        </p:nvSpPr>
+        <p:spPr>
+          <a:xfrm>
+            <a:off x="470648" y="195307"/>
+            <a:ext cx="10796066" cy="477054"/>
+          </a:xfrm>
+          <a:prstGeom prst="rect">
+            <a:avLst/>
+          </a:prstGeom>
+          <a:noFill/>
+        </p:spPr>
+        <p:txBody>
+          <a:bodyPr wrap="square" rtlCol="0">
+            <a:spAutoFit/>
+          </a:bodyPr>
+          <a:lstStyle/>
+          <a:p>
+            <a:pPr lvl="0" algn="ctr">
+              <a:buClr>
+                <a:srgbClr val="000000"/>
+              </a:buClr>
+              <a:buSzPts val="1500"/>
+              <a:defRPr/>
+            </a:pPr>
+            <a:r>
+              <a:rPr lang="en-US" altLang="ko-KR" sz="2500" b="1" dirty="0" smtClean="0">
+                <a:solidFill>
+                  <a:schemeClr val="bg1"/>
+                </a:solidFill>
+                <a:latin typeface="+mj-lt"/>
+              </a:rPr>
+              <a:t>[</a:t>
+            </a:r>
+            <a:r>
+              <a:rPr lang="ko-KR" altLang="en-US" sz="2500" b="1" dirty="0" smtClean="0">
+                <a:solidFill>
+                  <a:schemeClr val="bg1"/>
+                </a:solidFill>
+                <a:latin typeface="+mj-lt"/>
+              </a:rPr>
+              <a:t>화면 구현</a:t>
+            </a:r>
+            <a:r>
+              <a:rPr lang="en-US" altLang="ko-KR" sz="2500" b="1" dirty="0" smtClean="0">
+                <a:solidFill>
+                  <a:schemeClr val="bg1"/>
+                </a:solidFill>
+                <a:latin typeface="+mj-lt"/>
+              </a:rPr>
+              <a:t>] </a:t>
+            </a:r>
+            <a:r>
+              <a:rPr lang="ko-KR" altLang="en-US" sz="2500" b="1" dirty="0" smtClean="0">
+                <a:solidFill>
+                  <a:schemeClr val="bg1"/>
+                </a:solidFill>
+                <a:latin typeface="+mj-lt"/>
+              </a:rPr>
+              <a:t>사용자 </a:t>
+            </a:r>
+            <a:r>
+              <a:rPr lang="en-US" altLang="ko-KR" sz="2500" b="1" dirty="0" smtClean="0">
+                <a:solidFill>
+                  <a:schemeClr val="bg1"/>
+                </a:solidFill>
+                <a:latin typeface="+mj-lt"/>
+              </a:rPr>
+              <a:t>– </a:t>
+            </a:r>
+            <a:r>
+              <a:rPr lang="ko-KR" altLang="en-US" sz="2500" b="1" dirty="0" smtClean="0">
+                <a:solidFill>
+                  <a:schemeClr val="bg1"/>
+                </a:solidFill>
+                <a:latin typeface="+mj-lt"/>
+              </a:rPr>
+              <a:t>웹</a:t>
+            </a:r>
+            <a:r>
+              <a:rPr lang="en-US" altLang="ko-KR" sz="2500" b="1" dirty="0" smtClean="0">
+                <a:solidFill>
+                  <a:schemeClr val="bg1"/>
+                </a:solidFill>
+                <a:latin typeface="+mj-lt"/>
+              </a:rPr>
+              <a:t> – </a:t>
+            </a:r>
+            <a:r>
+              <a:rPr lang="ko-KR" altLang="en-US" sz="2500" b="1" dirty="0" err="1" smtClean="0">
+                <a:solidFill>
+                  <a:schemeClr val="bg1"/>
+                </a:solidFill>
+                <a:latin typeface="+mj-lt"/>
+              </a:rPr>
+              <a:t>마이페이지</a:t>
+            </a:r>
+            <a:r>
+              <a:rPr lang="ko-KR" altLang="en-US" sz="2500" b="1" dirty="0" smtClean="0">
+                <a:solidFill>
+                  <a:schemeClr val="bg1"/>
+                </a:solidFill>
+                <a:latin typeface="+mj-lt"/>
+              </a:rPr>
+              <a:t> </a:t>
+            </a:r>
+            <a:r>
+              <a:rPr lang="en-US" altLang="ko-KR" sz="2500" b="1" dirty="0" smtClean="0">
+                <a:solidFill>
+                  <a:schemeClr val="bg1"/>
+                </a:solidFill>
+                <a:latin typeface="+mj-lt"/>
+              </a:rPr>
+              <a:t>– </a:t>
+            </a:r>
+            <a:r>
+              <a:rPr lang="ko-KR" altLang="en-US" sz="2500" b="1" dirty="0" smtClean="0">
+                <a:solidFill>
+                  <a:schemeClr val="bg1"/>
+                </a:solidFill>
+                <a:latin typeface="+mj-lt"/>
+              </a:rPr>
+              <a:t>메인 화면</a:t>
+            </a:r>
+            <a:endParaRPr lang="ko-KR" altLang="en-US" sz="2500" b="1" dirty="0">
+              <a:solidFill>
+                <a:schemeClr val="bg1"/>
+              </a:solidFill>
+              <a:latin typeface="+mj-lt"/>
+            </a:endParaRPr>
+          </a:p>
+        </p:txBody>
+      </p:sp>
+      <p:pic>
+        <p:nvPicPr>
+          <p:cNvPr id="7170" name="Picture 2" descr="C:\Users\ezen-033\Desktop\마이페이지1.PNG"/>
+          <p:cNvPicPr>
+            <a:picLocks noChangeAspect="1" noChangeArrowheads="1"/>
+          </p:cNvPicPr>
+          <p:nvPr/>
+        </p:nvPicPr>
+        <p:blipFill>
+          <a:blip r:embed="rId3">
+            <a:extLst>
+              <a:ext uri="{28A0092B-C50C-407E-A947-70E740481C1C}">
+                <a14:useLocalDpi xmlns:a14="http://schemas.microsoft.com/office/drawing/2010/main" val="0"/>
+              </a:ext>
+            </a:extLst>
+          </a:blip>
+          <a:srcRect/>
+          <a:stretch>
+            <a:fillRect/>
+          </a:stretch>
+        </p:blipFill>
+        <p:spPr bwMode="auto">
+          <a:xfrm>
+            <a:off x="243489" y="1733550"/>
+            <a:ext cx="8659211" cy="4309596"/>
+          </a:xfrm>
+          <a:prstGeom prst="rect">
+            <a:avLst/>
+          </a:prstGeom>
+          <a:noFill/>
+          <a:ln>
+            <a:solidFill>
+              <a:schemeClr val="tx1"/>
+            </a:solidFill>
+          </a:ln>
+          <a:extLst>
+            <a:ext uri="{909E8E84-426E-40DD-AFC4-6F175D3DCCD1}">
+              <a14:hiddenFill xmlns:a14="http://schemas.microsoft.com/office/drawing/2010/main">
+                <a:solidFill>
+                  <a:srgbClr val="FFFFFF"/>
+                </a:solidFill>
+              </a14:hiddenFill>
+            </a:ext>
+          </a:extLst>
+        </p:spPr>
+      </p:pic>
+      <p:sp>
+        <p:nvSpPr>
+          <p:cNvPr id="4" name="TextBox 3"/>
+          <p:cNvSpPr txBox="1"/>
+          <p:nvPr/>
+        </p:nvSpPr>
+        <p:spPr>
+          <a:xfrm>
+            <a:off x="8902700" y="2381429"/>
+            <a:ext cx="3009900" cy="1200329"/>
+          </a:xfrm>
+          <a:prstGeom prst="rect">
+            <a:avLst/>
+          </a:prstGeom>
+          <a:noFill/>
+        </p:spPr>
+        <p:txBody>
+          <a:bodyPr wrap="square" rtlCol="0">
+            <a:spAutoFit/>
+          </a:bodyPr>
+          <a:lstStyle/>
+          <a:p>
+            <a:r>
+              <a:rPr lang="ko-KR" altLang="en-US" dirty="0" smtClean="0"/>
+              <a:t>프로필관리</a:t>
+            </a:r>
+            <a:r>
+              <a:rPr lang="en-US" altLang="ko-KR" dirty="0" smtClean="0"/>
+              <a:t>, </a:t>
+            </a:r>
+            <a:r>
+              <a:rPr lang="ko-KR" altLang="en-US" dirty="0" smtClean="0"/>
+              <a:t>세미나 예약확인</a:t>
+            </a:r>
+            <a:r>
+              <a:rPr lang="en-US" altLang="ko-KR" dirty="0" smtClean="0"/>
+              <a:t>, </a:t>
+            </a:r>
+            <a:r>
+              <a:rPr lang="ko-KR" altLang="en-US" dirty="0" smtClean="0"/>
+              <a:t>문의사항 관리</a:t>
+            </a:r>
+            <a:r>
+              <a:rPr lang="en-US" altLang="ko-KR" dirty="0" smtClean="0"/>
+              <a:t>, </a:t>
+            </a:r>
+            <a:r>
+              <a:rPr lang="ko-KR" altLang="en-US" dirty="0" smtClean="0"/>
+              <a:t>이용후기 관리 메뉴로 이동할 수 있는 </a:t>
+            </a:r>
+            <a:r>
+              <a:rPr lang="ko-KR" altLang="en-US" dirty="0" err="1" smtClean="0"/>
+              <a:t>마이페이지</a:t>
+            </a:r>
+            <a:r>
+              <a:rPr lang="ko-KR" altLang="en-US" dirty="0" smtClean="0"/>
+              <a:t> 초기화면</a:t>
+            </a:r>
+            <a:endParaRPr lang="en-US" altLang="ko-KR" dirty="0" smtClean="0"/>
+          </a:p>
+        </p:txBody>
+      </p:sp>
+    </p:spTree>
+    <p:extLst>
+      <p:ext uri="{BB962C8B-B14F-4D97-AF65-F5344CB8AC3E}">
+        <p14:creationId xmlns:p14="http://schemas.microsoft.com/office/powerpoint/2010/main" val="319369167"/>
+      </p:ext>
+    </p:extLst>
+  </p:cSld>
+  <p:clrMapOvr>
+    <a:masterClrMapping/>
+  </p:clrMapOvr>
+  <p:timing>
+    <p:tnLst>
+      <p:par>
+        <p:cTn id="1" dur="indefinite" restart="never" nodeType="tmRoot"/>
+      </p:par>
+    </p:tnLst>
+  </p:timing>
+</p:sld>
+</file>
+
+<file path=ppt/slides/slide17.xml><?xml version="1.0" encoding="utf-8"?>
+<p:sld xmlns:a="http://schemas.openxmlformats.org/drawingml/2006/main" xmlns:r="http://schemas.openxmlformats.org/officeDocument/2006/relationships" xmlns:p="http://schemas.openxmlformats.org/presentationml/2006/main">
+  <p:cSld>
+    <p:spTree>
+      <p:nvGrpSpPr>
+        <p:cNvPr id="1" name="Shape 90"/>
+        <p:cNvGrpSpPr/>
+        <p:nvPr/>
+      </p:nvGrpSpPr>
+      <p:grpSpPr>
+        <a:xfrm>
+          <a:off x="0" y="0"/>
+          <a:ext cx="0" cy="0"/>
+          <a:chOff x="0" y="0"/>
+          <a:chExt cx="0" cy="0"/>
+        </a:xfrm>
+      </p:grpSpPr>
+      <p:graphicFrame>
+        <p:nvGraphicFramePr>
+          <p:cNvPr id="96" name="Google Shape;96;g7c553259d1_0_3"/>
+          <p:cNvGraphicFramePr/>
+          <p:nvPr>
+            <p:extLst>
+              <p:ext uri="{D42A27DB-BD31-4B8C-83A1-F6EECF244321}">
+                <p14:modId xmlns:p14="http://schemas.microsoft.com/office/powerpoint/2010/main" val="3479234605"/>
+              </p:ext>
+            </p:extLst>
+          </p:nvPr>
+        </p:nvGraphicFramePr>
+        <p:xfrm>
+          <a:off x="8809514" y="2687466"/>
+          <a:ext cx="2952330" cy="2617388"/>
+        </p:xfrm>
+        <a:graphic>
+          <a:graphicData uri="http://schemas.openxmlformats.org/drawingml/2006/table">
+            <a:tbl>
+              <a:tblPr firstRow="1" bandRow="1">
+                <a:noFill/>
+              </a:tblPr>
+              <a:tblGrid>
+                <a:gridCol w="289755">
+                  <a:extLst>
+                    <a:ext uri="{9D8B030D-6E8A-4147-A177-3AD203B41FA5}">
+                      <a16:colId xmlns:a16="http://schemas.microsoft.com/office/drawing/2014/main" xmlns="" val="20000"/>
+                    </a:ext>
+                  </a:extLst>
+                </a:gridCol>
+                <a:gridCol w="2662575">
+                  <a:extLst>
+                    <a:ext uri="{9D8B030D-6E8A-4147-A177-3AD203B41FA5}">
+                      <a16:colId xmlns:a16="http://schemas.microsoft.com/office/drawing/2014/main" xmlns="" val="20001"/>
+                    </a:ext>
+                  </a:extLst>
+                </a:gridCol>
+              </a:tblGrid>
+              <a:tr h="286673">
+                <a:tc>
+                  <a:txBody>
+                    <a:bodyPr/>
+                    <a:lstStyle/>
+                    <a:p>
+                      <a:pPr marL="0" marR="0" lvl="0" indent="0" algn="ctr" rtl="0">
+                        <a:lnSpc>
+                          <a:spcPct val="100000"/>
+                        </a:lnSpc>
+                        <a:spcBef>
+                          <a:spcPts val="0"/>
+                        </a:spcBef>
+                        <a:spcAft>
+                          <a:spcPts val="0"/>
+                        </a:spcAft>
+                        <a:buClr>
+                          <a:srgbClr val="000000"/>
+                        </a:buClr>
+                        <a:buSzPts val="1500"/>
+                        <a:buFont typeface="Arial"/>
+                        <a:buNone/>
+                      </a:pPr>
+                      <a:r>
+                        <a:rPr lang="ko-KR" sz="1500" u="none" strike="noStrike" cap="none" dirty="0">
+                          <a:solidFill>
+                            <a:schemeClr val="dk1"/>
+                          </a:solidFill>
+                        </a:rPr>
+                        <a:t>#</a:t>
+                      </a:r>
+                      <a:endParaRPr sz="1500" u="none" strike="noStrike" cap="none" dirty="0">
+                        <a:solidFill>
+                          <a:schemeClr val="dk1"/>
+                        </a:solidFill>
+                      </a:endParaRPr>
+                    </a:p>
+                  </a:txBody>
+                  <a:tcPr marL="91451" marR="91451" marT="45725" marB="45725" anchor="ctr">
+                    <a:lnL w="12700" cap="flat" cmpd="sng">
+                      <a:solidFill>
+                        <a:schemeClr val="dk1"/>
+                      </a:solidFill>
+                      <a:prstDash val="solid"/>
+                      <a:round/>
+                      <a:headEnd type="none" w="sm" len="sm"/>
+                      <a:tailEnd type="none" w="sm" len="sm"/>
+                    </a:lnL>
+                    <a:lnR w="12700" cap="flat" cmpd="sng">
+                      <a:solidFill>
+                        <a:schemeClr val="dk1"/>
+                      </a:solidFill>
+                      <a:prstDash val="solid"/>
+                      <a:round/>
+                      <a:headEnd type="none" w="sm" len="sm"/>
+                      <a:tailEnd type="none" w="sm" len="sm"/>
+                    </a:lnR>
+                    <a:lnT w="12700" cap="flat" cmpd="sng">
+                      <a:solidFill>
+                        <a:schemeClr val="dk1"/>
+                      </a:solidFill>
+                      <a:prstDash val="solid"/>
+                      <a:round/>
+                      <a:headEnd type="none" w="sm" len="sm"/>
+                      <a:tailEnd type="none" w="sm" len="sm"/>
+                    </a:lnT>
+                    <a:lnB w="12700" cap="flat" cmpd="sng">
+                      <a:solidFill>
+                        <a:schemeClr val="dk1"/>
+                      </a:solidFill>
+                      <a:prstDash val="solid"/>
+                      <a:round/>
+                      <a:headEnd type="none" w="sm" len="sm"/>
+                      <a:tailEnd type="none" w="sm" len="sm"/>
+                    </a:lnB>
+                    <a:solidFill>
+                      <a:srgbClr val="D8D8D8"/>
+                    </a:solidFill>
+                  </a:tcPr>
+                </a:tc>
+                <a:tc>
+                  <a:txBody>
+                    <a:bodyPr/>
+                    <a:lstStyle/>
+                    <a:p>
+                      <a:pPr marL="0" marR="0" lvl="0" indent="0" algn="ctr" rtl="0">
+                        <a:lnSpc>
+                          <a:spcPct val="100000"/>
+                        </a:lnSpc>
+                        <a:spcBef>
+                          <a:spcPts val="0"/>
+                        </a:spcBef>
+                        <a:spcAft>
+                          <a:spcPts val="0"/>
+                        </a:spcAft>
+                        <a:buClr>
+                          <a:srgbClr val="000000"/>
+                        </a:buClr>
+                        <a:buSzPts val="1500"/>
+                        <a:buFont typeface="Arial"/>
+                        <a:buNone/>
+                      </a:pPr>
+                      <a:endParaRPr sz="1500" u="none" strike="noStrike" cap="none" dirty="0">
+                        <a:solidFill>
+                          <a:schemeClr val="dk1"/>
+                        </a:solidFill>
+                      </a:endParaRPr>
+                    </a:p>
+                  </a:txBody>
+                  <a:tcPr marL="91451" marR="91451" marT="45725" marB="45725" anchor="ctr">
+                    <a:lnL w="12700" cap="flat" cmpd="sng">
+                      <a:solidFill>
+                        <a:schemeClr val="dk1"/>
+                      </a:solidFill>
+                      <a:prstDash val="solid"/>
+                      <a:round/>
+                      <a:headEnd type="none" w="sm" len="sm"/>
+                      <a:tailEnd type="none" w="sm" len="sm"/>
+                    </a:lnL>
+                    <a:lnR w="12700" cap="flat" cmpd="sng">
+                      <a:solidFill>
+                        <a:schemeClr val="dk1"/>
+                      </a:solidFill>
+                      <a:prstDash val="solid"/>
+                      <a:round/>
+                      <a:headEnd type="none" w="sm" len="sm"/>
+                      <a:tailEnd type="none" w="sm" len="sm"/>
+                    </a:lnR>
+                    <a:lnT w="12700" cap="flat" cmpd="sng">
+                      <a:solidFill>
+                        <a:schemeClr val="dk1"/>
+                      </a:solidFill>
+                      <a:prstDash val="solid"/>
+                      <a:round/>
+                      <a:headEnd type="none" w="sm" len="sm"/>
+                      <a:tailEnd type="none" w="sm" len="sm"/>
+                    </a:lnT>
+                    <a:lnB w="12700" cap="flat" cmpd="sng">
+                      <a:solidFill>
+                        <a:schemeClr val="dk1"/>
+                      </a:solidFill>
+                      <a:prstDash val="solid"/>
+                      <a:round/>
+                      <a:headEnd type="none" w="sm" len="sm"/>
+                      <a:tailEnd type="none" w="sm" len="sm"/>
+                    </a:lnB>
+                    <a:solidFill>
+                      <a:srgbClr val="D8D8D8"/>
+                    </a:solidFill>
+                  </a:tcPr>
+                </a:tc>
+                <a:extLst>
+                  <a:ext uri="{0D108BD9-81ED-4DB2-BD59-A6C34878D82A}">
+                    <a16:rowId xmlns:a16="http://schemas.microsoft.com/office/drawing/2014/main" xmlns="" val="10000"/>
+                  </a:ext>
+                </a:extLst>
+              </a:tr>
+              <a:tr h="328022">
+                <a:tc rowSpan="2">
+                  <a:txBody>
+                    <a:bodyPr/>
+                    <a:lstStyle/>
+                    <a:p>
+                      <a:pPr marL="0" marR="0" lvl="0" indent="0" algn="ctr" rtl="0">
+                        <a:lnSpc>
+                          <a:spcPct val="100000"/>
+                        </a:lnSpc>
+                        <a:spcBef>
+                          <a:spcPts val="0"/>
+                        </a:spcBef>
+                        <a:spcAft>
+                          <a:spcPts val="0"/>
+                        </a:spcAft>
+                        <a:buClr>
+                          <a:srgbClr val="000000"/>
+                        </a:buClr>
+                        <a:buSzPts val="1500"/>
+                        <a:buFont typeface="Arial"/>
+                        <a:buNone/>
+                      </a:pPr>
+                      <a:r>
+                        <a:rPr lang="en-US" altLang="ko-KR" sz="1500" u="none" strike="noStrike" cap="none" dirty="0" smtClean="0">
+                          <a:solidFill>
+                            <a:schemeClr val="dk1"/>
+                          </a:solidFill>
+                        </a:rPr>
+                        <a:t>6</a:t>
+                      </a:r>
+                      <a:endParaRPr sz="1500" u="none" strike="noStrike" cap="none" dirty="0">
+                        <a:solidFill>
+                          <a:schemeClr val="dk1"/>
+                        </a:solidFill>
+                      </a:endParaRPr>
+                    </a:p>
+                  </a:txBody>
+                  <a:tcPr marL="91451" marR="91451" marT="45725" marB="45725" anchor="ctr">
+                    <a:lnL w="12700" cap="flat" cmpd="sng">
+                      <a:solidFill>
+                        <a:schemeClr val="dk1"/>
+                      </a:solidFill>
+                      <a:prstDash val="solid"/>
+                      <a:round/>
+                      <a:headEnd type="none" w="sm" len="sm"/>
+                      <a:tailEnd type="none" w="sm" len="sm"/>
+                    </a:lnL>
+                    <a:lnR w="12700" cap="flat" cmpd="sng" algn="ctr">
+                      <a:solidFill>
+                        <a:schemeClr val="dk1"/>
+                      </a:solidFill>
+                      <a:prstDash val="solid"/>
+                      <a:round/>
+                      <a:headEnd type="none" w="sm" len="sm"/>
+                      <a:tailEnd type="none" w="sm" len="sm"/>
+                    </a:lnR>
+                    <a:lnT w="12700" cap="flat" cmpd="sng">
+                      <a:solidFill>
+                        <a:schemeClr val="dk1"/>
+                      </a:solidFill>
+                      <a:prstDash val="solid"/>
+                      <a:round/>
+                      <a:headEnd type="none" w="sm" len="sm"/>
+                      <a:tailEnd type="none" w="sm" len="sm"/>
+                    </a:lnT>
+                    <a:lnB w="12700" cap="flat" cmpd="sng" algn="ctr">
+                      <a:solidFill>
+                        <a:schemeClr val="dk1"/>
+                      </a:solidFill>
+                      <a:prstDash val="solid"/>
+                      <a:round/>
+                      <a:headEnd type="none" w="sm" len="sm"/>
+                      <a:tailEnd type="none" w="sm" len="sm"/>
+                    </a:lnB>
+                    <a:solidFill>
+                      <a:schemeClr val="lt1"/>
+                    </a:solidFill>
+                  </a:tcPr>
+                </a:tc>
+                <a:tc>
+                  <a:txBody>
+                    <a:bodyPr/>
+                    <a:lstStyle/>
+                    <a:p>
+                      <a:pPr marL="133350" marR="0" lvl="0" indent="0" algn="l" rtl="0">
+                        <a:lnSpc>
+                          <a:spcPct val="100000"/>
+                        </a:lnSpc>
+                        <a:spcBef>
+                          <a:spcPts val="0"/>
+                        </a:spcBef>
+                        <a:spcAft>
+                          <a:spcPts val="0"/>
+                        </a:spcAft>
+                        <a:buClr>
+                          <a:srgbClr val="000000"/>
+                        </a:buClr>
+                        <a:buSzPts val="1500"/>
+                        <a:buFont typeface="Arial"/>
+                        <a:buNone/>
+                        <a:tabLst/>
+                      </a:pPr>
+                      <a:r>
+                        <a:rPr lang="ko-KR" altLang="en-US" sz="1300" b="0" u="none" strike="noStrike" cap="none" dirty="0" smtClean="0"/>
+                        <a:t>문의사항을 관리하는 페이지로 크게 문의한 것과 문의 받은 내용을 분류하여 확인할 수 있고</a:t>
+                      </a:r>
+                      <a:r>
+                        <a:rPr lang="en-US" altLang="ko-KR" sz="1300" b="0" u="none" strike="noStrike" cap="none" dirty="0" smtClean="0"/>
+                        <a:t>, </a:t>
+                      </a:r>
+                      <a:r>
+                        <a:rPr lang="ko-KR" altLang="en-US" sz="1300" b="0" u="none" strike="noStrike" cap="none" dirty="0" smtClean="0"/>
+                        <a:t>문의한 것을 확인하는 경우 어떤 대상에 대해 확인하는 것인지 확인하고 답변상태를 확인할</a:t>
+                      </a:r>
+                      <a:r>
+                        <a:rPr lang="ko-KR" altLang="en-US" sz="1300" b="0" u="none" strike="noStrike" cap="none" baseline="0" dirty="0" smtClean="0"/>
+                        <a:t> </a:t>
+                      </a:r>
+                      <a:r>
+                        <a:rPr lang="ko-KR" altLang="en-US" sz="1300" b="0" u="none" strike="noStrike" cap="none" baseline="0" dirty="0" err="1" smtClean="0"/>
+                        <a:t>수있다</a:t>
+                      </a:r>
+                      <a:r>
+                        <a:rPr lang="en-US" altLang="ko-KR" sz="1300" b="0" u="none" strike="noStrike" cap="none" baseline="0" dirty="0" smtClean="0"/>
+                        <a:t>.</a:t>
+                      </a:r>
+                      <a:endParaRPr lang="en-US" altLang="ko-KR" sz="1300" b="0" u="none" strike="noStrike" cap="none" dirty="0" smtClean="0"/>
+                    </a:p>
+                  </a:txBody>
+                  <a:tcPr marL="91451" marR="91451" marT="45725" marB="45725">
+                    <a:lnL w="12700" cap="flat" cmpd="sng">
+                      <a:solidFill>
+                        <a:schemeClr val="dk1"/>
+                      </a:solidFill>
+                      <a:prstDash val="solid"/>
+                      <a:round/>
+                      <a:headEnd type="none" w="sm" len="sm"/>
+                      <a:tailEnd type="none" w="sm" len="sm"/>
+                    </a:lnL>
+                    <a:lnR w="12700" cap="flat" cmpd="sng">
+                      <a:solidFill>
+                        <a:schemeClr val="dk1"/>
+                      </a:solidFill>
+                      <a:prstDash val="solid"/>
+                      <a:round/>
+                      <a:headEnd type="none" w="sm" len="sm"/>
+                      <a:tailEnd type="none" w="sm" len="sm"/>
+                    </a:lnR>
+                    <a:lnT w="12700" cap="flat" cmpd="sng">
+                      <a:solidFill>
+                        <a:schemeClr val="dk1"/>
+                      </a:solidFill>
+                      <a:prstDash val="solid"/>
+                      <a:round/>
+                      <a:headEnd type="none" w="sm" len="sm"/>
+                      <a:tailEnd type="none" w="sm" len="sm"/>
+                    </a:lnT>
+                    <a:lnB w="12700" cap="flat" cmpd="sng">
+                      <a:solidFill>
+                        <a:schemeClr val="dk1"/>
+                      </a:solidFill>
+                      <a:prstDash val="solid"/>
+                      <a:round/>
+                      <a:headEnd type="none" w="sm" len="sm"/>
+                      <a:tailEnd type="none" w="sm" len="sm"/>
+                    </a:lnB>
+                    <a:solidFill>
+                      <a:schemeClr val="lt1"/>
+                    </a:solidFill>
+                  </a:tcPr>
+                </a:tc>
+                <a:extLst>
+                  <a:ext uri="{0D108BD9-81ED-4DB2-BD59-A6C34878D82A}">
+                    <a16:rowId xmlns:a16="http://schemas.microsoft.com/office/drawing/2014/main" xmlns="" val="10001"/>
+                  </a:ext>
+                </a:extLst>
+              </a:tr>
+              <a:tr h="819048">
+                <a:tc vMerge="1">
+                  <a:txBody>
+                    <a:bodyPr/>
+                    <a:lstStyle/>
+                    <a:p>
+                      <a:pPr marL="0" marR="0" lvl="0" indent="0" algn="ctr" rtl="0">
+                        <a:lnSpc>
+                          <a:spcPct val="100000"/>
+                        </a:lnSpc>
+                        <a:spcBef>
+                          <a:spcPts val="0"/>
+                        </a:spcBef>
+                        <a:spcAft>
+                          <a:spcPts val="0"/>
+                        </a:spcAft>
+                        <a:buClr>
+                          <a:srgbClr val="000000"/>
+                        </a:buClr>
+                        <a:buSzPts val="1500"/>
+                        <a:buFont typeface="Arial"/>
+                        <a:buNone/>
+                      </a:pPr>
+                      <a:endParaRPr sz="1500" u="none" strike="noStrike" cap="none" dirty="0">
+                        <a:solidFill>
+                          <a:schemeClr val="dk1"/>
+                        </a:solidFill>
+                      </a:endParaRPr>
+                    </a:p>
+                  </a:txBody>
+                  <a:tcPr marL="91451" marR="91451" marT="45725" marB="45725" anchor="ctr">
+                    <a:lnL w="12700" cap="flat" cmpd="sng">
+                      <a:solidFill>
+                        <a:schemeClr val="dk1"/>
+                      </a:solidFill>
+                      <a:prstDash val="solid"/>
+                      <a:round/>
+                      <a:headEnd type="none" w="sm" len="sm"/>
+                      <a:tailEnd type="none" w="sm" len="sm"/>
+                    </a:lnL>
+                    <a:lnR w="12700" cap="flat" cmpd="sng">
+                      <a:solidFill>
+                        <a:schemeClr val="dk1"/>
+                      </a:solidFill>
+                      <a:prstDash val="solid"/>
+                      <a:round/>
+                      <a:headEnd type="none" w="sm" len="sm"/>
+                      <a:tailEnd type="none" w="sm" len="sm"/>
+                    </a:lnR>
+                    <a:lnT w="12700" cap="flat" cmpd="sng">
+                      <a:solidFill>
+                        <a:schemeClr val="dk1"/>
+                      </a:solidFill>
+                      <a:prstDash val="solid"/>
+                      <a:round/>
+                      <a:headEnd type="none" w="sm" len="sm"/>
+                      <a:tailEnd type="none" w="sm" len="sm"/>
+                    </a:lnT>
+                    <a:lnB w="12700" cap="flat" cmpd="sng" algn="ctr">
+                      <a:solidFill>
+                        <a:schemeClr val="dk1"/>
+                      </a:solidFill>
+                      <a:prstDash val="solid"/>
+                      <a:round/>
+                      <a:headEnd type="none" w="sm" len="sm"/>
+                      <a:tailEnd type="none" w="sm" len="sm"/>
+                    </a:lnB>
+                    <a:solidFill>
+                      <a:schemeClr val="lt1"/>
+                    </a:solidFill>
+                  </a:tcPr>
+                </a:tc>
+                <a:tc>
+                  <a:txBody>
+                    <a:bodyPr/>
+                    <a:lstStyle/>
+                    <a:p>
+                      <a:pPr marL="133350" marR="0" lvl="0" indent="0" algn="l" rtl="0">
+                        <a:lnSpc>
+                          <a:spcPct val="100000"/>
+                        </a:lnSpc>
+                        <a:spcBef>
+                          <a:spcPts val="0"/>
+                        </a:spcBef>
+                        <a:spcAft>
+                          <a:spcPts val="0"/>
+                        </a:spcAft>
+                        <a:buClr>
+                          <a:srgbClr val="000000"/>
+                        </a:buClr>
+                        <a:buSzPts val="1500"/>
+                        <a:buFont typeface="Arial"/>
+                        <a:buNone/>
+                      </a:pPr>
+                      <a:r>
+                        <a:rPr lang="ko-KR" altLang="en-US" sz="1300" b="0" u="none" strike="noStrike" cap="none" dirty="0" smtClean="0"/>
+                        <a:t>해당하는 문의를 클릭하면 </a:t>
+                      </a:r>
+                      <a:r>
+                        <a:rPr lang="ko-KR" altLang="en-US" sz="1300" b="0" u="none" strike="noStrike" cap="none" dirty="0" err="1" smtClean="0"/>
+                        <a:t>모달창을</a:t>
+                      </a:r>
+                      <a:r>
+                        <a:rPr lang="ko-KR" altLang="en-US" sz="1300" b="0" u="none" strike="noStrike" cap="none" dirty="0" smtClean="0"/>
+                        <a:t> 통해서 상세정보를 확인할 수 있다</a:t>
+                      </a:r>
+                      <a:r>
+                        <a:rPr lang="en-US" altLang="ko-KR" sz="1300" b="0" u="none" strike="noStrike" cap="none" dirty="0" smtClean="0"/>
+                        <a:t>.</a:t>
+                      </a:r>
+                      <a:endParaRPr lang="en-US" altLang="ko-KR" sz="1300" b="0" u="none" strike="noStrike" cap="none" dirty="0"/>
+                    </a:p>
+                  </a:txBody>
+                  <a:tcPr marL="91451" marR="91451" marT="45725" marB="45725">
+                    <a:lnL w="12700" cap="flat" cmpd="sng">
+                      <a:solidFill>
+                        <a:schemeClr val="dk1"/>
+                      </a:solidFill>
+                      <a:prstDash val="solid"/>
+                      <a:round/>
+                      <a:headEnd type="none" w="sm" len="sm"/>
+                      <a:tailEnd type="none" w="sm" len="sm"/>
+                    </a:lnL>
+                    <a:lnR w="12700" cap="flat" cmpd="sng">
+                      <a:solidFill>
+                        <a:schemeClr val="dk1"/>
+                      </a:solidFill>
+                      <a:prstDash val="solid"/>
+                      <a:round/>
+                      <a:headEnd type="none" w="sm" len="sm"/>
+                      <a:tailEnd type="none" w="sm" len="sm"/>
+                    </a:lnR>
+                    <a:lnT w="12700" cap="flat" cmpd="sng">
+                      <a:solidFill>
+                        <a:schemeClr val="dk1"/>
+                      </a:solidFill>
+                      <a:prstDash val="solid"/>
+                      <a:round/>
+                      <a:headEnd type="none" w="sm" len="sm"/>
+                      <a:tailEnd type="none" w="sm" len="sm"/>
+                    </a:lnT>
+                    <a:lnB w="12700" cap="flat" cmpd="sng" algn="ctr">
+                      <a:solidFill>
+                        <a:schemeClr val="dk1"/>
+                      </a:solidFill>
+                      <a:prstDash val="solid"/>
+                      <a:round/>
+                      <a:headEnd type="none" w="sm" len="sm"/>
+                      <a:tailEnd type="none" w="sm" len="sm"/>
+                    </a:lnB>
+                    <a:solidFill>
+                      <a:schemeClr val="lt1"/>
+                    </a:solidFill>
+                  </a:tcPr>
+                </a:tc>
+                <a:extLst>
+                  <a:ext uri="{0D108BD9-81ED-4DB2-BD59-A6C34878D82A}">
+                    <a16:rowId xmlns:a16="http://schemas.microsoft.com/office/drawing/2014/main" xmlns="" val="10002"/>
+                  </a:ext>
+                </a:extLst>
+              </a:tr>
+            </a:tbl>
+          </a:graphicData>
+        </a:graphic>
+      </p:graphicFrame>
+      <p:sp>
+        <p:nvSpPr>
+          <p:cNvPr id="4" name="직사각형 3"/>
+          <p:cNvSpPr/>
+          <p:nvPr/>
+        </p:nvSpPr>
+        <p:spPr>
+          <a:xfrm>
+            <a:off x="914400" y="1353670"/>
+            <a:ext cx="7234517" cy="4966447"/>
+          </a:xfrm>
+          <a:prstGeom prst="rect">
+            <a:avLst/>
+          </a:prstGeom>
+          <a:noFill/>
+          <a:ln>
+            <a:solidFill>
+              <a:schemeClr val="tx1"/>
+            </a:solidFill>
+          </a:ln>
+        </p:spPr>
+        <p:style>
+          <a:lnRef idx="2">
+            <a:schemeClr val="accent1">
+              <a:shade val="50000"/>
+            </a:schemeClr>
+          </a:lnRef>
+          <a:fillRef idx="1">
+            <a:schemeClr val="accent1"/>
+          </a:fillRef>
+          <a:effectRef idx="0">
+            <a:schemeClr val="accent1"/>
+          </a:effectRef>
+          <a:fontRef idx="minor">
+            <a:schemeClr val="lt1"/>
+          </a:fontRef>
+        </p:style>
+        <p:txBody>
+          <a:bodyPr rtlCol="0" anchor="ctr"/>
+          <a:lstStyle/>
+          <a:p>
+            <a:pPr algn="ctr"/>
+            <a:endParaRPr lang="ko-KR" altLang="en-US"/>
+          </a:p>
+        </p:txBody>
+      </p:sp>
+      <p:sp>
+        <p:nvSpPr>
+          <p:cNvPr id="5" name="TextBox 4"/>
+          <p:cNvSpPr txBox="1"/>
+          <p:nvPr/>
+        </p:nvSpPr>
+        <p:spPr>
+          <a:xfrm>
+            <a:off x="3339352" y="1547301"/>
+            <a:ext cx="2384612" cy="369332"/>
+          </a:xfrm>
+          <a:prstGeom prst="rect">
+            <a:avLst/>
+          </a:prstGeom>
+          <a:noFill/>
+        </p:spPr>
+        <p:txBody>
+          <a:bodyPr wrap="square" rtlCol="0">
+            <a:spAutoFit/>
+          </a:bodyPr>
+          <a:lstStyle/>
+          <a:p>
+            <a:pPr algn="ctr"/>
+            <a:r>
+              <a:rPr lang="ko-KR" altLang="en-US" dirty="0" smtClean="0"/>
+              <a:t>문의사항 관리</a:t>
+            </a:r>
+            <a:endParaRPr lang="ko-KR" altLang="en-US" dirty="0"/>
+          </a:p>
+        </p:txBody>
+      </p:sp>
+      <p:grpSp>
+        <p:nvGrpSpPr>
+          <p:cNvPr id="13" name="그룹 12"/>
+          <p:cNvGrpSpPr/>
+          <p:nvPr/>
+        </p:nvGrpSpPr>
+        <p:grpSpPr>
+          <a:xfrm>
+            <a:off x="5272238" y="1836640"/>
+            <a:ext cx="1541929" cy="367553"/>
+            <a:chOff x="5585012" y="2095495"/>
+            <a:chExt cx="1541929" cy="367553"/>
+          </a:xfrm>
+        </p:grpSpPr>
+        <p:sp>
+          <p:nvSpPr>
+            <p:cNvPr id="9" name="직사각형 8"/>
+            <p:cNvSpPr/>
+            <p:nvPr/>
+          </p:nvSpPr>
+          <p:spPr>
+            <a:xfrm>
+              <a:off x="5585012" y="2095495"/>
+              <a:ext cx="1541929" cy="367553"/>
+            </a:xfrm>
+            <a:prstGeom prst="rect">
+              <a:avLst/>
+            </a:prstGeom>
+            <a:noFill/>
+            <a:ln>
+              <a:solidFill>
+                <a:schemeClr val="tx1"/>
+              </a:solidFill>
+            </a:ln>
+          </p:spPr>
+          <p:style>
+            <a:lnRef idx="2">
+              <a:schemeClr val="accent1">
+                <a:shade val="50000"/>
+              </a:schemeClr>
+            </a:lnRef>
+            <a:fillRef idx="1">
+              <a:schemeClr val="accent1"/>
+            </a:fillRef>
+            <a:effectRef idx="0">
+              <a:schemeClr val="accent1"/>
+            </a:effectRef>
+            <a:fontRef idx="minor">
+              <a:schemeClr val="lt1"/>
+            </a:fontRef>
+          </p:style>
+          <p:txBody>
+            <a:bodyPr rtlCol="0" anchor="ctr"/>
+            <a:lstStyle/>
+            <a:p>
+              <a:r>
+                <a:rPr lang="ko-KR" altLang="en-US" sz="1400" dirty="0" err="1" smtClean="0">
+                  <a:solidFill>
+                    <a:schemeClr val="tx1"/>
+                  </a:solidFill>
+                </a:rPr>
+                <a:t>세미나</a:t>
+              </a:r>
+              <a:r>
+                <a:rPr lang="ko-KR" altLang="en-US" sz="1400" dirty="0" err="1">
+                  <a:solidFill>
+                    <a:schemeClr val="tx1"/>
+                  </a:solidFill>
+                </a:rPr>
+                <a:t>존</a:t>
+              </a:r>
+              <a:endParaRPr lang="ko-KR" altLang="en-US" sz="1400" dirty="0">
+                <a:solidFill>
+                  <a:schemeClr val="tx1"/>
+                </a:solidFill>
+              </a:endParaRPr>
+            </a:p>
+          </p:txBody>
+        </p:sp>
+        <p:sp>
+          <p:nvSpPr>
+            <p:cNvPr id="12" name="이등변 삼각형 11"/>
+            <p:cNvSpPr/>
+            <p:nvPr/>
+          </p:nvSpPr>
+          <p:spPr>
+            <a:xfrm flipV="1">
+              <a:off x="6822140" y="2227711"/>
+              <a:ext cx="215154" cy="174816"/>
+            </a:xfrm>
+            <a:prstGeom prst="triangle">
+              <a:avLst/>
+            </a:prstGeom>
+            <a:solidFill>
+              <a:schemeClr val="tx1"/>
+            </a:solidFill>
+          </p:spPr>
+          <p:style>
+            <a:lnRef idx="2">
+              <a:schemeClr val="accent1">
+                <a:shade val="50000"/>
+              </a:schemeClr>
+            </a:lnRef>
+            <a:fillRef idx="1">
+              <a:schemeClr val="accent1"/>
+            </a:fillRef>
+            <a:effectRef idx="0">
+              <a:schemeClr val="accent1"/>
+            </a:effectRef>
+            <a:fontRef idx="minor">
+              <a:schemeClr val="lt1"/>
+            </a:fontRef>
+          </p:style>
+          <p:txBody>
+            <a:bodyPr rtlCol="0" anchor="ctr"/>
+            <a:lstStyle/>
+            <a:p>
+              <a:pPr algn="ctr"/>
+              <a:endParaRPr lang="ko-KR" altLang="en-US"/>
+            </a:p>
+          </p:txBody>
+        </p:sp>
+      </p:grpSp>
+      <p:sp>
+        <p:nvSpPr>
+          <p:cNvPr id="14" name="직사각형 13"/>
+          <p:cNvSpPr/>
+          <p:nvPr/>
+        </p:nvSpPr>
+        <p:spPr>
+          <a:xfrm>
+            <a:off x="5272238" y="2198586"/>
+            <a:ext cx="1541928" cy="952504"/>
+          </a:xfrm>
+          <a:prstGeom prst="rect">
+            <a:avLst/>
+          </a:prstGeom>
+          <a:noFill/>
+          <a:ln>
+            <a:solidFill>
+              <a:schemeClr val="tx1"/>
+            </a:solidFill>
+          </a:ln>
+        </p:spPr>
+        <p:style>
+          <a:lnRef idx="2">
+            <a:schemeClr val="accent1">
+              <a:shade val="50000"/>
+            </a:schemeClr>
+          </a:lnRef>
+          <a:fillRef idx="1">
+            <a:schemeClr val="accent1"/>
+          </a:fillRef>
+          <a:effectRef idx="0">
+            <a:schemeClr val="accent1"/>
+          </a:effectRef>
+          <a:fontRef idx="minor">
+            <a:schemeClr val="lt1"/>
+          </a:fontRef>
+        </p:style>
+        <p:txBody>
+          <a:bodyPr rtlCol="0" anchor="ctr"/>
+          <a:lstStyle/>
+          <a:p>
+            <a:r>
+              <a:rPr lang="en-US" altLang="ko-KR" sz="1400" dirty="0" err="1" smtClean="0">
+                <a:solidFill>
+                  <a:schemeClr val="tx1"/>
+                </a:solidFill>
+              </a:rPr>
+              <a:t>QnA</a:t>
+            </a:r>
+            <a:endParaRPr lang="en-US" altLang="ko-KR" sz="1400" dirty="0" smtClean="0">
+              <a:solidFill>
+                <a:schemeClr val="tx1"/>
+              </a:solidFill>
+            </a:endParaRPr>
+          </a:p>
+          <a:p>
+            <a:r>
+              <a:rPr lang="ko-KR" altLang="en-US" sz="1400" dirty="0" err="1" smtClean="0">
+                <a:solidFill>
+                  <a:schemeClr val="tx1"/>
+                </a:solidFill>
+              </a:rPr>
+              <a:t>세미나존</a:t>
+            </a:r>
+            <a:endParaRPr lang="en-US" altLang="ko-KR" sz="1400" dirty="0" smtClean="0">
+              <a:solidFill>
+                <a:schemeClr val="tx1"/>
+              </a:solidFill>
+            </a:endParaRPr>
+          </a:p>
+          <a:p>
+            <a:r>
+              <a:rPr lang="ko-KR" altLang="en-US" sz="1400" dirty="0" smtClean="0">
+                <a:solidFill>
+                  <a:schemeClr val="tx1"/>
+                </a:solidFill>
+              </a:rPr>
+              <a:t>세미나</a:t>
+            </a:r>
+            <a:endParaRPr lang="en-US" altLang="ko-KR" sz="1400" dirty="0" smtClean="0">
+              <a:solidFill>
+                <a:schemeClr val="tx1"/>
+              </a:solidFill>
+            </a:endParaRPr>
+          </a:p>
+          <a:p>
+            <a:r>
+              <a:rPr lang="ko-KR" altLang="en-US" sz="1400" dirty="0" err="1" smtClean="0">
+                <a:solidFill>
+                  <a:schemeClr val="tx1"/>
+                </a:solidFill>
+              </a:rPr>
+              <a:t>밋업</a:t>
+            </a:r>
+            <a:endParaRPr lang="ko-KR" altLang="en-US" sz="1400" dirty="0">
+              <a:solidFill>
+                <a:schemeClr val="tx1"/>
+              </a:solidFill>
+            </a:endParaRPr>
+          </a:p>
+        </p:txBody>
+      </p:sp>
+      <p:sp>
+        <p:nvSpPr>
+          <p:cNvPr id="15" name="직사각형 14"/>
+          <p:cNvSpPr/>
+          <p:nvPr/>
+        </p:nvSpPr>
+        <p:spPr>
+          <a:xfrm>
+            <a:off x="1649503" y="3164533"/>
+            <a:ext cx="5495365" cy="3101789"/>
+          </a:xfrm>
+          <a:prstGeom prst="rect">
+            <a:avLst/>
+          </a:prstGeom>
+          <a:noFill/>
+          <a:ln>
+            <a:solidFill>
+              <a:schemeClr val="tx1"/>
+            </a:solidFill>
+          </a:ln>
+        </p:spPr>
+        <p:style>
+          <a:lnRef idx="2">
+            <a:schemeClr val="accent1">
+              <a:shade val="50000"/>
+            </a:schemeClr>
+          </a:lnRef>
+          <a:fillRef idx="1">
+            <a:schemeClr val="accent1"/>
+          </a:fillRef>
+          <a:effectRef idx="0">
+            <a:schemeClr val="accent1"/>
+          </a:effectRef>
+          <a:fontRef idx="minor">
+            <a:schemeClr val="lt1"/>
+          </a:fontRef>
+        </p:style>
+        <p:txBody>
+          <a:bodyPr rtlCol="0" anchor="ctr"/>
+          <a:lstStyle/>
+          <a:p>
+            <a:pPr algn="ctr"/>
+            <a:endParaRPr lang="ko-KR" altLang="en-US"/>
+          </a:p>
+        </p:txBody>
+      </p:sp>
+      <p:sp>
+        <p:nvSpPr>
+          <p:cNvPr id="16" name="직사각형 15"/>
+          <p:cNvSpPr/>
+          <p:nvPr/>
+        </p:nvSpPr>
+        <p:spPr>
+          <a:xfrm>
+            <a:off x="1658473" y="3164533"/>
+            <a:ext cx="5495365" cy="430306"/>
+          </a:xfrm>
+          <a:prstGeom prst="rect">
+            <a:avLst/>
+          </a:prstGeom>
+          <a:noFill/>
+          <a:ln>
+            <a:solidFill>
+              <a:schemeClr val="tx1"/>
+            </a:solidFill>
+          </a:ln>
+        </p:spPr>
+        <p:style>
+          <a:lnRef idx="2">
+            <a:schemeClr val="accent1">
+              <a:shade val="50000"/>
+            </a:schemeClr>
+          </a:lnRef>
+          <a:fillRef idx="1">
+            <a:schemeClr val="accent1"/>
+          </a:fillRef>
+          <a:effectRef idx="0">
+            <a:schemeClr val="accent1"/>
+          </a:effectRef>
+          <a:fontRef idx="minor">
+            <a:schemeClr val="lt1"/>
+          </a:fontRef>
+        </p:style>
+        <p:txBody>
+          <a:bodyPr rtlCol="0" anchor="ctr"/>
+          <a:lstStyle/>
+          <a:p>
+            <a:r>
+              <a:rPr lang="ko-KR" altLang="en-US" sz="1200" dirty="0" smtClean="0">
+                <a:solidFill>
+                  <a:schemeClr val="tx1"/>
+                </a:solidFill>
+              </a:rPr>
+              <a:t>   제목               날짜                  문의 대상                     답변상태</a:t>
+            </a:r>
+            <a:endParaRPr lang="ko-KR" altLang="en-US" sz="1200" dirty="0">
+              <a:solidFill>
+                <a:schemeClr val="tx1"/>
+              </a:solidFill>
+            </a:endParaRPr>
+          </a:p>
+        </p:txBody>
+      </p:sp>
+      <p:sp>
+        <p:nvSpPr>
+          <p:cNvPr id="2" name="직사각형 1"/>
+          <p:cNvSpPr/>
+          <p:nvPr/>
+        </p:nvSpPr>
+        <p:spPr>
+          <a:xfrm>
+            <a:off x="1777573" y="3704673"/>
+            <a:ext cx="277906" cy="264440"/>
+          </a:xfrm>
+          <a:prstGeom prst="rect">
+            <a:avLst/>
+          </a:prstGeom>
+          <a:solidFill>
+            <a:srgbClr val="FF0000"/>
+          </a:solidFill>
+        </p:spPr>
+        <p:style>
+          <a:lnRef idx="2">
+            <a:schemeClr val="accent1">
+              <a:shade val="50000"/>
+            </a:schemeClr>
+          </a:lnRef>
+          <a:fillRef idx="1">
+            <a:schemeClr val="accent1"/>
+          </a:fillRef>
+          <a:effectRef idx="0">
+            <a:schemeClr val="accent1"/>
+          </a:effectRef>
+          <a:fontRef idx="minor">
+            <a:schemeClr val="lt1"/>
+          </a:fontRef>
+        </p:style>
+        <p:txBody>
+          <a:bodyPr rtlCol="0" anchor="ctr"/>
+          <a:lstStyle/>
+          <a:p>
+            <a:pPr algn="ctr"/>
+            <a:r>
+              <a:rPr lang="en-US" altLang="ko-KR" dirty="0"/>
+              <a:t>6</a:t>
+            </a:r>
+            <a:endParaRPr lang="ko-KR" altLang="en-US" dirty="0"/>
+          </a:p>
+        </p:txBody>
+      </p:sp>
+      <p:grpSp>
+        <p:nvGrpSpPr>
+          <p:cNvPr id="18" name="그룹 17"/>
+          <p:cNvGrpSpPr/>
+          <p:nvPr/>
+        </p:nvGrpSpPr>
+        <p:grpSpPr>
+          <a:xfrm>
+            <a:off x="6814166" y="1850069"/>
+            <a:ext cx="1196789" cy="367553"/>
+            <a:chOff x="5585012" y="2095495"/>
+            <a:chExt cx="1541929" cy="367553"/>
+          </a:xfrm>
+        </p:grpSpPr>
+        <p:sp>
+          <p:nvSpPr>
+            <p:cNvPr id="19" name="직사각형 18"/>
+            <p:cNvSpPr/>
+            <p:nvPr/>
+          </p:nvSpPr>
+          <p:spPr>
+            <a:xfrm>
+              <a:off x="5585012" y="2095495"/>
+              <a:ext cx="1541929" cy="367553"/>
+            </a:xfrm>
+            <a:prstGeom prst="rect">
+              <a:avLst/>
+            </a:prstGeom>
+            <a:noFill/>
+            <a:ln>
+              <a:solidFill>
+                <a:schemeClr val="tx1"/>
+              </a:solidFill>
+            </a:ln>
+          </p:spPr>
+          <p:style>
+            <a:lnRef idx="2">
+              <a:schemeClr val="accent1">
+                <a:shade val="50000"/>
+              </a:schemeClr>
+            </a:lnRef>
+            <a:fillRef idx="1">
+              <a:schemeClr val="accent1"/>
+            </a:fillRef>
+            <a:effectRef idx="0">
+              <a:schemeClr val="accent1"/>
+            </a:effectRef>
+            <a:fontRef idx="minor">
+              <a:schemeClr val="lt1"/>
+            </a:fontRef>
+          </p:style>
+          <p:txBody>
+            <a:bodyPr rtlCol="0" anchor="ctr"/>
+            <a:lstStyle/>
+            <a:p>
+              <a:r>
+                <a:rPr lang="ko-KR" altLang="en-US" sz="1400" dirty="0" smtClean="0">
+                  <a:solidFill>
+                    <a:schemeClr val="tx1"/>
+                  </a:solidFill>
+                </a:rPr>
+                <a:t>문의 한 것</a:t>
+              </a:r>
+              <a:endParaRPr lang="ko-KR" altLang="en-US" sz="1400" dirty="0">
+                <a:solidFill>
+                  <a:schemeClr val="tx1"/>
+                </a:solidFill>
+              </a:endParaRPr>
+            </a:p>
+          </p:txBody>
+        </p:sp>
+        <p:sp>
+          <p:nvSpPr>
+            <p:cNvPr id="20" name="이등변 삼각형 19"/>
+            <p:cNvSpPr/>
+            <p:nvPr/>
+          </p:nvSpPr>
+          <p:spPr>
+            <a:xfrm flipV="1">
+              <a:off x="6822140" y="2227711"/>
+              <a:ext cx="215154" cy="174816"/>
+            </a:xfrm>
+            <a:prstGeom prst="triangle">
+              <a:avLst/>
+            </a:prstGeom>
+            <a:solidFill>
+              <a:schemeClr val="tx1"/>
+            </a:solidFill>
+          </p:spPr>
+          <p:style>
+            <a:lnRef idx="2">
+              <a:schemeClr val="accent1">
+                <a:shade val="50000"/>
+              </a:schemeClr>
+            </a:lnRef>
+            <a:fillRef idx="1">
+              <a:schemeClr val="accent1"/>
+            </a:fillRef>
+            <a:effectRef idx="0">
+              <a:schemeClr val="accent1"/>
+            </a:effectRef>
+            <a:fontRef idx="minor">
+              <a:schemeClr val="lt1"/>
+            </a:fontRef>
+          </p:style>
+          <p:txBody>
+            <a:bodyPr rtlCol="0" anchor="ctr"/>
+            <a:lstStyle/>
+            <a:p>
+              <a:pPr algn="ctr"/>
+              <a:endParaRPr lang="ko-KR" altLang="en-US"/>
+            </a:p>
+          </p:txBody>
+        </p:sp>
+      </p:grpSp>
+      <p:sp>
+        <p:nvSpPr>
+          <p:cNvPr id="21" name="직사각형 20"/>
+          <p:cNvSpPr/>
+          <p:nvPr/>
+        </p:nvSpPr>
+        <p:spPr>
+          <a:xfrm>
+            <a:off x="6814164" y="2225463"/>
+            <a:ext cx="1196789" cy="544632"/>
+          </a:xfrm>
+          <a:prstGeom prst="rect">
+            <a:avLst/>
+          </a:prstGeom>
+          <a:noFill/>
+          <a:ln>
+            <a:solidFill>
+              <a:schemeClr val="tx1"/>
+            </a:solidFill>
+          </a:ln>
+        </p:spPr>
+        <p:style>
+          <a:lnRef idx="2">
+            <a:schemeClr val="accent1">
+              <a:shade val="50000"/>
+            </a:schemeClr>
+          </a:lnRef>
+          <a:fillRef idx="1">
+            <a:schemeClr val="accent1"/>
+          </a:fillRef>
+          <a:effectRef idx="0">
+            <a:schemeClr val="accent1"/>
+          </a:effectRef>
+          <a:fontRef idx="minor">
+            <a:schemeClr val="lt1"/>
+          </a:fontRef>
+        </p:style>
+        <p:txBody>
+          <a:bodyPr rtlCol="0" anchor="ctr"/>
+          <a:lstStyle/>
+          <a:p>
+            <a:r>
+              <a:rPr lang="ko-KR" altLang="en-US" sz="1400" dirty="0" smtClean="0">
+                <a:solidFill>
+                  <a:schemeClr val="tx1"/>
+                </a:solidFill>
+              </a:rPr>
+              <a:t>문의 한 것</a:t>
+            </a:r>
+            <a:endParaRPr lang="en-US" altLang="ko-KR" sz="1400" dirty="0" smtClean="0">
+              <a:solidFill>
+                <a:schemeClr val="tx1"/>
+              </a:solidFill>
+            </a:endParaRPr>
+          </a:p>
+          <a:p>
+            <a:r>
+              <a:rPr lang="ko-KR" altLang="en-US" sz="1400" dirty="0" smtClean="0">
+                <a:solidFill>
+                  <a:schemeClr val="tx1"/>
+                </a:solidFill>
+              </a:rPr>
+              <a:t>문의 받은 것</a:t>
+            </a:r>
+            <a:endParaRPr lang="ko-KR" altLang="en-US" sz="1400" dirty="0">
+              <a:solidFill>
+                <a:schemeClr val="tx1"/>
+              </a:solidFill>
+            </a:endParaRPr>
+          </a:p>
+        </p:txBody>
+      </p:sp>
+      <p:graphicFrame>
+        <p:nvGraphicFramePr>
+          <p:cNvPr id="23" name="표 22"/>
+          <p:cNvGraphicFramePr>
+            <a:graphicFrameLocks noGrp="1"/>
+          </p:cNvGraphicFramePr>
+          <p:nvPr>
+            <p:extLst>
+              <p:ext uri="{D42A27DB-BD31-4B8C-83A1-F6EECF244321}">
+                <p14:modId xmlns:p14="http://schemas.microsoft.com/office/powerpoint/2010/main" val="3430249785"/>
+              </p:ext>
+            </p:extLst>
+          </p:nvPr>
+        </p:nvGraphicFramePr>
+        <p:xfrm>
+          <a:off x="9020291" y="1731967"/>
+          <a:ext cx="2739907" cy="655340"/>
+        </p:xfrm>
+        <a:graphic>
+          <a:graphicData uri="http://schemas.openxmlformats.org/drawingml/2006/table">
+            <a:tbl>
+              <a:tblPr firstRow="1" bandRow="1">
+                <a:noFill/>
+              </a:tblPr>
+              <a:tblGrid>
+                <a:gridCol w="2739907"/>
+              </a:tblGrid>
+              <a:tr h="168164">
+                <a:tc>
+                  <a:txBody>
+                    <a:bodyPr/>
+                    <a:lstStyle/>
+                    <a:p>
+                      <a:pPr marL="0" marR="0" lvl="0" indent="0" algn="ctr" rtl="0">
+                        <a:lnSpc>
+                          <a:spcPct val="100000"/>
+                        </a:lnSpc>
+                        <a:spcBef>
+                          <a:spcPts val="0"/>
+                        </a:spcBef>
+                        <a:spcAft>
+                          <a:spcPts val="0"/>
+                        </a:spcAft>
+                        <a:buClr>
+                          <a:srgbClr val="000000"/>
+                        </a:buClr>
+                        <a:buSzPts val="1500"/>
+                        <a:buFont typeface="Arial"/>
+                        <a:buNone/>
+                      </a:pPr>
+                      <a:r>
+                        <a:rPr lang="ko-KR" altLang="en-US" sz="1500" b="0" u="none" strike="noStrike" cap="none" dirty="0" smtClean="0">
+                          <a:solidFill>
+                            <a:schemeClr val="dk1"/>
+                          </a:solidFill>
+                        </a:rPr>
+                        <a:t>화면코드</a:t>
+                      </a:r>
+                      <a:endParaRPr sz="1500" b="0" u="none" strike="noStrike" cap="none" dirty="0">
+                        <a:solidFill>
+                          <a:schemeClr val="dk1"/>
+                        </a:solidFill>
+                      </a:endParaRPr>
+                    </a:p>
+                  </a:txBody>
+                  <a:tcPr marL="74304" marR="74304" marT="45725" marB="45725" anchor="ctr">
+                    <a:lnL w="12700" cap="flat" cmpd="sng">
+                      <a:solidFill>
+                        <a:schemeClr val="dk1"/>
+                      </a:solidFill>
+                      <a:prstDash val="solid"/>
+                      <a:round/>
+                      <a:headEnd type="none" w="sm" len="sm"/>
+                      <a:tailEnd type="none" w="sm" len="sm"/>
+                    </a:lnL>
+                    <a:lnR w="12700" cap="flat" cmpd="sng">
+                      <a:solidFill>
+                        <a:schemeClr val="dk1"/>
+                      </a:solidFill>
+                      <a:prstDash val="solid"/>
+                      <a:round/>
+                      <a:headEnd type="none" w="sm" len="sm"/>
+                      <a:tailEnd type="none" w="sm" len="sm"/>
+                    </a:lnR>
+                    <a:lnT w="12700" cap="flat" cmpd="sng">
+                      <a:solidFill>
+                        <a:schemeClr val="dk1"/>
+                      </a:solidFill>
+                      <a:prstDash val="solid"/>
+                      <a:round/>
+                      <a:headEnd type="none" w="sm" len="sm"/>
+                      <a:tailEnd type="none" w="sm" len="sm"/>
+                    </a:lnT>
+                    <a:lnB w="12700" cap="flat" cmpd="sng" algn="ctr">
+                      <a:solidFill>
+                        <a:schemeClr val="dk1"/>
+                      </a:solidFill>
+                      <a:prstDash val="solid"/>
+                      <a:round/>
+                      <a:headEnd type="none" w="sm" len="sm"/>
+                      <a:tailEnd type="none" w="sm" len="sm"/>
+                    </a:lnB>
+                    <a:solidFill>
+                      <a:srgbClr val="D8D8D8"/>
+                    </a:solidFill>
+                  </a:tcPr>
+                </a:tc>
+              </a:tr>
+              <a:tr h="168164">
+                <a:tc>
+                  <a:txBody>
+                    <a:bodyPr/>
+                    <a:lstStyle/>
+                    <a:p>
+                      <a:pPr marL="0" marR="0" lvl="0" indent="0" algn="ctr" rtl="0">
+                        <a:lnSpc>
+                          <a:spcPct val="100000"/>
+                        </a:lnSpc>
+                        <a:spcBef>
+                          <a:spcPts val="0"/>
+                        </a:spcBef>
+                        <a:spcAft>
+                          <a:spcPts val="0"/>
+                        </a:spcAft>
+                        <a:buClr>
+                          <a:srgbClr val="000000"/>
+                        </a:buClr>
+                        <a:buSzPts val="1500"/>
+                        <a:buFont typeface="Arial"/>
+                        <a:buNone/>
+                      </a:pPr>
+                      <a:r>
+                        <a:rPr lang="en-US" altLang="ko-KR" sz="1600" b="0" u="none" strike="noStrike" cap="none" dirty="0" err="1" smtClean="0">
+                          <a:solidFill>
+                            <a:schemeClr val="dk1"/>
+                          </a:solidFill>
+                        </a:rPr>
+                        <a:t>hj_user_w_myPage_qna</a:t>
+                      </a:r>
+                      <a:endParaRPr lang="en-US" altLang="ko-KR" sz="1600" b="0" u="none" strike="noStrike" cap="none" dirty="0">
+                        <a:solidFill>
+                          <a:schemeClr val="dk1"/>
+                        </a:solidFill>
+                      </a:endParaRPr>
+                    </a:p>
+                  </a:txBody>
+                  <a:tcPr marL="74304" marR="74304" marT="45725" marB="45725" anchor="ctr">
+                    <a:lnL w="12700" cap="flat" cmpd="sng" algn="ctr">
+                      <a:solidFill>
+                        <a:schemeClr val="dk1"/>
+                      </a:solidFill>
+                      <a:prstDash val="solid"/>
+                      <a:round/>
+                      <a:headEnd type="none" w="sm" len="sm"/>
+                      <a:tailEnd type="none" w="sm" len="sm"/>
+                    </a:lnL>
+                    <a:lnR w="12700" cap="flat" cmpd="sng" algn="ctr">
+                      <a:solidFill>
+                        <a:schemeClr val="dk1"/>
+                      </a:solidFill>
+                      <a:prstDash val="solid"/>
+                      <a:round/>
+                      <a:headEnd type="none" w="sm" len="sm"/>
+                      <a:tailEnd type="none" w="sm" len="sm"/>
+                    </a:lnR>
+                    <a:lnT w="12700" cap="flat" cmpd="sng" algn="ctr">
+                      <a:solidFill>
+                        <a:schemeClr val="dk1"/>
+                      </a:solidFill>
+                      <a:prstDash val="solid"/>
+                      <a:round/>
+                      <a:headEnd type="none" w="sm" len="sm"/>
+                      <a:tailEnd type="none" w="sm" len="sm"/>
+                    </a:lnT>
+                    <a:lnB w="12700" cap="flat" cmpd="sng">
+                      <a:solidFill>
+                        <a:schemeClr val="dk1"/>
+                      </a:solidFill>
+                      <a:prstDash val="solid"/>
+                      <a:round/>
+                      <a:headEnd type="none" w="sm" len="sm"/>
+                      <a:tailEnd type="none" w="sm" len="sm"/>
+                    </a:lnB>
+                    <a:solidFill>
+                      <a:schemeClr val="bg1"/>
+                    </a:solidFill>
+                  </a:tcPr>
+                </a:tc>
+              </a:tr>
+            </a:tbl>
+          </a:graphicData>
+        </a:graphic>
+      </p:graphicFrame>
+      <p:sp>
+        <p:nvSpPr>
+          <p:cNvPr id="25" name="TextBox 24"/>
+          <p:cNvSpPr txBox="1"/>
+          <p:nvPr/>
+        </p:nvSpPr>
+        <p:spPr>
+          <a:xfrm>
+            <a:off x="470648" y="195307"/>
+            <a:ext cx="10796066" cy="477054"/>
+          </a:xfrm>
+          <a:prstGeom prst="rect">
+            <a:avLst/>
+          </a:prstGeom>
+          <a:noFill/>
+        </p:spPr>
+        <p:txBody>
+          <a:bodyPr wrap="square" rtlCol="0">
+            <a:spAutoFit/>
+          </a:bodyPr>
+          <a:lstStyle/>
+          <a:p>
+            <a:pPr lvl="0" algn="ctr">
+              <a:buClr>
+                <a:srgbClr val="000000"/>
+              </a:buClr>
+              <a:buSzPts val="1500"/>
+              <a:defRPr/>
+            </a:pPr>
+            <a:r>
+              <a:rPr lang="en-US" altLang="ko-KR" sz="2500" b="1" dirty="0" smtClean="0">
+                <a:solidFill>
+                  <a:schemeClr val="bg1"/>
+                </a:solidFill>
+                <a:latin typeface="+mj-lt"/>
+              </a:rPr>
+              <a:t>[</a:t>
+            </a:r>
+            <a:r>
+              <a:rPr lang="ko-KR" altLang="en-US" sz="2500" b="1" dirty="0" smtClean="0">
+                <a:solidFill>
+                  <a:schemeClr val="bg1"/>
+                </a:solidFill>
+                <a:latin typeface="+mj-lt"/>
+              </a:rPr>
+              <a:t>화면 설계</a:t>
+            </a:r>
+            <a:r>
+              <a:rPr lang="en-US" altLang="ko-KR" sz="2500" b="1" dirty="0" smtClean="0">
+                <a:solidFill>
+                  <a:schemeClr val="bg1"/>
+                </a:solidFill>
+                <a:latin typeface="+mj-lt"/>
+              </a:rPr>
+              <a:t>] </a:t>
+            </a:r>
+            <a:r>
+              <a:rPr lang="ko-KR" altLang="en-US" sz="2500" b="1" dirty="0" smtClean="0">
+                <a:solidFill>
+                  <a:schemeClr val="bg1"/>
+                </a:solidFill>
+                <a:latin typeface="+mj-lt"/>
+              </a:rPr>
+              <a:t>사용자 </a:t>
+            </a:r>
+            <a:r>
+              <a:rPr lang="en-US" altLang="ko-KR" sz="2500" b="1" dirty="0" smtClean="0">
+                <a:solidFill>
+                  <a:schemeClr val="bg1"/>
+                </a:solidFill>
+                <a:latin typeface="+mj-lt"/>
+              </a:rPr>
+              <a:t>– </a:t>
+            </a:r>
+            <a:r>
+              <a:rPr lang="ko-KR" altLang="en-US" sz="2500" b="1" dirty="0" smtClean="0">
+                <a:solidFill>
+                  <a:schemeClr val="bg1"/>
+                </a:solidFill>
+                <a:latin typeface="+mj-lt"/>
+              </a:rPr>
+              <a:t>웹</a:t>
+            </a:r>
+            <a:r>
+              <a:rPr lang="en-US" altLang="ko-KR" sz="2500" b="1" dirty="0" smtClean="0">
+                <a:solidFill>
+                  <a:schemeClr val="bg1"/>
+                </a:solidFill>
+                <a:latin typeface="+mj-lt"/>
+              </a:rPr>
+              <a:t> – </a:t>
+            </a:r>
+            <a:r>
+              <a:rPr lang="ko-KR" altLang="en-US" sz="2500" b="1" dirty="0" err="1" smtClean="0">
+                <a:solidFill>
+                  <a:schemeClr val="bg1"/>
+                </a:solidFill>
+                <a:latin typeface="+mj-lt"/>
+              </a:rPr>
+              <a:t>마이페이지</a:t>
+            </a:r>
+            <a:r>
+              <a:rPr lang="ko-KR" altLang="en-US" sz="2500" b="1" dirty="0" smtClean="0">
+                <a:solidFill>
+                  <a:schemeClr val="bg1"/>
+                </a:solidFill>
+                <a:latin typeface="+mj-lt"/>
+              </a:rPr>
+              <a:t> </a:t>
+            </a:r>
+            <a:r>
+              <a:rPr lang="en-US" altLang="ko-KR" sz="2500" b="1" dirty="0" smtClean="0">
+                <a:solidFill>
+                  <a:schemeClr val="bg1"/>
+                </a:solidFill>
+                <a:latin typeface="+mj-lt"/>
+              </a:rPr>
+              <a:t>– </a:t>
+            </a:r>
+            <a:r>
+              <a:rPr lang="ko-KR" altLang="en-US" sz="2500" b="1" dirty="0" smtClean="0">
+                <a:solidFill>
+                  <a:schemeClr val="bg1"/>
+                </a:solidFill>
+                <a:latin typeface="+mj-lt"/>
+              </a:rPr>
+              <a:t>문의사항 관리</a:t>
+            </a:r>
+            <a:r>
+              <a:rPr lang="en-US" altLang="ko-KR" sz="2500" b="1" dirty="0" smtClean="0">
+                <a:solidFill>
+                  <a:schemeClr val="bg1"/>
+                </a:solidFill>
+                <a:latin typeface="+mj-lt"/>
+              </a:rPr>
+              <a:t>(</a:t>
+            </a:r>
+            <a:r>
+              <a:rPr lang="ko-KR" altLang="en-US" sz="2500" b="1" dirty="0">
+                <a:solidFill>
+                  <a:schemeClr val="bg1"/>
+                </a:solidFill>
+                <a:latin typeface="+mj-lt"/>
+              </a:rPr>
+              <a:t>한</a:t>
+            </a:r>
+            <a:r>
+              <a:rPr lang="ko-KR" altLang="en-US" sz="2500" b="1" dirty="0" smtClean="0">
+                <a:solidFill>
+                  <a:schemeClr val="bg1"/>
+                </a:solidFill>
+                <a:latin typeface="+mj-lt"/>
+              </a:rPr>
+              <a:t> 것</a:t>
+            </a:r>
+            <a:r>
+              <a:rPr lang="en-US" altLang="ko-KR" sz="2500" b="1" dirty="0" smtClean="0">
+                <a:solidFill>
+                  <a:schemeClr val="bg1"/>
+                </a:solidFill>
+                <a:latin typeface="+mj-lt"/>
+              </a:rPr>
+              <a:t>)</a:t>
+            </a:r>
+            <a:endParaRPr lang="ko-KR" altLang="en-US" sz="2500" b="1" dirty="0">
+              <a:solidFill>
+                <a:schemeClr val="bg1"/>
+              </a:solidFill>
+              <a:latin typeface="+mj-lt"/>
+            </a:endParaRPr>
+          </a:p>
+        </p:txBody>
+      </p:sp>
+    </p:spTree>
+    <p:extLst>
+      <p:ext uri="{BB962C8B-B14F-4D97-AF65-F5344CB8AC3E}">
+        <p14:creationId xmlns:p14="http://schemas.microsoft.com/office/powerpoint/2010/main" val="1824044237"/>
+      </p:ext>
+    </p:extLst>
+  </p:cSld>
+  <p:clrMapOvr>
+    <a:masterClrMapping/>
+  </p:clrMapOvr>
+  <p:timing>
+    <p:tnLst>
+      <p:par>
+        <p:cTn id="1" dur="indefinite" restart="never" nodeType="tmRoot"/>
+      </p:par>
+    </p:tnLst>
+  </p:timing>
+</p:sld>
+</file>
+
+<file path=ppt/slides/slide18.xml><?xml version="1.0" encoding="utf-8"?>
+<p:sld xmlns:a="http://schemas.openxmlformats.org/drawingml/2006/main" xmlns:r="http://schemas.openxmlformats.org/officeDocument/2006/relationships" xmlns:p="http://schemas.openxmlformats.org/presentationml/2006/main">
+  <p:cSld>
+    <p:spTree>
+      <p:nvGrpSpPr>
+        <p:cNvPr id="1" name="Shape 90"/>
+        <p:cNvGrpSpPr/>
+        <p:nvPr/>
+      </p:nvGrpSpPr>
+      <p:grpSpPr>
+        <a:xfrm>
+          <a:off x="0" y="0"/>
+          <a:ext cx="0" cy="0"/>
+          <a:chOff x="0" y="0"/>
+          <a:chExt cx="0" cy="0"/>
+        </a:xfrm>
+      </p:grpSpPr>
+      <p:sp>
+        <p:nvSpPr>
+          <p:cNvPr id="4" name="직사각형 3"/>
+          <p:cNvSpPr/>
+          <p:nvPr/>
+        </p:nvSpPr>
+        <p:spPr>
+          <a:xfrm>
+            <a:off x="914400" y="1353670"/>
+            <a:ext cx="7234517" cy="4966447"/>
+          </a:xfrm>
+          <a:prstGeom prst="rect">
+            <a:avLst/>
+          </a:prstGeom>
+          <a:noFill/>
+          <a:ln>
+            <a:solidFill>
+              <a:schemeClr val="tx1"/>
+            </a:solidFill>
+          </a:ln>
+        </p:spPr>
+        <p:style>
+          <a:lnRef idx="2">
+            <a:schemeClr val="accent1">
+              <a:shade val="50000"/>
+            </a:schemeClr>
+          </a:lnRef>
+          <a:fillRef idx="1">
+            <a:schemeClr val="accent1"/>
+          </a:fillRef>
+          <a:effectRef idx="0">
+            <a:schemeClr val="accent1"/>
+          </a:effectRef>
+          <a:fontRef idx="minor">
+            <a:schemeClr val="lt1"/>
+          </a:fontRef>
+        </p:style>
+        <p:txBody>
+          <a:bodyPr rtlCol="0" anchor="ctr"/>
+          <a:lstStyle/>
+          <a:p>
+            <a:pPr algn="ctr"/>
+            <a:endParaRPr lang="ko-KR" altLang="en-US"/>
+          </a:p>
+        </p:txBody>
+      </p:sp>
+      <p:sp>
+        <p:nvSpPr>
+          <p:cNvPr id="5" name="TextBox 4"/>
+          <p:cNvSpPr txBox="1"/>
+          <p:nvPr/>
+        </p:nvSpPr>
+        <p:spPr>
+          <a:xfrm>
+            <a:off x="3339352" y="1547301"/>
+            <a:ext cx="2384612" cy="369332"/>
+          </a:xfrm>
+          <a:prstGeom prst="rect">
+            <a:avLst/>
+          </a:prstGeom>
+          <a:noFill/>
+        </p:spPr>
+        <p:txBody>
+          <a:bodyPr wrap="square" rtlCol="0">
+            <a:spAutoFit/>
+          </a:bodyPr>
+          <a:lstStyle/>
+          <a:p>
+            <a:pPr algn="ctr"/>
+            <a:r>
+              <a:rPr lang="ko-KR" altLang="en-US" dirty="0" smtClean="0"/>
+              <a:t>문의사항 관리</a:t>
+            </a:r>
+            <a:endParaRPr lang="ko-KR" altLang="en-US" dirty="0"/>
+          </a:p>
+        </p:txBody>
+      </p:sp>
+      <p:grpSp>
+        <p:nvGrpSpPr>
+          <p:cNvPr id="13" name="그룹 12"/>
+          <p:cNvGrpSpPr/>
+          <p:nvPr/>
+        </p:nvGrpSpPr>
+        <p:grpSpPr>
+          <a:xfrm>
+            <a:off x="5272238" y="1836640"/>
+            <a:ext cx="1541929" cy="367553"/>
+            <a:chOff x="5585012" y="2095495"/>
+            <a:chExt cx="1541929" cy="367553"/>
+          </a:xfrm>
+        </p:grpSpPr>
+        <p:sp>
+          <p:nvSpPr>
+            <p:cNvPr id="9" name="직사각형 8"/>
+            <p:cNvSpPr/>
+            <p:nvPr/>
+          </p:nvSpPr>
+          <p:spPr>
+            <a:xfrm>
+              <a:off x="5585012" y="2095495"/>
+              <a:ext cx="1541929" cy="367553"/>
+            </a:xfrm>
+            <a:prstGeom prst="rect">
+              <a:avLst/>
+            </a:prstGeom>
+            <a:noFill/>
+            <a:ln>
+              <a:solidFill>
+                <a:schemeClr val="tx1"/>
+              </a:solidFill>
+            </a:ln>
+          </p:spPr>
+          <p:style>
+            <a:lnRef idx="2">
+              <a:schemeClr val="accent1">
+                <a:shade val="50000"/>
+              </a:schemeClr>
+            </a:lnRef>
+            <a:fillRef idx="1">
+              <a:schemeClr val="accent1"/>
+            </a:fillRef>
+            <a:effectRef idx="0">
+              <a:schemeClr val="accent1"/>
+            </a:effectRef>
+            <a:fontRef idx="minor">
+              <a:schemeClr val="lt1"/>
+            </a:fontRef>
+          </p:style>
+          <p:txBody>
+            <a:bodyPr rtlCol="0" anchor="ctr"/>
+            <a:lstStyle/>
+            <a:p>
+              <a:r>
+                <a:rPr lang="ko-KR" altLang="en-US" sz="1400" dirty="0" err="1" smtClean="0">
+                  <a:solidFill>
+                    <a:schemeClr val="tx1"/>
+                  </a:solidFill>
+                </a:rPr>
+                <a:t>세미나</a:t>
+              </a:r>
+              <a:r>
+                <a:rPr lang="ko-KR" altLang="en-US" sz="1400" dirty="0" err="1">
+                  <a:solidFill>
+                    <a:schemeClr val="tx1"/>
+                  </a:solidFill>
+                </a:rPr>
+                <a:t>존</a:t>
+              </a:r>
+              <a:endParaRPr lang="ko-KR" altLang="en-US" sz="1400" dirty="0">
+                <a:solidFill>
+                  <a:schemeClr val="tx1"/>
+                </a:solidFill>
+              </a:endParaRPr>
+            </a:p>
+          </p:txBody>
+        </p:sp>
+        <p:sp>
+          <p:nvSpPr>
+            <p:cNvPr id="12" name="이등변 삼각형 11"/>
+            <p:cNvSpPr/>
+            <p:nvPr/>
+          </p:nvSpPr>
+          <p:spPr>
+            <a:xfrm flipV="1">
+              <a:off x="6822140" y="2227711"/>
+              <a:ext cx="215154" cy="174816"/>
+            </a:xfrm>
+            <a:prstGeom prst="triangle">
+              <a:avLst/>
+            </a:prstGeom>
+            <a:solidFill>
+              <a:schemeClr val="tx1"/>
+            </a:solidFill>
+          </p:spPr>
+          <p:style>
+            <a:lnRef idx="2">
+              <a:schemeClr val="accent1">
+                <a:shade val="50000"/>
+              </a:schemeClr>
+            </a:lnRef>
+            <a:fillRef idx="1">
+              <a:schemeClr val="accent1"/>
+            </a:fillRef>
+            <a:effectRef idx="0">
+              <a:schemeClr val="accent1"/>
+            </a:effectRef>
+            <a:fontRef idx="minor">
+              <a:schemeClr val="lt1"/>
+            </a:fontRef>
+          </p:style>
+          <p:txBody>
+            <a:bodyPr rtlCol="0" anchor="ctr"/>
+            <a:lstStyle/>
+            <a:p>
+              <a:pPr algn="ctr"/>
+              <a:endParaRPr lang="ko-KR" altLang="en-US"/>
+            </a:p>
+          </p:txBody>
+        </p:sp>
+      </p:grpSp>
+      <p:sp>
+        <p:nvSpPr>
+          <p:cNvPr id="14" name="직사각형 13"/>
+          <p:cNvSpPr/>
+          <p:nvPr/>
+        </p:nvSpPr>
+        <p:spPr>
+          <a:xfrm>
+            <a:off x="5272238" y="2198586"/>
+            <a:ext cx="1541928" cy="952504"/>
+          </a:xfrm>
+          <a:prstGeom prst="rect">
+            <a:avLst/>
+          </a:prstGeom>
+          <a:noFill/>
+          <a:ln>
+            <a:solidFill>
+              <a:schemeClr val="tx1"/>
+            </a:solidFill>
+          </a:ln>
+        </p:spPr>
+        <p:style>
+          <a:lnRef idx="2">
+            <a:schemeClr val="accent1">
+              <a:shade val="50000"/>
+            </a:schemeClr>
+          </a:lnRef>
+          <a:fillRef idx="1">
+            <a:schemeClr val="accent1"/>
+          </a:fillRef>
+          <a:effectRef idx="0">
+            <a:schemeClr val="accent1"/>
+          </a:effectRef>
+          <a:fontRef idx="minor">
+            <a:schemeClr val="lt1"/>
+          </a:fontRef>
+        </p:style>
+        <p:txBody>
+          <a:bodyPr rtlCol="0" anchor="ctr"/>
+          <a:lstStyle/>
+          <a:p>
+            <a:r>
+              <a:rPr lang="en-US" altLang="ko-KR" sz="1400" dirty="0" err="1" smtClean="0">
+                <a:solidFill>
+                  <a:schemeClr val="tx1"/>
+                </a:solidFill>
+              </a:rPr>
+              <a:t>QnA</a:t>
+            </a:r>
+            <a:endParaRPr lang="en-US" altLang="ko-KR" sz="1400" dirty="0" smtClean="0">
+              <a:solidFill>
+                <a:schemeClr val="tx1"/>
+              </a:solidFill>
+            </a:endParaRPr>
+          </a:p>
+          <a:p>
+            <a:r>
+              <a:rPr lang="ko-KR" altLang="en-US" sz="1400" dirty="0" err="1" smtClean="0">
+                <a:solidFill>
+                  <a:schemeClr val="tx1"/>
+                </a:solidFill>
+              </a:rPr>
+              <a:t>세미나존</a:t>
+            </a:r>
+            <a:endParaRPr lang="en-US" altLang="ko-KR" sz="1400" dirty="0" smtClean="0">
+              <a:solidFill>
+                <a:schemeClr val="tx1"/>
+              </a:solidFill>
+            </a:endParaRPr>
+          </a:p>
+          <a:p>
+            <a:r>
+              <a:rPr lang="ko-KR" altLang="en-US" sz="1400" dirty="0" smtClean="0">
+                <a:solidFill>
+                  <a:schemeClr val="tx1"/>
+                </a:solidFill>
+              </a:rPr>
+              <a:t>세미나</a:t>
+            </a:r>
+            <a:endParaRPr lang="en-US" altLang="ko-KR" sz="1400" dirty="0" smtClean="0">
+              <a:solidFill>
+                <a:schemeClr val="tx1"/>
+              </a:solidFill>
+            </a:endParaRPr>
+          </a:p>
+          <a:p>
+            <a:r>
+              <a:rPr lang="ko-KR" altLang="en-US" sz="1400" dirty="0" err="1" smtClean="0">
+                <a:solidFill>
+                  <a:schemeClr val="tx1"/>
+                </a:solidFill>
+              </a:rPr>
+              <a:t>밋업</a:t>
+            </a:r>
+            <a:endParaRPr lang="ko-KR" altLang="en-US" sz="1400" dirty="0">
+              <a:solidFill>
+                <a:schemeClr val="tx1"/>
+              </a:solidFill>
+            </a:endParaRPr>
+          </a:p>
+        </p:txBody>
+      </p:sp>
+      <p:sp>
+        <p:nvSpPr>
+          <p:cNvPr id="15" name="직사각형 14"/>
+          <p:cNvSpPr/>
+          <p:nvPr/>
+        </p:nvSpPr>
+        <p:spPr>
+          <a:xfrm>
+            <a:off x="1649503" y="3164533"/>
+            <a:ext cx="5495365" cy="3101789"/>
+          </a:xfrm>
+          <a:prstGeom prst="rect">
+            <a:avLst/>
+          </a:prstGeom>
+          <a:noFill/>
+          <a:ln>
+            <a:solidFill>
+              <a:schemeClr val="tx1"/>
+            </a:solidFill>
+          </a:ln>
+        </p:spPr>
+        <p:style>
+          <a:lnRef idx="2">
+            <a:schemeClr val="accent1">
+              <a:shade val="50000"/>
+            </a:schemeClr>
+          </a:lnRef>
+          <a:fillRef idx="1">
+            <a:schemeClr val="accent1"/>
+          </a:fillRef>
+          <a:effectRef idx="0">
+            <a:schemeClr val="accent1"/>
+          </a:effectRef>
+          <a:fontRef idx="minor">
+            <a:schemeClr val="lt1"/>
+          </a:fontRef>
+        </p:style>
+        <p:txBody>
+          <a:bodyPr rtlCol="0" anchor="ctr"/>
+          <a:lstStyle/>
+          <a:p>
+            <a:pPr algn="ctr"/>
+            <a:endParaRPr lang="ko-KR" altLang="en-US"/>
+          </a:p>
+        </p:txBody>
+      </p:sp>
+      <p:sp>
+        <p:nvSpPr>
+          <p:cNvPr id="16" name="직사각형 15"/>
+          <p:cNvSpPr/>
+          <p:nvPr/>
+        </p:nvSpPr>
+        <p:spPr>
+          <a:xfrm>
+            <a:off x="1658473" y="3164533"/>
+            <a:ext cx="5495365" cy="430306"/>
+          </a:xfrm>
+          <a:prstGeom prst="rect">
+            <a:avLst/>
+          </a:prstGeom>
+          <a:noFill/>
+          <a:ln>
+            <a:solidFill>
+              <a:schemeClr val="tx1"/>
+            </a:solidFill>
+          </a:ln>
+        </p:spPr>
+        <p:style>
+          <a:lnRef idx="2">
+            <a:schemeClr val="accent1">
+              <a:shade val="50000"/>
+            </a:schemeClr>
+          </a:lnRef>
+          <a:fillRef idx="1">
+            <a:schemeClr val="accent1"/>
+          </a:fillRef>
+          <a:effectRef idx="0">
+            <a:schemeClr val="accent1"/>
+          </a:effectRef>
+          <a:fontRef idx="minor">
+            <a:schemeClr val="lt1"/>
+          </a:fontRef>
+        </p:style>
+        <p:txBody>
+          <a:bodyPr rtlCol="0" anchor="ctr"/>
+          <a:lstStyle/>
+          <a:p>
+            <a:r>
+              <a:rPr lang="ko-KR" altLang="en-US" sz="1200" dirty="0" smtClean="0">
+                <a:solidFill>
+                  <a:schemeClr val="tx1"/>
+                </a:solidFill>
+              </a:rPr>
+              <a:t>   제목               날짜                  문의 대상                     답변상태</a:t>
+            </a:r>
+            <a:endParaRPr lang="ko-KR" altLang="en-US" sz="1200" dirty="0">
+              <a:solidFill>
+                <a:schemeClr val="tx1"/>
+              </a:solidFill>
+            </a:endParaRPr>
+          </a:p>
+        </p:txBody>
+      </p:sp>
+      <p:grpSp>
+        <p:nvGrpSpPr>
+          <p:cNvPr id="18" name="그룹 17"/>
+          <p:cNvGrpSpPr/>
+          <p:nvPr/>
+        </p:nvGrpSpPr>
+        <p:grpSpPr>
+          <a:xfrm>
+            <a:off x="6814166" y="1850069"/>
+            <a:ext cx="1196789" cy="367553"/>
+            <a:chOff x="5585012" y="2095495"/>
+            <a:chExt cx="1541929" cy="367553"/>
+          </a:xfrm>
+        </p:grpSpPr>
+        <p:sp>
+          <p:nvSpPr>
+            <p:cNvPr id="19" name="직사각형 18"/>
+            <p:cNvSpPr/>
+            <p:nvPr/>
+          </p:nvSpPr>
+          <p:spPr>
+            <a:xfrm>
+              <a:off x="5585012" y="2095495"/>
+              <a:ext cx="1541929" cy="367553"/>
+            </a:xfrm>
+            <a:prstGeom prst="rect">
+              <a:avLst/>
+            </a:prstGeom>
+            <a:noFill/>
+            <a:ln>
+              <a:solidFill>
+                <a:schemeClr val="tx1"/>
+              </a:solidFill>
+            </a:ln>
+          </p:spPr>
+          <p:style>
+            <a:lnRef idx="2">
+              <a:schemeClr val="accent1">
+                <a:shade val="50000"/>
+              </a:schemeClr>
+            </a:lnRef>
+            <a:fillRef idx="1">
+              <a:schemeClr val="accent1"/>
+            </a:fillRef>
+            <a:effectRef idx="0">
+              <a:schemeClr val="accent1"/>
+            </a:effectRef>
+            <a:fontRef idx="minor">
+              <a:schemeClr val="lt1"/>
+            </a:fontRef>
+          </p:style>
+          <p:txBody>
+            <a:bodyPr rtlCol="0" anchor="ctr"/>
+            <a:lstStyle/>
+            <a:p>
+              <a:r>
+                <a:rPr lang="ko-KR" altLang="en-US" sz="1400" dirty="0" smtClean="0">
+                  <a:solidFill>
+                    <a:schemeClr val="tx1"/>
+                  </a:solidFill>
+                </a:rPr>
+                <a:t>문의 한 것</a:t>
+              </a:r>
+              <a:endParaRPr lang="ko-KR" altLang="en-US" sz="1400" dirty="0">
+                <a:solidFill>
+                  <a:schemeClr val="tx1"/>
+                </a:solidFill>
+              </a:endParaRPr>
+            </a:p>
+          </p:txBody>
+        </p:sp>
+        <p:sp>
+          <p:nvSpPr>
+            <p:cNvPr id="20" name="이등변 삼각형 19"/>
+            <p:cNvSpPr/>
+            <p:nvPr/>
+          </p:nvSpPr>
+          <p:spPr>
+            <a:xfrm flipV="1">
+              <a:off x="6822140" y="2227711"/>
+              <a:ext cx="215154" cy="174816"/>
+            </a:xfrm>
+            <a:prstGeom prst="triangle">
+              <a:avLst/>
+            </a:prstGeom>
+            <a:solidFill>
+              <a:schemeClr val="tx1"/>
+            </a:solidFill>
+          </p:spPr>
+          <p:style>
+            <a:lnRef idx="2">
+              <a:schemeClr val="accent1">
+                <a:shade val="50000"/>
+              </a:schemeClr>
+            </a:lnRef>
+            <a:fillRef idx="1">
+              <a:schemeClr val="accent1"/>
+            </a:fillRef>
+            <a:effectRef idx="0">
+              <a:schemeClr val="accent1"/>
+            </a:effectRef>
+            <a:fontRef idx="minor">
+              <a:schemeClr val="lt1"/>
+            </a:fontRef>
+          </p:style>
+          <p:txBody>
+            <a:bodyPr rtlCol="0" anchor="ctr"/>
+            <a:lstStyle/>
+            <a:p>
+              <a:pPr algn="ctr"/>
+              <a:endParaRPr lang="ko-KR" altLang="en-US"/>
+            </a:p>
+          </p:txBody>
+        </p:sp>
+      </p:grpSp>
+      <p:sp>
+        <p:nvSpPr>
+          <p:cNvPr id="21" name="직사각형 20"/>
+          <p:cNvSpPr/>
+          <p:nvPr/>
+        </p:nvSpPr>
+        <p:spPr>
+          <a:xfrm>
+            <a:off x="6814164" y="2225462"/>
+            <a:ext cx="1196789" cy="549767"/>
+          </a:xfrm>
+          <a:prstGeom prst="rect">
+            <a:avLst/>
+          </a:prstGeom>
+          <a:noFill/>
+          <a:ln>
+            <a:solidFill>
+              <a:schemeClr val="tx1"/>
+            </a:solidFill>
+          </a:ln>
+        </p:spPr>
+        <p:style>
+          <a:lnRef idx="2">
+            <a:schemeClr val="accent1">
+              <a:shade val="50000"/>
+            </a:schemeClr>
+          </a:lnRef>
+          <a:fillRef idx="1">
+            <a:schemeClr val="accent1"/>
+          </a:fillRef>
+          <a:effectRef idx="0">
+            <a:schemeClr val="accent1"/>
+          </a:effectRef>
+          <a:fontRef idx="minor">
+            <a:schemeClr val="lt1"/>
+          </a:fontRef>
+        </p:style>
+        <p:txBody>
+          <a:bodyPr rtlCol="0" anchor="ctr"/>
+          <a:lstStyle/>
+          <a:p>
+            <a:r>
+              <a:rPr lang="ko-KR" altLang="en-US" sz="1400" dirty="0" smtClean="0">
+                <a:solidFill>
+                  <a:schemeClr val="tx1"/>
+                </a:solidFill>
+              </a:rPr>
+              <a:t>문의 한 것</a:t>
+            </a:r>
+            <a:endParaRPr lang="en-US" altLang="ko-KR" sz="1400" dirty="0" smtClean="0">
+              <a:solidFill>
+                <a:schemeClr val="tx1"/>
+              </a:solidFill>
+            </a:endParaRPr>
+          </a:p>
+          <a:p>
+            <a:r>
+              <a:rPr lang="ko-KR" altLang="en-US" sz="1400" dirty="0" smtClean="0">
+                <a:solidFill>
+                  <a:schemeClr val="tx1"/>
+                </a:solidFill>
+              </a:rPr>
+              <a:t>문의 받은 것</a:t>
+            </a:r>
+            <a:endParaRPr lang="ko-KR" altLang="en-US" sz="1400" dirty="0">
+              <a:solidFill>
+                <a:schemeClr val="tx1"/>
+              </a:solidFill>
+            </a:endParaRPr>
+          </a:p>
+        </p:txBody>
+      </p:sp>
+      <p:sp>
+        <p:nvSpPr>
+          <p:cNvPr id="22" name="직사각형 21"/>
+          <p:cNvSpPr/>
+          <p:nvPr/>
+        </p:nvSpPr>
+        <p:spPr>
+          <a:xfrm>
+            <a:off x="1680882" y="1818037"/>
+            <a:ext cx="5356412" cy="4037711"/>
+          </a:xfrm>
+          <a:prstGeom prst="rect">
+            <a:avLst/>
+          </a:prstGeom>
+          <a:solidFill>
+            <a:schemeClr val="bg2"/>
+          </a:solidFill>
+          <a:ln>
+            <a:solidFill>
+              <a:schemeClr val="tx1"/>
+            </a:solidFill>
+          </a:ln>
+        </p:spPr>
+        <p:style>
+          <a:lnRef idx="2">
+            <a:schemeClr val="accent1">
+              <a:shade val="50000"/>
+            </a:schemeClr>
+          </a:lnRef>
+          <a:fillRef idx="1">
+            <a:schemeClr val="accent1"/>
+          </a:fillRef>
+          <a:effectRef idx="0">
+            <a:schemeClr val="accent1"/>
+          </a:effectRef>
+          <a:fontRef idx="minor">
+            <a:schemeClr val="lt1"/>
+          </a:fontRef>
+        </p:style>
+        <p:txBody>
+          <a:bodyPr rtlCol="0" anchor="ctr"/>
+          <a:lstStyle/>
+          <a:p>
+            <a:pPr algn="ctr"/>
+            <a:endParaRPr lang="ko-KR" altLang="en-US" dirty="0"/>
+          </a:p>
+        </p:txBody>
+      </p:sp>
+      <p:sp>
+        <p:nvSpPr>
+          <p:cNvPr id="23" name="TextBox 22"/>
+          <p:cNvSpPr txBox="1"/>
+          <p:nvPr/>
+        </p:nvSpPr>
+        <p:spPr>
+          <a:xfrm>
+            <a:off x="1828800" y="2095495"/>
+            <a:ext cx="2530288" cy="276999"/>
+          </a:xfrm>
+          <a:prstGeom prst="rect">
+            <a:avLst/>
+          </a:prstGeom>
+          <a:noFill/>
+        </p:spPr>
+        <p:txBody>
+          <a:bodyPr wrap="square" rtlCol="0">
+            <a:spAutoFit/>
+          </a:bodyPr>
+          <a:lstStyle/>
+          <a:p>
+            <a:r>
+              <a:rPr lang="ko-KR" altLang="en-US" sz="1200" dirty="0" smtClean="0"/>
+              <a:t>제</a:t>
+            </a:r>
+            <a:r>
+              <a:rPr lang="ko-KR" altLang="en-US" sz="1200" dirty="0"/>
+              <a:t>목</a:t>
+            </a:r>
+            <a:r>
+              <a:rPr lang="ko-KR" altLang="en-US" sz="1200" dirty="0" smtClean="0"/>
+              <a:t> </a:t>
+            </a:r>
+            <a:r>
+              <a:rPr lang="en-US" altLang="ko-KR" sz="1200" dirty="0" smtClean="0"/>
+              <a:t>:  ----------</a:t>
+            </a:r>
+            <a:endParaRPr lang="ko-KR" altLang="en-US" sz="1200" dirty="0"/>
+          </a:p>
+        </p:txBody>
+      </p:sp>
+      <p:sp>
+        <p:nvSpPr>
+          <p:cNvPr id="25" name="TextBox 24"/>
+          <p:cNvSpPr txBox="1"/>
+          <p:nvPr/>
+        </p:nvSpPr>
+        <p:spPr>
+          <a:xfrm>
+            <a:off x="1875867" y="2836187"/>
+            <a:ext cx="2530288" cy="276999"/>
+          </a:xfrm>
+          <a:prstGeom prst="rect">
+            <a:avLst/>
+          </a:prstGeom>
+          <a:noFill/>
+        </p:spPr>
+        <p:txBody>
+          <a:bodyPr wrap="square" rtlCol="0">
+            <a:spAutoFit/>
+          </a:bodyPr>
+          <a:lstStyle/>
+          <a:p>
+            <a:r>
+              <a:rPr lang="ko-KR" altLang="en-US" sz="1200" dirty="0" smtClean="0"/>
+              <a:t>시</a:t>
+            </a:r>
+            <a:r>
+              <a:rPr lang="ko-KR" altLang="en-US" sz="1200" dirty="0"/>
+              <a:t>간</a:t>
+            </a:r>
+            <a:r>
+              <a:rPr lang="ko-KR" altLang="en-US" sz="1200" dirty="0" smtClean="0"/>
+              <a:t> </a:t>
+            </a:r>
+            <a:r>
+              <a:rPr lang="en-US" altLang="ko-KR" sz="1200" dirty="0" smtClean="0"/>
+              <a:t>:  ----------</a:t>
+            </a:r>
+            <a:endParaRPr lang="ko-KR" altLang="en-US" sz="1200" dirty="0"/>
+          </a:p>
+        </p:txBody>
+      </p:sp>
+      <p:sp>
+        <p:nvSpPr>
+          <p:cNvPr id="26" name="TextBox 25"/>
+          <p:cNvSpPr txBox="1"/>
+          <p:nvPr/>
+        </p:nvSpPr>
+        <p:spPr>
+          <a:xfrm>
+            <a:off x="1866897" y="2498230"/>
+            <a:ext cx="2530288" cy="276999"/>
+          </a:xfrm>
+          <a:prstGeom prst="rect">
+            <a:avLst/>
+          </a:prstGeom>
+          <a:noFill/>
+        </p:spPr>
+        <p:txBody>
+          <a:bodyPr wrap="square" rtlCol="0">
+            <a:spAutoFit/>
+          </a:bodyPr>
+          <a:lstStyle/>
+          <a:p>
+            <a:r>
+              <a:rPr lang="ko-KR" altLang="en-US" sz="1200" dirty="0" smtClean="0"/>
+              <a:t>날</a:t>
+            </a:r>
+            <a:r>
+              <a:rPr lang="ko-KR" altLang="en-US" sz="1200" dirty="0"/>
+              <a:t>짜</a:t>
+            </a:r>
+            <a:r>
+              <a:rPr lang="ko-KR" altLang="en-US" sz="1200" dirty="0" smtClean="0"/>
+              <a:t> </a:t>
+            </a:r>
+            <a:r>
+              <a:rPr lang="en-US" altLang="ko-KR" sz="1200" dirty="0" smtClean="0"/>
+              <a:t>:  ----------</a:t>
+            </a:r>
+            <a:endParaRPr lang="ko-KR" altLang="en-US" sz="1200" dirty="0"/>
+          </a:p>
+        </p:txBody>
+      </p:sp>
+      <p:sp>
+        <p:nvSpPr>
+          <p:cNvPr id="28" name="TextBox 27"/>
+          <p:cNvSpPr txBox="1"/>
+          <p:nvPr/>
+        </p:nvSpPr>
+        <p:spPr>
+          <a:xfrm>
+            <a:off x="1828800" y="4164557"/>
+            <a:ext cx="2530288" cy="276999"/>
+          </a:xfrm>
+          <a:prstGeom prst="rect">
+            <a:avLst/>
+          </a:prstGeom>
+          <a:noFill/>
+        </p:spPr>
+        <p:txBody>
+          <a:bodyPr wrap="square" rtlCol="0">
+            <a:spAutoFit/>
+          </a:bodyPr>
+          <a:lstStyle/>
+          <a:p>
+            <a:r>
+              <a:rPr lang="ko-KR" altLang="en-US" sz="1200" dirty="0" smtClean="0"/>
+              <a:t>답변내</a:t>
+            </a:r>
+            <a:r>
+              <a:rPr lang="ko-KR" altLang="en-US" sz="1200" dirty="0"/>
+              <a:t>용</a:t>
+            </a:r>
+            <a:r>
+              <a:rPr lang="ko-KR" altLang="en-US" sz="1200" dirty="0" smtClean="0"/>
+              <a:t> </a:t>
+            </a:r>
+            <a:r>
+              <a:rPr lang="en-US" altLang="ko-KR" sz="1200" dirty="0" smtClean="0"/>
+              <a:t>:  ----------</a:t>
+            </a:r>
+            <a:endParaRPr lang="ko-KR" altLang="en-US" sz="1200" dirty="0"/>
+          </a:p>
+        </p:txBody>
+      </p:sp>
+      <p:sp>
+        <p:nvSpPr>
+          <p:cNvPr id="29" name="직사각형 28"/>
+          <p:cNvSpPr/>
+          <p:nvPr/>
+        </p:nvSpPr>
+        <p:spPr>
+          <a:xfrm>
+            <a:off x="3928782" y="5414682"/>
+            <a:ext cx="515472" cy="304800"/>
+          </a:xfrm>
+          <a:prstGeom prst="rect">
+            <a:avLst/>
+          </a:prstGeom>
+          <a:solidFill>
+            <a:schemeClr val="bg2">
+              <a:lumMod val="75000"/>
+            </a:schemeClr>
+          </a:solidFill>
+        </p:spPr>
+        <p:style>
+          <a:lnRef idx="2">
+            <a:schemeClr val="accent3">
+              <a:shade val="50000"/>
+            </a:schemeClr>
+          </a:lnRef>
+          <a:fillRef idx="1">
+            <a:schemeClr val="accent3"/>
+          </a:fillRef>
+          <a:effectRef idx="0">
+            <a:schemeClr val="accent3"/>
+          </a:effectRef>
+          <a:fontRef idx="minor">
+            <a:schemeClr val="lt1"/>
+          </a:fontRef>
+        </p:style>
+        <p:txBody>
+          <a:bodyPr rtlCol="0" anchor="ctr"/>
+          <a:lstStyle/>
+          <a:p>
+            <a:pPr algn="ctr"/>
+            <a:r>
+              <a:rPr lang="ko-KR" altLang="en-US" sz="1100" dirty="0" smtClean="0"/>
+              <a:t>확</a:t>
+            </a:r>
+            <a:r>
+              <a:rPr lang="ko-KR" altLang="en-US" sz="1100" dirty="0"/>
+              <a:t>인</a:t>
+            </a:r>
+          </a:p>
+        </p:txBody>
+      </p:sp>
+      <p:sp>
+        <p:nvSpPr>
+          <p:cNvPr id="32" name="TextBox 31"/>
+          <p:cNvSpPr txBox="1"/>
+          <p:nvPr/>
+        </p:nvSpPr>
+        <p:spPr>
+          <a:xfrm>
+            <a:off x="1875867" y="3602889"/>
+            <a:ext cx="2530288" cy="276999"/>
+          </a:xfrm>
+          <a:prstGeom prst="rect">
+            <a:avLst/>
+          </a:prstGeom>
+          <a:noFill/>
+        </p:spPr>
+        <p:txBody>
+          <a:bodyPr wrap="square" rtlCol="0">
+            <a:spAutoFit/>
+          </a:bodyPr>
+          <a:lstStyle/>
+          <a:p>
+            <a:r>
+              <a:rPr lang="ko-KR" altLang="en-US" sz="1200" dirty="0" smtClean="0"/>
+              <a:t>내용 </a:t>
+            </a:r>
+            <a:r>
+              <a:rPr lang="en-US" altLang="ko-KR" sz="1200" dirty="0" smtClean="0"/>
+              <a:t>:  ----------</a:t>
+            </a:r>
+            <a:endParaRPr lang="ko-KR" altLang="en-US" sz="1200" dirty="0"/>
+          </a:p>
+        </p:txBody>
+      </p:sp>
+      <p:sp>
+        <p:nvSpPr>
+          <p:cNvPr id="33" name="TextBox 32"/>
+          <p:cNvSpPr txBox="1"/>
+          <p:nvPr/>
+        </p:nvSpPr>
+        <p:spPr>
+          <a:xfrm>
+            <a:off x="1875867" y="3164533"/>
+            <a:ext cx="2530288" cy="276999"/>
+          </a:xfrm>
+          <a:prstGeom prst="rect">
+            <a:avLst/>
+          </a:prstGeom>
+          <a:noFill/>
+        </p:spPr>
+        <p:txBody>
+          <a:bodyPr wrap="square" rtlCol="0">
+            <a:spAutoFit/>
+          </a:bodyPr>
+          <a:lstStyle/>
+          <a:p>
+            <a:r>
+              <a:rPr lang="ko-KR" altLang="en-US" sz="1200" dirty="0" smtClean="0"/>
+              <a:t>문의 대상 </a:t>
+            </a:r>
+            <a:r>
+              <a:rPr lang="en-US" altLang="ko-KR" sz="1200" dirty="0" smtClean="0"/>
+              <a:t>:  ----------</a:t>
+            </a:r>
+            <a:endParaRPr lang="ko-KR" altLang="en-US" sz="1200" dirty="0"/>
+          </a:p>
+        </p:txBody>
+      </p:sp>
+      <p:sp>
+        <p:nvSpPr>
+          <p:cNvPr id="34" name="TextBox 33"/>
+          <p:cNvSpPr txBox="1"/>
+          <p:nvPr/>
+        </p:nvSpPr>
+        <p:spPr>
+          <a:xfrm>
+            <a:off x="6642846" y="1926512"/>
+            <a:ext cx="286871" cy="369332"/>
+          </a:xfrm>
+          <a:prstGeom prst="rect">
+            <a:avLst/>
+          </a:prstGeom>
+          <a:noFill/>
+        </p:spPr>
+        <p:txBody>
+          <a:bodyPr wrap="square" rtlCol="0">
+            <a:spAutoFit/>
+          </a:bodyPr>
+          <a:lstStyle/>
+          <a:p>
+            <a:r>
+              <a:rPr lang="en-US" altLang="ko-KR" dirty="0" smtClean="0"/>
+              <a:t>X</a:t>
+            </a:r>
+            <a:endParaRPr lang="ko-KR" altLang="en-US" dirty="0"/>
+          </a:p>
+        </p:txBody>
+      </p:sp>
+      <p:graphicFrame>
+        <p:nvGraphicFramePr>
+          <p:cNvPr id="35" name="Google Shape;96;g7c553259d1_0_3"/>
+          <p:cNvGraphicFramePr/>
+          <p:nvPr>
+            <p:extLst>
+              <p:ext uri="{D42A27DB-BD31-4B8C-83A1-F6EECF244321}">
+                <p14:modId xmlns:p14="http://schemas.microsoft.com/office/powerpoint/2010/main" val="2444679966"/>
+              </p:ext>
+            </p:extLst>
+          </p:nvPr>
+        </p:nvGraphicFramePr>
+        <p:xfrm>
+          <a:off x="8758715" y="3219148"/>
+          <a:ext cx="2952330" cy="807740"/>
+        </p:xfrm>
+        <a:graphic>
+          <a:graphicData uri="http://schemas.openxmlformats.org/drawingml/2006/table">
+            <a:tbl>
+              <a:tblPr firstRow="1" bandRow="1">
+                <a:noFill/>
+              </a:tblPr>
+              <a:tblGrid>
+                <a:gridCol w="289755">
+                  <a:extLst>
+                    <a:ext uri="{9D8B030D-6E8A-4147-A177-3AD203B41FA5}">
                       <a16:colId xmlns:a16="http://schemas.microsoft.com/office/drawing/2014/main" xmlns="" val="20000"/>
                     </a:ext>
                   </a:extLst>
@@ -5928,7 +13556,7 @@
                             <a:schemeClr val="dk1"/>
                           </a:solidFill>
                         </a:rPr>
-                        <a:t>4</a:t>
+                        <a:t>6</a:t>
                       </a:r>
                       <a:endParaRPr sz="1500" u="none" strike="noStrike" cap="none" dirty="0">
                         <a:solidFill>
@@ -6004,17 +13632,12 @@
                       </a:pPr>
                       <a:r>
                         <a:rPr lang="ko-KR" altLang="en-US" sz="1300" b="0" u="none" strike="noStrike" cap="none" dirty="0" smtClean="0"/>
-                        <a:t>등록완료</a:t>
+                        <a:t>내가 문의한 내용의 상세를 확인 할 수 있다</a:t>
                       </a:r>
                       <a:r>
                         <a:rPr lang="en-US" altLang="ko-KR" sz="1300" b="0" u="none" strike="noStrike" cap="none" dirty="0" smtClean="0"/>
-                        <a:t>, </a:t>
+                        <a:t>.</a:t>
                       </a:r>
-                      <a:r>
-                        <a:rPr lang="ko-KR" altLang="en-US" sz="1300" b="0" u="none" strike="noStrike" cap="none" dirty="0" smtClean="0"/>
-                        <a:t>예약을 위한 계좌번호 발급 확인</a:t>
-                      </a:r>
-                      <a:endParaRPr lang="en-US" altLang="ko-KR" sz="1300" b="0" u="none" strike="noStrike" cap="none" dirty="0" smtClean="0"/>
                     </a:p>
                   </a:txBody>
                   <a:tcPr marL="91451" marR="91451" marT="45725" marB="45725">
@@ -6069,324 +13692,23 @@
           </a:graphicData>
         </a:graphic>
       </p:graphicFrame>
-      <p:sp>
-        <p:nvSpPr>
-          <p:cNvPr id="5" name="직사각형 4"/>
-          <p:cNvSpPr/>
-          <p:nvPr/>
-        </p:nvSpPr>
-        <p:spPr>
-          <a:xfrm>
-            <a:off x="467832" y="1237124"/>
-            <a:ext cx="8059479" cy="5387794"/>
-          </a:xfrm>
-          <a:prstGeom prst="rect">
-            <a:avLst/>
-          </a:prstGeom>
-          <a:noFill/>
-          <a:ln>
-            <a:solidFill>
-              <a:schemeClr val="tx1"/>
-            </a:solidFill>
-          </a:ln>
-        </p:spPr>
-        <p:style>
-          <a:lnRef idx="2">
-            <a:schemeClr val="accent1">
-              <a:shade val="50000"/>
-            </a:schemeClr>
-          </a:lnRef>
-          <a:fillRef idx="1">
-            <a:schemeClr val="accent1"/>
-          </a:fillRef>
-          <a:effectRef idx="0">
-            <a:schemeClr val="accent1"/>
-          </a:effectRef>
-          <a:fontRef idx="minor">
-            <a:schemeClr val="lt1"/>
-          </a:fontRef>
-        </p:style>
-        <p:txBody>
-          <a:bodyPr rtlCol="0" anchor="ctr"/>
-          <a:lstStyle/>
-          <a:p>
-            <a:pPr algn="ctr"/>
-            <a:endParaRPr lang="ko-KR" altLang="en-US"/>
-          </a:p>
-        </p:txBody>
-      </p:sp>
-      <p:sp>
-        <p:nvSpPr>
-          <p:cNvPr id="81" name="TextBox 80"/>
-          <p:cNvSpPr txBox="1"/>
-          <p:nvPr/>
-        </p:nvSpPr>
-        <p:spPr>
-          <a:xfrm>
-            <a:off x="1497880" y="2375789"/>
-            <a:ext cx="5999381" cy="1015663"/>
-          </a:xfrm>
-          <a:prstGeom prst="rect">
-            <a:avLst/>
-          </a:prstGeom>
-          <a:noFill/>
-        </p:spPr>
-        <p:txBody>
-          <a:bodyPr wrap="square" rtlCol="0">
-            <a:spAutoFit/>
-          </a:bodyPr>
-          <a:lstStyle/>
-          <a:p>
-            <a:pPr algn="ctr"/>
-            <a:r>
-              <a:rPr lang="ko-KR" altLang="en-US" sz="2000" dirty="0" smtClean="0"/>
-              <a:t>세미나 등록이 완료되었습니다</a:t>
-            </a:r>
-            <a:r>
-              <a:rPr lang="en-US" altLang="ko-KR" sz="2000" dirty="0" smtClean="0"/>
-              <a:t>!</a:t>
-            </a:r>
-          </a:p>
-          <a:p>
-            <a:pPr algn="ctr"/>
-            <a:r>
-              <a:rPr lang="ko-KR" altLang="en-US" sz="2000" dirty="0" smtClean="0"/>
-              <a:t>등록된 내용으로 예약을 진행하기 위해서 아래의 계좌번호로 입금이 필요합니다</a:t>
-            </a:r>
-            <a:r>
-              <a:rPr lang="en-US" altLang="ko-KR" sz="2000" dirty="0" smtClean="0"/>
-              <a:t>.</a:t>
-            </a:r>
-          </a:p>
-        </p:txBody>
-      </p:sp>
-      <p:sp>
-        <p:nvSpPr>
-          <p:cNvPr id="4" name="직사각형 3"/>
-          <p:cNvSpPr/>
-          <p:nvPr/>
-        </p:nvSpPr>
-        <p:spPr>
-          <a:xfrm>
-            <a:off x="4601000" y="5142156"/>
-            <a:ext cx="2022437" cy="623944"/>
-          </a:xfrm>
-          <a:prstGeom prst="rect">
-            <a:avLst/>
-          </a:prstGeom>
-        </p:spPr>
-        <p:style>
-          <a:lnRef idx="2">
-            <a:schemeClr val="accent1">
-              <a:shade val="50000"/>
-            </a:schemeClr>
-          </a:lnRef>
-          <a:fillRef idx="1">
-            <a:schemeClr val="accent1"/>
-          </a:fillRef>
-          <a:effectRef idx="0">
-            <a:schemeClr val="accent1"/>
-          </a:effectRef>
-          <a:fontRef idx="minor">
-            <a:schemeClr val="lt1"/>
-          </a:fontRef>
-        </p:style>
-        <p:txBody>
-          <a:bodyPr rtlCol="0" anchor="ctr"/>
-          <a:lstStyle/>
-          <a:p>
-            <a:pPr algn="ctr"/>
-            <a:r>
-              <a:rPr lang="ko-KR" altLang="en-US" smtClean="0"/>
-              <a:t>마이페이지</a:t>
-            </a:r>
-            <a:endParaRPr lang="ko-KR" altLang="en-US" dirty="0"/>
-          </a:p>
-        </p:txBody>
-      </p:sp>
-      <p:sp>
-        <p:nvSpPr>
-          <p:cNvPr id="46" name="직사각형 45"/>
-          <p:cNvSpPr/>
-          <p:nvPr/>
-        </p:nvSpPr>
-        <p:spPr>
-          <a:xfrm>
-            <a:off x="2199582" y="5142156"/>
-            <a:ext cx="2022437" cy="623944"/>
-          </a:xfrm>
-          <a:prstGeom prst="rect">
-            <a:avLst/>
-          </a:prstGeom>
-        </p:spPr>
-        <p:style>
-          <a:lnRef idx="2">
-            <a:schemeClr val="accent1">
-              <a:shade val="50000"/>
-            </a:schemeClr>
-          </a:lnRef>
-          <a:fillRef idx="1">
-            <a:schemeClr val="accent1"/>
-          </a:fillRef>
-          <a:effectRef idx="0">
-            <a:schemeClr val="accent1"/>
-          </a:effectRef>
-          <a:fontRef idx="minor">
-            <a:schemeClr val="lt1"/>
-          </a:fontRef>
-        </p:style>
-        <p:txBody>
-          <a:bodyPr rtlCol="0" anchor="ctr"/>
-          <a:lstStyle/>
-          <a:p>
-            <a:pPr algn="ctr"/>
-            <a:r>
-              <a:rPr lang="ko-KR" altLang="en-US" smtClean="0"/>
-              <a:t>메인화</a:t>
-            </a:r>
-            <a:r>
-              <a:rPr lang="ko-KR" altLang="en-US"/>
-              <a:t>면</a:t>
-            </a:r>
-            <a:endParaRPr lang="ko-KR" altLang="en-US" dirty="0"/>
-          </a:p>
-        </p:txBody>
-      </p:sp>
-      <p:sp>
-        <p:nvSpPr>
-          <p:cNvPr id="6" name="직사각형 5"/>
-          <p:cNvSpPr/>
-          <p:nvPr/>
-        </p:nvSpPr>
-        <p:spPr>
-          <a:xfrm>
-            <a:off x="1344706" y="3539266"/>
-            <a:ext cx="1866094" cy="849854"/>
-          </a:xfrm>
-          <a:prstGeom prst="rect">
-            <a:avLst/>
-          </a:prstGeom>
-          <a:solidFill>
-            <a:schemeClr val="bg2"/>
-          </a:solidFill>
-          <a:ln>
-            <a:solidFill>
-              <a:schemeClr val="tx1"/>
-            </a:solidFill>
-          </a:ln>
-        </p:spPr>
-        <p:style>
-          <a:lnRef idx="2">
-            <a:schemeClr val="accent1">
-              <a:shade val="50000"/>
-            </a:schemeClr>
-          </a:lnRef>
-          <a:fillRef idx="1">
-            <a:schemeClr val="accent1"/>
-          </a:fillRef>
-          <a:effectRef idx="0">
-            <a:schemeClr val="accent1"/>
-          </a:effectRef>
-          <a:fontRef idx="minor">
-            <a:schemeClr val="lt1"/>
-          </a:fontRef>
-        </p:style>
-        <p:txBody>
-          <a:bodyPr rtlCol="0" anchor="ctr"/>
-          <a:lstStyle/>
-          <a:p>
-            <a:pPr algn="ctr"/>
-            <a:r>
-              <a:rPr lang="ko-KR" altLang="en-US" dirty="0" smtClean="0">
-                <a:solidFill>
-                  <a:schemeClr val="tx1"/>
-                </a:solidFill>
-              </a:rPr>
-              <a:t>우리은행</a:t>
-            </a:r>
-            <a:endParaRPr lang="ko-KR" altLang="en-US" dirty="0">
-              <a:solidFill>
-                <a:schemeClr val="tx1"/>
-              </a:solidFill>
-            </a:endParaRPr>
-          </a:p>
-        </p:txBody>
-      </p:sp>
-      <p:sp>
-        <p:nvSpPr>
-          <p:cNvPr id="54" name="직사각형 53"/>
-          <p:cNvSpPr/>
-          <p:nvPr/>
-        </p:nvSpPr>
-        <p:spPr>
-          <a:xfrm>
-            <a:off x="3207527" y="3539266"/>
-            <a:ext cx="4451918" cy="849854"/>
-          </a:xfrm>
-          <a:prstGeom prst="rect">
-            <a:avLst/>
-          </a:prstGeom>
-          <a:noFill/>
-          <a:ln>
-            <a:solidFill>
-              <a:schemeClr val="tx1"/>
-            </a:solidFill>
-          </a:ln>
-        </p:spPr>
-        <p:style>
-          <a:lnRef idx="2">
-            <a:schemeClr val="accent1">
-              <a:shade val="50000"/>
-            </a:schemeClr>
-          </a:lnRef>
-          <a:fillRef idx="1">
-            <a:schemeClr val="accent1"/>
-          </a:fillRef>
-          <a:effectRef idx="0">
-            <a:schemeClr val="accent1"/>
-          </a:effectRef>
-          <a:fontRef idx="minor">
-            <a:schemeClr val="lt1"/>
-          </a:fontRef>
-        </p:style>
-        <p:txBody>
-          <a:bodyPr rtlCol="0" anchor="ctr"/>
-          <a:lstStyle/>
-          <a:p>
-            <a:pPr algn="ctr"/>
-            <a:r>
-              <a:rPr lang="en-US" altLang="ko-KR" dirty="0" smtClean="0">
-                <a:solidFill>
-                  <a:schemeClr val="tx1"/>
-                </a:solidFill>
-              </a:rPr>
-              <a:t>123456789-1235</a:t>
-            </a:r>
-            <a:endParaRPr lang="ko-KR" altLang="en-US" dirty="0">
-              <a:solidFill>
-                <a:schemeClr val="tx1"/>
-              </a:solidFill>
-            </a:endParaRPr>
-          </a:p>
-        </p:txBody>
-      </p:sp>
       <p:graphicFrame>
         <p:nvGraphicFramePr>
-          <p:cNvPr id="13" name="표 12"/>
+          <p:cNvPr id="31" name="표 30"/>
           <p:cNvGraphicFramePr>
             <a:graphicFrameLocks noGrp="1"/>
           </p:cNvGraphicFramePr>
           <p:nvPr>
             <p:extLst>
               <p:ext uri="{D42A27DB-BD31-4B8C-83A1-F6EECF244321}">
-                <p14:modId xmlns:p14="http://schemas.microsoft.com/office/powerpoint/2010/main" val="226774401"/>
+                <p14:modId xmlns:p14="http://schemas.microsoft.com/office/powerpoint/2010/main" val="2801327189"/>
               </p:ext>
             </p:extLst>
           </p:nvPr>
         </p:nvGraphicFramePr>
         <p:xfrm>
-          <a:off x="9138826" y="1761039"/>
-          <a:ext cx="2536708" cy="655340"/>
+          <a:off x="8961025" y="1973435"/>
+          <a:ext cx="2739907" cy="655340"/>
         </p:xfrm>
         <a:graphic>
           <a:graphicData uri="http://schemas.openxmlformats.org/drawingml/2006/table">
@@ -6395,7 +13717,7 @@
                 <a:noFill/>
               </a:tblPr>
               <a:tblGrid>
-                <a:gridCol w="2536708"/>
+                <a:gridCol w="2739907"/>
               </a:tblGrid>
               <a:tr h="168164">
                 <a:tc>
@@ -6507,7 +13829,7 @@
                             <a:schemeClr val="dk1"/>
                           </a:solidFill>
                         </a:rPr>
-                        <a:t>hj_user_w_semiReg_Done</a:t>
+                        <a:t>hj_user_w_myPage_qna</a:t>
                       </a:r>
                       <a:endParaRPr lang="en-US" altLang="ko-KR" sz="1600" b="0" u="none" strike="noStrike" cap="none" dirty="0">
                         <a:solidFill>
@@ -6565,14 +13887,14 @@
       </p:graphicFrame>
       <p:sp>
         <p:nvSpPr>
-          <p:cNvPr id="11" name="직사각형 10"/>
+          <p:cNvPr id="27" name="직사각형 26"/>
           <p:cNvSpPr/>
           <p:nvPr/>
         </p:nvSpPr>
         <p:spPr>
           <a:xfrm>
-            <a:off x="3561483" y="6145300"/>
-            <a:ext cx="217967" cy="254903"/>
+            <a:off x="1727944" y="1802979"/>
+            <a:ext cx="277906" cy="264440"/>
           </a:xfrm>
           <a:prstGeom prst="rect">
             <a:avLst/>
@@ -6603,8 +13925,8 @@
           <a:p>
             <a:pPr algn="ctr"/>
             <a:r>
-              <a:rPr lang="en-US" altLang="ko-KR" dirty="0" smtClean="0"/>
-              <a:t>4</a:t>
+              <a:rPr lang="en-US" altLang="ko-KR" dirty="0"/>
+              <a:t>6</a:t>
             </a:r>
             <a:endParaRPr lang="ko-KR" altLang="en-US" dirty="0"/>
           </a:p>
@@ -6612,7 +13934,7 @@
       </p:sp>
       <p:sp>
         <p:nvSpPr>
-          <p:cNvPr id="15" name="TextBox 14"/>
+          <p:cNvPr id="37" name="TextBox 36"/>
           <p:cNvSpPr txBox="1"/>
           <p:nvPr/>
         </p:nvSpPr>
@@ -6703,22 +14025,31 @@
               <a:t> – </a:t>
             </a:r>
             <a:r>
+              <a:rPr lang="ko-KR" altLang="en-US" sz="2500" b="1" dirty="0" err="1" smtClean="0">
+                <a:solidFill>
+                  <a:schemeClr val="bg1"/>
+                </a:solidFill>
+                <a:latin typeface="+mj-lt"/>
+              </a:rPr>
+              <a:t>마이페이지</a:t>
+            </a:r>
+            <a:r>
               <a:rPr lang="ko-KR" altLang="en-US" sz="2500" b="1" dirty="0" smtClean="0">
                 <a:solidFill>
                   <a:schemeClr val="bg1"/>
                 </a:solidFill>
                 <a:latin typeface="+mj-lt"/>
               </a:rPr>
-              <a:t>세미나등</a:t>
-            </a:r>
-            <a:r>
-              <a:rPr lang="ko-KR" altLang="en-US" sz="2500" b="1" dirty="0">
-                <a:solidFill>
-                  <a:schemeClr val="bg1"/>
-                </a:solidFill>
-                <a:latin typeface="+mj-lt"/>
-              </a:rPr>
-              <a:t>록</a:t>
+              <a:t> </a:t>
+            </a:r>
+            <a:r>
+              <a:rPr lang="en-US" altLang="ko-KR" sz="2500" b="1" dirty="0" smtClean="0">
+                <a:solidFill>
+                  <a:schemeClr val="bg1"/>
+                </a:solidFill>
+                <a:latin typeface="+mj-lt"/>
+              </a:rPr>
+              <a:t>– </a:t>
             </a:r>
             <a:r>
               <a:rPr lang="ko-KR" altLang="en-US" sz="2500" b="1" dirty="0" smtClean="0">
@@ -6727,7 +14058,7 @@
                 </a:solidFill>
                 <a:latin typeface="+mj-lt"/>
               </a:rPr>
-              <a:t> </a:t>
+              <a:t>문의사항 관리</a:t>
             </a:r>
             <a:r>
               <a:rPr lang="en-US" altLang="ko-KR" sz="2500" b="1" dirty="0" smtClean="0">
@@ -6736,7 +14067,7 @@
                 </a:solidFill>
                 <a:latin typeface="+mj-lt"/>
               </a:rPr>
-              <a:t>– </a:t>
+              <a:t>(</a:t>
             </a:r>
             <a:r>
               <a:rPr lang="ko-KR" altLang="en-US" sz="2500" b="1" dirty="0" smtClean="0">
@@ -6745,7 +14076,25 @@
                 </a:solidFill>
                 <a:latin typeface="+mj-lt"/>
               </a:rPr>
-              <a:t>완료 페이지</a:t>
+              <a:t>한 것</a:t>
+            </a:r>
+            <a:r>
+              <a:rPr lang="en-US" altLang="ko-KR" sz="2500" b="1" dirty="0" smtClean="0">
+                <a:solidFill>
+                  <a:schemeClr val="bg1"/>
+                </a:solidFill>
+                <a:latin typeface="+mj-lt"/>
+              </a:rPr>
+              <a:t>)</a:t>
+            </a:r>
+            <a:r>
+              <a:rPr lang="ko-KR" altLang="en-US" sz="2500" b="1" dirty="0" smtClean="0">
+                <a:solidFill>
+                  <a:schemeClr val="bg1"/>
+                </a:solidFill>
+                <a:latin typeface="+mj-lt"/>
+              </a:rPr>
+              <a:t> 상세 페이지</a:t>
             </a:r>
             <a:endParaRPr lang="ko-KR" altLang="en-US" sz="2500" b="1" dirty="0">
               <a:solidFill>
@@ -6759,7 +14108,7 @@
     </p:spTree>
     <p:extLst>
       <p:ext uri="{BB962C8B-B14F-4D97-AF65-F5344CB8AC3E}">
-        <p14:creationId xmlns:p14="http://schemas.microsoft.com/office/powerpoint/2010/main" val="2337003134"/>
+        <p14:creationId xmlns:p14="http://schemas.microsoft.com/office/powerpoint/2010/main" val="3046383682"/>
       </p:ext>
     </p:extLst>
   </p:cSld>
@@ -6776,7 +14125,7 @@
 </p:sld>
 </file>
 
-<file path=ppt/slides/slide13.xml><?xml version="1.0" encoding="utf-8"?>
+<file path=ppt/slides/slide19.xml><?xml version="1.0" encoding="utf-8"?>
 <p:sld xmlns:a="http://schemas.openxmlformats.org/drawingml/2006/main" xmlns:r="http://schemas.openxmlformats.org/officeDocument/2006/relationships" xmlns:p="http://schemas.openxmlformats.org/presentationml/2006/main">
   <p:cSld>
     <p:spTree>
@@ -6795,7 +14144,7 @@
       </p:grpSpPr>
       <p:sp>
         <p:nvSpPr>
-          <p:cNvPr id="62" name="TextBox 61"/>
+          <p:cNvPr id="34" name="TextBox 33"/>
           <p:cNvSpPr txBox="1"/>
           <p:nvPr/>
         </p:nvSpPr>
@@ -6838,16 +14187,16 @@
                 </a:solidFill>
                 <a:latin typeface="+mj-lt"/>
               </a:rPr>
-              <a:t>화면 구</a:t>
-            </a:r>
-            <a:r>
-              <a:rPr lang="ko-KR" altLang="en-US" sz="2500" b="1" dirty="0">
-                <a:solidFill>
-                  <a:schemeClr val="bg1"/>
-                </a:solidFill>
-                <a:latin typeface="+mj-lt"/>
-              </a:rPr>
-              <a:t>현</a:t>
+              <a:t>화면 </a:t>
+            </a:r>
+            <a:r>
+              <a:rPr lang="ko-KR" altLang="en-US" sz="2500" b="1" dirty="0" smtClean="0">
+                <a:solidFill>
+                  <a:schemeClr val="bg1"/>
+                </a:solidFill>
+                <a:latin typeface="+mj-lt"/>
+              </a:rPr>
+              <a:t>구현</a:t>
             </a:r>
             <a:r>
               <a:rPr lang="en-US" altLang="ko-KR" sz="2500" b="1" dirty="0" smtClean="0">
@@ -6895,22 +14244,31 @@
               <a:t> – </a:t>
             </a:r>
             <a:r>
+              <a:rPr lang="ko-KR" altLang="en-US" sz="2500" b="1" dirty="0" err="1" smtClean="0">
+                <a:solidFill>
+                  <a:schemeClr val="bg1"/>
+                </a:solidFill>
+                <a:latin typeface="+mj-lt"/>
+              </a:rPr>
+              <a:t>마이페이지</a:t>
+            </a:r>
+            <a:r>
               <a:rPr lang="ko-KR" altLang="en-US" sz="2500" b="1" dirty="0" smtClean="0">
                 <a:solidFill>
                   <a:schemeClr val="bg1"/>
                 </a:solidFill>
                 <a:latin typeface="+mj-lt"/>
               </a:rPr>
-              <a:t>세미나등</a:t>
-            </a:r>
-            <a:r>
-              <a:rPr lang="ko-KR" altLang="en-US" sz="2500" b="1" dirty="0">
-                <a:solidFill>
-                  <a:schemeClr val="bg1"/>
-                </a:solidFill>
-                <a:latin typeface="+mj-lt"/>
-              </a:rPr>
-              <a:t>록</a:t>
+              <a:t> </a:t>
+            </a:r>
+            <a:r>
+              <a:rPr lang="en-US" altLang="ko-KR" sz="2500" b="1" dirty="0" smtClean="0">
+                <a:solidFill>
+                  <a:schemeClr val="bg1"/>
+                </a:solidFill>
+                <a:latin typeface="+mj-lt"/>
+              </a:rPr>
+              <a:t>– </a:t>
             </a:r>
             <a:r>
               <a:rPr lang="ko-KR" altLang="en-US" sz="2500" b="1" dirty="0" smtClean="0">
@@ -6919,16 +14277,7 @@
                 </a:solidFill>
                 <a:latin typeface="+mj-lt"/>
               </a:rPr>
-              <a:t> </a:t>
-            </a:r>
-            <a:r>
-              <a:rPr lang="en-US" altLang="ko-KR" sz="2500" b="1" dirty="0" smtClean="0">
-                <a:solidFill>
-                  <a:schemeClr val="bg1"/>
-                </a:solidFill>
-                <a:latin typeface="+mj-lt"/>
-              </a:rPr>
-              <a:t>– </a:t>
+              <a:t>문의사항 </a:t>
             </a:r>
             <a:r>
               <a:rPr lang="ko-KR" altLang="en-US" sz="2500" b="1" dirty="0" smtClean="0">
@@ -6937,7 +14286,7 @@
                 </a:solidFill>
                 <a:latin typeface="+mj-lt"/>
               </a:rPr>
-              <a:t>등록 완료</a:t>
+              <a:t>관리</a:t>
             </a:r>
             <a:endParaRPr lang="ko-KR" altLang="en-US" sz="2500" b="1" dirty="0">
               <a:solidFill>
@@ -6948,43 +14297,9 @@
           </a:p>
         </p:txBody>
       </p:sp>
-      <p:sp>
-        <p:nvSpPr>
-          <p:cNvPr id="4" name="TextBox 3"/>
-          <p:cNvSpPr txBox="1"/>
-          <p:nvPr/>
-        </p:nvSpPr>
-        <p:spPr>
-          <a:xfrm>
-            <a:off x="7685314" y="2544295"/>
-            <a:ext cx="3416300" cy="646331"/>
-          </a:xfrm>
-          <a:prstGeom prst="rect">
-            <a:avLst/>
-          </a:prstGeom>
-          <a:noFill/>
-        </p:spPr>
-        <p:txBody>
-          <a:bodyPr wrap="square" rtlCol="0">
-            <a:spAutoFit/>
-          </a:bodyPr>
-          <a:lstStyle/>
-          <a:p>
-            <a:r>
-              <a:rPr lang="ko-KR" altLang="en-US" dirty="0" smtClean="0"/>
-              <a:t>세미나가 정상적으로 등록되었을 경우 이동하는 페이지</a:t>
-            </a:r>
-            <a:r>
-              <a:rPr lang="en-US" altLang="ko-KR" dirty="0" smtClean="0"/>
-              <a:t>.</a:t>
-            </a:r>
-            <a:endParaRPr lang="ko-KR" altLang="en-US" dirty="0"/>
-          </a:p>
-        </p:txBody>
-      </p:sp>
       <p:pic>
         <p:nvPicPr>
-          <p:cNvPr id="6146" name="Picture 2" descr="C:\Users\ezen-033\Desktop\세미나등록완료.PNG"/>
+          <p:cNvPr id="2051" name="Picture 3" descr="C:\Users\ezen-033\Desktop\1.PNG"/>
           <p:cNvPicPr>
             <a:picLocks noChangeAspect="1" noChangeArrowheads="1"/>
           </p:cNvPicPr>
@@ -7005,8 +14320,8 @@
         </p:blipFill>
         <p:spPr bwMode="auto">
           <a:xfrm>
-            <a:off x="312388" y="1883280"/>
-            <a:ext cx="7106226" cy="3722687"/>
+            <a:off x="470648" y="1517648"/>
+            <a:ext cx="8442868" cy="5010151"/>
           </a:xfrm>
           <a:prstGeom prst="rect">
             <a:avLst/>
@@ -7028,10 +14343,47 @@
           </a:extLst>
         </p:spPr>
       </p:pic>
+      <p:sp>
+        <p:nvSpPr>
+          <p:cNvPr id="3" name="TextBox 2"/>
+          <p:cNvSpPr txBox="1"/>
+          <p:nvPr/>
+        </p:nvSpPr>
+        <p:spPr>
+          <a:xfrm>
+            <a:off x="9062961" y="2218267"/>
+            <a:ext cx="2858106" cy="646331"/>
+          </a:xfrm>
+          <a:prstGeom prst="rect">
+            <a:avLst/>
+          </a:prstGeom>
+          <a:noFill/>
+        </p:spPr>
+        <p:txBody>
+          <a:bodyPr wrap="square" rtlCol="0">
+            <a:spAutoFit/>
+          </a:bodyPr>
+          <a:lstStyle/>
+          <a:p>
+            <a:r>
+              <a:rPr lang="ko-KR" altLang="en-US" dirty="0" smtClean="0"/>
+              <a:t>문의사항 관리</a:t>
+            </a:r>
+            <a:endParaRPr lang="en-US" altLang="ko-KR" dirty="0" smtClean="0"/>
+          </a:p>
+          <a:p>
+            <a:r>
+              <a:rPr lang="ko-KR" altLang="en-US" dirty="0" smtClean="0"/>
+              <a:t>초기페이지</a:t>
+            </a:r>
+            <a:endParaRPr lang="ko-KR" altLang="en-US" dirty="0"/>
+          </a:p>
+        </p:txBody>
+      </p:sp>
     </p:spTree>
     <p:extLst>
       <p:ext uri="{BB962C8B-B14F-4D97-AF65-F5344CB8AC3E}">
-        <p14:creationId xmlns:p14="http://schemas.microsoft.com/office/powerpoint/2010/main" val="3544152892"/>
+        <p14:creationId xmlns:p14="http://schemas.microsoft.com/office/powerpoint/2010/main" val="3850859897"/>
       </p:ext>
     </p:extLst>
   </p:cSld>
@@ -7375,6 +14727,1113 @@
   <p:clrMapOvr>
     <a:masterClrMapping/>
   </p:clrMapOvr>
+</p:sld>
+</file>
+
+<file path=ppt/slides/slide20.xml><?xml version="1.0" encoding="utf-8"?>
+<p:sld xmlns:a="http://schemas.openxmlformats.org/drawingml/2006/main" xmlns:r="http://schemas.openxmlformats.org/officeDocument/2006/relationships" xmlns:p="http://schemas.openxmlformats.org/presentationml/2006/main">
+  <p:cSld>
+    <p:spTree>
+      <p:nvGrpSpPr>
+        <p:cNvPr id="1" name="Shape 90"/>
+        <p:cNvGrpSpPr/>
+        <p:nvPr/>
+      </p:nvGrpSpPr>
+      <p:grpSpPr>
+        <a:xfrm>
+          <a:off x="0" y="0"/>
+          <a:ext cx="0" cy="0"/>
+          <a:chOff x="0" y="0"/>
+          <a:chExt cx="0" cy="0"/>
+        </a:xfrm>
+      </p:grpSpPr>
+      <p:sp>
+        <p:nvSpPr>
+          <p:cNvPr id="34" name="TextBox 33"/>
+          <p:cNvSpPr txBox="1"/>
+          <p:nvPr/>
+        </p:nvSpPr>
+        <p:spPr>
+          <a:xfrm>
+            <a:off x="470648" y="195307"/>
+            <a:ext cx="10796066" cy="477054"/>
+          </a:xfrm>
+          <a:prstGeom prst="rect">
+            <a:avLst/>
+          </a:prstGeom>
+          <a:noFill/>
+        </p:spPr>
+        <p:txBody>
+          <a:bodyPr wrap="square" rtlCol="0">
+            <a:spAutoFit/>
+          </a:bodyPr>
+          <a:lstStyle/>
+          <a:p>
+            <a:pPr lvl="0" algn="ctr">
+              <a:buClr>
+                <a:srgbClr val="000000"/>
+              </a:buClr>
+              <a:buSzPts val="1500"/>
+              <a:defRPr/>
+            </a:pPr>
+            <a:r>
+              <a:rPr lang="en-US" altLang="ko-KR" sz="2500" b="1" dirty="0" smtClean="0">
+                <a:solidFill>
+                  <a:schemeClr val="bg1"/>
+                </a:solidFill>
+                <a:latin typeface="+mj-lt"/>
+              </a:rPr>
+              <a:t>[</a:t>
+            </a:r>
+            <a:r>
+              <a:rPr lang="ko-KR" altLang="en-US" sz="2500" b="1" dirty="0" smtClean="0">
+                <a:solidFill>
+                  <a:schemeClr val="bg1"/>
+                </a:solidFill>
+                <a:latin typeface="+mj-lt"/>
+              </a:rPr>
+              <a:t>화면 </a:t>
+            </a:r>
+            <a:r>
+              <a:rPr lang="ko-KR" altLang="en-US" sz="2500" b="1" dirty="0" smtClean="0">
+                <a:solidFill>
+                  <a:schemeClr val="bg1"/>
+                </a:solidFill>
+                <a:latin typeface="+mj-lt"/>
+              </a:rPr>
+              <a:t>구현</a:t>
+            </a:r>
+            <a:r>
+              <a:rPr lang="en-US" altLang="ko-KR" sz="2500" b="1" dirty="0" smtClean="0">
+                <a:solidFill>
+                  <a:schemeClr val="bg1"/>
+                </a:solidFill>
+                <a:latin typeface="+mj-lt"/>
+              </a:rPr>
+              <a:t>] </a:t>
+            </a:r>
+            <a:r>
+              <a:rPr lang="ko-KR" altLang="en-US" sz="2500" b="1" dirty="0" smtClean="0">
+                <a:solidFill>
+                  <a:schemeClr val="bg1"/>
+                </a:solidFill>
+                <a:latin typeface="+mj-lt"/>
+              </a:rPr>
+              <a:t>사용자 </a:t>
+            </a:r>
+            <a:r>
+              <a:rPr lang="en-US" altLang="ko-KR" sz="2500" b="1" dirty="0" smtClean="0">
+                <a:solidFill>
+                  <a:schemeClr val="bg1"/>
+                </a:solidFill>
+                <a:latin typeface="+mj-lt"/>
+              </a:rPr>
+              <a:t>– </a:t>
+            </a:r>
+            <a:r>
+              <a:rPr lang="ko-KR" altLang="en-US" sz="2500" b="1" dirty="0" smtClean="0">
+                <a:solidFill>
+                  <a:schemeClr val="bg1"/>
+                </a:solidFill>
+                <a:latin typeface="+mj-lt"/>
+              </a:rPr>
+              <a:t>웹</a:t>
+            </a:r>
+            <a:r>
+              <a:rPr lang="en-US" altLang="ko-KR" sz="2500" b="1" dirty="0" smtClean="0">
+                <a:solidFill>
+                  <a:schemeClr val="bg1"/>
+                </a:solidFill>
+                <a:latin typeface="+mj-lt"/>
+              </a:rPr>
+              <a:t> – </a:t>
+            </a:r>
+            <a:r>
+              <a:rPr lang="ko-KR" altLang="en-US" sz="2500" b="1" dirty="0" err="1" smtClean="0">
+                <a:solidFill>
+                  <a:schemeClr val="bg1"/>
+                </a:solidFill>
+                <a:latin typeface="+mj-lt"/>
+              </a:rPr>
+              <a:t>마이페이지</a:t>
+            </a:r>
+            <a:r>
+              <a:rPr lang="ko-KR" altLang="en-US" sz="2500" b="1" dirty="0" smtClean="0">
+                <a:solidFill>
+                  <a:schemeClr val="bg1"/>
+                </a:solidFill>
+                <a:latin typeface="+mj-lt"/>
+              </a:rPr>
+              <a:t> </a:t>
+            </a:r>
+            <a:r>
+              <a:rPr lang="en-US" altLang="ko-KR" sz="2500" b="1" dirty="0" smtClean="0">
+                <a:solidFill>
+                  <a:schemeClr val="bg1"/>
+                </a:solidFill>
+                <a:latin typeface="+mj-lt"/>
+              </a:rPr>
+              <a:t>– </a:t>
+            </a:r>
+            <a:r>
+              <a:rPr lang="ko-KR" altLang="en-US" sz="2500" b="1" dirty="0" smtClean="0">
+                <a:solidFill>
+                  <a:schemeClr val="bg1"/>
+                </a:solidFill>
+                <a:latin typeface="+mj-lt"/>
+              </a:rPr>
+              <a:t>문의사항 </a:t>
+            </a:r>
+            <a:r>
+              <a:rPr lang="ko-KR" altLang="en-US" sz="2500" b="1" dirty="0" smtClean="0">
+                <a:solidFill>
+                  <a:schemeClr val="bg1"/>
+                </a:solidFill>
+                <a:latin typeface="+mj-lt"/>
+              </a:rPr>
+              <a:t>관리</a:t>
+            </a:r>
+            <a:endParaRPr lang="ko-KR" altLang="en-US" sz="2500" b="1" dirty="0">
+              <a:solidFill>
+                <a:schemeClr val="bg1"/>
+              </a:solidFill>
+              <a:latin typeface="+mj-lt"/>
+            </a:endParaRPr>
+          </a:p>
+        </p:txBody>
+      </p:sp>
+      <p:sp>
+        <p:nvSpPr>
+          <p:cNvPr id="3" name="TextBox 2"/>
+          <p:cNvSpPr txBox="1"/>
+          <p:nvPr/>
+        </p:nvSpPr>
+        <p:spPr>
+          <a:xfrm>
+            <a:off x="7344227" y="2491264"/>
+            <a:ext cx="4153507" cy="923330"/>
+          </a:xfrm>
+          <a:prstGeom prst="rect">
+            <a:avLst/>
+          </a:prstGeom>
+          <a:noFill/>
+        </p:spPr>
+        <p:txBody>
+          <a:bodyPr wrap="square" rtlCol="0">
+            <a:spAutoFit/>
+          </a:bodyPr>
+          <a:lstStyle/>
+          <a:p>
+            <a:r>
+              <a:rPr lang="ko-KR" altLang="en-US" dirty="0" err="1" smtClean="0"/>
+              <a:t>셀렉트메뉴로</a:t>
+            </a:r>
+            <a:r>
+              <a:rPr lang="ko-KR" altLang="en-US" dirty="0" smtClean="0"/>
+              <a:t> </a:t>
+            </a:r>
+            <a:r>
+              <a:rPr lang="en-US" altLang="ko-KR" dirty="0" smtClean="0"/>
+              <a:t>Q&amp;A, </a:t>
+            </a:r>
+            <a:r>
+              <a:rPr lang="ko-KR" altLang="en-US" dirty="0" err="1" smtClean="0"/>
+              <a:t>세미나존</a:t>
+            </a:r>
+            <a:r>
+              <a:rPr lang="en-US" altLang="ko-KR" dirty="0" smtClean="0"/>
+              <a:t>, </a:t>
+            </a:r>
+            <a:r>
+              <a:rPr lang="ko-KR" altLang="en-US" dirty="0" smtClean="0"/>
+              <a:t>세미나</a:t>
+            </a:r>
+            <a:r>
+              <a:rPr lang="en-US" altLang="ko-KR" dirty="0" smtClean="0"/>
+              <a:t>, </a:t>
+            </a:r>
+            <a:r>
+              <a:rPr lang="ko-KR" altLang="en-US" dirty="0" err="1" smtClean="0"/>
+              <a:t>밋업</a:t>
+            </a:r>
+            <a:r>
+              <a:rPr lang="ko-KR" altLang="en-US" dirty="0" smtClean="0"/>
+              <a:t> 을 고른 후</a:t>
+            </a:r>
+            <a:r>
+              <a:rPr lang="en-US" altLang="ko-KR" dirty="0" smtClean="0"/>
+              <a:t>, </a:t>
+            </a:r>
+            <a:r>
+              <a:rPr lang="ko-KR" altLang="en-US" dirty="0" smtClean="0"/>
+              <a:t>조회를 통해</a:t>
+            </a:r>
+            <a:endParaRPr lang="en-US" altLang="ko-KR" dirty="0" smtClean="0"/>
+          </a:p>
+          <a:p>
+            <a:r>
+              <a:rPr lang="ko-KR" altLang="en-US" dirty="0" smtClean="0"/>
+              <a:t>문의사항 확인가능</a:t>
+            </a:r>
+            <a:endParaRPr lang="ko-KR" altLang="en-US" dirty="0"/>
+          </a:p>
+        </p:txBody>
+      </p:sp>
+      <p:pic>
+        <p:nvPicPr>
+          <p:cNvPr id="6" name="Picture 2" descr="C:\Users\ezen-033\Desktop\문의사항2.PNG"/>
+          <p:cNvPicPr>
+            <a:picLocks noChangeAspect="1" noChangeArrowheads="1"/>
+          </p:cNvPicPr>
+          <p:nvPr/>
+        </p:nvPicPr>
+        <p:blipFill>
+          <a:blip r:embed="rId3" cstate="print">
+            <a:extLst>
+              <a:ext uri="{28A0092B-C50C-407E-A947-70E740481C1C}">
+                <a14:useLocalDpi xmlns:a14="http://schemas.microsoft.com/office/drawing/2010/main" val="0"/>
+              </a:ext>
+            </a:extLst>
+          </a:blip>
+          <a:srcRect/>
+          <a:stretch>
+            <a:fillRect/>
+          </a:stretch>
+        </p:blipFill>
+        <p:spPr bwMode="auto">
+          <a:xfrm>
+            <a:off x="174314" y="1334198"/>
+            <a:ext cx="5065888" cy="2975335"/>
+          </a:xfrm>
+          <a:prstGeom prst="rect">
+            <a:avLst/>
+          </a:prstGeom>
+          <a:noFill/>
+          <a:ln>
+            <a:solidFill>
+              <a:schemeClr val="tx1"/>
+            </a:solidFill>
+          </a:ln>
+          <a:extLst>
+            <a:ext uri="{909E8E84-426E-40DD-AFC4-6F175D3DCCD1}">
+              <a14:hiddenFill xmlns:a14="http://schemas.microsoft.com/office/drawing/2010/main">
+                <a:solidFill>
+                  <a:srgbClr val="FFFFFF"/>
+                </a:solidFill>
+              </a14:hiddenFill>
+            </a:ext>
+          </a:extLst>
+        </p:spPr>
+      </p:pic>
+      <p:pic>
+        <p:nvPicPr>
+          <p:cNvPr id="7" name="Picture 2" descr="C:\Users\ezen-033\Desktop\문의사항3.PNG"/>
+          <p:cNvPicPr>
+            <a:picLocks noChangeAspect="1" noChangeArrowheads="1"/>
+          </p:cNvPicPr>
+          <p:nvPr/>
+        </p:nvPicPr>
+        <p:blipFill>
+          <a:blip r:embed="rId4">
+            <a:extLst>
+              <a:ext uri="{28A0092B-C50C-407E-A947-70E740481C1C}">
+                <a14:useLocalDpi xmlns:a14="http://schemas.microsoft.com/office/drawing/2010/main" val="0"/>
+              </a:ext>
+            </a:extLst>
+          </a:blip>
+          <a:srcRect/>
+          <a:stretch>
+            <a:fillRect/>
+          </a:stretch>
+        </p:blipFill>
+        <p:spPr bwMode="auto">
+          <a:xfrm>
+            <a:off x="1960782" y="2952929"/>
+            <a:ext cx="5007360" cy="3028509"/>
+          </a:xfrm>
+          <a:prstGeom prst="rect">
+            <a:avLst/>
+          </a:prstGeom>
+          <a:noFill/>
+          <a:ln>
+            <a:solidFill>
+              <a:schemeClr val="tx1"/>
+            </a:solidFill>
+          </a:ln>
+          <a:extLst>
+            <a:ext uri="{909E8E84-426E-40DD-AFC4-6F175D3DCCD1}">
+              <a14:hiddenFill xmlns:a14="http://schemas.microsoft.com/office/drawing/2010/main">
+                <a:solidFill>
+                  <a:srgbClr val="FFFFFF"/>
+                </a:solidFill>
+              </a14:hiddenFill>
+            </a:ext>
+          </a:extLst>
+        </p:spPr>
+      </p:pic>
+    </p:spTree>
+    <p:extLst>
+      <p:ext uri="{BB962C8B-B14F-4D97-AF65-F5344CB8AC3E}">
+        <p14:creationId xmlns:p14="http://schemas.microsoft.com/office/powerpoint/2010/main" val="2382021332"/>
+      </p:ext>
+    </p:extLst>
+  </p:cSld>
+  <p:clrMapOvr>
+    <a:masterClrMapping/>
+  </p:clrMapOvr>
+  <p:timing>
+    <p:tnLst>
+      <p:par>
+        <p:cTn id="1" dur="indefinite" restart="never" nodeType="tmRoot"/>
+      </p:par>
+    </p:tnLst>
+  </p:timing>
+</p:sld>
+</file>
+
+<file path=ppt/slides/slide21.xml><?xml version="1.0" encoding="utf-8"?>
+<p:sld xmlns:a="http://schemas.openxmlformats.org/drawingml/2006/main" xmlns:r="http://schemas.openxmlformats.org/officeDocument/2006/relationships" xmlns:p="http://schemas.openxmlformats.org/presentationml/2006/main">
+  <p:cSld>
+    <p:spTree>
+      <p:nvGrpSpPr>
+        <p:cNvPr id="1" name="Shape 90"/>
+        <p:cNvGrpSpPr/>
+        <p:nvPr/>
+      </p:nvGrpSpPr>
+      <p:grpSpPr>
+        <a:xfrm>
+          <a:off x="0" y="0"/>
+          <a:ext cx="0" cy="0"/>
+          <a:chOff x="0" y="0"/>
+          <a:chExt cx="0" cy="0"/>
+        </a:xfrm>
+      </p:grpSpPr>
+      <p:sp>
+        <p:nvSpPr>
+          <p:cNvPr id="34" name="TextBox 33"/>
+          <p:cNvSpPr txBox="1"/>
+          <p:nvPr/>
+        </p:nvSpPr>
+        <p:spPr>
+          <a:xfrm>
+            <a:off x="470648" y="195307"/>
+            <a:ext cx="10796066" cy="477054"/>
+          </a:xfrm>
+          <a:prstGeom prst="rect">
+            <a:avLst/>
+          </a:prstGeom>
+          <a:noFill/>
+        </p:spPr>
+        <p:txBody>
+          <a:bodyPr wrap="square" rtlCol="0">
+            <a:spAutoFit/>
+          </a:bodyPr>
+          <a:lstStyle/>
+          <a:p>
+            <a:pPr lvl="0" algn="ctr">
+              <a:buClr>
+                <a:srgbClr val="000000"/>
+              </a:buClr>
+              <a:buSzPts val="1500"/>
+              <a:defRPr/>
+            </a:pPr>
+            <a:r>
+              <a:rPr lang="en-US" altLang="ko-KR" sz="2500" b="1" dirty="0" smtClean="0">
+                <a:solidFill>
+                  <a:schemeClr val="bg1"/>
+                </a:solidFill>
+                <a:latin typeface="+mj-lt"/>
+              </a:rPr>
+              <a:t>[</a:t>
+            </a:r>
+            <a:r>
+              <a:rPr lang="ko-KR" altLang="en-US" sz="2500" b="1" dirty="0" smtClean="0">
+                <a:solidFill>
+                  <a:schemeClr val="bg1"/>
+                </a:solidFill>
+                <a:latin typeface="+mj-lt"/>
+              </a:rPr>
+              <a:t>화면 </a:t>
+            </a:r>
+            <a:r>
+              <a:rPr lang="ko-KR" altLang="en-US" sz="2500" b="1" dirty="0" smtClean="0">
+                <a:solidFill>
+                  <a:schemeClr val="bg1"/>
+                </a:solidFill>
+                <a:latin typeface="+mj-lt"/>
+              </a:rPr>
+              <a:t>구현</a:t>
+            </a:r>
+            <a:r>
+              <a:rPr lang="en-US" altLang="ko-KR" sz="2500" b="1" dirty="0" smtClean="0">
+                <a:solidFill>
+                  <a:schemeClr val="bg1"/>
+                </a:solidFill>
+                <a:latin typeface="+mj-lt"/>
+              </a:rPr>
+              <a:t>] </a:t>
+            </a:r>
+            <a:r>
+              <a:rPr lang="ko-KR" altLang="en-US" sz="2500" b="1" dirty="0" smtClean="0">
+                <a:solidFill>
+                  <a:schemeClr val="bg1"/>
+                </a:solidFill>
+                <a:latin typeface="+mj-lt"/>
+              </a:rPr>
+              <a:t>사용자 </a:t>
+            </a:r>
+            <a:r>
+              <a:rPr lang="en-US" altLang="ko-KR" sz="2500" b="1" dirty="0" smtClean="0">
+                <a:solidFill>
+                  <a:schemeClr val="bg1"/>
+                </a:solidFill>
+                <a:latin typeface="+mj-lt"/>
+              </a:rPr>
+              <a:t>– </a:t>
+            </a:r>
+            <a:r>
+              <a:rPr lang="ko-KR" altLang="en-US" sz="2500" b="1" dirty="0" smtClean="0">
+                <a:solidFill>
+                  <a:schemeClr val="bg1"/>
+                </a:solidFill>
+                <a:latin typeface="+mj-lt"/>
+              </a:rPr>
+              <a:t>웹</a:t>
+            </a:r>
+            <a:r>
+              <a:rPr lang="en-US" altLang="ko-KR" sz="2500" b="1" dirty="0" smtClean="0">
+                <a:solidFill>
+                  <a:schemeClr val="bg1"/>
+                </a:solidFill>
+                <a:latin typeface="+mj-lt"/>
+              </a:rPr>
+              <a:t> – </a:t>
+            </a:r>
+            <a:r>
+              <a:rPr lang="ko-KR" altLang="en-US" sz="2500" b="1" dirty="0" err="1" smtClean="0">
+                <a:solidFill>
+                  <a:schemeClr val="bg1"/>
+                </a:solidFill>
+                <a:latin typeface="+mj-lt"/>
+              </a:rPr>
+              <a:t>마이페이지</a:t>
+            </a:r>
+            <a:r>
+              <a:rPr lang="ko-KR" altLang="en-US" sz="2500" b="1" dirty="0" smtClean="0">
+                <a:solidFill>
+                  <a:schemeClr val="bg1"/>
+                </a:solidFill>
+                <a:latin typeface="+mj-lt"/>
+              </a:rPr>
+              <a:t> </a:t>
+            </a:r>
+            <a:r>
+              <a:rPr lang="en-US" altLang="ko-KR" sz="2500" b="1" dirty="0" smtClean="0">
+                <a:solidFill>
+                  <a:schemeClr val="bg1"/>
+                </a:solidFill>
+                <a:latin typeface="+mj-lt"/>
+              </a:rPr>
+              <a:t>– </a:t>
+            </a:r>
+            <a:r>
+              <a:rPr lang="ko-KR" altLang="en-US" sz="2500" b="1" dirty="0" smtClean="0">
+                <a:solidFill>
+                  <a:schemeClr val="bg1"/>
+                </a:solidFill>
+                <a:latin typeface="+mj-lt"/>
+              </a:rPr>
+              <a:t>문의사항 </a:t>
+            </a:r>
+            <a:r>
+              <a:rPr lang="ko-KR" altLang="en-US" sz="2500" b="1" dirty="0" smtClean="0">
+                <a:solidFill>
+                  <a:schemeClr val="bg1"/>
+                </a:solidFill>
+                <a:latin typeface="+mj-lt"/>
+              </a:rPr>
+              <a:t>관리</a:t>
+            </a:r>
+            <a:endParaRPr lang="ko-KR" altLang="en-US" sz="2500" b="1" dirty="0">
+              <a:solidFill>
+                <a:schemeClr val="bg1"/>
+              </a:solidFill>
+              <a:latin typeface="+mj-lt"/>
+            </a:endParaRPr>
+          </a:p>
+        </p:txBody>
+      </p:sp>
+      <p:sp>
+        <p:nvSpPr>
+          <p:cNvPr id="3" name="TextBox 2"/>
+          <p:cNvSpPr txBox="1"/>
+          <p:nvPr/>
+        </p:nvSpPr>
+        <p:spPr>
+          <a:xfrm>
+            <a:off x="7742161" y="2155941"/>
+            <a:ext cx="4178906" cy="2308324"/>
+          </a:xfrm>
+          <a:prstGeom prst="rect">
+            <a:avLst/>
+          </a:prstGeom>
+          <a:noFill/>
+        </p:spPr>
+        <p:txBody>
+          <a:bodyPr wrap="square" rtlCol="0">
+            <a:spAutoFit/>
+          </a:bodyPr>
+          <a:lstStyle/>
+          <a:p>
+            <a:r>
+              <a:rPr lang="ko-KR" altLang="en-US" dirty="0" smtClean="0"/>
+              <a:t>기존 세미나예약 관리에서 </a:t>
+            </a:r>
+            <a:r>
+              <a:rPr lang="en-US" altLang="ko-KR" dirty="0" smtClean="0"/>
+              <a:t>JSON Data</a:t>
+            </a:r>
+            <a:r>
+              <a:rPr lang="ko-KR" altLang="en-US" dirty="0" smtClean="0"/>
+              <a:t>를 </a:t>
+            </a:r>
+            <a:r>
+              <a:rPr lang="en-US" altLang="ko-KR" dirty="0" smtClean="0"/>
+              <a:t>Element</a:t>
+            </a:r>
+            <a:r>
+              <a:rPr lang="ko-KR" altLang="en-US" dirty="0" smtClean="0"/>
+              <a:t>의 속성에 저장하였음</a:t>
+            </a:r>
+            <a:r>
+              <a:rPr lang="en-US" altLang="ko-KR" dirty="0" smtClean="0"/>
+              <a:t>.</a:t>
+            </a:r>
+          </a:p>
+          <a:p>
+            <a:endParaRPr lang="en-US" altLang="ko-KR" dirty="0" smtClean="0"/>
+          </a:p>
+          <a:p>
+            <a:endParaRPr lang="en-US" altLang="ko-KR" dirty="0" smtClean="0"/>
+          </a:p>
+          <a:p>
+            <a:r>
+              <a:rPr lang="ko-KR" altLang="en-US" dirty="0" smtClean="0"/>
+              <a:t>문의 사항 상세페이지는</a:t>
+            </a:r>
+            <a:endParaRPr lang="en-US" altLang="ko-KR" dirty="0"/>
+          </a:p>
+          <a:p>
+            <a:r>
+              <a:rPr lang="ko-KR" altLang="en-US" dirty="0" smtClean="0"/>
+              <a:t>클릭 시 해당 </a:t>
+            </a:r>
+            <a:r>
+              <a:rPr lang="ko-KR" altLang="en-US" dirty="0" err="1" smtClean="0"/>
+              <a:t>클로저</a:t>
+            </a:r>
+            <a:r>
+              <a:rPr lang="ko-KR" altLang="en-US" dirty="0" smtClean="0"/>
+              <a:t> 환경에 저장된 변수</a:t>
+            </a:r>
+            <a:r>
+              <a:rPr lang="en-US" altLang="ko-KR" dirty="0" smtClean="0"/>
+              <a:t>(JSON)</a:t>
+            </a:r>
+            <a:r>
+              <a:rPr lang="ko-KR" altLang="en-US" dirty="0" smtClean="0"/>
+              <a:t>을 로딩하여 상세 정보를 보여줌</a:t>
+            </a:r>
+            <a:r>
+              <a:rPr lang="en-US" altLang="ko-KR" dirty="0" smtClean="0"/>
+              <a:t>.</a:t>
+            </a:r>
+            <a:endParaRPr lang="ko-KR" altLang="en-US" dirty="0"/>
+          </a:p>
+        </p:txBody>
+      </p:sp>
+      <p:pic>
+        <p:nvPicPr>
+          <p:cNvPr id="5122" name="Picture 2" descr="C:\Users\ezen-033\Desktop\문의사항4.PNG"/>
+          <p:cNvPicPr>
+            <a:picLocks noChangeAspect="1" noChangeArrowheads="1"/>
+          </p:cNvPicPr>
+          <p:nvPr/>
+        </p:nvPicPr>
+        <p:blipFill>
+          <a:blip r:embed="rId3">
+            <a:extLst>
+              <a:ext uri="{28A0092B-C50C-407E-A947-70E740481C1C}">
+                <a14:useLocalDpi xmlns:a14="http://schemas.microsoft.com/office/drawing/2010/main" val="0"/>
+              </a:ext>
+            </a:extLst>
+          </a:blip>
+          <a:srcRect/>
+          <a:stretch>
+            <a:fillRect/>
+          </a:stretch>
+        </p:blipFill>
+        <p:spPr bwMode="auto">
+          <a:xfrm>
+            <a:off x="741581" y="1705749"/>
+            <a:ext cx="6747651" cy="4405585"/>
+          </a:xfrm>
+          <a:prstGeom prst="rect">
+            <a:avLst/>
+          </a:prstGeom>
+          <a:noFill/>
+          <a:ln>
+            <a:solidFill>
+              <a:schemeClr val="tx1"/>
+            </a:solidFill>
+          </a:ln>
+          <a:extLst>
+            <a:ext uri="{909E8E84-426E-40DD-AFC4-6F175D3DCCD1}">
+              <a14:hiddenFill xmlns:a14="http://schemas.microsoft.com/office/drawing/2010/main">
+                <a:solidFill>
+                  <a:srgbClr val="FFFFFF"/>
+                </a:solidFill>
+              </a14:hiddenFill>
+            </a:ext>
+          </a:extLst>
+        </p:spPr>
+      </p:pic>
+    </p:spTree>
+    <p:extLst>
+      <p:ext uri="{BB962C8B-B14F-4D97-AF65-F5344CB8AC3E}">
+        <p14:creationId xmlns:p14="http://schemas.microsoft.com/office/powerpoint/2010/main" val="3016698415"/>
+      </p:ext>
+    </p:extLst>
+  </p:cSld>
+  <p:clrMapOvr>
+    <a:masterClrMapping/>
+  </p:clrMapOvr>
+  <p:timing>
+    <p:tnLst>
+      <p:par>
+        <p:cTn id="1" dur="indefinite" restart="never" nodeType="tmRoot"/>
+      </p:par>
+    </p:tnLst>
+  </p:timing>
+</p:sld>
+</file>
+
+<file path=ppt/slides/slide22.xml><?xml version="1.0" encoding="utf-8"?>
+<p:sld xmlns:a="http://schemas.openxmlformats.org/drawingml/2006/main" xmlns:r="http://schemas.openxmlformats.org/officeDocument/2006/relationships" xmlns:p="http://schemas.openxmlformats.org/presentationml/2006/main">
+  <p:cSld>
+    <p:spTree>
+      <p:nvGrpSpPr>
+        <p:cNvPr id="1" name="Shape 90"/>
+        <p:cNvGrpSpPr/>
+        <p:nvPr/>
+      </p:nvGrpSpPr>
+      <p:grpSpPr>
+        <a:xfrm>
+          <a:off x="0" y="0"/>
+          <a:ext cx="0" cy="0"/>
+          <a:chOff x="0" y="0"/>
+          <a:chExt cx="0" cy="0"/>
+        </a:xfrm>
+      </p:grpSpPr>
+      <p:sp>
+        <p:nvSpPr>
+          <p:cNvPr id="34" name="TextBox 33"/>
+          <p:cNvSpPr txBox="1"/>
+          <p:nvPr/>
+        </p:nvSpPr>
+        <p:spPr>
+          <a:xfrm>
+            <a:off x="470648" y="195307"/>
+            <a:ext cx="10796066" cy="477054"/>
+          </a:xfrm>
+          <a:prstGeom prst="rect">
+            <a:avLst/>
+          </a:prstGeom>
+          <a:noFill/>
+        </p:spPr>
+        <p:txBody>
+          <a:bodyPr wrap="square" rtlCol="0">
+            <a:spAutoFit/>
+          </a:bodyPr>
+          <a:lstStyle/>
+          <a:p>
+            <a:pPr lvl="0" algn="ctr">
+              <a:buClr>
+                <a:srgbClr val="000000"/>
+              </a:buClr>
+              <a:buSzPts val="1500"/>
+              <a:defRPr/>
+            </a:pPr>
+            <a:r>
+              <a:rPr lang="en-US" altLang="ko-KR" sz="2500" b="1" dirty="0" smtClean="0">
+                <a:solidFill>
+                  <a:schemeClr val="bg1"/>
+                </a:solidFill>
+                <a:latin typeface="+mj-lt"/>
+              </a:rPr>
+              <a:t>[</a:t>
+            </a:r>
+            <a:r>
+              <a:rPr lang="ko-KR" altLang="en-US" sz="2500" b="1" dirty="0" smtClean="0">
+                <a:solidFill>
+                  <a:schemeClr val="bg1"/>
+                </a:solidFill>
+                <a:latin typeface="+mj-lt"/>
+              </a:rPr>
+              <a:t>화면 </a:t>
+            </a:r>
+            <a:r>
+              <a:rPr lang="ko-KR" altLang="en-US" sz="2500" b="1" dirty="0" smtClean="0">
+                <a:solidFill>
+                  <a:schemeClr val="bg1"/>
+                </a:solidFill>
+                <a:latin typeface="+mj-lt"/>
+              </a:rPr>
+              <a:t>구현</a:t>
+            </a:r>
+            <a:r>
+              <a:rPr lang="en-US" altLang="ko-KR" sz="2500" b="1" dirty="0" smtClean="0">
+                <a:solidFill>
+                  <a:schemeClr val="bg1"/>
+                </a:solidFill>
+                <a:latin typeface="+mj-lt"/>
+              </a:rPr>
+              <a:t>] </a:t>
+            </a:r>
+            <a:r>
+              <a:rPr lang="ko-KR" altLang="en-US" sz="2500" b="1" dirty="0" smtClean="0">
+                <a:solidFill>
+                  <a:schemeClr val="bg1"/>
+                </a:solidFill>
+                <a:latin typeface="+mj-lt"/>
+              </a:rPr>
+              <a:t>사용자 </a:t>
+            </a:r>
+            <a:r>
+              <a:rPr lang="en-US" altLang="ko-KR" sz="2500" b="1" dirty="0" smtClean="0">
+                <a:solidFill>
+                  <a:schemeClr val="bg1"/>
+                </a:solidFill>
+                <a:latin typeface="+mj-lt"/>
+              </a:rPr>
+              <a:t>– </a:t>
+            </a:r>
+            <a:r>
+              <a:rPr lang="ko-KR" altLang="en-US" sz="2500" b="1" dirty="0" smtClean="0">
+                <a:solidFill>
+                  <a:schemeClr val="bg1"/>
+                </a:solidFill>
+                <a:latin typeface="+mj-lt"/>
+              </a:rPr>
+              <a:t>웹</a:t>
+            </a:r>
+            <a:r>
+              <a:rPr lang="en-US" altLang="ko-KR" sz="2500" b="1" dirty="0" smtClean="0">
+                <a:solidFill>
+                  <a:schemeClr val="bg1"/>
+                </a:solidFill>
+                <a:latin typeface="+mj-lt"/>
+              </a:rPr>
+              <a:t> – </a:t>
+            </a:r>
+            <a:r>
+              <a:rPr lang="ko-KR" altLang="en-US" sz="2500" b="1" dirty="0" err="1" smtClean="0">
+                <a:solidFill>
+                  <a:schemeClr val="bg1"/>
+                </a:solidFill>
+                <a:latin typeface="+mj-lt"/>
+              </a:rPr>
+              <a:t>마이페이지</a:t>
+            </a:r>
+            <a:r>
+              <a:rPr lang="ko-KR" altLang="en-US" sz="2500" b="1" dirty="0" smtClean="0">
+                <a:solidFill>
+                  <a:schemeClr val="bg1"/>
+                </a:solidFill>
+                <a:latin typeface="+mj-lt"/>
+              </a:rPr>
+              <a:t> </a:t>
+            </a:r>
+            <a:r>
+              <a:rPr lang="en-US" altLang="ko-KR" sz="2500" b="1" dirty="0" smtClean="0">
+                <a:solidFill>
+                  <a:schemeClr val="bg1"/>
+                </a:solidFill>
+                <a:latin typeface="+mj-lt"/>
+              </a:rPr>
+              <a:t>– </a:t>
+            </a:r>
+            <a:r>
+              <a:rPr lang="ko-KR" altLang="en-US" sz="2500" b="1" dirty="0" smtClean="0">
+                <a:solidFill>
+                  <a:schemeClr val="bg1"/>
+                </a:solidFill>
+                <a:latin typeface="+mj-lt"/>
+              </a:rPr>
+              <a:t>문의사항 </a:t>
+            </a:r>
+            <a:r>
+              <a:rPr lang="ko-KR" altLang="en-US" sz="2500" b="1" dirty="0" smtClean="0">
+                <a:solidFill>
+                  <a:schemeClr val="bg1"/>
+                </a:solidFill>
+                <a:latin typeface="+mj-lt"/>
+              </a:rPr>
+              <a:t>관리</a:t>
+            </a:r>
+            <a:endParaRPr lang="ko-KR" altLang="en-US" sz="2500" b="1" dirty="0">
+              <a:solidFill>
+                <a:schemeClr val="bg1"/>
+              </a:solidFill>
+              <a:latin typeface="+mj-lt"/>
+            </a:endParaRPr>
+          </a:p>
+        </p:txBody>
+      </p:sp>
+      <p:sp>
+        <p:nvSpPr>
+          <p:cNvPr id="3" name="TextBox 2"/>
+          <p:cNvSpPr txBox="1"/>
+          <p:nvPr/>
+        </p:nvSpPr>
+        <p:spPr>
+          <a:xfrm>
+            <a:off x="7742161" y="2155941"/>
+            <a:ext cx="4178906" cy="2308324"/>
+          </a:xfrm>
+          <a:prstGeom prst="rect">
+            <a:avLst/>
+          </a:prstGeom>
+          <a:noFill/>
+        </p:spPr>
+        <p:txBody>
+          <a:bodyPr wrap="square" rtlCol="0">
+            <a:spAutoFit/>
+          </a:bodyPr>
+          <a:lstStyle/>
+          <a:p>
+            <a:r>
+              <a:rPr lang="ko-KR" altLang="en-US" dirty="0" smtClean="0"/>
+              <a:t>기존 세미나예약 관리에서 </a:t>
+            </a:r>
+            <a:r>
+              <a:rPr lang="en-US" altLang="ko-KR" dirty="0" smtClean="0"/>
+              <a:t>JSON Data</a:t>
+            </a:r>
+            <a:r>
+              <a:rPr lang="ko-KR" altLang="en-US" dirty="0" smtClean="0"/>
+              <a:t>를 </a:t>
+            </a:r>
+            <a:r>
+              <a:rPr lang="en-US" altLang="ko-KR" dirty="0" smtClean="0"/>
+              <a:t>Element</a:t>
+            </a:r>
+            <a:r>
+              <a:rPr lang="ko-KR" altLang="en-US" dirty="0" smtClean="0"/>
+              <a:t>의 속성에 저장하였음</a:t>
+            </a:r>
+            <a:r>
+              <a:rPr lang="en-US" altLang="ko-KR" dirty="0" smtClean="0"/>
+              <a:t>.</a:t>
+            </a:r>
+          </a:p>
+          <a:p>
+            <a:endParaRPr lang="en-US" altLang="ko-KR" dirty="0" smtClean="0"/>
+          </a:p>
+          <a:p>
+            <a:endParaRPr lang="en-US" altLang="ko-KR" dirty="0" smtClean="0"/>
+          </a:p>
+          <a:p>
+            <a:r>
+              <a:rPr lang="ko-KR" altLang="en-US" dirty="0" smtClean="0"/>
+              <a:t>문의 사항 상세페이지는</a:t>
+            </a:r>
+            <a:endParaRPr lang="en-US" altLang="ko-KR" dirty="0"/>
+          </a:p>
+          <a:p>
+            <a:r>
+              <a:rPr lang="ko-KR" altLang="en-US" dirty="0" smtClean="0"/>
+              <a:t>클릭 시 해당 </a:t>
+            </a:r>
+            <a:r>
+              <a:rPr lang="ko-KR" altLang="en-US" dirty="0" err="1" smtClean="0"/>
+              <a:t>클로저</a:t>
+            </a:r>
+            <a:r>
+              <a:rPr lang="ko-KR" altLang="en-US" dirty="0" smtClean="0"/>
+              <a:t> 환경에 저장된 변수</a:t>
+            </a:r>
+            <a:r>
+              <a:rPr lang="en-US" altLang="ko-KR" dirty="0" smtClean="0"/>
+              <a:t>(JSON)</a:t>
+            </a:r>
+            <a:r>
+              <a:rPr lang="ko-KR" altLang="en-US" dirty="0" smtClean="0"/>
+              <a:t>을 로딩하여 상세 정보를 보여줌</a:t>
+            </a:r>
+            <a:r>
+              <a:rPr lang="en-US" altLang="ko-KR" dirty="0" smtClean="0"/>
+              <a:t>.</a:t>
+            </a:r>
+            <a:endParaRPr lang="ko-KR" altLang="en-US" dirty="0"/>
+          </a:p>
+        </p:txBody>
+      </p:sp>
+      <p:pic>
+        <p:nvPicPr>
+          <p:cNvPr id="6146" name="Picture 2" descr="C:\Users\ezen-033\Desktop\클로저1.PNG"/>
+          <p:cNvPicPr>
+            <a:picLocks noChangeAspect="1" noChangeArrowheads="1"/>
+          </p:cNvPicPr>
+          <p:nvPr/>
+        </p:nvPicPr>
+        <p:blipFill>
+          <a:blip r:embed="rId3">
+            <a:extLst>
+              <a:ext uri="{28A0092B-C50C-407E-A947-70E740481C1C}">
+                <a14:useLocalDpi xmlns:a14="http://schemas.microsoft.com/office/drawing/2010/main" val="0"/>
+              </a:ext>
+            </a:extLst>
+          </a:blip>
+          <a:srcRect/>
+          <a:stretch>
+            <a:fillRect/>
+          </a:stretch>
+        </p:blipFill>
+        <p:spPr bwMode="auto">
+          <a:xfrm>
+            <a:off x="735012" y="1933575"/>
+            <a:ext cx="6116637" cy="3295650"/>
+          </a:xfrm>
+          <a:prstGeom prst="rect">
+            <a:avLst/>
+          </a:prstGeom>
+          <a:noFill/>
+          <a:ln>
+            <a:solidFill>
+              <a:schemeClr val="tx1"/>
+            </a:solidFill>
+          </a:ln>
+          <a:extLst>
+            <a:ext uri="{909E8E84-426E-40DD-AFC4-6F175D3DCCD1}">
+              <a14:hiddenFill xmlns:a14="http://schemas.microsoft.com/office/drawing/2010/main">
+                <a:solidFill>
+                  <a:srgbClr val="FFFFFF"/>
+                </a:solidFill>
+              </a14:hiddenFill>
+            </a:ext>
+          </a:extLst>
+        </p:spPr>
+      </p:pic>
+      <p:sp>
+        <p:nvSpPr>
+          <p:cNvPr id="2" name="직사각형 1"/>
+          <p:cNvSpPr/>
+          <p:nvPr/>
+        </p:nvSpPr>
+        <p:spPr>
+          <a:xfrm>
+            <a:off x="1490133" y="4670532"/>
+            <a:ext cx="1684867" cy="206268"/>
+          </a:xfrm>
+          <a:prstGeom prst="rect">
+            <a:avLst/>
+          </a:prstGeom>
+          <a:noFill/>
+          <a:ln>
+            <a:solidFill>
+              <a:srgbClr val="FF0000"/>
+            </a:solidFill>
+          </a:ln>
+        </p:spPr>
+        <p:style>
+          <a:lnRef idx="2">
+            <a:schemeClr val="accent1">
+              <a:shade val="50000"/>
+            </a:schemeClr>
+          </a:lnRef>
+          <a:fillRef idx="1">
+            <a:schemeClr val="accent1"/>
+          </a:fillRef>
+          <a:effectRef idx="0">
+            <a:schemeClr val="accent1"/>
+          </a:effectRef>
+          <a:fontRef idx="minor">
+            <a:schemeClr val="lt1"/>
+          </a:fontRef>
+        </p:style>
+        <p:txBody>
+          <a:bodyPr rtlCol="0" anchor="ctr"/>
+          <a:lstStyle/>
+          <a:p>
+            <a:pPr algn="ctr"/>
+            <a:endParaRPr lang="ko-KR" altLang="en-US"/>
+          </a:p>
+        </p:txBody>
+      </p:sp>
+      <p:sp>
+        <p:nvSpPr>
+          <p:cNvPr id="7" name="직사각형 6"/>
+          <p:cNvSpPr/>
+          <p:nvPr/>
+        </p:nvSpPr>
+        <p:spPr>
+          <a:xfrm>
+            <a:off x="2108464" y="1949673"/>
+            <a:ext cx="592404" cy="206268"/>
+          </a:xfrm>
+          <a:prstGeom prst="rect">
+            <a:avLst/>
+          </a:prstGeom>
+          <a:noFill/>
+          <a:ln>
+            <a:solidFill>
+              <a:srgbClr val="FF0000"/>
+            </a:solidFill>
+          </a:ln>
+        </p:spPr>
+        <p:style>
+          <a:lnRef idx="2">
+            <a:schemeClr val="accent1">
+              <a:shade val="50000"/>
+            </a:schemeClr>
+          </a:lnRef>
+          <a:fillRef idx="1">
+            <a:schemeClr val="accent1"/>
+          </a:fillRef>
+          <a:effectRef idx="0">
+            <a:schemeClr val="accent1"/>
+          </a:effectRef>
+          <a:fontRef idx="minor">
+            <a:schemeClr val="lt1"/>
+          </a:fontRef>
+        </p:style>
+        <p:txBody>
+          <a:bodyPr rtlCol="0" anchor="ctr"/>
+          <a:lstStyle/>
+          <a:p>
+            <a:pPr algn="ctr"/>
+            <a:endParaRPr lang="ko-KR" altLang="en-US"/>
+          </a:p>
+        </p:txBody>
+      </p:sp>
+    </p:spTree>
+    <p:extLst>
+      <p:ext uri="{BB962C8B-B14F-4D97-AF65-F5344CB8AC3E}">
+        <p14:creationId xmlns:p14="http://schemas.microsoft.com/office/powerpoint/2010/main" val="1515971899"/>
+      </p:ext>
+    </p:extLst>
+  </p:cSld>
+  <p:clrMapOvr>
+    <a:masterClrMapping/>
+  </p:clrMapOvr>
+  <p:timing>
+    <p:tnLst>
+      <p:par>
+        <p:cTn id="1" dur="indefinite" restart="never" nodeType="tmRoot"/>
+      </p:par>
+    </p:tnLst>
+  </p:timing>
 </p:sld>
 </file>
 
@@ -7730,14 +16189,14 @@
                 <a:gridCol w="289755">
                   <a:extLst>
                     <a:ext uri="{9D8B030D-6E8A-4147-A177-3AD203B41FA5}">
-                      <a16:colId xmlns:a16="http://schemas.microsoft.com/office/drawing/2014/main" xmlns="" val="20000"/>
+                      <a16:colId xmlns="" xmlns:a16="http://schemas.microsoft.com/office/drawing/2014/main" val="20000"/>
                     </a:ext>
                   </a:extLst>
                 </a:gridCol>
                 <a:gridCol w="2662575">
                   <a:extLst>
                     <a:ext uri="{9D8B030D-6E8A-4147-A177-3AD203B41FA5}">
-                      <a16:colId xmlns:a16="http://schemas.microsoft.com/office/drawing/2014/main" xmlns="" val="20001"/>
+                      <a16:colId xmlns="" xmlns:a16="http://schemas.microsoft.com/office/drawing/2014/main" val="20001"/>
                     </a:ext>
                   </a:extLst>
                 </a:gridCol>
@@ -7895,7 +16354,7 @@
                 </a:tc>
                 <a:extLst>
                   <a:ext uri="{0D108BD9-81ED-4DB2-BD59-A6C34878D82A}">
-                    <a16:rowId xmlns:a16="http://schemas.microsoft.com/office/drawing/2014/main" xmlns="" val="10000"/>
+                    <a16:rowId xmlns="" xmlns:a16="http://schemas.microsoft.com/office/drawing/2014/main" val="10000"/>
                   </a:ext>
                 </a:extLst>
               </a:tr>
@@ -8113,7 +16572,7 @@
                 </a:tc>
                 <a:extLst>
                   <a:ext uri="{0D108BD9-81ED-4DB2-BD59-A6C34878D82A}">
-                    <a16:rowId xmlns:a16="http://schemas.microsoft.com/office/drawing/2014/main" xmlns="" val="10001"/>
+                    <a16:rowId xmlns="" xmlns:a16="http://schemas.microsoft.com/office/drawing/2014/main" val="10001"/>
                   </a:ext>
                 </a:extLst>
               </a:tr>
@@ -8274,7 +16733,7 @@
                 </a:tc>
                 <a:extLst>
                   <a:ext uri="{0D108BD9-81ED-4DB2-BD59-A6C34878D82A}">
-                    <a16:rowId xmlns:a16="http://schemas.microsoft.com/office/drawing/2014/main" xmlns="" val="10002"/>
+                    <a16:rowId xmlns="" xmlns:a16="http://schemas.microsoft.com/office/drawing/2014/main" val="10002"/>
                   </a:ext>
                 </a:extLst>
               </a:tr>
@@ -8568,7 +17027,7 @@
                 </a:tc>
                 <a:extLst>
                   <a:ext uri="{0D108BD9-81ED-4DB2-BD59-A6C34878D82A}">
-                    <a16:rowId xmlns:a16="http://schemas.microsoft.com/office/drawing/2014/main" xmlns="" val="10003"/>
+                    <a16:rowId xmlns="" xmlns:a16="http://schemas.microsoft.com/office/drawing/2014/main" val="10003"/>
                   </a:ext>
                 </a:extLst>
               </a:tr>
@@ -10029,8 +18488,8 @@
         </p:blipFill>
         <p:spPr>
           <a:xfrm>
-            <a:off x="2010707" y="886492"/>
-            <a:ext cx="3283814" cy="5844508"/>
+            <a:off x="1604307" y="1574800"/>
+            <a:ext cx="2897079" cy="5156200"/>
           </a:xfrm>
           <a:prstGeom prst="rect">
             <a:avLst/>
@@ -10173,14 +18632,14 @@
                 <a:gridCol w="289755">
                   <a:extLst>
                     <a:ext uri="{9D8B030D-6E8A-4147-A177-3AD203B41FA5}">
-                      <a16:colId xmlns:a16="http://schemas.microsoft.com/office/drawing/2014/main" xmlns="" val="20000"/>
+                      <a16:colId xmlns="" xmlns:a16="http://schemas.microsoft.com/office/drawing/2014/main" val="20000"/>
                     </a:ext>
                   </a:extLst>
                 </a:gridCol>
                 <a:gridCol w="2662575">
                   <a:extLst>
                     <a:ext uri="{9D8B030D-6E8A-4147-A177-3AD203B41FA5}">
-                      <a16:colId xmlns:a16="http://schemas.microsoft.com/office/drawing/2014/main" xmlns="" val="20001"/>
+                      <a16:colId xmlns="" xmlns:a16="http://schemas.microsoft.com/office/drawing/2014/main" val="20001"/>
                     </a:ext>
                   </a:extLst>
                 </a:gridCol>
@@ -10338,7 +18797,7 @@
                 </a:tc>
                 <a:extLst>
                   <a:ext uri="{0D108BD9-81ED-4DB2-BD59-A6C34878D82A}">
-                    <a16:rowId xmlns:a16="http://schemas.microsoft.com/office/drawing/2014/main" xmlns="" val="10000"/>
+                    <a16:rowId xmlns="" xmlns:a16="http://schemas.microsoft.com/office/drawing/2014/main" val="10000"/>
                   </a:ext>
                 </a:extLst>
               </a:tr>
@@ -10504,7 +18963,7 @@
                 </a:tc>
                 <a:extLst>
                   <a:ext uri="{0D108BD9-81ED-4DB2-BD59-A6C34878D82A}">
-                    <a16:rowId xmlns:a16="http://schemas.microsoft.com/office/drawing/2014/main" xmlns="" val="10001"/>
+                    <a16:rowId xmlns="" xmlns:a16="http://schemas.microsoft.com/office/drawing/2014/main" val="10001"/>
                   </a:ext>
                 </a:extLst>
               </a:tr>
@@ -11320,14 +19779,14 @@
                 <a:gridCol w="289755">
                   <a:extLst>
                     <a:ext uri="{9D8B030D-6E8A-4147-A177-3AD203B41FA5}">
-                      <a16:colId xmlns:a16="http://schemas.microsoft.com/office/drawing/2014/main" xmlns="" val="20000"/>
+                      <a16:colId xmlns="" xmlns:a16="http://schemas.microsoft.com/office/drawing/2014/main" val="20000"/>
                     </a:ext>
                   </a:extLst>
                 </a:gridCol>
                 <a:gridCol w="2662575">
                   <a:extLst>
                     <a:ext uri="{9D8B030D-6E8A-4147-A177-3AD203B41FA5}">
-                      <a16:colId xmlns:a16="http://schemas.microsoft.com/office/drawing/2014/main" xmlns="" val="20001"/>
+                      <a16:colId xmlns="" xmlns:a16="http://schemas.microsoft.com/office/drawing/2014/main" val="20001"/>
                     </a:ext>
                   </a:extLst>
                 </a:gridCol>
@@ -11485,7 +19944,7 @@
                 </a:tc>
                 <a:extLst>
                   <a:ext uri="{0D108BD9-81ED-4DB2-BD59-A6C34878D82A}">
-                    <a16:rowId xmlns:a16="http://schemas.microsoft.com/office/drawing/2014/main" xmlns="" val="10000"/>
+                    <a16:rowId xmlns="" xmlns:a16="http://schemas.microsoft.com/office/drawing/2014/main" val="10000"/>
                   </a:ext>
                 </a:extLst>
               </a:tr>
@@ -11646,7 +20105,7 @@
                 </a:tc>
                 <a:extLst>
                   <a:ext uri="{0D108BD9-81ED-4DB2-BD59-A6C34878D82A}">
-                    <a16:rowId xmlns:a16="http://schemas.microsoft.com/office/drawing/2014/main" xmlns="" val="10001"/>
+                    <a16:rowId xmlns="" xmlns:a16="http://schemas.microsoft.com/office/drawing/2014/main" val="10001"/>
                   </a:ext>
                 </a:extLst>
               </a:tr>
@@ -11858,7 +20317,7 @@
                 </a:tc>
                 <a:extLst>
                   <a:ext uri="{0D108BD9-81ED-4DB2-BD59-A6C34878D82A}">
-                    <a16:rowId xmlns:a16="http://schemas.microsoft.com/office/drawing/2014/main" xmlns="" val="10002"/>
+                    <a16:rowId xmlns="" xmlns:a16="http://schemas.microsoft.com/office/drawing/2014/main" val="10002"/>
                   </a:ext>
                 </a:extLst>
               </a:tr>
@@ -12027,7 +20486,7 @@
                 </a:tc>
                 <a:extLst>
                   <a:ext uri="{0D108BD9-81ED-4DB2-BD59-A6C34878D82A}">
-                    <a16:rowId xmlns:a16="http://schemas.microsoft.com/office/drawing/2014/main" xmlns="" val="10003"/>
+                    <a16:rowId xmlns="" xmlns:a16="http://schemas.microsoft.com/office/drawing/2014/main" val="10003"/>
                   </a:ext>
                 </a:extLst>
               </a:tr>
@@ -15331,7 +23790,7 @@
   <a:extraClrSchemeLst/>
   <a:extLst>
     <a:ext uri="{05A4C25C-085E-4340-85A3-A5531E510DB2}">
-      <thm15:themeFamily xmlns:thm15="http://schemas.microsoft.com/office/thememl/2012/main" xmlns="" name="Office Theme" id="{62F939B6-93AF-4DB8-9C6B-D6C7DFDC589F}" vid="{4A3C46E8-61CC-4603-A589-7422A47A8E4A}"/>
+      <thm15:themeFamily xmlns="" xmlns:thm15="http://schemas.microsoft.com/office/thememl/2012/main" name="Office Theme" id="{62F939B6-93AF-4DB8-9C6B-D6C7DFDC589F}" vid="{4A3C46E8-61CC-4603-A589-7422A47A8E4A}"/>
     </a:ext>
   </a:extLst>
 </a:theme>
@@ -15592,7 +24051,7 @@
   <a:extraClrSchemeLst/>
   <a:extLst>
     <a:ext uri="{05A4C25C-085E-4340-85A3-A5531E510DB2}">
-      <thm15:themeFamily xmlns:thm15="http://schemas.microsoft.com/office/thememl/2012/main" xmlns="" name="Office Theme" id="{62F939B6-93AF-4DB8-9C6B-D6C7DFDC589F}" vid="{4A3C46E8-61CC-4603-A589-7422A47A8E4A}"/>
+      <thm15:themeFamily xmlns="" xmlns:thm15="http://schemas.microsoft.com/office/thememl/2012/main" name="Office Theme" id="{62F939B6-93AF-4DB8-9C6B-D6C7DFDC589F}" vid="{4A3C46E8-61CC-4603-A589-7422A47A8E4A}"/>
     </a:ext>
   </a:extLst>
 </a:theme>
